--- a/PPT 발표자료/UCPC_2018_예선/창현.pptx
+++ b/PPT 발표자료/UCPC_2018_예선/창현.pptx
@@ -9,6 +9,12 @@
     <p:sldId id="257" r:id="rId3"/>
     <p:sldId id="258" r:id="rId4"/>
     <p:sldId id="259" r:id="rId5"/>
+    <p:sldId id="261" r:id="rId6"/>
+    <p:sldId id="262" r:id="rId7"/>
+    <p:sldId id="263" r:id="rId8"/>
+    <p:sldId id="264" r:id="rId9"/>
+    <p:sldId id="265" r:id="rId10"/>
+    <p:sldId id="266" r:id="rId11"/>
   </p:sldIdLst>
   <p:sldSz cx="12192000" cy="6858000"/>
   <p:notesSz cx="6858000" cy="9144000"/>
@@ -107,6 +113,11 @@
       </a:defRPr>
     </a:lvl9pPr>
   </p:defaultTextStyle>
+  <p:extLst>
+    <p:ext uri="{EFAFB233-063F-42B5-8137-9DF3F51BA10A}">
+      <p15:sldGuideLst xmlns:p15="http://schemas.microsoft.com/office/powerpoint/2012/main"/>
+    </p:ext>
+  </p:extLst>
 </p:presentation>
 </file>
 
@@ -348,7 +359,7 @@
           <a:p>
             <a:fld id="{ED291B17-9318-49DB-B28B-6E5994AE9581}" type="datetime1">
               <a:rPr lang="en-US" smtClean="0"/>
-              <a:t>7/5/2019</a:t>
+              <a:t>7/8/2019</a:t>
             </a:fld>
             <a:endParaRPr lang="en-US" dirty="0"/>
           </a:p>
@@ -551,7 +562,7 @@
           <a:p>
             <a:fld id="{2CED4963-E985-44C4-B8C4-FDD613B7C2F8}" type="datetime1">
               <a:rPr lang="en-US" smtClean="0"/>
-              <a:t>7/5/2019</a:t>
+              <a:t>7/8/2019</a:t>
             </a:fld>
             <a:endParaRPr lang="en-US" dirty="0"/>
           </a:p>
@@ -913,7 +924,7 @@
           <a:p>
             <a:fld id="{ED291B17-9318-49DB-B28B-6E5994AE9581}" type="datetime1">
               <a:rPr lang="en-US" smtClean="0"/>
-              <a:t>7/5/2019</a:t>
+              <a:t>7/8/2019</a:t>
             </a:fld>
             <a:endParaRPr lang="en-US" dirty="0"/>
           </a:p>
@@ -1111,7 +1122,7 @@
           <a:p>
             <a:fld id="{78DD82B9-B8EE-4375-B6FF-88FA6ABB15D9}" type="datetime1">
               <a:rPr lang="en-US" smtClean="0"/>
-              <a:t>7/5/2019</a:t>
+              <a:t>7/8/2019</a:t>
             </a:fld>
             <a:endParaRPr lang="en-US" dirty="0"/>
           </a:p>
@@ -1423,7 +1434,7 @@
           <a:p>
             <a:fld id="{B2497495-0637-405E-AE64-5CC7506D51F5}" type="datetime1">
               <a:rPr lang="en-US" smtClean="0"/>
-              <a:t>7/5/2019</a:t>
+              <a:t>7/8/2019</a:t>
             </a:fld>
             <a:endParaRPr lang="en-US" dirty="0"/>
           </a:p>
@@ -1676,7 +1687,7 @@
           <a:p>
             <a:fld id="{7BFFD690-9426-415D-8B65-26881E07B2D4}" type="datetime1">
               <a:rPr lang="en-US" smtClean="0"/>
-              <a:t>7/5/2019</a:t>
+              <a:t>7/8/2019</a:t>
             </a:fld>
             <a:endParaRPr lang="en-US" dirty="0"/>
           </a:p>
@@ -2098,7 +2109,7 @@
           <a:p>
             <a:fld id="{04C4989A-474C-40DE-95B9-011C28B71673}" type="datetime1">
               <a:rPr lang="en-US" smtClean="0"/>
-              <a:t>7/5/2019</a:t>
+              <a:t>7/8/2019</a:t>
             </a:fld>
             <a:endParaRPr lang="en-US" dirty="0"/>
           </a:p>
@@ -2221,7 +2232,7 @@
           <a:p>
             <a:fld id="{5DB4ED54-5B5E-4A04-93D3-5772E3CE3818}" type="datetime1">
               <a:rPr lang="en-US" smtClean="0"/>
-              <a:t>7/5/2019</a:t>
+              <a:t>7/8/2019</a:t>
             </a:fld>
             <a:endParaRPr lang="en-US" dirty="0"/>
           </a:p>
@@ -2316,7 +2327,7 @@
           <a:p>
             <a:fld id="{4EDE50D6-574B-40AF-946F-D52A04ADE379}" type="datetime1">
               <a:rPr lang="en-US" smtClean="0"/>
-              <a:t>7/5/2019</a:t>
+              <a:t>7/8/2019</a:t>
             </a:fld>
             <a:endParaRPr lang="en-US" dirty="0"/>
           </a:p>
@@ -2693,7 +2704,7 @@
           <a:p>
             <a:fld id="{D82884F1-FFEA-405F-9602-3DCA865EDA4E}" type="datetime1">
               <a:rPr lang="en-US" smtClean="0"/>
-              <a:t>7/5/2019</a:t>
+              <a:t>7/8/2019</a:t>
             </a:fld>
             <a:endParaRPr lang="en-US" dirty="0"/>
           </a:p>
@@ -2986,7 +2997,7 @@
           <a:p>
             <a:fld id="{7E18DB4A-8810-4A10-AD5C-D5E2C667F5B3}" type="datetime1">
               <a:rPr lang="en-US" smtClean="0"/>
-              <a:t>7/5/2019</a:t>
+              <a:t>7/8/2019</a:t>
             </a:fld>
             <a:endParaRPr lang="en-US" dirty="0"/>
           </a:p>
@@ -3201,7 +3212,7 @@
           <a:p>
             <a:fld id="{ED291B17-9318-49DB-B28B-6E5994AE9581}" type="datetime1">
               <a:rPr lang="en-US" smtClean="0"/>
-              <a:t>7/5/2019</a:t>
+              <a:t>7/8/2019</a:t>
             </a:fld>
             <a:endParaRPr lang="en-US" dirty="0"/>
           </a:p>
@@ -4132,6 +4143,271 @@
 </p:sld>
 </file>
 
+<file path=ppt/slides/slide10.xml><?xml version="1.0" encoding="utf-8"?>
+<p:sld xmlns:a="http://schemas.openxmlformats.org/drawingml/2006/main" xmlns:r="http://schemas.openxmlformats.org/officeDocument/2006/relationships" xmlns:p="http://schemas.openxmlformats.org/presentationml/2006/main">
+  <p:cSld>
+    <p:spTree>
+      <p:nvGrpSpPr>
+        <p:cNvPr id="1" name=""/>
+        <p:cNvGrpSpPr/>
+        <p:nvPr/>
+      </p:nvGrpSpPr>
+      <p:grpSpPr>
+        <a:xfrm>
+          <a:off x="0" y="0"/>
+          <a:ext cx="0" cy="0"/>
+          <a:chOff x="0" y="0"/>
+          <a:chExt cx="0" cy="0"/>
+        </a:xfrm>
+      </p:grpSpPr>
+      <p:sp>
+        <p:nvSpPr>
+          <p:cNvPr id="4" name="TextBox 3">
+            <a:extLst>
+              <a:ext uri="{FF2B5EF4-FFF2-40B4-BE49-F238E27FC236}">
+                <a16:creationId xmlns:a16="http://schemas.microsoft.com/office/drawing/2014/main" id="{867A7A21-87C6-415F-8954-4CE0C99FC6CC}"/>
+              </a:ext>
+            </a:extLst>
+          </p:cNvPr>
+          <p:cNvSpPr txBox="1"/>
+          <p:nvPr/>
+        </p:nvSpPr>
+        <p:spPr>
+          <a:xfrm>
+            <a:off x="439646" y="0"/>
+            <a:ext cx="11312708" cy="461665"/>
+          </a:xfrm>
+          <a:prstGeom prst="rect">
+            <a:avLst/>
+          </a:prstGeom>
+          <a:noFill/>
+        </p:spPr>
+        <p:txBody>
+          <a:bodyPr wrap="square" rtlCol="0">
+            <a:spAutoFit/>
+          </a:bodyPr>
+          <a:lstStyle/>
+          <a:p>
+            <a:r>
+              <a:rPr lang="en-US" altLang="ko-KR" sz="2400" dirty="0"/>
+              <a:t>15899 </a:t>
+            </a:r>
+            <a:r>
+              <a:rPr lang="ko-KR" altLang="en-US" sz="2400" dirty="0"/>
+              <a:t>트리와 색깔</a:t>
+            </a:r>
+          </a:p>
+        </p:txBody>
+      </p:sp>
+      <p:sp>
+        <p:nvSpPr>
+          <p:cNvPr id="6" name="TextBox 5">
+            <a:extLst>
+              <a:ext uri="{FF2B5EF4-FFF2-40B4-BE49-F238E27FC236}">
+                <a16:creationId xmlns:a16="http://schemas.microsoft.com/office/drawing/2014/main" id="{74E49943-A862-4C93-828B-C6EA6C787219}"/>
+              </a:ext>
+            </a:extLst>
+          </p:cNvPr>
+          <p:cNvSpPr txBox="1"/>
+          <p:nvPr/>
+        </p:nvSpPr>
+        <p:spPr>
+          <a:xfrm>
+            <a:off x="439645" y="887074"/>
+            <a:ext cx="11275207" cy="1477328"/>
+          </a:xfrm>
+          <a:prstGeom prst="rect">
+            <a:avLst/>
+          </a:prstGeom>
+          <a:noFill/>
+        </p:spPr>
+        <p:txBody>
+          <a:bodyPr wrap="square" rtlCol="0">
+            <a:spAutoFit/>
+          </a:bodyPr>
+          <a:lstStyle/>
+          <a:p>
+            <a:r>
+              <a:rPr lang="ko-KR" altLang="en-US" dirty="0" err="1"/>
+              <a:t>링크드</a:t>
+            </a:r>
+            <a:r>
+              <a:rPr lang="ko-KR" altLang="en-US" dirty="0"/>
+              <a:t> 리스트</a:t>
+            </a:r>
+            <a:r>
+              <a:rPr lang="en-US" altLang="ko-KR" dirty="0"/>
+              <a:t>: </a:t>
+            </a:r>
+          </a:p>
+          <a:p>
+            <a:endParaRPr lang="en-US" altLang="ko-KR" dirty="0"/>
+          </a:p>
+          <a:p>
+            <a:r>
+              <a:rPr lang="ko-KR" altLang="en-US" dirty="0">
+                <a:latin typeface="맑은 고딕" panose="020B0503020000020004" pitchFamily="50" charset="-127"/>
+                <a:ea typeface="맑은 고딕" panose="020B0503020000020004" pitchFamily="50" charset="-127"/>
+              </a:rPr>
+              <a:t>이 방식의 한계 </a:t>
+            </a:r>
+            <a:r>
+              <a:rPr lang="en-US" altLang="ko-KR" dirty="0">
+                <a:latin typeface="맑은 고딕" panose="020B0503020000020004" pitchFamily="50" charset="-127"/>
+                <a:ea typeface="맑은 고딕" panose="020B0503020000020004" pitchFamily="50" charset="-127"/>
+              </a:rPr>
+              <a:t>:</a:t>
+            </a:r>
+          </a:p>
+          <a:p>
+            <a:r>
+              <a:rPr lang="ko-KR" altLang="en-US" dirty="0">
+                <a:latin typeface="맑은 고딕" panose="020B0503020000020004" pitchFamily="50" charset="-127"/>
+                <a:ea typeface="맑은 고딕" panose="020B0503020000020004" pitchFamily="50" charset="-127"/>
+              </a:rPr>
+              <a:t>노드의 개수 </a:t>
+            </a:r>
+            <a:r>
+              <a:rPr lang="en-US" altLang="ko-KR" dirty="0">
+                <a:latin typeface="맑은 고딕" panose="020B0503020000020004" pitchFamily="50" charset="-127"/>
+                <a:ea typeface="맑은 고딕" panose="020B0503020000020004" pitchFamily="50" charset="-127"/>
+              </a:rPr>
+              <a:t>N</a:t>
+            </a:r>
+            <a:r>
+              <a:rPr lang="ko-KR" altLang="en-US" dirty="0">
+                <a:latin typeface="맑은 고딕" panose="020B0503020000020004" pitchFamily="50" charset="-127"/>
+                <a:ea typeface="맑은 고딕" panose="020B0503020000020004" pitchFamily="50" charset="-127"/>
+              </a:rPr>
+              <a:t>이 </a:t>
+            </a:r>
+            <a:r>
+              <a:rPr lang="en-US" altLang="ko-KR" dirty="0">
+                <a:latin typeface="맑은 고딕" panose="020B0503020000020004" pitchFamily="50" charset="-127"/>
+                <a:ea typeface="맑은 고딕" panose="020B0503020000020004" pitchFamily="50" charset="-127"/>
+              </a:rPr>
+              <a:t>2*10^5 </a:t>
+            </a:r>
+            <a:r>
+              <a:rPr lang="ko-KR" altLang="en-US" dirty="0">
+                <a:latin typeface="맑은 고딕" panose="020B0503020000020004" pitchFamily="50" charset="-127"/>
+                <a:ea typeface="맑은 고딕" panose="020B0503020000020004" pitchFamily="50" charset="-127"/>
+              </a:rPr>
+              <a:t>이고</a:t>
+            </a:r>
+            <a:r>
+              <a:rPr lang="en-US" altLang="ko-KR" dirty="0">
+                <a:latin typeface="맑은 고딕" panose="020B0503020000020004" pitchFamily="50" charset="-127"/>
+                <a:ea typeface="맑은 고딕" panose="020B0503020000020004" pitchFamily="50" charset="-127"/>
+              </a:rPr>
+              <a:t>, 1&lt;=C&lt;=N. </a:t>
+            </a:r>
+            <a:r>
+              <a:rPr lang="ko-KR" altLang="en-US" dirty="0">
+                <a:latin typeface="맑은 고딕" panose="020B0503020000020004" pitchFamily="50" charset="-127"/>
+                <a:ea typeface="맑은 고딕" panose="020B0503020000020004" pitchFamily="50" charset="-127"/>
+              </a:rPr>
+              <a:t>이를 저장할 캐쉬를 만들면 </a:t>
+            </a:r>
+            <a:r>
+              <a:rPr lang="en-US" altLang="ko-KR" dirty="0">
+                <a:latin typeface="맑은 고딕" panose="020B0503020000020004" pitchFamily="50" charset="-127"/>
+                <a:ea typeface="맑은 고딕" panose="020B0503020000020004" pitchFamily="50" charset="-127"/>
+              </a:rPr>
+              <a:t>(int</a:t>
+            </a:r>
+            <a:r>
+              <a:rPr lang="ko-KR" altLang="en-US" dirty="0">
+                <a:latin typeface="맑은 고딕" panose="020B0503020000020004" pitchFamily="50" charset="-127"/>
+                <a:ea typeface="맑은 고딕" panose="020B0503020000020004" pitchFamily="50" charset="-127"/>
+              </a:rPr>
+              <a:t>를 저장한다고 치면</a:t>
+            </a:r>
+            <a:r>
+              <a:rPr lang="en-US" altLang="ko-KR" dirty="0">
+                <a:latin typeface="맑은 고딕" panose="020B0503020000020004" pitchFamily="50" charset="-127"/>
+                <a:ea typeface="맑은 고딕" panose="020B0503020000020004" pitchFamily="50" charset="-127"/>
+              </a:rPr>
+              <a:t>)</a:t>
+            </a:r>
+            <a:br>
+              <a:rPr lang="en-US" altLang="ko-KR" dirty="0">
+                <a:latin typeface="맑은 고딕" panose="020B0503020000020004" pitchFamily="50" charset="-127"/>
+                <a:ea typeface="맑은 고딕" panose="020B0503020000020004" pitchFamily="50" charset="-127"/>
+              </a:rPr>
+            </a:br>
+            <a:r>
+              <a:rPr lang="ko-KR" altLang="en-US" dirty="0">
+                <a:latin typeface="맑은 고딕" panose="020B0503020000020004" pitchFamily="50" charset="-127"/>
+                <a:ea typeface="맑은 고딕" panose="020B0503020000020004" pitchFamily="50" charset="-127"/>
+              </a:rPr>
+              <a:t>최대 </a:t>
+            </a:r>
+            <a:r>
+              <a:rPr lang="en-US" altLang="ko-KR" dirty="0">
+                <a:latin typeface="맑은 고딕" panose="020B0503020000020004" pitchFamily="50" charset="-127"/>
+                <a:ea typeface="맑은 고딕" panose="020B0503020000020004" pitchFamily="50" charset="-127"/>
+              </a:rPr>
+              <a:t>8 * (2*10^5)^2 byte</a:t>
+            </a:r>
+            <a:r>
+              <a:rPr lang="ko-KR" altLang="en-US" dirty="0">
+                <a:latin typeface="맑은 고딕" panose="020B0503020000020004" pitchFamily="50" charset="-127"/>
+                <a:ea typeface="맑은 고딕" panose="020B0503020000020004" pitchFamily="50" charset="-127"/>
+              </a:rPr>
+              <a:t> </a:t>
+            </a:r>
+            <a:r>
+              <a:rPr lang="en-US" altLang="ko-KR" dirty="0">
+                <a:latin typeface="맑은 고딕" panose="020B0503020000020004" pitchFamily="50" charset="-127"/>
+                <a:ea typeface="맑은 고딕" panose="020B0503020000020004" pitchFamily="50" charset="-127"/>
+              </a:rPr>
+              <a:t>= 8 * 4*10^10 =</a:t>
+            </a:r>
+            <a:r>
+              <a:rPr lang="ko-KR" altLang="en-US" dirty="0">
+                <a:latin typeface="맑은 고딕" panose="020B0503020000020004" pitchFamily="50" charset="-127"/>
+                <a:ea typeface="맑은 고딕" panose="020B0503020000020004" pitchFamily="50" charset="-127"/>
+              </a:rPr>
+              <a:t> </a:t>
+            </a:r>
+            <a:r>
+              <a:rPr lang="en-US" altLang="ko-KR" dirty="0">
+                <a:latin typeface="맑은 고딕" panose="020B0503020000020004" pitchFamily="50" charset="-127"/>
+                <a:ea typeface="맑은 고딕" panose="020B0503020000020004" pitchFamily="50" charset="-127"/>
+              </a:rPr>
+              <a:t>32GB </a:t>
+            </a:r>
+            <a:r>
+              <a:rPr lang="ko-KR" altLang="en-US" dirty="0">
+                <a:latin typeface="맑은 고딕" panose="020B0503020000020004" pitchFamily="50" charset="-127"/>
+                <a:ea typeface="맑은 고딕" panose="020B0503020000020004" pitchFamily="50" charset="-127"/>
+              </a:rPr>
+              <a:t>이므로 메모리 초과</a:t>
+            </a:r>
+            <a:r>
+              <a:rPr lang="en-US" altLang="ko-KR" dirty="0">
+                <a:latin typeface="맑은 고딕" panose="020B0503020000020004" pitchFamily="50" charset="-127"/>
+                <a:ea typeface="맑은 고딕" panose="020B0503020000020004" pitchFamily="50" charset="-127"/>
+              </a:rPr>
+              <a:t>….</a:t>
+            </a:r>
+          </a:p>
+        </p:txBody>
+      </p:sp>
+    </p:spTree>
+    <p:extLst>
+      <p:ext uri="{BB962C8B-B14F-4D97-AF65-F5344CB8AC3E}">
+        <p14:creationId xmlns:p14="http://schemas.microsoft.com/office/powerpoint/2010/main" val="2958726178"/>
+      </p:ext>
+    </p:extLst>
+  </p:cSld>
+  <p:clrMapOvr>
+    <a:masterClrMapping/>
+  </p:clrMapOvr>
+</p:sld>
+</file>
+
 <file path=ppt/slides/slide2.xml><?xml version="1.0" encoding="utf-8"?>
 <p:sld xmlns:a="http://schemas.openxmlformats.org/drawingml/2006/main" xmlns:r="http://schemas.openxmlformats.org/officeDocument/2006/relationships" xmlns:p="http://schemas.openxmlformats.org/presentationml/2006/main">
   <p:cSld>
@@ -4641,7 +4917,7 @@
         <p:spPr>
           <a:xfrm>
             <a:off x="439646" y="0"/>
-            <a:ext cx="11312708" cy="738664"/>
+            <a:ext cx="11312708" cy="461665"/>
           </a:xfrm>
           <a:prstGeom prst="rect">
             <a:avLst/>
@@ -4672,17 +4948,8 @@
             </a:r>
             <a:r>
               <a:rPr lang="en-US" altLang="ko-KR" sz="2400" dirty="0"/>
-              <a:t>)                                </a:t>
-            </a:r>
-            <a:r>
-              <a:rPr lang="en-US" altLang="ko-KR" dirty="0">
-                <a:hlinkClick r:id="rId2"/>
-              </a:rPr>
-              <a:t>https://www.acmicpc.net/problem/15904</a:t>
-            </a:r>
-            <a:endParaRPr lang="ko-KR" altLang="en-US" dirty="0"/>
-          </a:p>
-          <a:p>
+              <a:t>)</a:t>
+            </a:r>
             <a:endParaRPr lang="ko-KR" altLang="en-US" dirty="0"/>
           </a:p>
         </p:txBody>
@@ -5208,13 +5475,7 @@
             </a:r>
             <a:r>
               <a:rPr lang="en-US" altLang="ko-KR" sz="2400" dirty="0"/>
-              <a:t>)                                </a:t>
-            </a:r>
-            <a:r>
-              <a:rPr lang="en-US" altLang="ko-KR" dirty="0">
-                <a:hlinkClick r:id="rId2"/>
-              </a:rPr>
-              <a:t>https://www.acmicpc.net/problem/15904</a:t>
+              <a:t>)</a:t>
             </a:r>
             <a:endParaRPr lang="ko-KR" altLang="en-US" dirty="0"/>
           </a:p>
@@ -6082,6 +6343,3315 @@
     <p:extLst>
       <p:ext uri="{BB962C8B-B14F-4D97-AF65-F5344CB8AC3E}">
         <p14:creationId xmlns:p14="http://schemas.microsoft.com/office/powerpoint/2010/main" val="3784081433"/>
+      </p:ext>
+    </p:extLst>
+  </p:cSld>
+  <p:clrMapOvr>
+    <a:masterClrMapping/>
+  </p:clrMapOvr>
+</p:sld>
+</file>
+
+<file path=ppt/slides/slide5.xml><?xml version="1.0" encoding="utf-8"?>
+<p:sld xmlns:a="http://schemas.openxmlformats.org/drawingml/2006/main" xmlns:r="http://schemas.openxmlformats.org/officeDocument/2006/relationships" xmlns:p="http://schemas.openxmlformats.org/presentationml/2006/main">
+  <p:cSld>
+    <p:spTree>
+      <p:nvGrpSpPr>
+        <p:cNvPr id="1" name=""/>
+        <p:cNvGrpSpPr/>
+        <p:nvPr/>
+      </p:nvGrpSpPr>
+      <p:grpSpPr>
+        <a:xfrm>
+          <a:off x="0" y="0"/>
+          <a:ext cx="0" cy="0"/>
+          <a:chOff x="0" y="0"/>
+          <a:chExt cx="0" cy="0"/>
+        </a:xfrm>
+      </p:grpSpPr>
+      <p:sp>
+        <p:nvSpPr>
+          <p:cNvPr id="4" name="TextBox 3">
+            <a:extLst>
+              <a:ext uri="{FF2B5EF4-FFF2-40B4-BE49-F238E27FC236}">
+                <a16:creationId xmlns:a16="http://schemas.microsoft.com/office/drawing/2014/main" id="{657D1457-C129-40BF-B92C-3795D01EB23A}"/>
+              </a:ext>
+            </a:extLst>
+          </p:cNvPr>
+          <p:cNvSpPr txBox="1"/>
+          <p:nvPr/>
+        </p:nvSpPr>
+        <p:spPr>
+          <a:xfrm>
+            <a:off x="440444" y="742052"/>
+            <a:ext cx="11312708" cy="738664"/>
+          </a:xfrm>
+          <a:prstGeom prst="rect">
+            <a:avLst/>
+          </a:prstGeom>
+          <a:noFill/>
+        </p:spPr>
+        <p:txBody>
+          <a:bodyPr wrap="square" rtlCol="0">
+            <a:spAutoFit/>
+          </a:bodyPr>
+          <a:lstStyle/>
+          <a:p>
+            <a:r>
+              <a:rPr lang="en-US" altLang="ko-KR" sz="2400" dirty="0"/>
+              <a:t>15898 </a:t>
+            </a:r>
+            <a:r>
+              <a:rPr lang="ko-KR" altLang="en-US" sz="2400" dirty="0"/>
+              <a:t>피아의 아틀리에 </a:t>
+            </a:r>
+            <a:r>
+              <a:rPr lang="en-US" altLang="ko-KR" sz="2400" dirty="0"/>
+              <a:t>~</a:t>
+            </a:r>
+            <a:r>
+              <a:rPr lang="ko-KR" altLang="en-US" sz="2400" dirty="0"/>
+              <a:t>신비한 대회의 연금술사</a:t>
+            </a:r>
+            <a:r>
+              <a:rPr lang="en-US" altLang="ko-KR" sz="2400" dirty="0"/>
+              <a:t>~                    </a:t>
+            </a:r>
+            <a:r>
+              <a:rPr lang="en-US" altLang="ko-KR" dirty="0">
+                <a:hlinkClick r:id="rId2"/>
+              </a:rPr>
+              <a:t>https://www.acmicpc.net/problem/</a:t>
+            </a:r>
+            <a:r>
+              <a:rPr lang="en-US" altLang="ko-KR" dirty="0"/>
+              <a:t>15898</a:t>
+            </a:r>
+            <a:endParaRPr lang="ko-KR" altLang="en-US" dirty="0"/>
+          </a:p>
+          <a:p>
+            <a:endParaRPr lang="ko-KR" altLang="en-US" dirty="0"/>
+          </a:p>
+        </p:txBody>
+      </p:sp>
+      <p:sp>
+        <p:nvSpPr>
+          <p:cNvPr id="5" name="TextBox 4">
+            <a:extLst>
+              <a:ext uri="{FF2B5EF4-FFF2-40B4-BE49-F238E27FC236}">
+                <a16:creationId xmlns:a16="http://schemas.microsoft.com/office/drawing/2014/main" id="{4C0004F9-9007-45E9-958D-0685EBD1B7D8}"/>
+              </a:ext>
+            </a:extLst>
+          </p:cNvPr>
+          <p:cNvSpPr txBox="1"/>
+          <p:nvPr/>
+        </p:nvSpPr>
+        <p:spPr>
+          <a:xfrm>
+            <a:off x="493106" y="1867099"/>
+            <a:ext cx="11260046" cy="3139321"/>
+          </a:xfrm>
+          <a:prstGeom prst="rect">
+            <a:avLst/>
+          </a:prstGeom>
+          <a:noFill/>
+        </p:spPr>
+        <p:txBody>
+          <a:bodyPr wrap="square" rtlCol="0">
+            <a:spAutoFit/>
+          </a:bodyPr>
+          <a:lstStyle/>
+          <a:p>
+            <a:r>
+              <a:rPr lang="ko-KR" altLang="en-US" b="1" dirty="0">
+                <a:latin typeface="Malgun Gothic Semilight" panose="020B0503020000020004" pitchFamily="34" charset="-127"/>
+                <a:ea typeface="Malgun Gothic Semilight" panose="020B0503020000020004" pitchFamily="34" charset="-127"/>
+                <a:cs typeface="Malgun Gothic Semilight" panose="020B0503020000020004" pitchFamily="34" charset="-127"/>
+              </a:rPr>
+              <a:t>문제의 요약 </a:t>
+            </a:r>
+            <a:r>
+              <a:rPr lang="en-US" altLang="ko-KR" b="1" dirty="0">
+                <a:latin typeface="Malgun Gothic Semilight" panose="020B0503020000020004" pitchFamily="34" charset="-127"/>
+                <a:ea typeface="Malgun Gothic Semilight" panose="020B0503020000020004" pitchFamily="34" charset="-127"/>
+                <a:cs typeface="Malgun Gothic Semilight" panose="020B0503020000020004" pitchFamily="34" charset="-127"/>
+              </a:rPr>
+              <a:t>:</a:t>
+            </a:r>
+          </a:p>
+          <a:p>
+            <a:endParaRPr lang="en-US" altLang="ko-KR" b="1" dirty="0">
+              <a:latin typeface="Malgun Gothic Semilight" panose="020B0503020000020004" pitchFamily="34" charset="-127"/>
+              <a:ea typeface="Malgun Gothic Semilight" panose="020B0503020000020004" pitchFamily="34" charset="-127"/>
+              <a:cs typeface="Malgun Gothic Semilight" panose="020B0503020000020004" pitchFamily="34" charset="-127"/>
+            </a:endParaRPr>
+          </a:p>
+          <a:p>
+            <a:r>
+              <a:rPr lang="en-US" altLang="ko-KR" b="1" dirty="0">
+                <a:latin typeface="Malgun Gothic Semilight" panose="020B0503020000020004" pitchFamily="34" charset="-127"/>
+                <a:ea typeface="Malgun Gothic Semilight" panose="020B0503020000020004" pitchFamily="34" charset="-127"/>
+                <a:cs typeface="Malgun Gothic Semilight" panose="020B0503020000020004" pitchFamily="34" charset="-127"/>
+              </a:rPr>
+              <a:t>5X5</a:t>
+            </a:r>
+            <a:r>
+              <a:rPr lang="ko-KR" altLang="en-US" b="1" dirty="0">
+                <a:latin typeface="Malgun Gothic Semilight" panose="020B0503020000020004" pitchFamily="34" charset="-127"/>
+                <a:ea typeface="Malgun Gothic Semilight" panose="020B0503020000020004" pitchFamily="34" charset="-127"/>
+                <a:cs typeface="Malgun Gothic Semilight" panose="020B0503020000020004" pitchFamily="34" charset="-127"/>
+              </a:rPr>
+              <a:t>크기의 가마 안에 </a:t>
+            </a:r>
+            <a:r>
+              <a:rPr lang="en-US" altLang="ko-KR" b="1" dirty="0">
+                <a:latin typeface="Malgun Gothic Semilight" panose="020B0503020000020004" pitchFamily="34" charset="-127"/>
+                <a:ea typeface="Malgun Gothic Semilight" panose="020B0503020000020004" pitchFamily="34" charset="-127"/>
+                <a:cs typeface="Malgun Gothic Semilight" panose="020B0503020000020004" pitchFamily="34" charset="-127"/>
+              </a:rPr>
+              <a:t>4X4 </a:t>
+            </a:r>
+            <a:r>
+              <a:rPr lang="ko-KR" altLang="en-US" b="1" dirty="0">
+                <a:latin typeface="Malgun Gothic Semilight" panose="020B0503020000020004" pitchFamily="34" charset="-127"/>
+                <a:ea typeface="Malgun Gothic Semilight" panose="020B0503020000020004" pitchFamily="34" charset="-127"/>
+                <a:cs typeface="Malgun Gothic Semilight" panose="020B0503020000020004" pitchFamily="34" charset="-127"/>
+              </a:rPr>
+              <a:t>크기의 재료를 </a:t>
+            </a:r>
+            <a:r>
+              <a:rPr lang="en-US" altLang="ko-KR" b="1" dirty="0">
+                <a:latin typeface="Malgun Gothic Semilight" panose="020B0503020000020004" pitchFamily="34" charset="-127"/>
+                <a:ea typeface="Malgun Gothic Semilight" panose="020B0503020000020004" pitchFamily="34" charset="-127"/>
+                <a:cs typeface="Malgun Gothic Semilight" panose="020B0503020000020004" pitchFamily="34" charset="-127"/>
+              </a:rPr>
+              <a:t>3</a:t>
+            </a:r>
+            <a:r>
+              <a:rPr lang="ko-KR" altLang="en-US" b="1" dirty="0">
+                <a:latin typeface="Malgun Gothic Semilight" panose="020B0503020000020004" pitchFamily="34" charset="-127"/>
+                <a:ea typeface="Malgun Gothic Semilight" panose="020B0503020000020004" pitchFamily="34" charset="-127"/>
+                <a:cs typeface="Malgun Gothic Semilight" panose="020B0503020000020004" pitchFamily="34" charset="-127"/>
+              </a:rPr>
+              <a:t>개 넣어서 최고 품질의 폭탄을 만들어라 </a:t>
+            </a:r>
+            <a:r>
+              <a:rPr lang="en-US" altLang="ko-KR" b="1" dirty="0">
+                <a:latin typeface="Malgun Gothic Semilight" panose="020B0503020000020004" pitchFamily="34" charset="-127"/>
+                <a:ea typeface="Malgun Gothic Semilight" panose="020B0503020000020004" pitchFamily="34" charset="-127"/>
+                <a:cs typeface="Malgun Gothic Semilight" panose="020B0503020000020004" pitchFamily="34" charset="-127"/>
+              </a:rPr>
+              <a:t>(</a:t>
+            </a:r>
+            <a:r>
+              <a:rPr lang="ko-KR" altLang="en-US" b="1" dirty="0">
+                <a:latin typeface="Malgun Gothic Semilight" panose="020B0503020000020004" pitchFamily="34" charset="-127"/>
+                <a:ea typeface="Malgun Gothic Semilight" panose="020B0503020000020004" pitchFamily="34" charset="-127"/>
+                <a:cs typeface="Malgun Gothic Semilight" panose="020B0503020000020004" pitchFamily="34" charset="-127"/>
+              </a:rPr>
+              <a:t>재료는 회전이 가능하고</a:t>
+            </a:r>
+            <a:r>
+              <a:rPr lang="en-US" altLang="ko-KR" b="1" dirty="0">
+                <a:latin typeface="Malgun Gothic Semilight" panose="020B0503020000020004" pitchFamily="34" charset="-127"/>
+                <a:ea typeface="Malgun Gothic Semilight" panose="020B0503020000020004" pitchFamily="34" charset="-127"/>
+                <a:cs typeface="Malgun Gothic Semilight" panose="020B0503020000020004" pitchFamily="34" charset="-127"/>
+              </a:rPr>
+              <a:t>, </a:t>
+            </a:r>
+            <a:r>
+              <a:rPr lang="ko-KR" altLang="en-US" b="1" dirty="0">
+                <a:latin typeface="Malgun Gothic Semilight" panose="020B0503020000020004" pitchFamily="34" charset="-127"/>
+                <a:ea typeface="Malgun Gothic Semilight" panose="020B0503020000020004" pitchFamily="34" charset="-127"/>
+                <a:cs typeface="Malgun Gothic Semilight" panose="020B0503020000020004" pitchFamily="34" charset="-127"/>
+              </a:rPr>
+              <a:t>한 재료는 한번씩만 넣을 수 있다</a:t>
+            </a:r>
+            <a:r>
+              <a:rPr lang="en-US" altLang="ko-KR" b="1" dirty="0">
+                <a:latin typeface="Malgun Gothic Semilight" panose="020B0503020000020004" pitchFamily="34" charset="-127"/>
+                <a:ea typeface="Malgun Gothic Semilight" panose="020B0503020000020004" pitchFamily="34" charset="-127"/>
+                <a:cs typeface="Malgun Gothic Semilight" panose="020B0503020000020004" pitchFamily="34" charset="-127"/>
+              </a:rPr>
+              <a:t>.)</a:t>
+            </a:r>
+          </a:p>
+          <a:p>
+            <a:endParaRPr lang="en-US" altLang="ko-KR" b="1" dirty="0">
+              <a:latin typeface="Malgun Gothic Semilight" panose="020B0503020000020004" pitchFamily="34" charset="-127"/>
+              <a:ea typeface="Malgun Gothic Semilight" panose="020B0503020000020004" pitchFamily="34" charset="-127"/>
+              <a:cs typeface="Malgun Gothic Semilight" panose="020B0503020000020004" pitchFamily="34" charset="-127"/>
+            </a:endParaRPr>
+          </a:p>
+          <a:p>
+            <a:endParaRPr lang="en-US" altLang="ko-KR" b="1" dirty="0">
+              <a:latin typeface="Malgun Gothic Semilight" panose="020B0503020000020004" pitchFamily="34" charset="-127"/>
+              <a:ea typeface="Malgun Gothic Semilight" panose="020B0503020000020004" pitchFamily="34" charset="-127"/>
+              <a:cs typeface="Malgun Gothic Semilight" panose="020B0503020000020004" pitchFamily="34" charset="-127"/>
+            </a:endParaRPr>
+          </a:p>
+          <a:p>
+            <a:r>
+              <a:rPr lang="ko-KR" altLang="en-US" b="1" dirty="0">
+                <a:latin typeface="Malgun Gothic Semilight" panose="020B0503020000020004" pitchFamily="34" charset="-127"/>
+                <a:ea typeface="Malgun Gothic Semilight" panose="020B0503020000020004" pitchFamily="34" charset="-127"/>
+                <a:cs typeface="Malgun Gothic Semilight" panose="020B0503020000020004" pitchFamily="34" charset="-127"/>
+              </a:rPr>
+              <a:t>문제의 특이한 점 </a:t>
+            </a:r>
+            <a:r>
+              <a:rPr lang="en-US" altLang="ko-KR" b="1" dirty="0">
+                <a:latin typeface="Malgun Gothic Semilight" panose="020B0503020000020004" pitchFamily="34" charset="-127"/>
+                <a:ea typeface="Malgun Gothic Semilight" panose="020B0503020000020004" pitchFamily="34" charset="-127"/>
+                <a:cs typeface="Malgun Gothic Semilight" panose="020B0503020000020004" pitchFamily="34" charset="-127"/>
+              </a:rPr>
+              <a:t>:</a:t>
+            </a:r>
+          </a:p>
+          <a:p>
+            <a:endParaRPr lang="en-US" altLang="ko-KR" b="1" dirty="0">
+              <a:latin typeface="Malgun Gothic Semilight" panose="020B0503020000020004" pitchFamily="34" charset="-127"/>
+              <a:ea typeface="Malgun Gothic Semilight" panose="020B0503020000020004" pitchFamily="34" charset="-127"/>
+              <a:cs typeface="Malgun Gothic Semilight" panose="020B0503020000020004" pitchFamily="34" charset="-127"/>
+            </a:endParaRPr>
+          </a:p>
+          <a:p>
+            <a:endParaRPr lang="en-US" altLang="ko-KR" b="1" dirty="0">
+              <a:latin typeface="Malgun Gothic Semilight" panose="020B0503020000020004" pitchFamily="34" charset="-127"/>
+              <a:ea typeface="Malgun Gothic Semilight" panose="020B0503020000020004" pitchFamily="34" charset="-127"/>
+              <a:cs typeface="Malgun Gothic Semilight" panose="020B0503020000020004" pitchFamily="34" charset="-127"/>
+            </a:endParaRPr>
+          </a:p>
+          <a:p>
+            <a:endParaRPr lang="en-US" altLang="ko-KR" b="1" dirty="0">
+              <a:latin typeface="Malgun Gothic Semilight" panose="020B0503020000020004" pitchFamily="34" charset="-127"/>
+              <a:ea typeface="Malgun Gothic Semilight" panose="020B0503020000020004" pitchFamily="34" charset="-127"/>
+              <a:cs typeface="Malgun Gothic Semilight" panose="020B0503020000020004" pitchFamily="34" charset="-127"/>
+            </a:endParaRPr>
+          </a:p>
+          <a:p>
+            <a:endParaRPr lang="en-US" altLang="ko-KR" b="1" dirty="0">
+              <a:latin typeface="Malgun Gothic Semilight" panose="020B0503020000020004" pitchFamily="34" charset="-127"/>
+              <a:ea typeface="Malgun Gothic Semilight" panose="020B0503020000020004" pitchFamily="34" charset="-127"/>
+              <a:cs typeface="Malgun Gothic Semilight" panose="020B0503020000020004" pitchFamily="34" charset="-127"/>
+            </a:endParaRPr>
+          </a:p>
+        </p:txBody>
+      </p:sp>
+      <p:pic>
+        <p:nvPicPr>
+          <p:cNvPr id="2" name="그림 1">
+            <a:extLst>
+              <a:ext uri="{FF2B5EF4-FFF2-40B4-BE49-F238E27FC236}">
+                <a16:creationId xmlns:a16="http://schemas.microsoft.com/office/drawing/2014/main" id="{8C510B5D-9D15-4B2C-8A8F-CBBF28D899BE}"/>
+              </a:ext>
+            </a:extLst>
+          </p:cNvPr>
+          <p:cNvPicPr>
+            <a:picLocks noChangeAspect="1"/>
+          </p:cNvPicPr>
+          <p:nvPr/>
+        </p:nvPicPr>
+        <p:blipFill>
+          <a:blip r:embed="rId3"/>
+          <a:stretch>
+            <a:fillRect/>
+          </a:stretch>
+        </p:blipFill>
+        <p:spPr>
+          <a:xfrm>
+            <a:off x="2802266" y="3263630"/>
+            <a:ext cx="996069" cy="816450"/>
+          </a:xfrm>
+          <a:prstGeom prst="rect">
+            <a:avLst/>
+          </a:prstGeom>
+        </p:spPr>
+      </p:pic>
+    </p:spTree>
+    <p:extLst>
+      <p:ext uri="{BB962C8B-B14F-4D97-AF65-F5344CB8AC3E}">
+        <p14:creationId xmlns:p14="http://schemas.microsoft.com/office/powerpoint/2010/main" val="2128698566"/>
+      </p:ext>
+    </p:extLst>
+  </p:cSld>
+  <p:clrMapOvr>
+    <a:masterClrMapping/>
+  </p:clrMapOvr>
+</p:sld>
+</file>
+
+<file path=ppt/slides/slide6.xml><?xml version="1.0" encoding="utf-8"?>
+<p:sld xmlns:a="http://schemas.openxmlformats.org/drawingml/2006/main" xmlns:r="http://schemas.openxmlformats.org/officeDocument/2006/relationships" xmlns:p="http://schemas.openxmlformats.org/presentationml/2006/main">
+  <p:cSld>
+    <p:spTree>
+      <p:nvGrpSpPr>
+        <p:cNvPr id="1" name=""/>
+        <p:cNvGrpSpPr/>
+        <p:nvPr/>
+      </p:nvGrpSpPr>
+      <p:grpSpPr>
+        <a:xfrm>
+          <a:off x="0" y="0"/>
+          <a:ext cx="0" cy="0"/>
+          <a:chOff x="0" y="0"/>
+          <a:chExt cx="0" cy="0"/>
+        </a:xfrm>
+      </p:grpSpPr>
+      <p:sp>
+        <p:nvSpPr>
+          <p:cNvPr id="4" name="TextBox 3">
+            <a:extLst>
+              <a:ext uri="{FF2B5EF4-FFF2-40B4-BE49-F238E27FC236}">
+                <a16:creationId xmlns:a16="http://schemas.microsoft.com/office/drawing/2014/main" id="{867A7A21-87C6-415F-8954-4CE0C99FC6CC}"/>
+              </a:ext>
+            </a:extLst>
+          </p:cNvPr>
+          <p:cNvSpPr txBox="1"/>
+          <p:nvPr/>
+        </p:nvSpPr>
+        <p:spPr>
+          <a:xfrm>
+            <a:off x="439646" y="0"/>
+            <a:ext cx="11312708" cy="461665"/>
+          </a:xfrm>
+          <a:prstGeom prst="rect">
+            <a:avLst/>
+          </a:prstGeom>
+          <a:noFill/>
+        </p:spPr>
+        <p:txBody>
+          <a:bodyPr wrap="square" rtlCol="0">
+            <a:spAutoFit/>
+          </a:bodyPr>
+          <a:lstStyle/>
+          <a:p>
+            <a:r>
+              <a:rPr lang="en-US" altLang="ko-KR" sz="2400" dirty="0"/>
+              <a:t>15898 </a:t>
+            </a:r>
+            <a:r>
+              <a:rPr lang="ko-KR" altLang="en-US" sz="2400" dirty="0"/>
+              <a:t>피아의 아틀리에 </a:t>
+            </a:r>
+            <a:r>
+              <a:rPr lang="en-US" altLang="ko-KR" sz="2400" dirty="0"/>
+              <a:t>~</a:t>
+            </a:r>
+            <a:r>
+              <a:rPr lang="ko-KR" altLang="en-US" sz="2400" dirty="0"/>
+              <a:t>신비한 대회의 연금술사</a:t>
+            </a:r>
+            <a:r>
+              <a:rPr lang="en-US" altLang="ko-KR" sz="2400" dirty="0"/>
+              <a:t>~(</a:t>
+            </a:r>
+            <a:r>
+              <a:rPr lang="ko-KR" altLang="en-US" sz="2400" dirty="0"/>
+              <a:t>풀이</a:t>
+            </a:r>
+            <a:r>
+              <a:rPr lang="en-US" altLang="ko-KR" sz="2400" dirty="0"/>
+              <a:t>)</a:t>
+            </a:r>
+            <a:endParaRPr lang="ko-KR" altLang="en-US" sz="2400" dirty="0"/>
+          </a:p>
+        </p:txBody>
+      </p:sp>
+      <p:sp>
+        <p:nvSpPr>
+          <p:cNvPr id="6" name="TextBox 5">
+            <a:extLst>
+              <a:ext uri="{FF2B5EF4-FFF2-40B4-BE49-F238E27FC236}">
+                <a16:creationId xmlns:a16="http://schemas.microsoft.com/office/drawing/2014/main" id="{74E49943-A862-4C93-828B-C6EA6C787219}"/>
+              </a:ext>
+            </a:extLst>
+          </p:cNvPr>
+          <p:cNvSpPr txBox="1"/>
+          <p:nvPr/>
+        </p:nvSpPr>
+        <p:spPr>
+          <a:xfrm>
+            <a:off x="439645" y="887074"/>
+            <a:ext cx="11275207" cy="5078313"/>
+          </a:xfrm>
+          <a:prstGeom prst="rect">
+            <a:avLst/>
+          </a:prstGeom>
+          <a:noFill/>
+        </p:spPr>
+        <p:txBody>
+          <a:bodyPr wrap="square" rtlCol="0">
+            <a:spAutoFit/>
+          </a:bodyPr>
+          <a:lstStyle/>
+          <a:p>
+            <a:r>
+              <a:rPr lang="ko-KR" altLang="en-US" dirty="0"/>
+              <a:t>풀이 아이디어 </a:t>
+            </a:r>
+            <a:r>
+              <a:rPr lang="en-US" altLang="ko-KR" dirty="0"/>
+              <a:t>: </a:t>
+            </a:r>
+          </a:p>
+          <a:p>
+            <a:endParaRPr lang="en-US" altLang="ko-KR" dirty="0"/>
+          </a:p>
+          <a:p>
+            <a:endParaRPr lang="en-US" altLang="ko-KR" dirty="0"/>
+          </a:p>
+          <a:p>
+            <a:r>
+              <a:rPr lang="ko-KR" altLang="en-US" dirty="0">
+                <a:latin typeface="Malgun Gothic Semilight" panose="020B0502040204020203" pitchFamily="50" charset="-127"/>
+                <a:ea typeface="Malgun Gothic Semilight" panose="020B0502040204020203" pitchFamily="50" charset="-127"/>
+                <a:cs typeface="Malgun Gothic Semilight" panose="020B0502040204020203" pitchFamily="50" charset="-127"/>
+              </a:rPr>
+              <a:t>시간 제한이 </a:t>
+            </a:r>
+            <a:r>
+              <a:rPr lang="en-US" altLang="ko-KR" dirty="0">
+                <a:latin typeface="Malgun Gothic Semilight" panose="020B0502040204020203" pitchFamily="50" charset="-127"/>
+                <a:ea typeface="Malgun Gothic Semilight" panose="020B0502040204020203" pitchFamily="50" charset="-127"/>
+                <a:cs typeface="Malgun Gothic Semilight" panose="020B0502040204020203" pitchFamily="50" charset="-127"/>
+              </a:rPr>
+              <a:t>3</a:t>
+            </a:r>
+            <a:r>
+              <a:rPr lang="ko-KR" altLang="en-US" dirty="0">
+                <a:latin typeface="Malgun Gothic Semilight" panose="020B0502040204020203" pitchFamily="50" charset="-127"/>
+                <a:ea typeface="Malgun Gothic Semilight" panose="020B0502040204020203" pitchFamily="50" charset="-127"/>
+                <a:cs typeface="Malgun Gothic Semilight" panose="020B0502040204020203" pitchFamily="50" charset="-127"/>
+              </a:rPr>
+              <a:t>초인 것은 반복이 많이 들어간다는 의미이다</a:t>
+            </a:r>
+            <a:r>
+              <a:rPr lang="en-US" altLang="ko-KR" dirty="0">
+                <a:latin typeface="Malgun Gothic Semilight" panose="020B0502040204020203" pitchFamily="50" charset="-127"/>
+                <a:ea typeface="Malgun Gothic Semilight" panose="020B0502040204020203" pitchFamily="50" charset="-127"/>
+                <a:cs typeface="Malgun Gothic Semilight" panose="020B0502040204020203" pitchFamily="50" charset="-127"/>
+              </a:rPr>
+              <a:t>. </a:t>
+            </a:r>
+            <a:r>
+              <a:rPr lang="ko-KR" altLang="en-US" dirty="0">
+                <a:latin typeface="Malgun Gothic Semilight" panose="020B0502040204020203" pitchFamily="50" charset="-127"/>
+                <a:ea typeface="Malgun Gothic Semilight" panose="020B0502040204020203" pitchFamily="50" charset="-127"/>
+                <a:cs typeface="Malgun Gothic Semilight" panose="020B0502040204020203" pitchFamily="50" charset="-127"/>
+              </a:rPr>
+              <a:t>엄청난 중첩 반복을 통해서 풀어보도록 하자</a:t>
+            </a:r>
+            <a:endParaRPr lang="en-US" altLang="ko-KR" dirty="0">
+              <a:latin typeface="Malgun Gothic Semilight" panose="020B0502040204020203" pitchFamily="50" charset="-127"/>
+              <a:ea typeface="Malgun Gothic Semilight" panose="020B0502040204020203" pitchFamily="50" charset="-127"/>
+              <a:cs typeface="Malgun Gothic Semilight" panose="020B0502040204020203" pitchFamily="50" charset="-127"/>
+            </a:endParaRPr>
+          </a:p>
+          <a:p>
+            <a:endParaRPr lang="en-US" altLang="ko-KR" dirty="0">
+              <a:latin typeface="Malgun Gothic Semilight" panose="020B0502040204020203" pitchFamily="50" charset="-127"/>
+              <a:ea typeface="Malgun Gothic Semilight" panose="020B0502040204020203" pitchFamily="50" charset="-127"/>
+              <a:cs typeface="Malgun Gothic Semilight" panose="020B0502040204020203" pitchFamily="50" charset="-127"/>
+            </a:endParaRPr>
+          </a:p>
+          <a:p>
+            <a:r>
+              <a:rPr lang="ko-KR" altLang="en-US" dirty="0">
+                <a:latin typeface="Malgun Gothic Semilight" panose="020B0502040204020203" pitchFamily="50" charset="-127"/>
+                <a:ea typeface="Malgun Gothic Semilight" panose="020B0502040204020203" pitchFamily="50" charset="-127"/>
+                <a:cs typeface="Malgun Gothic Semilight" panose="020B0502040204020203" pitchFamily="50" charset="-127"/>
+              </a:rPr>
+              <a:t>재료의 개수 </a:t>
+            </a:r>
+            <a:r>
+              <a:rPr lang="en-US" altLang="ko-KR" dirty="0">
+                <a:latin typeface="Malgun Gothic Semilight" panose="020B0502040204020203" pitchFamily="50" charset="-127"/>
+                <a:ea typeface="Malgun Gothic Semilight" panose="020B0502040204020203" pitchFamily="50" charset="-127"/>
+                <a:cs typeface="Malgun Gothic Semilight" panose="020B0502040204020203" pitchFamily="50" charset="-127"/>
+              </a:rPr>
+              <a:t>n</a:t>
+            </a:r>
+            <a:r>
+              <a:rPr lang="ko-KR" altLang="en-US" dirty="0">
+                <a:latin typeface="Malgun Gothic Semilight" panose="020B0502040204020203" pitchFamily="50" charset="-127"/>
+                <a:ea typeface="Malgun Gothic Semilight" panose="020B0502040204020203" pitchFamily="50" charset="-127"/>
+                <a:cs typeface="Malgun Gothic Semilight" panose="020B0502040204020203" pitchFamily="50" charset="-127"/>
+              </a:rPr>
+              <a:t>은 </a:t>
+            </a:r>
+            <a:r>
+              <a:rPr lang="en-US" altLang="ko-KR" dirty="0">
+                <a:latin typeface="Malgun Gothic Semilight" panose="020B0502040204020203" pitchFamily="50" charset="-127"/>
+                <a:ea typeface="Malgun Gothic Semilight" panose="020B0502040204020203" pitchFamily="50" charset="-127"/>
+                <a:cs typeface="Malgun Gothic Semilight" panose="020B0502040204020203" pitchFamily="50" charset="-127"/>
+              </a:rPr>
+              <a:t>3 </a:t>
+            </a:r>
+            <a:r>
+              <a:rPr lang="ko-KR" altLang="en-US" dirty="0">
+                <a:latin typeface="Malgun Gothic Semilight" panose="020B0502040204020203" pitchFamily="50" charset="-127"/>
+                <a:ea typeface="Malgun Gothic Semilight" panose="020B0502040204020203" pitchFamily="50" charset="-127"/>
+                <a:cs typeface="Malgun Gothic Semilight" panose="020B0502040204020203" pitchFamily="50" charset="-127"/>
+              </a:rPr>
+              <a:t>이상 </a:t>
+            </a:r>
+            <a:r>
+              <a:rPr lang="en-US" altLang="ko-KR" dirty="0">
+                <a:latin typeface="Malgun Gothic Semilight" panose="020B0502040204020203" pitchFamily="50" charset="-127"/>
+                <a:ea typeface="Malgun Gothic Semilight" panose="020B0502040204020203" pitchFamily="50" charset="-127"/>
+                <a:cs typeface="Malgun Gothic Semilight" panose="020B0502040204020203" pitchFamily="50" charset="-127"/>
+              </a:rPr>
+              <a:t>10 </a:t>
+            </a:r>
+            <a:r>
+              <a:rPr lang="ko-KR" altLang="en-US" dirty="0">
+                <a:latin typeface="Malgun Gothic Semilight" panose="020B0502040204020203" pitchFamily="50" charset="-127"/>
+                <a:ea typeface="Malgun Gothic Semilight" panose="020B0502040204020203" pitchFamily="50" charset="-127"/>
+                <a:cs typeface="Malgun Gothic Semilight" panose="020B0502040204020203" pitchFamily="50" charset="-127"/>
+              </a:rPr>
+              <a:t>이하이다</a:t>
+            </a:r>
+            <a:r>
+              <a:rPr lang="en-US" altLang="ko-KR" dirty="0">
+                <a:latin typeface="Malgun Gothic Semilight" panose="020B0502040204020203" pitchFamily="50" charset="-127"/>
+                <a:ea typeface="Malgun Gothic Semilight" panose="020B0502040204020203" pitchFamily="50" charset="-127"/>
+                <a:cs typeface="Malgun Gothic Semilight" panose="020B0502040204020203" pitchFamily="50" charset="-127"/>
+              </a:rPr>
+              <a:t>.</a:t>
+            </a:r>
+          </a:p>
+          <a:p>
+            <a:endParaRPr lang="en-US" altLang="ko-KR" dirty="0">
+              <a:latin typeface="Malgun Gothic Semilight" panose="020B0502040204020203" pitchFamily="50" charset="-127"/>
+              <a:ea typeface="Malgun Gothic Semilight" panose="020B0502040204020203" pitchFamily="50" charset="-127"/>
+              <a:cs typeface="Malgun Gothic Semilight" panose="020B0502040204020203" pitchFamily="50" charset="-127"/>
+            </a:endParaRPr>
+          </a:p>
+          <a:p>
+            <a:endParaRPr lang="en-US" altLang="ko-KR" dirty="0">
+              <a:latin typeface="Malgun Gothic Semilight" panose="020B0502040204020203" pitchFamily="50" charset="-127"/>
+              <a:ea typeface="Malgun Gothic Semilight" panose="020B0502040204020203" pitchFamily="50" charset="-127"/>
+              <a:cs typeface="Malgun Gothic Semilight" panose="020B0502040204020203" pitchFamily="50" charset="-127"/>
+            </a:endParaRPr>
+          </a:p>
+          <a:p>
+            <a:r>
+              <a:rPr lang="ko-KR" altLang="en-US" dirty="0">
+                <a:latin typeface="Malgun Gothic Semilight" panose="020B0502040204020203" pitchFamily="50" charset="-127"/>
+                <a:ea typeface="Malgun Gothic Semilight" panose="020B0502040204020203" pitchFamily="50" charset="-127"/>
+                <a:cs typeface="Malgun Gothic Semilight" panose="020B0502040204020203" pitchFamily="50" charset="-127"/>
+              </a:rPr>
+              <a:t>반복의 횟수를 구해봅시다</a:t>
+            </a:r>
+            <a:r>
+              <a:rPr lang="en-US" altLang="ko-KR" dirty="0">
+                <a:latin typeface="Malgun Gothic Semilight" panose="020B0502040204020203" pitchFamily="50" charset="-127"/>
+                <a:ea typeface="Malgun Gothic Semilight" panose="020B0502040204020203" pitchFamily="50" charset="-127"/>
+                <a:cs typeface="Malgun Gothic Semilight" panose="020B0502040204020203" pitchFamily="50" charset="-127"/>
+              </a:rPr>
+              <a:t>~ :)  </a:t>
+            </a:r>
+          </a:p>
+          <a:p>
+            <a:endParaRPr lang="en-US" altLang="ko-KR" dirty="0">
+              <a:latin typeface="Malgun Gothic Semilight" panose="020B0502040204020203" pitchFamily="50" charset="-127"/>
+              <a:ea typeface="Malgun Gothic Semilight" panose="020B0502040204020203" pitchFamily="50" charset="-127"/>
+              <a:cs typeface="Malgun Gothic Semilight" panose="020B0502040204020203" pitchFamily="50" charset="-127"/>
+            </a:endParaRPr>
+          </a:p>
+          <a:p>
+            <a:r>
+              <a:rPr lang="en-US" altLang="ko-KR" dirty="0">
+                <a:latin typeface="Malgun Gothic Semilight" panose="020B0502040204020203" pitchFamily="50" charset="-127"/>
+                <a:ea typeface="Malgun Gothic Semilight" panose="020B0502040204020203" pitchFamily="50" charset="-127"/>
+                <a:cs typeface="Malgun Gothic Semilight" panose="020B0502040204020203" pitchFamily="50" charset="-127"/>
+              </a:rPr>
+              <a:t>10</a:t>
+            </a:r>
+            <a:r>
+              <a:rPr lang="ko-KR" altLang="en-US" dirty="0">
+                <a:latin typeface="Malgun Gothic Semilight" panose="020B0502040204020203" pitchFamily="50" charset="-127"/>
+                <a:ea typeface="Malgun Gothic Semilight" panose="020B0502040204020203" pitchFamily="50" charset="-127"/>
+                <a:cs typeface="Malgun Gothic Semilight" panose="020B0502040204020203" pitchFamily="50" charset="-127"/>
+              </a:rPr>
+              <a:t>개의 재료를 순서에 신경 써서 </a:t>
+            </a:r>
+            <a:r>
+              <a:rPr lang="en-US" altLang="ko-KR" dirty="0">
+                <a:latin typeface="Malgun Gothic Semilight" panose="020B0502040204020203" pitchFamily="50" charset="-127"/>
+                <a:ea typeface="Malgun Gothic Semilight" panose="020B0502040204020203" pitchFamily="50" charset="-127"/>
+                <a:cs typeface="Malgun Gothic Semilight" panose="020B0502040204020203" pitchFamily="50" charset="-127"/>
+              </a:rPr>
+              <a:t>3</a:t>
+            </a:r>
+            <a:r>
+              <a:rPr lang="ko-KR" altLang="en-US" dirty="0">
+                <a:latin typeface="Malgun Gothic Semilight" panose="020B0502040204020203" pitchFamily="50" charset="-127"/>
+                <a:ea typeface="Malgun Gothic Semilight" panose="020B0502040204020203" pitchFamily="50" charset="-127"/>
+                <a:cs typeface="Malgun Gothic Semilight" panose="020B0502040204020203" pitchFamily="50" charset="-127"/>
+              </a:rPr>
+              <a:t>개를 선택 </a:t>
+            </a:r>
+            <a:r>
+              <a:rPr lang="en-US" altLang="ko-KR" dirty="0">
+                <a:latin typeface="Malgun Gothic Semilight" panose="020B0502040204020203" pitchFamily="50" charset="-127"/>
+                <a:ea typeface="Malgun Gothic Semilight" panose="020B0502040204020203" pitchFamily="50" charset="-127"/>
+                <a:cs typeface="Malgun Gothic Semilight" panose="020B0502040204020203" pitchFamily="50" charset="-127"/>
+              </a:rPr>
+              <a:t>(10x9x8) </a:t>
+            </a:r>
+            <a:r>
+              <a:rPr lang="en-US" altLang="ko-KR" dirty="0">
+                <a:solidFill>
+                  <a:srgbClr val="00B050"/>
+                </a:solidFill>
+                <a:latin typeface="Malgun Gothic Semilight" panose="020B0502040204020203" pitchFamily="50" charset="-127"/>
+                <a:ea typeface="Malgun Gothic Semilight" panose="020B0502040204020203" pitchFamily="50" charset="-127"/>
+                <a:cs typeface="Malgun Gothic Semilight" panose="020B0502040204020203" pitchFamily="50" charset="-127"/>
+              </a:rPr>
+              <a:t>// n</a:t>
+            </a:r>
+            <a:r>
+              <a:rPr lang="ko-KR" altLang="en-US" dirty="0">
+                <a:solidFill>
+                  <a:srgbClr val="00B050"/>
+                </a:solidFill>
+                <a:latin typeface="Malgun Gothic Semilight" panose="020B0502040204020203" pitchFamily="50" charset="-127"/>
+                <a:ea typeface="Malgun Gothic Semilight" panose="020B0502040204020203" pitchFamily="50" charset="-127"/>
+                <a:cs typeface="Malgun Gothic Semilight" panose="020B0502040204020203" pitchFamily="50" charset="-127"/>
+              </a:rPr>
+              <a:t>에 따라 바뀌는 부분</a:t>
+            </a:r>
+            <a:endParaRPr lang="en-US" altLang="ko-KR" dirty="0">
+              <a:solidFill>
+                <a:srgbClr val="00B050"/>
+              </a:solidFill>
+              <a:latin typeface="Malgun Gothic Semilight" panose="020B0502040204020203" pitchFamily="50" charset="-127"/>
+              <a:ea typeface="Malgun Gothic Semilight" panose="020B0502040204020203" pitchFamily="50" charset="-127"/>
+              <a:cs typeface="Malgun Gothic Semilight" panose="020B0502040204020203" pitchFamily="50" charset="-127"/>
+            </a:endParaRPr>
+          </a:p>
+          <a:p>
+            <a:r>
+              <a:rPr lang="en-US" altLang="ko-KR" dirty="0">
+                <a:latin typeface="Malgun Gothic Semilight" panose="020B0502040204020203" pitchFamily="50" charset="-127"/>
+                <a:ea typeface="Malgun Gothic Semilight" panose="020B0502040204020203" pitchFamily="50" charset="-127"/>
+                <a:cs typeface="Malgun Gothic Semilight" panose="020B0502040204020203" pitchFamily="50" charset="-127"/>
+              </a:rPr>
+              <a:t>3</a:t>
+            </a:r>
+            <a:r>
+              <a:rPr lang="ko-KR" altLang="en-US" dirty="0">
+                <a:latin typeface="Malgun Gothic Semilight" panose="020B0502040204020203" pitchFamily="50" charset="-127"/>
+                <a:ea typeface="Malgun Gothic Semilight" panose="020B0502040204020203" pitchFamily="50" charset="-127"/>
+                <a:cs typeface="Malgun Gothic Semilight" panose="020B0502040204020203" pitchFamily="50" charset="-127"/>
+              </a:rPr>
+              <a:t>개의 재료를 적당히 회전 </a:t>
+            </a:r>
+            <a:r>
+              <a:rPr lang="en-US" altLang="ko-KR" dirty="0">
+                <a:latin typeface="Malgun Gothic Semilight" panose="020B0502040204020203" pitchFamily="50" charset="-127"/>
+                <a:ea typeface="Malgun Gothic Semilight" panose="020B0502040204020203" pitchFamily="50" charset="-127"/>
+                <a:cs typeface="Malgun Gothic Semilight" panose="020B0502040204020203" pitchFamily="50" charset="-127"/>
+              </a:rPr>
+              <a:t>(4x4x4)</a:t>
+            </a:r>
+          </a:p>
+          <a:p>
+            <a:r>
+              <a:rPr lang="en-US" altLang="ko-KR" dirty="0">
+                <a:latin typeface="Malgun Gothic Semilight" panose="020B0502040204020203" pitchFamily="50" charset="-127"/>
+                <a:ea typeface="Malgun Gothic Semilight" panose="020B0502040204020203" pitchFamily="50" charset="-127"/>
+                <a:cs typeface="Malgun Gothic Semilight" panose="020B0502040204020203" pitchFamily="50" charset="-127"/>
+              </a:rPr>
+              <a:t>3</a:t>
+            </a:r>
+            <a:r>
+              <a:rPr lang="ko-KR" altLang="en-US" dirty="0">
+                <a:latin typeface="Malgun Gothic Semilight" panose="020B0502040204020203" pitchFamily="50" charset="-127"/>
+                <a:ea typeface="Malgun Gothic Semilight" panose="020B0502040204020203" pitchFamily="50" charset="-127"/>
+                <a:cs typeface="Malgun Gothic Semilight" panose="020B0502040204020203" pitchFamily="50" charset="-127"/>
+              </a:rPr>
+              <a:t>개의 재료를 </a:t>
+            </a:r>
+            <a:r>
+              <a:rPr lang="en-US" altLang="ko-KR" dirty="0">
+                <a:latin typeface="Malgun Gothic Semilight" panose="020B0502040204020203" pitchFamily="50" charset="-127"/>
+                <a:ea typeface="Malgun Gothic Semilight" panose="020B0502040204020203" pitchFamily="50" charset="-127"/>
+                <a:cs typeface="Malgun Gothic Semilight" panose="020B0502040204020203" pitchFamily="50" charset="-127"/>
+              </a:rPr>
+              <a:t>5x5</a:t>
+            </a:r>
+            <a:r>
+              <a:rPr lang="ko-KR" altLang="en-US" dirty="0">
+                <a:latin typeface="Malgun Gothic Semilight" panose="020B0502040204020203" pitchFamily="50" charset="-127"/>
+                <a:ea typeface="Malgun Gothic Semilight" panose="020B0502040204020203" pitchFamily="50" charset="-127"/>
+                <a:cs typeface="Malgun Gothic Semilight" panose="020B0502040204020203" pitchFamily="50" charset="-127"/>
+              </a:rPr>
+              <a:t> 크기의 가마에 넣을 곳을 선택 </a:t>
+            </a:r>
+            <a:r>
+              <a:rPr lang="en-US" altLang="ko-KR" dirty="0">
+                <a:latin typeface="Malgun Gothic Semilight" panose="020B0502040204020203" pitchFamily="50" charset="-127"/>
+                <a:ea typeface="Malgun Gothic Semilight" panose="020B0502040204020203" pitchFamily="50" charset="-127"/>
+                <a:cs typeface="Malgun Gothic Semilight" panose="020B0502040204020203" pitchFamily="50" charset="-127"/>
+              </a:rPr>
+              <a:t>(4x4x4) =&gt; (</a:t>
+            </a:r>
+            <a:r>
+              <a:rPr lang="ko-KR" altLang="en-US" dirty="0">
+                <a:latin typeface="Malgun Gothic Semilight" panose="020B0502040204020203" pitchFamily="50" charset="-127"/>
+                <a:ea typeface="Malgun Gothic Semilight" panose="020B0502040204020203" pitchFamily="50" charset="-127"/>
+                <a:cs typeface="Malgun Gothic Semilight" panose="020B0502040204020203" pitchFamily="50" charset="-127"/>
+              </a:rPr>
+              <a:t>하나의 재료당 넣는 위치가 </a:t>
+            </a:r>
+            <a:r>
+              <a:rPr lang="en-US" altLang="ko-KR" dirty="0">
+                <a:latin typeface="Malgun Gothic Semilight" panose="020B0502040204020203" pitchFamily="50" charset="-127"/>
+                <a:ea typeface="Malgun Gothic Semilight" panose="020B0502040204020203" pitchFamily="50" charset="-127"/>
+                <a:cs typeface="Malgun Gothic Semilight" panose="020B0502040204020203" pitchFamily="50" charset="-127"/>
+              </a:rPr>
+              <a:t>4</a:t>
+            </a:r>
+            <a:r>
+              <a:rPr lang="ko-KR" altLang="en-US" dirty="0">
+                <a:latin typeface="Malgun Gothic Semilight" panose="020B0502040204020203" pitchFamily="50" charset="-127"/>
+                <a:ea typeface="Malgun Gothic Semilight" panose="020B0502040204020203" pitchFamily="50" charset="-127"/>
+                <a:cs typeface="Malgun Gothic Semilight" panose="020B0502040204020203" pitchFamily="50" charset="-127"/>
+              </a:rPr>
+              <a:t>개가 있을 수 있음</a:t>
+            </a:r>
+            <a:r>
+              <a:rPr lang="en-US" altLang="ko-KR" dirty="0">
+                <a:latin typeface="Malgun Gothic Semilight" panose="020B0502040204020203" pitchFamily="50" charset="-127"/>
+                <a:ea typeface="Malgun Gothic Semilight" panose="020B0502040204020203" pitchFamily="50" charset="-127"/>
+                <a:cs typeface="Malgun Gothic Semilight" panose="020B0502040204020203" pitchFamily="50" charset="-127"/>
+              </a:rPr>
+              <a:t>)</a:t>
+            </a:r>
+          </a:p>
+          <a:p>
+            <a:r>
+              <a:rPr lang="en-US" altLang="ko-KR" dirty="0">
+                <a:latin typeface="Malgun Gothic Semilight" panose="020B0502040204020203" pitchFamily="50" charset="-127"/>
+                <a:ea typeface="Malgun Gothic Semilight" panose="020B0502040204020203" pitchFamily="50" charset="-127"/>
+                <a:cs typeface="Malgun Gothic Semilight" panose="020B0502040204020203" pitchFamily="50" charset="-127"/>
+              </a:rPr>
+              <a:t>3</a:t>
+            </a:r>
+            <a:r>
+              <a:rPr lang="ko-KR" altLang="en-US" dirty="0">
+                <a:latin typeface="Malgun Gothic Semilight" panose="020B0502040204020203" pitchFamily="50" charset="-127"/>
+                <a:ea typeface="Malgun Gothic Semilight" panose="020B0502040204020203" pitchFamily="50" charset="-127"/>
+                <a:cs typeface="Malgun Gothic Semilight" panose="020B0502040204020203" pitchFamily="50" charset="-127"/>
+              </a:rPr>
+              <a:t>개의 재료를 가마에 넣기 </a:t>
+            </a:r>
+            <a:r>
+              <a:rPr lang="en-US" altLang="ko-KR" dirty="0">
+                <a:latin typeface="Malgun Gothic Semilight" panose="020B0502040204020203" pitchFamily="50" charset="-127"/>
+                <a:ea typeface="Malgun Gothic Semilight" panose="020B0502040204020203" pitchFamily="50" charset="-127"/>
+                <a:cs typeface="Malgun Gothic Semilight" panose="020B0502040204020203" pitchFamily="50" charset="-127"/>
+              </a:rPr>
+              <a:t>(4x4x3)</a:t>
+            </a:r>
+          </a:p>
+          <a:p>
+            <a:endParaRPr lang="en-US" altLang="ko-KR" dirty="0">
+              <a:latin typeface="Malgun Gothic Semilight" panose="020B0502040204020203" pitchFamily="50" charset="-127"/>
+              <a:ea typeface="Malgun Gothic Semilight" panose="020B0502040204020203" pitchFamily="50" charset="-127"/>
+              <a:cs typeface="Malgun Gothic Semilight" panose="020B0502040204020203" pitchFamily="50" charset="-127"/>
+            </a:endParaRPr>
+          </a:p>
+          <a:p>
+            <a:r>
+              <a:rPr lang="ko-KR" altLang="en-US" dirty="0">
+                <a:latin typeface="Malgun Gothic Semilight" panose="020B0502040204020203" pitchFamily="50" charset="-127"/>
+                <a:ea typeface="Malgun Gothic Semilight" panose="020B0502040204020203" pitchFamily="50" charset="-127"/>
+                <a:cs typeface="Malgun Gothic Semilight" panose="020B0502040204020203" pitchFamily="50" charset="-127"/>
+              </a:rPr>
+              <a:t>만큼의 반복을 </a:t>
+            </a:r>
+            <a:r>
+              <a:rPr lang="ko-KR" altLang="en-US" dirty="0" err="1">
+                <a:latin typeface="Malgun Gothic Semilight" panose="020B0502040204020203" pitchFamily="50" charset="-127"/>
+                <a:ea typeface="Malgun Gothic Semilight" panose="020B0502040204020203" pitchFamily="50" charset="-127"/>
+                <a:cs typeface="Malgun Gothic Semilight" panose="020B0502040204020203" pitchFamily="50" charset="-127"/>
+              </a:rPr>
+              <a:t>해야한다</a:t>
+            </a:r>
+            <a:endParaRPr lang="en-US" altLang="ko-KR" dirty="0">
+              <a:latin typeface="Malgun Gothic Semilight" panose="020B0502040204020203" pitchFamily="50" charset="-127"/>
+              <a:ea typeface="Malgun Gothic Semilight" panose="020B0502040204020203" pitchFamily="50" charset="-127"/>
+              <a:cs typeface="Malgun Gothic Semilight" panose="020B0502040204020203" pitchFamily="50" charset="-127"/>
+            </a:endParaRPr>
+          </a:p>
+          <a:p>
+            <a:endParaRPr lang="en-US" altLang="ko-KR" dirty="0">
+              <a:latin typeface="Malgun Gothic Semilight" panose="020B0502040204020203" pitchFamily="50" charset="-127"/>
+              <a:ea typeface="Malgun Gothic Semilight" panose="020B0502040204020203" pitchFamily="50" charset="-127"/>
+              <a:cs typeface="Malgun Gothic Semilight" panose="020B0502040204020203" pitchFamily="50" charset="-127"/>
+            </a:endParaRPr>
+          </a:p>
+          <a:p>
+            <a:r>
+              <a:rPr lang="en-US" altLang="ko-KR" dirty="0">
+                <a:latin typeface="Malgun Gothic Semilight" panose="020B0502040204020203" pitchFamily="50" charset="-127"/>
+                <a:ea typeface="Malgun Gothic Semilight" panose="020B0502040204020203" pitchFamily="50" charset="-127"/>
+                <a:cs typeface="Malgun Gothic Semilight" panose="020B0502040204020203" pitchFamily="50" charset="-127"/>
+              </a:rPr>
+              <a:t>Big O </a:t>
+            </a:r>
+            <a:r>
+              <a:rPr lang="ko-KR" altLang="en-US" dirty="0">
+                <a:latin typeface="Malgun Gothic Semilight" panose="020B0502040204020203" pitchFamily="50" charset="-127"/>
+                <a:ea typeface="Malgun Gothic Semilight" panose="020B0502040204020203" pitchFamily="50" charset="-127"/>
+                <a:cs typeface="Malgun Gothic Semilight" panose="020B0502040204020203" pitchFamily="50" charset="-127"/>
+              </a:rPr>
+              <a:t>표기법으로는 몇이 나올까</a:t>
+            </a:r>
+            <a:r>
+              <a:rPr lang="en-US" altLang="ko-KR" dirty="0">
+                <a:latin typeface="Malgun Gothic Semilight" panose="020B0502040204020203" pitchFamily="50" charset="-127"/>
+                <a:ea typeface="Malgun Gothic Semilight" panose="020B0502040204020203" pitchFamily="50" charset="-127"/>
+                <a:cs typeface="Malgun Gothic Semilight" panose="020B0502040204020203" pitchFamily="50" charset="-127"/>
+              </a:rPr>
+              <a:t>?? </a:t>
+            </a:r>
+            <a:r>
+              <a:rPr lang="ko-KR" altLang="en-US" dirty="0">
+                <a:latin typeface="Malgun Gothic Semilight" panose="020B0502040204020203" pitchFamily="50" charset="-127"/>
+                <a:ea typeface="Malgun Gothic Semilight" panose="020B0502040204020203" pitchFamily="50" charset="-127"/>
+                <a:cs typeface="Malgun Gothic Semilight" panose="020B0502040204020203" pitchFamily="50" charset="-127"/>
+              </a:rPr>
+              <a:t>아마 </a:t>
+            </a:r>
+            <a:r>
+              <a:rPr lang="en-US" altLang="ko-KR" dirty="0">
+                <a:latin typeface="Malgun Gothic Semilight" panose="020B0502040204020203" pitchFamily="50" charset="-127"/>
+                <a:ea typeface="Malgun Gothic Semilight" panose="020B0502040204020203" pitchFamily="50" charset="-127"/>
+                <a:cs typeface="Malgun Gothic Semilight" panose="020B0502040204020203" pitchFamily="50" charset="-127"/>
+              </a:rPr>
+              <a:t>O(N^3) </a:t>
+            </a:r>
+            <a:r>
+              <a:rPr lang="ko-KR" altLang="en-US" dirty="0">
+                <a:latin typeface="Malgun Gothic Semilight" panose="020B0502040204020203" pitchFamily="50" charset="-127"/>
+                <a:ea typeface="Malgun Gothic Semilight" panose="020B0502040204020203" pitchFamily="50" charset="-127"/>
+                <a:cs typeface="Malgun Gothic Semilight" panose="020B0502040204020203" pitchFamily="50" charset="-127"/>
+              </a:rPr>
+              <a:t>이지 않을까</a:t>
+            </a:r>
+            <a:r>
+              <a:rPr lang="en-US" altLang="ko-KR" dirty="0">
+                <a:latin typeface="Malgun Gothic Semilight" panose="020B0502040204020203" pitchFamily="50" charset="-127"/>
+                <a:ea typeface="Malgun Gothic Semilight" panose="020B0502040204020203" pitchFamily="50" charset="-127"/>
+                <a:cs typeface="Malgun Gothic Semilight" panose="020B0502040204020203" pitchFamily="50" charset="-127"/>
+              </a:rPr>
+              <a:t>?</a:t>
+            </a:r>
+            <a:endParaRPr lang="ko-KR" altLang="en-US" dirty="0">
+              <a:latin typeface="Malgun Gothic Semilight" panose="020B0502040204020203" pitchFamily="50" charset="-127"/>
+              <a:ea typeface="Malgun Gothic Semilight" panose="020B0502040204020203" pitchFamily="50" charset="-127"/>
+              <a:cs typeface="Malgun Gothic Semilight" panose="020B0502040204020203" pitchFamily="50" charset="-127"/>
+            </a:endParaRPr>
+          </a:p>
+        </p:txBody>
+      </p:sp>
+    </p:spTree>
+    <p:extLst>
+      <p:ext uri="{BB962C8B-B14F-4D97-AF65-F5344CB8AC3E}">
+        <p14:creationId xmlns:p14="http://schemas.microsoft.com/office/powerpoint/2010/main" val="273854701"/>
+      </p:ext>
+    </p:extLst>
+  </p:cSld>
+  <p:clrMapOvr>
+    <a:masterClrMapping/>
+  </p:clrMapOvr>
+</p:sld>
+</file>
+
+<file path=ppt/slides/slide7.xml><?xml version="1.0" encoding="utf-8"?>
+<p:sld xmlns:a="http://schemas.openxmlformats.org/drawingml/2006/main" xmlns:r="http://schemas.openxmlformats.org/officeDocument/2006/relationships" xmlns:p="http://schemas.openxmlformats.org/presentationml/2006/main">
+  <p:cSld>
+    <p:spTree>
+      <p:nvGrpSpPr>
+        <p:cNvPr id="1" name=""/>
+        <p:cNvGrpSpPr/>
+        <p:nvPr/>
+      </p:nvGrpSpPr>
+      <p:grpSpPr>
+        <a:xfrm>
+          <a:off x="0" y="0"/>
+          <a:ext cx="0" cy="0"/>
+          <a:chOff x="0" y="0"/>
+          <a:chExt cx="0" cy="0"/>
+        </a:xfrm>
+      </p:grpSpPr>
+      <p:sp>
+        <p:nvSpPr>
+          <p:cNvPr id="4" name="TextBox 3">
+            <a:extLst>
+              <a:ext uri="{FF2B5EF4-FFF2-40B4-BE49-F238E27FC236}">
+                <a16:creationId xmlns:a16="http://schemas.microsoft.com/office/drawing/2014/main" id="{657D1457-C129-40BF-B92C-3795D01EB23A}"/>
+              </a:ext>
+            </a:extLst>
+          </p:cNvPr>
+          <p:cNvSpPr txBox="1"/>
+          <p:nvPr/>
+        </p:nvSpPr>
+        <p:spPr>
+          <a:xfrm>
+            <a:off x="440444" y="742052"/>
+            <a:ext cx="11312708" cy="738664"/>
+          </a:xfrm>
+          <a:prstGeom prst="rect">
+            <a:avLst/>
+          </a:prstGeom>
+          <a:noFill/>
+        </p:spPr>
+        <p:txBody>
+          <a:bodyPr wrap="square" rtlCol="0">
+            <a:spAutoFit/>
+          </a:bodyPr>
+          <a:lstStyle/>
+          <a:p>
+            <a:r>
+              <a:rPr lang="en-US" altLang="ko-KR" sz="2400" dirty="0"/>
+              <a:t>15899 </a:t>
+            </a:r>
+            <a:r>
+              <a:rPr lang="ko-KR" altLang="en-US" sz="2400" dirty="0"/>
+              <a:t>트리와 색깔                                         </a:t>
+            </a:r>
+            <a:r>
+              <a:rPr lang="en-US" altLang="ko-KR" sz="2400" dirty="0"/>
+              <a:t>                    </a:t>
+            </a:r>
+            <a:r>
+              <a:rPr lang="en-US" altLang="ko-KR" dirty="0">
+                <a:hlinkClick r:id="rId2"/>
+              </a:rPr>
+              <a:t>https://www.acmicpc.net/problem/</a:t>
+            </a:r>
+            <a:r>
+              <a:rPr lang="en-US" altLang="ko-KR" dirty="0"/>
+              <a:t>15899</a:t>
+            </a:r>
+            <a:endParaRPr lang="ko-KR" altLang="en-US" dirty="0"/>
+          </a:p>
+          <a:p>
+            <a:endParaRPr lang="ko-KR" altLang="en-US" dirty="0"/>
+          </a:p>
+        </p:txBody>
+      </p:sp>
+      <p:sp>
+        <p:nvSpPr>
+          <p:cNvPr id="5" name="TextBox 4">
+            <a:extLst>
+              <a:ext uri="{FF2B5EF4-FFF2-40B4-BE49-F238E27FC236}">
+                <a16:creationId xmlns:a16="http://schemas.microsoft.com/office/drawing/2014/main" id="{4C0004F9-9007-45E9-958D-0685EBD1B7D8}"/>
+              </a:ext>
+            </a:extLst>
+          </p:cNvPr>
+          <p:cNvSpPr txBox="1"/>
+          <p:nvPr/>
+        </p:nvSpPr>
+        <p:spPr>
+          <a:xfrm>
+            <a:off x="493106" y="1867099"/>
+            <a:ext cx="11260046" cy="3693319"/>
+          </a:xfrm>
+          <a:prstGeom prst="rect">
+            <a:avLst/>
+          </a:prstGeom>
+          <a:noFill/>
+        </p:spPr>
+        <p:txBody>
+          <a:bodyPr wrap="square" rtlCol="0">
+            <a:spAutoFit/>
+          </a:bodyPr>
+          <a:lstStyle/>
+          <a:p>
+            <a:r>
+              <a:rPr lang="ko-KR" altLang="en-US" b="1" dirty="0">
+                <a:latin typeface="Malgun Gothic Semilight" panose="020B0503020000020004" pitchFamily="34" charset="-127"/>
+                <a:ea typeface="Malgun Gothic Semilight" panose="020B0503020000020004" pitchFamily="34" charset="-127"/>
+                <a:cs typeface="Malgun Gothic Semilight" panose="020B0503020000020004" pitchFamily="34" charset="-127"/>
+              </a:rPr>
+              <a:t>문제의 요약 </a:t>
+            </a:r>
+            <a:r>
+              <a:rPr lang="en-US" altLang="ko-KR" b="1" dirty="0">
+                <a:latin typeface="Malgun Gothic Semilight" panose="020B0503020000020004" pitchFamily="34" charset="-127"/>
+                <a:ea typeface="Malgun Gothic Semilight" panose="020B0503020000020004" pitchFamily="34" charset="-127"/>
+                <a:cs typeface="Malgun Gothic Semilight" panose="020B0503020000020004" pitchFamily="34" charset="-127"/>
+              </a:rPr>
+              <a:t>:</a:t>
+            </a:r>
+          </a:p>
+          <a:p>
+            <a:endParaRPr lang="en-US" altLang="ko-KR" b="1" dirty="0">
+              <a:latin typeface="Malgun Gothic Semilight" panose="020B0503020000020004" pitchFamily="34" charset="-127"/>
+              <a:ea typeface="Malgun Gothic Semilight" panose="020B0503020000020004" pitchFamily="34" charset="-127"/>
+              <a:cs typeface="Malgun Gothic Semilight" panose="020B0503020000020004" pitchFamily="34" charset="-127"/>
+            </a:endParaRPr>
+          </a:p>
+          <a:p>
+            <a:r>
+              <a:rPr lang="ko-KR" altLang="en-US" b="1" dirty="0">
+                <a:latin typeface="Malgun Gothic Semilight" panose="020B0503020000020004" pitchFamily="34" charset="-127"/>
+                <a:ea typeface="Malgun Gothic Semilight" panose="020B0503020000020004" pitchFamily="34" charset="-127"/>
+                <a:cs typeface="Malgun Gothic Semilight" panose="020B0503020000020004" pitchFamily="34" charset="-127"/>
+              </a:rPr>
+              <a:t>트리가</a:t>
+            </a:r>
+            <a:r>
+              <a:rPr lang="en-US" altLang="ko-KR" b="1" dirty="0">
+                <a:latin typeface="Malgun Gothic Semilight" panose="020B0503020000020004" pitchFamily="34" charset="-127"/>
+                <a:ea typeface="Malgun Gothic Semilight" panose="020B0503020000020004" pitchFamily="34" charset="-127"/>
+                <a:cs typeface="Malgun Gothic Semilight" panose="020B0503020000020004" pitchFamily="34" charset="-127"/>
+              </a:rPr>
+              <a:t>(</a:t>
+            </a:r>
+            <a:r>
+              <a:rPr lang="ko-KR" altLang="en-US" b="1" dirty="0">
+                <a:latin typeface="Malgun Gothic Semilight" panose="020B0503020000020004" pitchFamily="34" charset="-127"/>
+                <a:ea typeface="Malgun Gothic Semilight" panose="020B0503020000020004" pitchFamily="34" charset="-127"/>
+                <a:cs typeface="Malgun Gothic Semilight" panose="020B0503020000020004" pitchFamily="34" charset="-127"/>
+              </a:rPr>
+              <a:t>이진 트리 아님</a:t>
+            </a:r>
+            <a:r>
+              <a:rPr lang="en-US" altLang="ko-KR" b="1" dirty="0">
+                <a:latin typeface="Malgun Gothic Semilight" panose="020B0503020000020004" pitchFamily="34" charset="-127"/>
+                <a:ea typeface="Malgun Gothic Semilight" panose="020B0503020000020004" pitchFamily="34" charset="-127"/>
+                <a:cs typeface="Malgun Gothic Semilight" panose="020B0503020000020004" pitchFamily="34" charset="-127"/>
+              </a:rPr>
+              <a:t>)</a:t>
+            </a:r>
+            <a:r>
+              <a:rPr lang="ko-KR" altLang="en-US" b="1" dirty="0">
+                <a:latin typeface="Malgun Gothic Semilight" panose="020B0503020000020004" pitchFamily="34" charset="-127"/>
+                <a:ea typeface="Malgun Gothic Semilight" panose="020B0503020000020004" pitchFamily="34" charset="-127"/>
+                <a:cs typeface="Malgun Gothic Semilight" panose="020B0503020000020004" pitchFamily="34" charset="-127"/>
+              </a:rPr>
+              <a:t>있고</a:t>
+            </a:r>
+            <a:r>
+              <a:rPr lang="en-US" altLang="ko-KR" b="1" dirty="0">
+                <a:latin typeface="Malgun Gothic Semilight" panose="020B0503020000020004" pitchFamily="34" charset="-127"/>
+                <a:ea typeface="Malgun Gothic Semilight" panose="020B0503020000020004" pitchFamily="34" charset="-127"/>
+                <a:cs typeface="Malgun Gothic Semilight" panose="020B0503020000020004" pitchFamily="34" charset="-127"/>
+              </a:rPr>
+              <a:t>, </a:t>
+            </a:r>
+            <a:r>
+              <a:rPr lang="ko-KR" altLang="en-US" b="1" dirty="0">
+                <a:latin typeface="Malgun Gothic Semilight" panose="020B0503020000020004" pitchFamily="34" charset="-127"/>
+                <a:ea typeface="Malgun Gothic Semilight" panose="020B0503020000020004" pitchFamily="34" charset="-127"/>
+                <a:cs typeface="Malgun Gothic Semilight" panose="020B0503020000020004" pitchFamily="34" charset="-127"/>
+              </a:rPr>
+              <a:t>노드에 숫자가 적혀 있다</a:t>
+            </a:r>
+            <a:r>
+              <a:rPr lang="en-US" altLang="ko-KR" b="1" dirty="0">
+                <a:latin typeface="Malgun Gothic Semilight" panose="020B0503020000020004" pitchFamily="34" charset="-127"/>
+                <a:ea typeface="Malgun Gothic Semilight" panose="020B0503020000020004" pitchFamily="34" charset="-127"/>
+                <a:cs typeface="Malgun Gothic Semilight" panose="020B0503020000020004" pitchFamily="34" charset="-127"/>
+              </a:rPr>
+              <a:t>. </a:t>
+            </a:r>
+            <a:r>
+              <a:rPr lang="ko-KR" altLang="en-US" b="1" dirty="0">
+                <a:latin typeface="Malgun Gothic Semilight" panose="020B0503020000020004" pitchFamily="34" charset="-127"/>
+                <a:ea typeface="Malgun Gothic Semilight" panose="020B0503020000020004" pitchFamily="34" charset="-127"/>
+                <a:cs typeface="Malgun Gothic Semilight" panose="020B0503020000020004" pitchFamily="34" charset="-127"/>
+              </a:rPr>
+              <a:t>함수 </a:t>
+            </a:r>
+            <a:r>
+              <a:rPr lang="en-US" altLang="ko-KR" b="1" dirty="0">
+                <a:latin typeface="Malgun Gothic Semilight" panose="020B0503020000020004" pitchFamily="34" charset="-127"/>
+                <a:ea typeface="Malgun Gothic Semilight" panose="020B0503020000020004" pitchFamily="34" charset="-127"/>
+                <a:cs typeface="Malgun Gothic Semilight" panose="020B0503020000020004" pitchFamily="34" charset="-127"/>
+              </a:rPr>
+              <a:t>f(</a:t>
+            </a:r>
+            <a:r>
+              <a:rPr lang="en-US" altLang="ko-KR" b="1" dirty="0" err="1">
+                <a:latin typeface="Malgun Gothic Semilight" panose="020B0503020000020004" pitchFamily="34" charset="-127"/>
+                <a:ea typeface="Malgun Gothic Semilight" panose="020B0503020000020004" pitchFamily="34" charset="-127"/>
+                <a:cs typeface="Malgun Gothic Semilight" panose="020B0503020000020004" pitchFamily="34" charset="-127"/>
+              </a:rPr>
+              <a:t>v,c</a:t>
+            </a:r>
+            <a:r>
+              <a:rPr lang="en-US" altLang="ko-KR" b="1" dirty="0">
+                <a:latin typeface="Malgun Gothic Semilight" panose="020B0503020000020004" pitchFamily="34" charset="-127"/>
+                <a:ea typeface="Malgun Gothic Semilight" panose="020B0503020000020004" pitchFamily="34" charset="-127"/>
+                <a:cs typeface="Malgun Gothic Semilight" panose="020B0503020000020004" pitchFamily="34" charset="-127"/>
+              </a:rPr>
+              <a:t>)</a:t>
+            </a:r>
+            <a:r>
+              <a:rPr lang="ko-KR" altLang="en-US" b="1" dirty="0">
+                <a:latin typeface="Malgun Gothic Semilight" panose="020B0503020000020004" pitchFamily="34" charset="-127"/>
+                <a:ea typeface="Malgun Gothic Semilight" panose="020B0503020000020004" pitchFamily="34" charset="-127"/>
+                <a:cs typeface="Malgun Gothic Semilight" panose="020B0503020000020004" pitchFamily="34" charset="-127"/>
+              </a:rPr>
+              <a:t>는 다음과 같이 정의 하자</a:t>
+            </a:r>
+            <a:endParaRPr lang="en-US" altLang="ko-KR" b="1" dirty="0">
+              <a:latin typeface="Malgun Gothic Semilight" panose="020B0503020000020004" pitchFamily="34" charset="-127"/>
+              <a:ea typeface="Malgun Gothic Semilight" panose="020B0503020000020004" pitchFamily="34" charset="-127"/>
+              <a:cs typeface="Malgun Gothic Semilight" panose="020B0503020000020004" pitchFamily="34" charset="-127"/>
+            </a:endParaRPr>
+          </a:p>
+          <a:p>
+            <a:r>
+              <a:rPr lang="en-US" altLang="ko-KR" b="1" dirty="0">
+                <a:latin typeface="Malgun Gothic Semilight" panose="020B0503020000020004" pitchFamily="34" charset="-127"/>
+                <a:ea typeface="Malgun Gothic Semilight" panose="020B0503020000020004" pitchFamily="34" charset="-127"/>
+                <a:cs typeface="Malgun Gothic Semilight" panose="020B0503020000020004" pitchFamily="34" charset="-127"/>
+              </a:rPr>
+              <a:t>f(</a:t>
+            </a:r>
+            <a:r>
+              <a:rPr lang="en-US" altLang="ko-KR" b="1" dirty="0" err="1">
+                <a:latin typeface="Malgun Gothic Semilight" panose="020B0503020000020004" pitchFamily="34" charset="-127"/>
+                <a:ea typeface="Malgun Gothic Semilight" panose="020B0503020000020004" pitchFamily="34" charset="-127"/>
+                <a:cs typeface="Malgun Gothic Semilight" panose="020B0503020000020004" pitchFamily="34" charset="-127"/>
+              </a:rPr>
+              <a:t>v,c</a:t>
+            </a:r>
+            <a:r>
+              <a:rPr lang="en-US" altLang="ko-KR" b="1" dirty="0">
+                <a:latin typeface="Malgun Gothic Semilight" panose="020B0503020000020004" pitchFamily="34" charset="-127"/>
+                <a:ea typeface="Malgun Gothic Semilight" panose="020B0503020000020004" pitchFamily="34" charset="-127"/>
+                <a:cs typeface="Malgun Gothic Semilight" panose="020B0503020000020004" pitchFamily="34" charset="-127"/>
+              </a:rPr>
+              <a:t>) : </a:t>
+            </a:r>
+            <a:r>
+              <a:rPr lang="ko-KR" altLang="en-US" b="1" dirty="0">
+                <a:latin typeface="Malgun Gothic Semilight" panose="020B0503020000020004" pitchFamily="34" charset="-127"/>
+                <a:ea typeface="Malgun Gothic Semilight" panose="020B0503020000020004" pitchFamily="34" charset="-127"/>
+                <a:cs typeface="Malgun Gothic Semilight" panose="020B0503020000020004" pitchFamily="34" charset="-127"/>
+              </a:rPr>
+              <a:t>정점 </a:t>
+            </a:r>
+            <a:r>
+              <a:rPr lang="en-US" altLang="ko-KR" b="1" dirty="0">
+                <a:latin typeface="Malgun Gothic Semilight" panose="020B0503020000020004" pitchFamily="34" charset="-127"/>
+                <a:ea typeface="Malgun Gothic Semilight" panose="020B0503020000020004" pitchFamily="34" charset="-127"/>
+                <a:cs typeface="Malgun Gothic Semilight" panose="020B0503020000020004" pitchFamily="34" charset="-127"/>
+              </a:rPr>
+              <a:t>v</a:t>
+            </a:r>
+            <a:r>
+              <a:rPr lang="ko-KR" altLang="en-US" b="1" dirty="0">
+                <a:latin typeface="Malgun Gothic Semilight" panose="020B0503020000020004" pitchFamily="34" charset="-127"/>
+                <a:ea typeface="Malgun Gothic Semilight" panose="020B0503020000020004" pitchFamily="34" charset="-127"/>
+                <a:cs typeface="Malgun Gothic Semilight" panose="020B0503020000020004" pitchFamily="34" charset="-127"/>
+              </a:rPr>
+              <a:t>가 루트인 </a:t>
+            </a:r>
+            <a:r>
+              <a:rPr lang="ko-KR" altLang="en-US" b="1" dirty="0" err="1">
+                <a:latin typeface="Malgun Gothic Semilight" panose="020B0503020000020004" pitchFamily="34" charset="-127"/>
+                <a:ea typeface="Malgun Gothic Semilight" panose="020B0503020000020004" pitchFamily="34" charset="-127"/>
+                <a:cs typeface="Malgun Gothic Semilight" panose="020B0503020000020004" pitchFamily="34" charset="-127"/>
+              </a:rPr>
+              <a:t>서브트리에서</a:t>
+            </a:r>
+            <a:r>
+              <a:rPr lang="ko-KR" altLang="en-US" b="1" dirty="0">
+                <a:latin typeface="Malgun Gothic Semilight" panose="020B0503020000020004" pitchFamily="34" charset="-127"/>
+                <a:ea typeface="Malgun Gothic Semilight" panose="020B0503020000020004" pitchFamily="34" charset="-127"/>
+                <a:cs typeface="Malgun Gothic Semilight" panose="020B0503020000020004" pitchFamily="34" charset="-127"/>
+              </a:rPr>
+              <a:t> 노드에 적혀진 숫자가 </a:t>
+            </a:r>
+            <a:r>
+              <a:rPr lang="en-US" altLang="ko-KR" b="1" dirty="0">
+                <a:latin typeface="Malgun Gothic Semilight" panose="020B0503020000020004" pitchFamily="34" charset="-127"/>
+                <a:ea typeface="Malgun Gothic Semilight" panose="020B0503020000020004" pitchFamily="34" charset="-127"/>
+                <a:cs typeface="Malgun Gothic Semilight" panose="020B0503020000020004" pitchFamily="34" charset="-127"/>
+              </a:rPr>
+              <a:t>c </a:t>
+            </a:r>
+            <a:r>
+              <a:rPr lang="ko-KR" altLang="en-US" b="1" dirty="0">
+                <a:latin typeface="Malgun Gothic Semilight" panose="020B0503020000020004" pitchFamily="34" charset="-127"/>
+                <a:ea typeface="Malgun Gothic Semilight" panose="020B0503020000020004" pitchFamily="34" charset="-127"/>
+                <a:cs typeface="Malgun Gothic Semilight" panose="020B0503020000020004" pitchFamily="34" charset="-127"/>
+              </a:rPr>
+              <a:t>이하인 노드의 </a:t>
+            </a:r>
+            <a:r>
+              <a:rPr lang="ko-KR" altLang="en-US" b="1" dirty="0" err="1">
+                <a:latin typeface="Malgun Gothic Semilight" panose="020B0503020000020004" pitchFamily="34" charset="-127"/>
+                <a:ea typeface="Malgun Gothic Semilight" panose="020B0503020000020004" pitchFamily="34" charset="-127"/>
+                <a:cs typeface="Malgun Gothic Semilight" panose="020B0503020000020004" pitchFamily="34" charset="-127"/>
+              </a:rPr>
+              <a:t>갯수</a:t>
+            </a:r>
+            <a:r>
+              <a:rPr lang="ko-KR" altLang="en-US" b="1" dirty="0">
+                <a:latin typeface="Malgun Gothic Semilight" panose="020B0503020000020004" pitchFamily="34" charset="-127"/>
+                <a:ea typeface="Malgun Gothic Semilight" panose="020B0503020000020004" pitchFamily="34" charset="-127"/>
+                <a:cs typeface="Malgun Gothic Semilight" panose="020B0503020000020004" pitchFamily="34" charset="-127"/>
+              </a:rPr>
+              <a:t> </a:t>
+            </a:r>
+            <a:endParaRPr lang="en-US" altLang="ko-KR" b="1" dirty="0">
+              <a:latin typeface="Malgun Gothic Semilight" panose="020B0503020000020004" pitchFamily="34" charset="-127"/>
+              <a:ea typeface="Malgun Gothic Semilight" panose="020B0503020000020004" pitchFamily="34" charset="-127"/>
+              <a:cs typeface="Malgun Gothic Semilight" panose="020B0503020000020004" pitchFamily="34" charset="-127"/>
+            </a:endParaRPr>
+          </a:p>
+          <a:p>
+            <a:r>
+              <a:rPr lang="en-US" altLang="ko-KR" b="1" dirty="0">
+                <a:latin typeface="Malgun Gothic Semilight" panose="020B0503020000020004" pitchFamily="34" charset="-127"/>
+                <a:ea typeface="Malgun Gothic Semilight" panose="020B0503020000020004" pitchFamily="34" charset="-127"/>
+                <a:cs typeface="Malgun Gothic Semilight" panose="020B0503020000020004" pitchFamily="34" charset="-127"/>
+              </a:rPr>
+              <a:t>f(</a:t>
+            </a:r>
+            <a:r>
+              <a:rPr lang="en-US" altLang="ko-KR" b="1" dirty="0" err="1">
+                <a:latin typeface="Malgun Gothic Semilight" panose="020B0503020000020004" pitchFamily="34" charset="-127"/>
+                <a:ea typeface="Malgun Gothic Semilight" panose="020B0503020000020004" pitchFamily="34" charset="-127"/>
+                <a:cs typeface="Malgun Gothic Semilight" panose="020B0503020000020004" pitchFamily="34" charset="-127"/>
+              </a:rPr>
+              <a:t>v,c</a:t>
+            </a:r>
+            <a:r>
+              <a:rPr lang="en-US" altLang="ko-KR" b="1" dirty="0">
+                <a:latin typeface="Malgun Gothic Semilight" panose="020B0503020000020004" pitchFamily="34" charset="-127"/>
+                <a:ea typeface="Malgun Gothic Semilight" panose="020B0503020000020004" pitchFamily="34" charset="-127"/>
+                <a:cs typeface="Malgun Gothic Semilight" panose="020B0503020000020004" pitchFamily="34" charset="-127"/>
+              </a:rPr>
+              <a:t>)</a:t>
+            </a:r>
+            <a:r>
+              <a:rPr lang="ko-KR" altLang="en-US" b="1" dirty="0">
+                <a:latin typeface="Malgun Gothic Semilight" panose="020B0503020000020004" pitchFamily="34" charset="-127"/>
+                <a:ea typeface="Malgun Gothic Semilight" panose="020B0503020000020004" pitchFamily="34" charset="-127"/>
+                <a:cs typeface="Malgun Gothic Semilight" panose="020B0503020000020004" pitchFamily="34" charset="-127"/>
+              </a:rPr>
+              <a:t>가 </a:t>
+            </a:r>
+            <a:r>
+              <a:rPr lang="en-US" altLang="ko-KR" b="1" dirty="0">
+                <a:latin typeface="Malgun Gothic Semilight" panose="020B0503020000020004" pitchFamily="34" charset="-127"/>
+                <a:ea typeface="Malgun Gothic Semilight" panose="020B0503020000020004" pitchFamily="34" charset="-127"/>
+                <a:cs typeface="Malgun Gothic Semilight" panose="020B0503020000020004" pitchFamily="34" charset="-127"/>
+              </a:rPr>
+              <a:t>M</a:t>
+            </a:r>
+            <a:r>
+              <a:rPr lang="ko-KR" altLang="en-US" b="1" dirty="0">
+                <a:latin typeface="Malgun Gothic Semilight" panose="020B0503020000020004" pitchFamily="34" charset="-127"/>
+                <a:ea typeface="Malgun Gothic Semilight" panose="020B0503020000020004" pitchFamily="34" charset="-127"/>
+                <a:cs typeface="Malgun Gothic Semilight" panose="020B0503020000020004" pitchFamily="34" charset="-127"/>
+              </a:rPr>
+              <a:t>개만큼 입력이 되는데 이를 다 더하여 </a:t>
+            </a:r>
+            <a:r>
+              <a:rPr lang="en-US" altLang="ko-KR" b="1" dirty="0">
+                <a:latin typeface="Malgun Gothic Semilight" panose="020B0503020000020004" pitchFamily="34" charset="-127"/>
+                <a:ea typeface="Malgun Gothic Semilight" panose="020B0503020000020004" pitchFamily="34" charset="-127"/>
+                <a:cs typeface="Malgun Gothic Semilight" panose="020B0503020000020004" pitchFamily="34" charset="-127"/>
+              </a:rPr>
+              <a:t>1,000,000,007</a:t>
+            </a:r>
+            <a:r>
+              <a:rPr lang="ko-KR" altLang="en-US" b="1" dirty="0">
+                <a:latin typeface="Malgun Gothic Semilight" panose="020B0503020000020004" pitchFamily="34" charset="-127"/>
+                <a:ea typeface="Malgun Gothic Semilight" panose="020B0503020000020004" pitchFamily="34" charset="-127"/>
+                <a:cs typeface="Malgun Gothic Semilight" panose="020B0503020000020004" pitchFamily="34" charset="-127"/>
+              </a:rPr>
+              <a:t>로 나눈 나머지를 출력하여라</a:t>
+            </a:r>
+            <a:endParaRPr lang="en-US" altLang="ko-KR" b="1" dirty="0">
+              <a:latin typeface="Malgun Gothic Semilight" panose="020B0503020000020004" pitchFamily="34" charset="-127"/>
+              <a:ea typeface="Malgun Gothic Semilight" panose="020B0503020000020004" pitchFamily="34" charset="-127"/>
+              <a:cs typeface="Malgun Gothic Semilight" panose="020B0503020000020004" pitchFamily="34" charset="-127"/>
+            </a:endParaRPr>
+          </a:p>
+          <a:p>
+            <a:endParaRPr lang="en-US" altLang="ko-KR" b="1" dirty="0">
+              <a:latin typeface="Malgun Gothic Semilight" panose="020B0503020000020004" pitchFamily="34" charset="-127"/>
+              <a:ea typeface="Malgun Gothic Semilight" panose="020B0503020000020004" pitchFamily="34" charset="-127"/>
+              <a:cs typeface="Malgun Gothic Semilight" panose="020B0503020000020004" pitchFamily="34" charset="-127"/>
+            </a:endParaRPr>
+          </a:p>
+          <a:p>
+            <a:r>
+              <a:rPr lang="ko-KR" altLang="en-US" b="1" dirty="0">
+                <a:latin typeface="Malgun Gothic Semilight" panose="020B0503020000020004" pitchFamily="34" charset="-127"/>
+                <a:ea typeface="Malgun Gothic Semilight" panose="020B0503020000020004" pitchFamily="34" charset="-127"/>
+                <a:cs typeface="Malgun Gothic Semilight" panose="020B0503020000020004" pitchFamily="34" charset="-127"/>
+              </a:rPr>
+              <a:t>문제 입력 중 노드의 개수</a:t>
+            </a:r>
+            <a:r>
+              <a:rPr lang="en-US" altLang="ko-KR" b="1" dirty="0">
+                <a:latin typeface="Malgun Gothic Semilight" panose="020B0503020000020004" pitchFamily="34" charset="-127"/>
+                <a:ea typeface="Malgun Gothic Semilight" panose="020B0503020000020004" pitchFamily="34" charset="-127"/>
+                <a:cs typeface="Malgun Gothic Semilight" panose="020B0503020000020004" pitchFamily="34" charset="-127"/>
+              </a:rPr>
+              <a:t>(N)</a:t>
+            </a:r>
+            <a:r>
+              <a:rPr lang="ko-KR" altLang="en-US" b="1" dirty="0">
+                <a:latin typeface="Malgun Gothic Semilight" panose="020B0503020000020004" pitchFamily="34" charset="-127"/>
+                <a:ea typeface="Malgun Gothic Semilight" panose="020B0503020000020004" pitchFamily="34" charset="-127"/>
+                <a:cs typeface="Malgun Gothic Semilight" panose="020B0503020000020004" pitchFamily="34" charset="-127"/>
+              </a:rPr>
+              <a:t>의</a:t>
+            </a:r>
+            <a:r>
+              <a:rPr lang="en-US" altLang="ko-KR" b="1" dirty="0">
+                <a:latin typeface="Malgun Gothic Semilight" panose="020B0503020000020004" pitchFamily="34" charset="-127"/>
+                <a:ea typeface="Malgun Gothic Semilight" panose="020B0503020000020004" pitchFamily="34" charset="-127"/>
+                <a:cs typeface="Malgun Gothic Semilight" panose="020B0503020000020004" pitchFamily="34" charset="-127"/>
+              </a:rPr>
+              <a:t> </a:t>
+            </a:r>
+            <a:r>
+              <a:rPr lang="ko-KR" altLang="en-US" b="1" dirty="0">
+                <a:latin typeface="Malgun Gothic Semilight" panose="020B0503020000020004" pitchFamily="34" charset="-127"/>
+                <a:ea typeface="Malgun Gothic Semilight" panose="020B0503020000020004" pitchFamily="34" charset="-127"/>
+                <a:cs typeface="Malgun Gothic Semilight" panose="020B0503020000020004" pitchFamily="34" charset="-127"/>
+              </a:rPr>
+              <a:t>범위는 </a:t>
+            </a:r>
+            <a:r>
+              <a:rPr lang="en-US" altLang="ko-KR" b="1" dirty="0">
+                <a:latin typeface="Malgun Gothic Semilight" panose="020B0503020000020004" pitchFamily="34" charset="-127"/>
+                <a:ea typeface="Malgun Gothic Semilight" panose="020B0503020000020004" pitchFamily="34" charset="-127"/>
+                <a:cs typeface="Malgun Gothic Semilight" panose="020B0503020000020004" pitchFamily="34" charset="-127"/>
+              </a:rPr>
+              <a:t>1 &lt;= N&lt;= 2*10^5 </a:t>
+            </a:r>
+            <a:r>
+              <a:rPr lang="ko-KR" altLang="en-US" b="1" dirty="0">
+                <a:latin typeface="Malgun Gothic Semilight" panose="020B0503020000020004" pitchFamily="34" charset="-127"/>
+                <a:ea typeface="Malgun Gothic Semilight" panose="020B0503020000020004" pitchFamily="34" charset="-127"/>
+                <a:cs typeface="Malgun Gothic Semilight" panose="020B0503020000020004" pitchFamily="34" charset="-127"/>
+              </a:rPr>
+              <a:t>이다</a:t>
+            </a:r>
+            <a:r>
+              <a:rPr lang="en-US" altLang="ko-KR" b="1" dirty="0">
+                <a:latin typeface="Malgun Gothic Semilight" panose="020B0503020000020004" pitchFamily="34" charset="-127"/>
+                <a:ea typeface="Malgun Gothic Semilight" panose="020B0503020000020004" pitchFamily="34" charset="-127"/>
+                <a:cs typeface="Malgun Gothic Semilight" panose="020B0503020000020004" pitchFamily="34" charset="-127"/>
+              </a:rPr>
+              <a:t>.</a:t>
+            </a:r>
+          </a:p>
+          <a:p>
+            <a:endParaRPr lang="en-US" altLang="ko-KR" b="1" dirty="0">
+              <a:latin typeface="Malgun Gothic Semilight" panose="020B0503020000020004" pitchFamily="34" charset="-127"/>
+              <a:ea typeface="Malgun Gothic Semilight" panose="020B0503020000020004" pitchFamily="34" charset="-127"/>
+              <a:cs typeface="Malgun Gothic Semilight" panose="020B0503020000020004" pitchFamily="34" charset="-127"/>
+            </a:endParaRPr>
+          </a:p>
+          <a:p>
+            <a:r>
+              <a:rPr lang="ko-KR" altLang="en-US" b="1" dirty="0">
+                <a:latin typeface="Malgun Gothic Semilight" panose="020B0503020000020004" pitchFamily="34" charset="-127"/>
+                <a:ea typeface="Malgun Gothic Semilight" panose="020B0503020000020004" pitchFamily="34" charset="-127"/>
+                <a:cs typeface="Malgun Gothic Semilight" panose="020B0503020000020004" pitchFamily="34" charset="-127"/>
+              </a:rPr>
+              <a:t>문제의 제한 </a:t>
+            </a:r>
+            <a:r>
+              <a:rPr lang="en-US" altLang="ko-KR" b="1" dirty="0">
+                <a:latin typeface="Malgun Gothic Semilight" panose="020B0503020000020004" pitchFamily="34" charset="-127"/>
+                <a:ea typeface="Malgun Gothic Semilight" panose="020B0503020000020004" pitchFamily="34" charset="-127"/>
+                <a:cs typeface="Malgun Gothic Semilight" panose="020B0503020000020004" pitchFamily="34" charset="-127"/>
+              </a:rPr>
+              <a:t>:</a:t>
+            </a:r>
+          </a:p>
+          <a:p>
+            <a:endParaRPr lang="en-US" altLang="ko-KR" b="1" dirty="0">
+              <a:latin typeface="Malgun Gothic Semilight" panose="020B0503020000020004" pitchFamily="34" charset="-127"/>
+              <a:ea typeface="Malgun Gothic Semilight" panose="020B0503020000020004" pitchFamily="34" charset="-127"/>
+              <a:cs typeface="Malgun Gothic Semilight" panose="020B0503020000020004" pitchFamily="34" charset="-127"/>
+            </a:endParaRPr>
+          </a:p>
+          <a:p>
+            <a:endParaRPr lang="en-US" altLang="ko-KR" b="1" dirty="0">
+              <a:latin typeface="Malgun Gothic Semilight" panose="020B0503020000020004" pitchFamily="34" charset="-127"/>
+              <a:ea typeface="Malgun Gothic Semilight" panose="020B0503020000020004" pitchFamily="34" charset="-127"/>
+              <a:cs typeface="Malgun Gothic Semilight" panose="020B0503020000020004" pitchFamily="34" charset="-127"/>
+            </a:endParaRPr>
+          </a:p>
+          <a:p>
+            <a:endParaRPr lang="en-US" altLang="ko-KR" b="1" dirty="0">
+              <a:latin typeface="Malgun Gothic Semilight" panose="020B0503020000020004" pitchFamily="34" charset="-127"/>
+              <a:ea typeface="Malgun Gothic Semilight" panose="020B0503020000020004" pitchFamily="34" charset="-127"/>
+              <a:cs typeface="Malgun Gothic Semilight" panose="020B0503020000020004" pitchFamily="34" charset="-127"/>
+            </a:endParaRPr>
+          </a:p>
+          <a:p>
+            <a:endParaRPr lang="en-US" altLang="ko-KR" b="1" dirty="0">
+              <a:latin typeface="Malgun Gothic Semilight" panose="020B0503020000020004" pitchFamily="34" charset="-127"/>
+              <a:ea typeface="Malgun Gothic Semilight" panose="020B0503020000020004" pitchFamily="34" charset="-127"/>
+              <a:cs typeface="Malgun Gothic Semilight" panose="020B0503020000020004" pitchFamily="34" charset="-127"/>
+            </a:endParaRPr>
+          </a:p>
+        </p:txBody>
+      </p:sp>
+      <p:pic>
+        <p:nvPicPr>
+          <p:cNvPr id="3" name="그림 2">
+            <a:extLst>
+              <a:ext uri="{FF2B5EF4-FFF2-40B4-BE49-F238E27FC236}">
+                <a16:creationId xmlns:a16="http://schemas.microsoft.com/office/drawing/2014/main" id="{D1181E7C-BF94-4BDD-895D-7EBF0E37241A}"/>
+              </a:ext>
+            </a:extLst>
+          </p:cNvPr>
+          <p:cNvPicPr>
+            <a:picLocks noChangeAspect="1"/>
+          </p:cNvPicPr>
+          <p:nvPr/>
+        </p:nvPicPr>
+        <p:blipFill>
+          <a:blip r:embed="rId3"/>
+          <a:stretch>
+            <a:fillRect/>
+          </a:stretch>
+        </p:blipFill>
+        <p:spPr>
+          <a:xfrm>
+            <a:off x="2204236" y="4134726"/>
+            <a:ext cx="1823405" cy="865437"/>
+          </a:xfrm>
+          <a:prstGeom prst="rect">
+            <a:avLst/>
+          </a:prstGeom>
+        </p:spPr>
+      </p:pic>
+    </p:spTree>
+    <p:extLst>
+      <p:ext uri="{BB962C8B-B14F-4D97-AF65-F5344CB8AC3E}">
+        <p14:creationId xmlns:p14="http://schemas.microsoft.com/office/powerpoint/2010/main" val="1160822054"/>
+      </p:ext>
+    </p:extLst>
+  </p:cSld>
+  <p:clrMapOvr>
+    <a:masterClrMapping/>
+  </p:clrMapOvr>
+</p:sld>
+</file>
+
+<file path=ppt/slides/slide8.xml><?xml version="1.0" encoding="utf-8"?>
+<p:sld xmlns:a="http://schemas.openxmlformats.org/drawingml/2006/main" xmlns:r="http://schemas.openxmlformats.org/officeDocument/2006/relationships" xmlns:p="http://schemas.openxmlformats.org/presentationml/2006/main">
+  <p:cSld>
+    <p:spTree>
+      <p:nvGrpSpPr>
+        <p:cNvPr id="1" name=""/>
+        <p:cNvGrpSpPr/>
+        <p:nvPr/>
+      </p:nvGrpSpPr>
+      <p:grpSpPr>
+        <a:xfrm>
+          <a:off x="0" y="0"/>
+          <a:ext cx="0" cy="0"/>
+          <a:chOff x="0" y="0"/>
+          <a:chExt cx="0" cy="0"/>
+        </a:xfrm>
+      </p:grpSpPr>
+      <p:sp>
+        <p:nvSpPr>
+          <p:cNvPr id="4" name="TextBox 3">
+            <a:extLst>
+              <a:ext uri="{FF2B5EF4-FFF2-40B4-BE49-F238E27FC236}">
+                <a16:creationId xmlns:a16="http://schemas.microsoft.com/office/drawing/2014/main" id="{867A7A21-87C6-415F-8954-4CE0C99FC6CC}"/>
+              </a:ext>
+            </a:extLst>
+          </p:cNvPr>
+          <p:cNvSpPr txBox="1"/>
+          <p:nvPr/>
+        </p:nvSpPr>
+        <p:spPr>
+          <a:xfrm>
+            <a:off x="439646" y="0"/>
+            <a:ext cx="11312708" cy="461665"/>
+          </a:xfrm>
+          <a:prstGeom prst="rect">
+            <a:avLst/>
+          </a:prstGeom>
+          <a:noFill/>
+        </p:spPr>
+        <p:txBody>
+          <a:bodyPr wrap="square" rtlCol="0">
+            <a:spAutoFit/>
+          </a:bodyPr>
+          <a:lstStyle/>
+          <a:p>
+            <a:r>
+              <a:rPr lang="en-US" altLang="ko-KR" sz="2400" dirty="0"/>
+              <a:t>15899 </a:t>
+            </a:r>
+            <a:r>
+              <a:rPr lang="ko-KR" altLang="en-US" sz="2400" dirty="0"/>
+              <a:t>트리와 색깔</a:t>
+            </a:r>
+          </a:p>
+        </p:txBody>
+      </p:sp>
+      <p:sp>
+        <p:nvSpPr>
+          <p:cNvPr id="6" name="TextBox 5">
+            <a:extLst>
+              <a:ext uri="{FF2B5EF4-FFF2-40B4-BE49-F238E27FC236}">
+                <a16:creationId xmlns:a16="http://schemas.microsoft.com/office/drawing/2014/main" id="{74E49943-A862-4C93-828B-C6EA6C787219}"/>
+              </a:ext>
+            </a:extLst>
+          </p:cNvPr>
+          <p:cNvSpPr txBox="1"/>
+          <p:nvPr/>
+        </p:nvSpPr>
+        <p:spPr>
+          <a:xfrm>
+            <a:off x="439645" y="887074"/>
+            <a:ext cx="11275207" cy="1200329"/>
+          </a:xfrm>
+          <a:prstGeom prst="rect">
+            <a:avLst/>
+          </a:prstGeom>
+          <a:noFill/>
+        </p:spPr>
+        <p:txBody>
+          <a:bodyPr wrap="square" rtlCol="0">
+            <a:spAutoFit/>
+          </a:bodyPr>
+          <a:lstStyle/>
+          <a:p>
+            <a:r>
+              <a:rPr lang="ko-KR" altLang="en-US" dirty="0"/>
+              <a:t>풀이 아이디어 </a:t>
+            </a:r>
+            <a:r>
+              <a:rPr lang="en-US" altLang="ko-KR" dirty="0"/>
+              <a:t>: </a:t>
+            </a:r>
+          </a:p>
+          <a:p>
+            <a:endParaRPr lang="en-US" altLang="ko-KR" dirty="0"/>
+          </a:p>
+          <a:p>
+            <a:r>
+              <a:rPr lang="ko-KR" altLang="en-US" dirty="0">
+                <a:latin typeface="맑은 고딕" panose="020B0503020000020004" pitchFamily="50" charset="-127"/>
+                <a:ea typeface="맑은 고딕" panose="020B0503020000020004" pitchFamily="50" charset="-127"/>
+              </a:rPr>
+              <a:t>처음 떠오른 아이디어는 다이나믹 프로그래밍으로 푸는 것이었다</a:t>
+            </a:r>
+            <a:r>
+              <a:rPr lang="en-US" altLang="ko-KR" dirty="0">
+                <a:latin typeface="맑은 고딕" panose="020B0503020000020004" pitchFamily="50" charset="-127"/>
+                <a:ea typeface="맑은 고딕" panose="020B0503020000020004" pitchFamily="50" charset="-127"/>
+              </a:rPr>
+              <a:t>. </a:t>
+            </a:r>
+            <a:r>
+              <a:rPr lang="ko-KR" altLang="en-US" dirty="0">
+                <a:latin typeface="맑은 고딕" panose="020B0503020000020004" pitchFamily="50" charset="-127"/>
+                <a:ea typeface="맑은 고딕" panose="020B0503020000020004" pitchFamily="50" charset="-127"/>
+              </a:rPr>
+              <a:t>노드 구조체를 정의하고</a:t>
+            </a:r>
+            <a:r>
+              <a:rPr lang="en-US" altLang="ko-KR" dirty="0">
+                <a:latin typeface="맑은 고딕" panose="020B0503020000020004" pitchFamily="50" charset="-127"/>
+                <a:ea typeface="맑은 고딕" panose="020B0503020000020004" pitchFamily="50" charset="-127"/>
+              </a:rPr>
+              <a:t>, </a:t>
+            </a:r>
+            <a:r>
+              <a:rPr lang="ko-KR" altLang="en-US" dirty="0">
+                <a:latin typeface="맑은 고딕" panose="020B0503020000020004" pitchFamily="50" charset="-127"/>
+                <a:ea typeface="맑은 고딕" panose="020B0503020000020004" pitchFamily="50" charset="-127"/>
+              </a:rPr>
+              <a:t>트리 구조를 </a:t>
+            </a:r>
+            <a:r>
+              <a:rPr lang="ko-KR" altLang="en-US" dirty="0" err="1">
+                <a:latin typeface="맑은 고딕" panose="020B0503020000020004" pitchFamily="50" charset="-127"/>
+                <a:ea typeface="맑은 고딕" panose="020B0503020000020004" pitchFamily="50" charset="-127"/>
+              </a:rPr>
+              <a:t>링크드</a:t>
+            </a:r>
+            <a:r>
+              <a:rPr lang="ko-KR" altLang="en-US" dirty="0">
+                <a:latin typeface="맑은 고딕" panose="020B0503020000020004" pitchFamily="50" charset="-127"/>
+                <a:ea typeface="맑은 고딕" panose="020B0503020000020004" pitchFamily="50" charset="-127"/>
+              </a:rPr>
+              <a:t> 리스트로 만든 다음에 </a:t>
+            </a:r>
+            <a:r>
+              <a:rPr lang="en-US" altLang="ko-KR" dirty="0" err="1">
+                <a:latin typeface="맑은 고딕" panose="020B0503020000020004" pitchFamily="50" charset="-127"/>
+                <a:ea typeface="맑은 고딕" panose="020B0503020000020004" pitchFamily="50" charset="-127"/>
+              </a:rPr>
+              <a:t>dfs</a:t>
+            </a:r>
+            <a:r>
+              <a:rPr lang="ko-KR" altLang="en-US" dirty="0">
+                <a:latin typeface="맑은 고딕" panose="020B0503020000020004" pitchFamily="50" charset="-127"/>
+                <a:ea typeface="맑은 고딕" panose="020B0503020000020004" pitchFamily="50" charset="-127"/>
+              </a:rPr>
+              <a:t>로 탐색하며 풀기</a:t>
+            </a:r>
+            <a:r>
+              <a:rPr lang="en-US" altLang="ko-KR" dirty="0">
+                <a:latin typeface="맑은 고딕" panose="020B0503020000020004" pitchFamily="50" charset="-127"/>
+                <a:ea typeface="맑은 고딕" panose="020B0503020000020004" pitchFamily="50" charset="-127"/>
+              </a:rPr>
+              <a:t>!</a:t>
+            </a:r>
+          </a:p>
+        </p:txBody>
+      </p:sp>
+    </p:spTree>
+    <p:extLst>
+      <p:ext uri="{BB962C8B-B14F-4D97-AF65-F5344CB8AC3E}">
+        <p14:creationId xmlns:p14="http://schemas.microsoft.com/office/powerpoint/2010/main" val="2712414369"/>
+      </p:ext>
+    </p:extLst>
+  </p:cSld>
+  <p:clrMapOvr>
+    <a:masterClrMapping/>
+  </p:clrMapOvr>
+</p:sld>
+</file>
+
+<file path=ppt/slides/slide9.xml><?xml version="1.0" encoding="utf-8"?>
+<p:sld xmlns:a="http://schemas.openxmlformats.org/drawingml/2006/main" xmlns:r="http://schemas.openxmlformats.org/officeDocument/2006/relationships" xmlns:p="http://schemas.openxmlformats.org/presentationml/2006/main">
+  <p:cSld>
+    <p:spTree>
+      <p:nvGrpSpPr>
+        <p:cNvPr id="1" name=""/>
+        <p:cNvGrpSpPr/>
+        <p:nvPr/>
+      </p:nvGrpSpPr>
+      <p:grpSpPr>
+        <a:xfrm>
+          <a:off x="0" y="0"/>
+          <a:ext cx="0" cy="0"/>
+          <a:chOff x="0" y="0"/>
+          <a:chExt cx="0" cy="0"/>
+        </a:xfrm>
+      </p:grpSpPr>
+      <p:sp>
+        <p:nvSpPr>
+          <p:cNvPr id="4" name="TextBox 3">
+            <a:extLst>
+              <a:ext uri="{FF2B5EF4-FFF2-40B4-BE49-F238E27FC236}">
+                <a16:creationId xmlns:a16="http://schemas.microsoft.com/office/drawing/2014/main" id="{867A7A21-87C6-415F-8954-4CE0C99FC6CC}"/>
+              </a:ext>
+            </a:extLst>
+          </p:cNvPr>
+          <p:cNvSpPr txBox="1"/>
+          <p:nvPr/>
+        </p:nvSpPr>
+        <p:spPr>
+          <a:xfrm>
+            <a:off x="439646" y="0"/>
+            <a:ext cx="11312708" cy="461665"/>
+          </a:xfrm>
+          <a:prstGeom prst="rect">
+            <a:avLst/>
+          </a:prstGeom>
+          <a:noFill/>
+        </p:spPr>
+        <p:txBody>
+          <a:bodyPr wrap="square" rtlCol="0">
+            <a:spAutoFit/>
+          </a:bodyPr>
+          <a:lstStyle/>
+          <a:p>
+            <a:r>
+              <a:rPr lang="en-US" altLang="ko-KR" sz="2400" dirty="0"/>
+              <a:t>15899 </a:t>
+            </a:r>
+            <a:r>
+              <a:rPr lang="ko-KR" altLang="en-US" sz="2400" dirty="0"/>
+              <a:t>트리와 색깔</a:t>
+            </a:r>
+          </a:p>
+        </p:txBody>
+      </p:sp>
+      <p:sp>
+        <p:nvSpPr>
+          <p:cNvPr id="6" name="TextBox 5">
+            <a:extLst>
+              <a:ext uri="{FF2B5EF4-FFF2-40B4-BE49-F238E27FC236}">
+                <a16:creationId xmlns:a16="http://schemas.microsoft.com/office/drawing/2014/main" id="{74E49943-A862-4C93-828B-C6EA6C787219}"/>
+              </a:ext>
+            </a:extLst>
+          </p:cNvPr>
+          <p:cNvSpPr txBox="1"/>
+          <p:nvPr/>
+        </p:nvSpPr>
+        <p:spPr>
+          <a:xfrm>
+            <a:off x="439645" y="887074"/>
+            <a:ext cx="11275207" cy="369332"/>
+          </a:xfrm>
+          <a:prstGeom prst="rect">
+            <a:avLst/>
+          </a:prstGeom>
+          <a:noFill/>
+        </p:spPr>
+        <p:txBody>
+          <a:bodyPr wrap="square" rtlCol="0">
+            <a:spAutoFit/>
+          </a:bodyPr>
+          <a:lstStyle/>
+          <a:p>
+            <a:r>
+              <a:rPr lang="ko-KR" altLang="en-US" dirty="0" err="1"/>
+              <a:t>링크드</a:t>
+            </a:r>
+            <a:r>
+              <a:rPr lang="ko-KR" altLang="en-US" dirty="0"/>
+              <a:t> 리스트</a:t>
+            </a:r>
+            <a:r>
+              <a:rPr lang="en-US" altLang="ko-KR" dirty="0"/>
+              <a:t>: </a:t>
+            </a:r>
+          </a:p>
+        </p:txBody>
+      </p:sp>
+      <p:sp>
+        <p:nvSpPr>
+          <p:cNvPr id="2" name="직사각형 1">
+            <a:extLst>
+              <a:ext uri="{FF2B5EF4-FFF2-40B4-BE49-F238E27FC236}">
+                <a16:creationId xmlns:a16="http://schemas.microsoft.com/office/drawing/2014/main" id="{4FB187EB-0DC8-4F77-8766-20F5BD19EF84}"/>
+              </a:ext>
+            </a:extLst>
+          </p:cNvPr>
+          <p:cNvSpPr/>
+          <p:nvPr/>
+        </p:nvSpPr>
+        <p:spPr>
+          <a:xfrm>
+            <a:off x="4758709" y="2544579"/>
+            <a:ext cx="852163" cy="277671"/>
+          </a:xfrm>
+          <a:prstGeom prst="rect">
+            <a:avLst/>
+          </a:prstGeom>
+        </p:spPr>
+        <p:style>
+          <a:lnRef idx="2">
+            <a:schemeClr val="accent1">
+              <a:shade val="50000"/>
+            </a:schemeClr>
+          </a:lnRef>
+          <a:fillRef idx="1">
+            <a:schemeClr val="accent1"/>
+          </a:fillRef>
+          <a:effectRef idx="0">
+            <a:schemeClr val="accent1"/>
+          </a:effectRef>
+          <a:fontRef idx="minor">
+            <a:schemeClr val="lt1"/>
+          </a:fontRef>
+        </p:style>
+        <p:txBody>
+          <a:bodyPr rtlCol="0" anchor="ctr"/>
+          <a:lstStyle/>
+          <a:p>
+            <a:pPr algn="ctr"/>
+            <a:r>
+              <a:rPr lang="en-US" altLang="ko-KR" dirty="0"/>
+              <a:t>1</a:t>
+            </a:r>
+            <a:endParaRPr lang="ko-KR" altLang="en-US" dirty="0"/>
+          </a:p>
+        </p:txBody>
+      </p:sp>
+      <p:sp>
+        <p:nvSpPr>
+          <p:cNvPr id="5" name="직사각형 4">
+            <a:extLst>
+              <a:ext uri="{FF2B5EF4-FFF2-40B4-BE49-F238E27FC236}">
+                <a16:creationId xmlns:a16="http://schemas.microsoft.com/office/drawing/2014/main" id="{19BDA0BA-A9B3-4A90-92C5-F9382E0F2F83}"/>
+              </a:ext>
+            </a:extLst>
+          </p:cNvPr>
+          <p:cNvSpPr/>
+          <p:nvPr/>
+        </p:nvSpPr>
+        <p:spPr>
+          <a:xfrm>
+            <a:off x="4758708" y="2891963"/>
+            <a:ext cx="852163" cy="277671"/>
+          </a:xfrm>
+          <a:prstGeom prst="rect">
+            <a:avLst/>
+          </a:prstGeom>
+        </p:spPr>
+        <p:style>
+          <a:lnRef idx="2">
+            <a:schemeClr val="accent1">
+              <a:shade val="50000"/>
+            </a:schemeClr>
+          </a:lnRef>
+          <a:fillRef idx="1">
+            <a:schemeClr val="accent1"/>
+          </a:fillRef>
+          <a:effectRef idx="0">
+            <a:schemeClr val="accent1"/>
+          </a:effectRef>
+          <a:fontRef idx="minor">
+            <a:schemeClr val="lt1"/>
+          </a:fontRef>
+        </p:style>
+        <p:txBody>
+          <a:bodyPr rtlCol="0" anchor="ctr"/>
+          <a:lstStyle/>
+          <a:p>
+            <a:pPr algn="ctr"/>
+            <a:r>
+              <a:rPr lang="en-US" altLang="ko-KR" dirty="0"/>
+              <a:t>2</a:t>
+            </a:r>
+            <a:endParaRPr lang="ko-KR" altLang="en-US" dirty="0"/>
+          </a:p>
+        </p:txBody>
+      </p:sp>
+      <p:sp>
+        <p:nvSpPr>
+          <p:cNvPr id="7" name="직사각형 6">
+            <a:extLst>
+              <a:ext uri="{FF2B5EF4-FFF2-40B4-BE49-F238E27FC236}">
+                <a16:creationId xmlns:a16="http://schemas.microsoft.com/office/drawing/2014/main" id="{8FF32810-D973-4922-AFC3-ABFCE971404E}"/>
+              </a:ext>
+            </a:extLst>
+          </p:cNvPr>
+          <p:cNvSpPr/>
+          <p:nvPr/>
+        </p:nvSpPr>
+        <p:spPr>
+          <a:xfrm>
+            <a:off x="4758707" y="3239347"/>
+            <a:ext cx="852163" cy="277671"/>
+          </a:xfrm>
+          <a:prstGeom prst="rect">
+            <a:avLst/>
+          </a:prstGeom>
+        </p:spPr>
+        <p:style>
+          <a:lnRef idx="2">
+            <a:schemeClr val="accent1">
+              <a:shade val="50000"/>
+            </a:schemeClr>
+          </a:lnRef>
+          <a:fillRef idx="1">
+            <a:schemeClr val="accent1"/>
+          </a:fillRef>
+          <a:effectRef idx="0">
+            <a:schemeClr val="accent1"/>
+          </a:effectRef>
+          <a:fontRef idx="minor">
+            <a:schemeClr val="lt1"/>
+          </a:fontRef>
+        </p:style>
+        <p:txBody>
+          <a:bodyPr rtlCol="0" anchor="ctr"/>
+          <a:lstStyle/>
+          <a:p>
+            <a:pPr algn="ctr"/>
+            <a:r>
+              <a:rPr lang="en-US" altLang="ko-KR" dirty="0"/>
+              <a:t>3</a:t>
+            </a:r>
+            <a:endParaRPr lang="ko-KR" altLang="en-US" dirty="0"/>
+          </a:p>
+        </p:txBody>
+      </p:sp>
+      <p:sp>
+        <p:nvSpPr>
+          <p:cNvPr id="8" name="직사각형 7">
+            <a:extLst>
+              <a:ext uri="{FF2B5EF4-FFF2-40B4-BE49-F238E27FC236}">
+                <a16:creationId xmlns:a16="http://schemas.microsoft.com/office/drawing/2014/main" id="{FBD6FB14-16B6-4E0F-ACFE-86CBEBA85189}"/>
+              </a:ext>
+            </a:extLst>
+          </p:cNvPr>
+          <p:cNvSpPr/>
+          <p:nvPr/>
+        </p:nvSpPr>
+        <p:spPr>
+          <a:xfrm>
+            <a:off x="4758706" y="3586731"/>
+            <a:ext cx="852163" cy="277671"/>
+          </a:xfrm>
+          <a:prstGeom prst="rect">
+            <a:avLst/>
+          </a:prstGeom>
+        </p:spPr>
+        <p:style>
+          <a:lnRef idx="2">
+            <a:schemeClr val="accent1">
+              <a:shade val="50000"/>
+            </a:schemeClr>
+          </a:lnRef>
+          <a:fillRef idx="1">
+            <a:schemeClr val="accent1"/>
+          </a:fillRef>
+          <a:effectRef idx="0">
+            <a:schemeClr val="accent1"/>
+          </a:effectRef>
+          <a:fontRef idx="minor">
+            <a:schemeClr val="lt1"/>
+          </a:fontRef>
+        </p:style>
+        <p:txBody>
+          <a:bodyPr rtlCol="0" anchor="ctr"/>
+          <a:lstStyle/>
+          <a:p>
+            <a:pPr algn="ctr"/>
+            <a:r>
+              <a:rPr lang="en-US" altLang="ko-KR" dirty="0"/>
+              <a:t>4</a:t>
+            </a:r>
+            <a:endParaRPr lang="ko-KR" altLang="en-US" dirty="0"/>
+          </a:p>
+        </p:txBody>
+      </p:sp>
+      <p:sp>
+        <p:nvSpPr>
+          <p:cNvPr id="9" name="직사각형 8">
+            <a:extLst>
+              <a:ext uri="{FF2B5EF4-FFF2-40B4-BE49-F238E27FC236}">
+                <a16:creationId xmlns:a16="http://schemas.microsoft.com/office/drawing/2014/main" id="{5DA391DD-3766-4956-8D8C-BC6BB38D2659}"/>
+              </a:ext>
+            </a:extLst>
+          </p:cNvPr>
+          <p:cNvSpPr/>
+          <p:nvPr/>
+        </p:nvSpPr>
+        <p:spPr>
+          <a:xfrm>
+            <a:off x="4758705" y="3934115"/>
+            <a:ext cx="852163" cy="277671"/>
+          </a:xfrm>
+          <a:prstGeom prst="rect">
+            <a:avLst/>
+          </a:prstGeom>
+        </p:spPr>
+        <p:style>
+          <a:lnRef idx="2">
+            <a:schemeClr val="accent1">
+              <a:shade val="50000"/>
+            </a:schemeClr>
+          </a:lnRef>
+          <a:fillRef idx="1">
+            <a:schemeClr val="accent1"/>
+          </a:fillRef>
+          <a:effectRef idx="0">
+            <a:schemeClr val="accent1"/>
+          </a:effectRef>
+          <a:fontRef idx="minor">
+            <a:schemeClr val="lt1"/>
+          </a:fontRef>
+        </p:style>
+        <p:txBody>
+          <a:bodyPr rtlCol="0" anchor="ctr"/>
+          <a:lstStyle/>
+          <a:p>
+            <a:pPr algn="ctr"/>
+            <a:r>
+              <a:rPr lang="en-US" altLang="ko-KR" dirty="0"/>
+              <a:t>5</a:t>
+            </a:r>
+            <a:endParaRPr lang="ko-KR" altLang="en-US" dirty="0"/>
+          </a:p>
+        </p:txBody>
+      </p:sp>
+      <p:sp>
+        <p:nvSpPr>
+          <p:cNvPr id="10" name="직사각형 9">
+            <a:extLst>
+              <a:ext uri="{FF2B5EF4-FFF2-40B4-BE49-F238E27FC236}">
+                <a16:creationId xmlns:a16="http://schemas.microsoft.com/office/drawing/2014/main" id="{97DC9276-D89F-48D8-A5C0-9E48E1025167}"/>
+              </a:ext>
+            </a:extLst>
+          </p:cNvPr>
+          <p:cNvSpPr/>
+          <p:nvPr/>
+        </p:nvSpPr>
+        <p:spPr>
+          <a:xfrm>
+            <a:off x="5978706" y="2542480"/>
+            <a:ext cx="852163" cy="277671"/>
+          </a:xfrm>
+          <a:prstGeom prst="rect">
+            <a:avLst/>
+          </a:prstGeom>
+        </p:spPr>
+        <p:style>
+          <a:lnRef idx="2">
+            <a:schemeClr val="accent1">
+              <a:shade val="50000"/>
+            </a:schemeClr>
+          </a:lnRef>
+          <a:fillRef idx="1">
+            <a:schemeClr val="accent1"/>
+          </a:fillRef>
+          <a:effectRef idx="0">
+            <a:schemeClr val="accent1"/>
+          </a:effectRef>
+          <a:fontRef idx="minor">
+            <a:schemeClr val="lt1"/>
+          </a:fontRef>
+        </p:style>
+        <p:txBody>
+          <a:bodyPr rtlCol="0" anchor="ctr"/>
+          <a:lstStyle/>
+          <a:p>
+            <a:pPr algn="ctr"/>
+            <a:r>
+              <a:rPr lang="en-US" altLang="ko-KR" dirty="0"/>
+              <a:t>2</a:t>
+            </a:r>
+            <a:endParaRPr lang="ko-KR" altLang="en-US" dirty="0"/>
+          </a:p>
+        </p:txBody>
+      </p:sp>
+      <p:sp>
+        <p:nvSpPr>
+          <p:cNvPr id="11" name="직사각형 10">
+            <a:extLst>
+              <a:ext uri="{FF2B5EF4-FFF2-40B4-BE49-F238E27FC236}">
+                <a16:creationId xmlns:a16="http://schemas.microsoft.com/office/drawing/2014/main" id="{8B2D32F7-66A0-4585-9012-EB8C66ACC11C}"/>
+              </a:ext>
+            </a:extLst>
+          </p:cNvPr>
+          <p:cNvSpPr/>
+          <p:nvPr/>
+        </p:nvSpPr>
+        <p:spPr>
+          <a:xfrm>
+            <a:off x="7198703" y="2542480"/>
+            <a:ext cx="852163" cy="277671"/>
+          </a:xfrm>
+          <a:prstGeom prst="rect">
+            <a:avLst/>
+          </a:prstGeom>
+        </p:spPr>
+        <p:style>
+          <a:lnRef idx="2">
+            <a:schemeClr val="accent1">
+              <a:shade val="50000"/>
+            </a:schemeClr>
+          </a:lnRef>
+          <a:fillRef idx="1">
+            <a:schemeClr val="accent1"/>
+          </a:fillRef>
+          <a:effectRef idx="0">
+            <a:schemeClr val="accent1"/>
+          </a:effectRef>
+          <a:fontRef idx="minor">
+            <a:schemeClr val="lt1"/>
+          </a:fontRef>
+        </p:style>
+        <p:txBody>
+          <a:bodyPr rtlCol="0" anchor="ctr"/>
+          <a:lstStyle/>
+          <a:p>
+            <a:pPr algn="ctr"/>
+            <a:r>
+              <a:rPr lang="en-US" altLang="ko-KR" dirty="0"/>
+              <a:t>3</a:t>
+            </a:r>
+            <a:endParaRPr lang="ko-KR" altLang="en-US" dirty="0"/>
+          </a:p>
+        </p:txBody>
+      </p:sp>
+      <p:sp>
+        <p:nvSpPr>
+          <p:cNvPr id="12" name="직사각형 11">
+            <a:extLst>
+              <a:ext uri="{FF2B5EF4-FFF2-40B4-BE49-F238E27FC236}">
+                <a16:creationId xmlns:a16="http://schemas.microsoft.com/office/drawing/2014/main" id="{74E5A436-BE02-4CB7-869D-61ADA9D941DA}"/>
+              </a:ext>
+            </a:extLst>
+          </p:cNvPr>
+          <p:cNvSpPr/>
+          <p:nvPr/>
+        </p:nvSpPr>
+        <p:spPr>
+          <a:xfrm>
+            <a:off x="5978705" y="3242063"/>
+            <a:ext cx="852163" cy="277671"/>
+          </a:xfrm>
+          <a:prstGeom prst="rect">
+            <a:avLst/>
+          </a:prstGeom>
+        </p:spPr>
+        <p:style>
+          <a:lnRef idx="2">
+            <a:schemeClr val="accent1">
+              <a:shade val="50000"/>
+            </a:schemeClr>
+          </a:lnRef>
+          <a:fillRef idx="1">
+            <a:schemeClr val="accent1"/>
+          </a:fillRef>
+          <a:effectRef idx="0">
+            <a:schemeClr val="accent1"/>
+          </a:effectRef>
+          <a:fontRef idx="minor">
+            <a:schemeClr val="lt1"/>
+          </a:fontRef>
+        </p:style>
+        <p:txBody>
+          <a:bodyPr rtlCol="0" anchor="ctr"/>
+          <a:lstStyle/>
+          <a:p>
+            <a:pPr algn="ctr"/>
+            <a:r>
+              <a:rPr lang="en-US" altLang="ko-KR" dirty="0"/>
+              <a:t>4</a:t>
+            </a:r>
+            <a:endParaRPr lang="ko-KR" altLang="en-US" dirty="0"/>
+          </a:p>
+        </p:txBody>
+      </p:sp>
+      <p:sp>
+        <p:nvSpPr>
+          <p:cNvPr id="13" name="직사각형 12">
+            <a:extLst>
+              <a:ext uri="{FF2B5EF4-FFF2-40B4-BE49-F238E27FC236}">
+                <a16:creationId xmlns:a16="http://schemas.microsoft.com/office/drawing/2014/main" id="{7675C1FB-2D87-4F5F-BB18-A113A93132A9}"/>
+              </a:ext>
+            </a:extLst>
+          </p:cNvPr>
+          <p:cNvSpPr/>
+          <p:nvPr/>
+        </p:nvSpPr>
+        <p:spPr>
+          <a:xfrm>
+            <a:off x="5978705" y="3586730"/>
+            <a:ext cx="852163" cy="277671"/>
+          </a:xfrm>
+          <a:prstGeom prst="rect">
+            <a:avLst/>
+          </a:prstGeom>
+        </p:spPr>
+        <p:style>
+          <a:lnRef idx="2">
+            <a:schemeClr val="accent1">
+              <a:shade val="50000"/>
+            </a:schemeClr>
+          </a:lnRef>
+          <a:fillRef idx="1">
+            <a:schemeClr val="accent1"/>
+          </a:fillRef>
+          <a:effectRef idx="0">
+            <a:schemeClr val="accent1"/>
+          </a:effectRef>
+          <a:fontRef idx="minor">
+            <a:schemeClr val="lt1"/>
+          </a:fontRef>
+        </p:style>
+        <p:txBody>
+          <a:bodyPr rtlCol="0" anchor="ctr"/>
+          <a:lstStyle/>
+          <a:p>
+            <a:pPr algn="ctr"/>
+            <a:r>
+              <a:rPr lang="en-US" altLang="ko-KR" dirty="0"/>
+              <a:t>5</a:t>
+            </a:r>
+            <a:endParaRPr lang="ko-KR" altLang="en-US" dirty="0"/>
+          </a:p>
+        </p:txBody>
+      </p:sp>
+      <p:sp>
+        <p:nvSpPr>
+          <p:cNvPr id="14" name="직사각형 13">
+            <a:extLst>
+              <a:ext uri="{FF2B5EF4-FFF2-40B4-BE49-F238E27FC236}">
+                <a16:creationId xmlns:a16="http://schemas.microsoft.com/office/drawing/2014/main" id="{290AF27B-4DCB-4810-B6FC-41B03DD0FD9E}"/>
+              </a:ext>
+            </a:extLst>
+          </p:cNvPr>
+          <p:cNvSpPr/>
+          <p:nvPr/>
+        </p:nvSpPr>
+        <p:spPr>
+          <a:xfrm>
+            <a:off x="5978704" y="3941646"/>
+            <a:ext cx="852163" cy="277671"/>
+          </a:xfrm>
+          <a:prstGeom prst="rect">
+            <a:avLst/>
+          </a:prstGeom>
+          <a:noFill/>
+        </p:spPr>
+        <p:style>
+          <a:lnRef idx="2">
+            <a:schemeClr val="accent1">
+              <a:shade val="50000"/>
+            </a:schemeClr>
+          </a:lnRef>
+          <a:fillRef idx="1">
+            <a:schemeClr val="accent1"/>
+          </a:fillRef>
+          <a:effectRef idx="0">
+            <a:schemeClr val="accent1"/>
+          </a:effectRef>
+          <a:fontRef idx="minor">
+            <a:schemeClr val="lt1"/>
+          </a:fontRef>
+        </p:style>
+        <p:txBody>
+          <a:bodyPr rtlCol="0" anchor="ctr"/>
+          <a:lstStyle/>
+          <a:p>
+            <a:pPr algn="ctr"/>
+            <a:r>
+              <a:rPr lang="en-US" altLang="ko-KR" dirty="0">
+                <a:solidFill>
+                  <a:schemeClr val="tx1"/>
+                </a:solidFill>
+              </a:rPr>
+              <a:t>NULL</a:t>
+            </a:r>
+            <a:endParaRPr lang="ko-KR" altLang="en-US" dirty="0">
+              <a:solidFill>
+                <a:schemeClr val="tx1"/>
+              </a:solidFill>
+            </a:endParaRPr>
+          </a:p>
+        </p:txBody>
+      </p:sp>
+      <p:sp>
+        <p:nvSpPr>
+          <p:cNvPr id="15" name="직사각형 14">
+            <a:extLst>
+              <a:ext uri="{FF2B5EF4-FFF2-40B4-BE49-F238E27FC236}">
+                <a16:creationId xmlns:a16="http://schemas.microsoft.com/office/drawing/2014/main" id="{4EB0D1E7-15D4-44E9-B716-5D4A9440416F}"/>
+              </a:ext>
+            </a:extLst>
+          </p:cNvPr>
+          <p:cNvSpPr/>
+          <p:nvPr/>
+        </p:nvSpPr>
+        <p:spPr>
+          <a:xfrm>
+            <a:off x="7198702" y="3581078"/>
+            <a:ext cx="852163" cy="277671"/>
+          </a:xfrm>
+          <a:prstGeom prst="rect">
+            <a:avLst/>
+          </a:prstGeom>
+          <a:noFill/>
+        </p:spPr>
+        <p:style>
+          <a:lnRef idx="2">
+            <a:schemeClr val="accent1">
+              <a:shade val="50000"/>
+            </a:schemeClr>
+          </a:lnRef>
+          <a:fillRef idx="1">
+            <a:schemeClr val="accent1"/>
+          </a:fillRef>
+          <a:effectRef idx="0">
+            <a:schemeClr val="accent1"/>
+          </a:effectRef>
+          <a:fontRef idx="minor">
+            <a:schemeClr val="lt1"/>
+          </a:fontRef>
+        </p:style>
+        <p:txBody>
+          <a:bodyPr rtlCol="0" anchor="ctr"/>
+          <a:lstStyle/>
+          <a:p>
+            <a:pPr algn="ctr"/>
+            <a:r>
+              <a:rPr lang="en-US" altLang="ko-KR" dirty="0">
+                <a:solidFill>
+                  <a:schemeClr val="tx1"/>
+                </a:solidFill>
+              </a:rPr>
+              <a:t>NULL</a:t>
+            </a:r>
+            <a:endParaRPr lang="ko-KR" altLang="en-US" dirty="0">
+              <a:solidFill>
+                <a:schemeClr val="tx1"/>
+              </a:solidFill>
+            </a:endParaRPr>
+          </a:p>
+        </p:txBody>
+      </p:sp>
+      <p:sp>
+        <p:nvSpPr>
+          <p:cNvPr id="16" name="직사각형 15">
+            <a:extLst>
+              <a:ext uri="{FF2B5EF4-FFF2-40B4-BE49-F238E27FC236}">
+                <a16:creationId xmlns:a16="http://schemas.microsoft.com/office/drawing/2014/main" id="{C30D2298-8392-478B-94B1-7A812604D5AD}"/>
+              </a:ext>
+            </a:extLst>
+          </p:cNvPr>
+          <p:cNvSpPr/>
+          <p:nvPr/>
+        </p:nvSpPr>
+        <p:spPr>
+          <a:xfrm>
+            <a:off x="7198702" y="3239347"/>
+            <a:ext cx="852163" cy="277671"/>
+          </a:xfrm>
+          <a:prstGeom prst="rect">
+            <a:avLst/>
+          </a:prstGeom>
+          <a:noFill/>
+        </p:spPr>
+        <p:style>
+          <a:lnRef idx="2">
+            <a:schemeClr val="accent1">
+              <a:shade val="50000"/>
+            </a:schemeClr>
+          </a:lnRef>
+          <a:fillRef idx="1">
+            <a:schemeClr val="accent1"/>
+          </a:fillRef>
+          <a:effectRef idx="0">
+            <a:schemeClr val="accent1"/>
+          </a:effectRef>
+          <a:fontRef idx="minor">
+            <a:schemeClr val="lt1"/>
+          </a:fontRef>
+        </p:style>
+        <p:txBody>
+          <a:bodyPr rtlCol="0" anchor="ctr"/>
+          <a:lstStyle/>
+          <a:p>
+            <a:pPr algn="ctr"/>
+            <a:r>
+              <a:rPr lang="en-US" altLang="ko-KR" dirty="0">
+                <a:solidFill>
+                  <a:schemeClr val="tx1"/>
+                </a:solidFill>
+              </a:rPr>
+              <a:t>NULL</a:t>
+            </a:r>
+            <a:endParaRPr lang="ko-KR" altLang="en-US" dirty="0">
+              <a:solidFill>
+                <a:schemeClr val="tx1"/>
+              </a:solidFill>
+            </a:endParaRPr>
+          </a:p>
+        </p:txBody>
+      </p:sp>
+      <p:sp>
+        <p:nvSpPr>
+          <p:cNvPr id="17" name="직사각형 16">
+            <a:extLst>
+              <a:ext uri="{FF2B5EF4-FFF2-40B4-BE49-F238E27FC236}">
+                <a16:creationId xmlns:a16="http://schemas.microsoft.com/office/drawing/2014/main" id="{B9B2CACA-A334-4DBE-9838-8D493195B5A7}"/>
+              </a:ext>
+            </a:extLst>
+          </p:cNvPr>
+          <p:cNvSpPr/>
+          <p:nvPr/>
+        </p:nvSpPr>
+        <p:spPr>
+          <a:xfrm>
+            <a:off x="5978704" y="2887765"/>
+            <a:ext cx="852163" cy="277671"/>
+          </a:xfrm>
+          <a:prstGeom prst="rect">
+            <a:avLst/>
+          </a:prstGeom>
+          <a:noFill/>
+        </p:spPr>
+        <p:style>
+          <a:lnRef idx="2">
+            <a:schemeClr val="accent1">
+              <a:shade val="50000"/>
+            </a:schemeClr>
+          </a:lnRef>
+          <a:fillRef idx="1">
+            <a:schemeClr val="accent1"/>
+          </a:fillRef>
+          <a:effectRef idx="0">
+            <a:schemeClr val="accent1"/>
+          </a:effectRef>
+          <a:fontRef idx="minor">
+            <a:schemeClr val="lt1"/>
+          </a:fontRef>
+        </p:style>
+        <p:txBody>
+          <a:bodyPr rtlCol="0" anchor="ctr"/>
+          <a:lstStyle/>
+          <a:p>
+            <a:pPr algn="ctr"/>
+            <a:r>
+              <a:rPr lang="en-US" altLang="ko-KR" dirty="0">
+                <a:solidFill>
+                  <a:schemeClr val="tx1"/>
+                </a:solidFill>
+              </a:rPr>
+              <a:t>NULL</a:t>
+            </a:r>
+            <a:endParaRPr lang="ko-KR" altLang="en-US" dirty="0">
+              <a:solidFill>
+                <a:schemeClr val="tx1"/>
+              </a:solidFill>
+            </a:endParaRPr>
+          </a:p>
+        </p:txBody>
+      </p:sp>
+      <p:sp>
+        <p:nvSpPr>
+          <p:cNvPr id="18" name="직사각형 17">
+            <a:extLst>
+              <a:ext uri="{FF2B5EF4-FFF2-40B4-BE49-F238E27FC236}">
+                <a16:creationId xmlns:a16="http://schemas.microsoft.com/office/drawing/2014/main" id="{31F90C24-027F-46F1-8DB1-5B1D852CD344}"/>
+              </a:ext>
+            </a:extLst>
+          </p:cNvPr>
+          <p:cNvSpPr/>
+          <p:nvPr/>
+        </p:nvSpPr>
+        <p:spPr>
+          <a:xfrm>
+            <a:off x="8389174" y="2536395"/>
+            <a:ext cx="852163" cy="277671"/>
+          </a:xfrm>
+          <a:prstGeom prst="rect">
+            <a:avLst/>
+          </a:prstGeom>
+          <a:noFill/>
+        </p:spPr>
+        <p:style>
+          <a:lnRef idx="2">
+            <a:schemeClr val="accent1">
+              <a:shade val="50000"/>
+            </a:schemeClr>
+          </a:lnRef>
+          <a:fillRef idx="1">
+            <a:schemeClr val="accent1"/>
+          </a:fillRef>
+          <a:effectRef idx="0">
+            <a:schemeClr val="accent1"/>
+          </a:effectRef>
+          <a:fontRef idx="minor">
+            <a:schemeClr val="lt1"/>
+          </a:fontRef>
+        </p:style>
+        <p:txBody>
+          <a:bodyPr rtlCol="0" anchor="ctr"/>
+          <a:lstStyle/>
+          <a:p>
+            <a:pPr algn="ctr"/>
+            <a:r>
+              <a:rPr lang="en-US" altLang="ko-KR" dirty="0">
+                <a:solidFill>
+                  <a:schemeClr val="tx1"/>
+                </a:solidFill>
+              </a:rPr>
+              <a:t>NULL</a:t>
+            </a:r>
+            <a:endParaRPr lang="ko-KR" altLang="en-US" dirty="0">
+              <a:solidFill>
+                <a:schemeClr val="tx1"/>
+              </a:solidFill>
+            </a:endParaRPr>
+          </a:p>
+        </p:txBody>
+      </p:sp>
+      <p:cxnSp>
+        <p:nvCxnSpPr>
+          <p:cNvPr id="19" name="직선 화살표 연결선 18">
+            <a:extLst>
+              <a:ext uri="{FF2B5EF4-FFF2-40B4-BE49-F238E27FC236}">
+                <a16:creationId xmlns:a16="http://schemas.microsoft.com/office/drawing/2014/main" id="{6B25C42C-2DB2-447B-8438-05D3EF4F0EEC}"/>
+              </a:ext>
+            </a:extLst>
+          </p:cNvPr>
+          <p:cNvCxnSpPr>
+            <a:stCxn id="2" idx="3"/>
+            <a:endCxn id="10" idx="1"/>
+          </p:cNvCxnSpPr>
+          <p:nvPr/>
+        </p:nvCxnSpPr>
+        <p:spPr>
+          <a:xfrm flipV="1">
+            <a:off x="5610872" y="2681316"/>
+            <a:ext cx="367834" cy="2099"/>
+          </a:xfrm>
+          <a:prstGeom prst="straightConnector1">
+            <a:avLst/>
+          </a:prstGeom>
+          <a:ln>
+            <a:tailEnd type="triangle"/>
+          </a:ln>
+        </p:spPr>
+        <p:style>
+          <a:lnRef idx="1">
+            <a:schemeClr val="accent1"/>
+          </a:lnRef>
+          <a:fillRef idx="0">
+            <a:schemeClr val="accent1"/>
+          </a:fillRef>
+          <a:effectRef idx="0">
+            <a:schemeClr val="accent1"/>
+          </a:effectRef>
+          <a:fontRef idx="minor">
+            <a:schemeClr val="tx1"/>
+          </a:fontRef>
+        </p:style>
+      </p:cxnSp>
+      <p:cxnSp>
+        <p:nvCxnSpPr>
+          <p:cNvPr id="20" name="직선 화살표 연결선 19">
+            <a:extLst>
+              <a:ext uri="{FF2B5EF4-FFF2-40B4-BE49-F238E27FC236}">
+                <a16:creationId xmlns:a16="http://schemas.microsoft.com/office/drawing/2014/main" id="{CCD06022-CD3F-4B34-8F8C-D5086E38BFB9}"/>
+              </a:ext>
+            </a:extLst>
+          </p:cNvPr>
+          <p:cNvCxnSpPr/>
+          <p:nvPr/>
+        </p:nvCxnSpPr>
+        <p:spPr>
+          <a:xfrm flipV="1">
+            <a:off x="6839242" y="2682365"/>
+            <a:ext cx="367834" cy="2099"/>
+          </a:xfrm>
+          <a:prstGeom prst="straightConnector1">
+            <a:avLst/>
+          </a:prstGeom>
+          <a:ln>
+            <a:tailEnd type="triangle"/>
+          </a:ln>
+        </p:spPr>
+        <p:style>
+          <a:lnRef idx="1">
+            <a:schemeClr val="accent1"/>
+          </a:lnRef>
+          <a:fillRef idx="0">
+            <a:schemeClr val="accent1"/>
+          </a:fillRef>
+          <a:effectRef idx="0">
+            <a:schemeClr val="accent1"/>
+          </a:effectRef>
+          <a:fontRef idx="minor">
+            <a:schemeClr val="tx1"/>
+          </a:fontRef>
+        </p:style>
+      </p:cxnSp>
+      <p:cxnSp>
+        <p:nvCxnSpPr>
+          <p:cNvPr id="21" name="직선 화살표 연결선 20">
+            <a:extLst>
+              <a:ext uri="{FF2B5EF4-FFF2-40B4-BE49-F238E27FC236}">
+                <a16:creationId xmlns:a16="http://schemas.microsoft.com/office/drawing/2014/main" id="{AD4AFDEA-C6D4-4CFB-8E0D-7AC2AD022BD0}"/>
+              </a:ext>
+            </a:extLst>
+          </p:cNvPr>
+          <p:cNvCxnSpPr/>
+          <p:nvPr/>
+        </p:nvCxnSpPr>
+        <p:spPr>
+          <a:xfrm flipV="1">
+            <a:off x="8050866" y="2684271"/>
+            <a:ext cx="367834" cy="2099"/>
+          </a:xfrm>
+          <a:prstGeom prst="straightConnector1">
+            <a:avLst/>
+          </a:prstGeom>
+          <a:ln>
+            <a:tailEnd type="triangle"/>
+          </a:ln>
+        </p:spPr>
+        <p:style>
+          <a:lnRef idx="1">
+            <a:schemeClr val="accent1"/>
+          </a:lnRef>
+          <a:fillRef idx="0">
+            <a:schemeClr val="accent1"/>
+          </a:fillRef>
+          <a:effectRef idx="0">
+            <a:schemeClr val="accent1"/>
+          </a:effectRef>
+          <a:fontRef idx="minor">
+            <a:schemeClr val="tx1"/>
+          </a:fontRef>
+        </p:style>
+      </p:cxnSp>
+      <p:cxnSp>
+        <p:nvCxnSpPr>
+          <p:cNvPr id="22" name="직선 화살표 연결선 21">
+            <a:extLst>
+              <a:ext uri="{FF2B5EF4-FFF2-40B4-BE49-F238E27FC236}">
+                <a16:creationId xmlns:a16="http://schemas.microsoft.com/office/drawing/2014/main" id="{8F755DD1-5475-457F-AEAF-217488665AFE}"/>
+              </a:ext>
+            </a:extLst>
+          </p:cNvPr>
+          <p:cNvCxnSpPr/>
+          <p:nvPr/>
+        </p:nvCxnSpPr>
+        <p:spPr>
+          <a:xfrm flipV="1">
+            <a:off x="5610868" y="3024432"/>
+            <a:ext cx="367834" cy="2099"/>
+          </a:xfrm>
+          <a:prstGeom prst="straightConnector1">
+            <a:avLst/>
+          </a:prstGeom>
+          <a:ln>
+            <a:tailEnd type="triangle"/>
+          </a:ln>
+        </p:spPr>
+        <p:style>
+          <a:lnRef idx="1">
+            <a:schemeClr val="accent1"/>
+          </a:lnRef>
+          <a:fillRef idx="0">
+            <a:schemeClr val="accent1"/>
+          </a:fillRef>
+          <a:effectRef idx="0">
+            <a:schemeClr val="accent1"/>
+          </a:effectRef>
+          <a:fontRef idx="minor">
+            <a:schemeClr val="tx1"/>
+          </a:fontRef>
+        </p:style>
+      </p:cxnSp>
+      <p:cxnSp>
+        <p:nvCxnSpPr>
+          <p:cNvPr id="23" name="직선 화살표 연결선 22">
+            <a:extLst>
+              <a:ext uri="{FF2B5EF4-FFF2-40B4-BE49-F238E27FC236}">
+                <a16:creationId xmlns:a16="http://schemas.microsoft.com/office/drawing/2014/main" id="{3C506A85-08F5-46A9-B1CB-BC6747DFEF98}"/>
+              </a:ext>
+            </a:extLst>
+          </p:cNvPr>
+          <p:cNvCxnSpPr/>
+          <p:nvPr/>
+        </p:nvCxnSpPr>
+        <p:spPr>
+          <a:xfrm flipV="1">
+            <a:off x="5610872" y="3376631"/>
+            <a:ext cx="367834" cy="2099"/>
+          </a:xfrm>
+          <a:prstGeom prst="straightConnector1">
+            <a:avLst/>
+          </a:prstGeom>
+          <a:ln>
+            <a:tailEnd type="triangle"/>
+          </a:ln>
+        </p:spPr>
+        <p:style>
+          <a:lnRef idx="1">
+            <a:schemeClr val="accent1"/>
+          </a:lnRef>
+          <a:fillRef idx="0">
+            <a:schemeClr val="accent1"/>
+          </a:fillRef>
+          <a:effectRef idx="0">
+            <a:schemeClr val="accent1"/>
+          </a:effectRef>
+          <a:fontRef idx="minor">
+            <a:schemeClr val="tx1"/>
+          </a:fontRef>
+        </p:style>
+      </p:cxnSp>
+      <p:cxnSp>
+        <p:nvCxnSpPr>
+          <p:cNvPr id="24" name="직선 화살표 연결선 23">
+            <a:extLst>
+              <a:ext uri="{FF2B5EF4-FFF2-40B4-BE49-F238E27FC236}">
+                <a16:creationId xmlns:a16="http://schemas.microsoft.com/office/drawing/2014/main" id="{B22CF67D-C970-4A15-BF38-F01F11863E7D}"/>
+              </a:ext>
+            </a:extLst>
+          </p:cNvPr>
+          <p:cNvCxnSpPr/>
+          <p:nvPr/>
+        </p:nvCxnSpPr>
+        <p:spPr>
+          <a:xfrm flipV="1">
+            <a:off x="5610868" y="3726731"/>
+            <a:ext cx="367834" cy="2099"/>
+          </a:xfrm>
+          <a:prstGeom prst="straightConnector1">
+            <a:avLst/>
+          </a:prstGeom>
+          <a:ln>
+            <a:tailEnd type="triangle"/>
+          </a:ln>
+        </p:spPr>
+        <p:style>
+          <a:lnRef idx="1">
+            <a:schemeClr val="accent1"/>
+          </a:lnRef>
+          <a:fillRef idx="0">
+            <a:schemeClr val="accent1"/>
+          </a:fillRef>
+          <a:effectRef idx="0">
+            <a:schemeClr val="accent1"/>
+          </a:effectRef>
+          <a:fontRef idx="minor">
+            <a:schemeClr val="tx1"/>
+          </a:fontRef>
+        </p:style>
+      </p:cxnSp>
+      <p:cxnSp>
+        <p:nvCxnSpPr>
+          <p:cNvPr id="25" name="직선 화살표 연결선 24">
+            <a:extLst>
+              <a:ext uri="{FF2B5EF4-FFF2-40B4-BE49-F238E27FC236}">
+                <a16:creationId xmlns:a16="http://schemas.microsoft.com/office/drawing/2014/main" id="{A1CE83FB-61AF-45B5-AE5E-B2893E32A8C7}"/>
+              </a:ext>
+            </a:extLst>
+          </p:cNvPr>
+          <p:cNvCxnSpPr/>
+          <p:nvPr/>
+        </p:nvCxnSpPr>
+        <p:spPr>
+          <a:xfrm flipV="1">
+            <a:off x="6830867" y="3383067"/>
+            <a:ext cx="367834" cy="2099"/>
+          </a:xfrm>
+          <a:prstGeom prst="straightConnector1">
+            <a:avLst/>
+          </a:prstGeom>
+          <a:ln>
+            <a:tailEnd type="triangle"/>
+          </a:ln>
+        </p:spPr>
+        <p:style>
+          <a:lnRef idx="1">
+            <a:schemeClr val="accent1"/>
+          </a:lnRef>
+          <a:fillRef idx="0">
+            <a:schemeClr val="accent1"/>
+          </a:fillRef>
+          <a:effectRef idx="0">
+            <a:schemeClr val="accent1"/>
+          </a:effectRef>
+          <a:fontRef idx="minor">
+            <a:schemeClr val="tx1"/>
+          </a:fontRef>
+        </p:style>
+      </p:cxnSp>
+      <p:cxnSp>
+        <p:nvCxnSpPr>
+          <p:cNvPr id="26" name="직선 화살표 연결선 25">
+            <a:extLst>
+              <a:ext uri="{FF2B5EF4-FFF2-40B4-BE49-F238E27FC236}">
+                <a16:creationId xmlns:a16="http://schemas.microsoft.com/office/drawing/2014/main" id="{B8F82B12-7DC9-4D71-B6FC-F57670ACD5BB}"/>
+              </a:ext>
+            </a:extLst>
+          </p:cNvPr>
+          <p:cNvCxnSpPr/>
+          <p:nvPr/>
+        </p:nvCxnSpPr>
+        <p:spPr>
+          <a:xfrm flipV="1">
+            <a:off x="5610868" y="4085554"/>
+            <a:ext cx="367834" cy="2099"/>
+          </a:xfrm>
+          <a:prstGeom prst="straightConnector1">
+            <a:avLst/>
+          </a:prstGeom>
+          <a:ln>
+            <a:tailEnd type="triangle"/>
+          </a:ln>
+        </p:spPr>
+        <p:style>
+          <a:lnRef idx="1">
+            <a:schemeClr val="accent1"/>
+          </a:lnRef>
+          <a:fillRef idx="0">
+            <a:schemeClr val="accent1"/>
+          </a:fillRef>
+          <a:effectRef idx="0">
+            <a:schemeClr val="accent1"/>
+          </a:effectRef>
+          <a:fontRef idx="minor">
+            <a:schemeClr val="tx1"/>
+          </a:fontRef>
+        </p:style>
+      </p:cxnSp>
+      <p:cxnSp>
+        <p:nvCxnSpPr>
+          <p:cNvPr id="27" name="직선 화살표 연결선 26">
+            <a:extLst>
+              <a:ext uri="{FF2B5EF4-FFF2-40B4-BE49-F238E27FC236}">
+                <a16:creationId xmlns:a16="http://schemas.microsoft.com/office/drawing/2014/main" id="{FA9B247D-8FC7-47E4-A137-0B30416C00B3}"/>
+              </a:ext>
+            </a:extLst>
+          </p:cNvPr>
+          <p:cNvCxnSpPr/>
+          <p:nvPr/>
+        </p:nvCxnSpPr>
+        <p:spPr>
+          <a:xfrm flipV="1">
+            <a:off x="6830867" y="3733599"/>
+            <a:ext cx="367834" cy="2099"/>
+          </a:xfrm>
+          <a:prstGeom prst="straightConnector1">
+            <a:avLst/>
+          </a:prstGeom>
+          <a:ln>
+            <a:tailEnd type="triangle"/>
+          </a:ln>
+        </p:spPr>
+        <p:style>
+          <a:lnRef idx="1">
+            <a:schemeClr val="accent1"/>
+          </a:lnRef>
+          <a:fillRef idx="0">
+            <a:schemeClr val="accent1"/>
+          </a:fillRef>
+          <a:effectRef idx="0">
+            <a:schemeClr val="accent1"/>
+          </a:effectRef>
+          <a:fontRef idx="minor">
+            <a:schemeClr val="tx1"/>
+          </a:fontRef>
+        </p:style>
+      </p:cxnSp>
+      <p:sp>
+        <p:nvSpPr>
+          <p:cNvPr id="28" name="타원 27">
+            <a:extLst>
+              <a:ext uri="{FF2B5EF4-FFF2-40B4-BE49-F238E27FC236}">
+                <a16:creationId xmlns:a16="http://schemas.microsoft.com/office/drawing/2014/main" id="{DBC14C03-C541-4CD6-8752-D915CA7390F5}"/>
+              </a:ext>
+            </a:extLst>
+          </p:cNvPr>
+          <p:cNvSpPr/>
+          <p:nvPr/>
+        </p:nvSpPr>
+        <p:spPr>
+          <a:xfrm>
+            <a:off x="2250094" y="1650110"/>
+            <a:ext cx="534601" cy="534601"/>
+          </a:xfrm>
+          <a:prstGeom prst="ellipse">
+            <a:avLst/>
+          </a:prstGeom>
+        </p:spPr>
+        <p:style>
+          <a:lnRef idx="2">
+            <a:schemeClr val="accent1">
+              <a:shade val="50000"/>
+            </a:schemeClr>
+          </a:lnRef>
+          <a:fillRef idx="1">
+            <a:schemeClr val="accent1"/>
+          </a:fillRef>
+          <a:effectRef idx="0">
+            <a:schemeClr val="accent1"/>
+          </a:effectRef>
+          <a:fontRef idx="minor">
+            <a:schemeClr val="lt1"/>
+          </a:fontRef>
+        </p:style>
+        <p:txBody>
+          <a:bodyPr rtlCol="0" anchor="ctr"/>
+          <a:lstStyle/>
+          <a:p>
+            <a:pPr algn="ctr"/>
+            <a:r>
+              <a:rPr lang="en-US" altLang="ko-KR" dirty="0"/>
+              <a:t>1</a:t>
+            </a:r>
+            <a:endParaRPr lang="ko-KR" altLang="en-US" dirty="0"/>
+          </a:p>
+        </p:txBody>
+      </p:sp>
+      <p:sp>
+        <p:nvSpPr>
+          <p:cNvPr id="29" name="타원 28">
+            <a:extLst>
+              <a:ext uri="{FF2B5EF4-FFF2-40B4-BE49-F238E27FC236}">
+                <a16:creationId xmlns:a16="http://schemas.microsoft.com/office/drawing/2014/main" id="{FD7C3F7B-7F6A-4705-9354-728AE1B87628}"/>
+              </a:ext>
+            </a:extLst>
+          </p:cNvPr>
+          <p:cNvSpPr/>
+          <p:nvPr/>
+        </p:nvSpPr>
+        <p:spPr>
+          <a:xfrm>
+            <a:off x="1392346" y="2542481"/>
+            <a:ext cx="534601" cy="534601"/>
+          </a:xfrm>
+          <a:prstGeom prst="ellipse">
+            <a:avLst/>
+          </a:prstGeom>
+        </p:spPr>
+        <p:style>
+          <a:lnRef idx="2">
+            <a:schemeClr val="accent1">
+              <a:shade val="50000"/>
+            </a:schemeClr>
+          </a:lnRef>
+          <a:fillRef idx="1">
+            <a:schemeClr val="accent1"/>
+          </a:fillRef>
+          <a:effectRef idx="0">
+            <a:schemeClr val="accent1"/>
+          </a:effectRef>
+          <a:fontRef idx="minor">
+            <a:schemeClr val="lt1"/>
+          </a:fontRef>
+        </p:style>
+        <p:txBody>
+          <a:bodyPr rtlCol="0" anchor="ctr"/>
+          <a:lstStyle/>
+          <a:p>
+            <a:pPr algn="ctr"/>
+            <a:r>
+              <a:rPr lang="en-US" altLang="ko-KR" dirty="0"/>
+              <a:t>2</a:t>
+            </a:r>
+            <a:endParaRPr lang="ko-KR" altLang="en-US" dirty="0"/>
+          </a:p>
+        </p:txBody>
+      </p:sp>
+      <p:sp>
+        <p:nvSpPr>
+          <p:cNvPr id="30" name="타원 29">
+            <a:extLst>
+              <a:ext uri="{FF2B5EF4-FFF2-40B4-BE49-F238E27FC236}">
+                <a16:creationId xmlns:a16="http://schemas.microsoft.com/office/drawing/2014/main" id="{0F059617-5CF8-4FBC-AD67-B6A8C3A995C4}"/>
+              </a:ext>
+            </a:extLst>
+          </p:cNvPr>
+          <p:cNvSpPr/>
+          <p:nvPr/>
+        </p:nvSpPr>
+        <p:spPr>
+          <a:xfrm>
+            <a:off x="2250092" y="2542480"/>
+            <a:ext cx="534601" cy="534601"/>
+          </a:xfrm>
+          <a:prstGeom prst="ellipse">
+            <a:avLst/>
+          </a:prstGeom>
+        </p:spPr>
+        <p:style>
+          <a:lnRef idx="2">
+            <a:schemeClr val="accent1">
+              <a:shade val="50000"/>
+            </a:schemeClr>
+          </a:lnRef>
+          <a:fillRef idx="1">
+            <a:schemeClr val="accent1"/>
+          </a:fillRef>
+          <a:effectRef idx="0">
+            <a:schemeClr val="accent1"/>
+          </a:effectRef>
+          <a:fontRef idx="minor">
+            <a:schemeClr val="lt1"/>
+          </a:fontRef>
+        </p:style>
+        <p:txBody>
+          <a:bodyPr rtlCol="0" anchor="ctr"/>
+          <a:lstStyle/>
+          <a:p>
+            <a:pPr algn="ctr"/>
+            <a:r>
+              <a:rPr lang="en-US" altLang="ko-KR" dirty="0"/>
+              <a:t>3</a:t>
+            </a:r>
+            <a:endParaRPr lang="ko-KR" altLang="en-US" dirty="0"/>
+          </a:p>
+        </p:txBody>
+      </p:sp>
+      <p:sp>
+        <p:nvSpPr>
+          <p:cNvPr id="31" name="타원 30">
+            <a:extLst>
+              <a:ext uri="{FF2B5EF4-FFF2-40B4-BE49-F238E27FC236}">
+                <a16:creationId xmlns:a16="http://schemas.microsoft.com/office/drawing/2014/main" id="{AB9B3159-B1CD-4DC5-B20C-03D8055DCADA}"/>
+              </a:ext>
+            </a:extLst>
+          </p:cNvPr>
+          <p:cNvSpPr/>
+          <p:nvPr/>
+        </p:nvSpPr>
+        <p:spPr>
+          <a:xfrm>
+            <a:off x="2250091" y="3440747"/>
+            <a:ext cx="534601" cy="534601"/>
+          </a:xfrm>
+          <a:prstGeom prst="ellipse">
+            <a:avLst/>
+          </a:prstGeom>
+        </p:spPr>
+        <p:style>
+          <a:lnRef idx="2">
+            <a:schemeClr val="accent1">
+              <a:shade val="50000"/>
+            </a:schemeClr>
+          </a:lnRef>
+          <a:fillRef idx="1">
+            <a:schemeClr val="accent1"/>
+          </a:fillRef>
+          <a:effectRef idx="0">
+            <a:schemeClr val="accent1"/>
+          </a:effectRef>
+          <a:fontRef idx="minor">
+            <a:schemeClr val="lt1"/>
+          </a:fontRef>
+        </p:style>
+        <p:txBody>
+          <a:bodyPr rtlCol="0" anchor="ctr"/>
+          <a:lstStyle/>
+          <a:p>
+            <a:pPr algn="ctr"/>
+            <a:r>
+              <a:rPr lang="en-US" altLang="ko-KR" dirty="0"/>
+              <a:t>4</a:t>
+            </a:r>
+            <a:endParaRPr lang="ko-KR" altLang="en-US" dirty="0"/>
+          </a:p>
+        </p:txBody>
+      </p:sp>
+      <p:sp>
+        <p:nvSpPr>
+          <p:cNvPr id="32" name="타원 31">
+            <a:extLst>
+              <a:ext uri="{FF2B5EF4-FFF2-40B4-BE49-F238E27FC236}">
+                <a16:creationId xmlns:a16="http://schemas.microsoft.com/office/drawing/2014/main" id="{FB54C1D7-6C8C-465E-875C-DAC0D8BA037F}"/>
+              </a:ext>
+            </a:extLst>
+          </p:cNvPr>
+          <p:cNvSpPr/>
+          <p:nvPr/>
+        </p:nvSpPr>
+        <p:spPr>
+          <a:xfrm>
+            <a:off x="2250091" y="4333117"/>
+            <a:ext cx="534601" cy="534601"/>
+          </a:xfrm>
+          <a:prstGeom prst="ellipse">
+            <a:avLst/>
+          </a:prstGeom>
+        </p:spPr>
+        <p:style>
+          <a:lnRef idx="2">
+            <a:schemeClr val="accent1">
+              <a:shade val="50000"/>
+            </a:schemeClr>
+          </a:lnRef>
+          <a:fillRef idx="1">
+            <a:schemeClr val="accent1"/>
+          </a:fillRef>
+          <a:effectRef idx="0">
+            <a:schemeClr val="accent1"/>
+          </a:effectRef>
+          <a:fontRef idx="minor">
+            <a:schemeClr val="lt1"/>
+          </a:fontRef>
+        </p:style>
+        <p:txBody>
+          <a:bodyPr rtlCol="0" anchor="ctr"/>
+          <a:lstStyle/>
+          <a:p>
+            <a:pPr algn="ctr"/>
+            <a:r>
+              <a:rPr lang="en-US" altLang="ko-KR" dirty="0"/>
+              <a:t>5</a:t>
+            </a:r>
+            <a:endParaRPr lang="ko-KR" altLang="en-US" dirty="0"/>
+          </a:p>
+        </p:txBody>
+      </p:sp>
+      <p:cxnSp>
+        <p:nvCxnSpPr>
+          <p:cNvPr id="34" name="직선 화살표 연결선 33">
+            <a:extLst>
+              <a:ext uri="{FF2B5EF4-FFF2-40B4-BE49-F238E27FC236}">
+                <a16:creationId xmlns:a16="http://schemas.microsoft.com/office/drawing/2014/main" id="{340F0F0A-FC4A-49A4-B8E9-8C6F7FF24DEB}"/>
+              </a:ext>
+            </a:extLst>
+          </p:cNvPr>
+          <p:cNvCxnSpPr>
+            <a:stCxn id="28" idx="3"/>
+            <a:endCxn id="29" idx="7"/>
+          </p:cNvCxnSpPr>
+          <p:nvPr/>
+        </p:nvCxnSpPr>
+        <p:spPr>
+          <a:xfrm flipH="1">
+            <a:off x="1848656" y="2106420"/>
+            <a:ext cx="479729" cy="514352"/>
+          </a:xfrm>
+          <a:prstGeom prst="straightConnector1">
+            <a:avLst/>
+          </a:prstGeom>
+          <a:ln>
+            <a:tailEnd type="triangle"/>
+          </a:ln>
+        </p:spPr>
+        <p:style>
+          <a:lnRef idx="1">
+            <a:schemeClr val="accent1"/>
+          </a:lnRef>
+          <a:fillRef idx="0">
+            <a:schemeClr val="accent1"/>
+          </a:fillRef>
+          <a:effectRef idx="0">
+            <a:schemeClr val="accent1"/>
+          </a:effectRef>
+          <a:fontRef idx="minor">
+            <a:schemeClr val="tx1"/>
+          </a:fontRef>
+        </p:style>
+      </p:cxnSp>
+      <p:cxnSp>
+        <p:nvCxnSpPr>
+          <p:cNvPr id="36" name="직선 화살표 연결선 35">
+            <a:extLst>
+              <a:ext uri="{FF2B5EF4-FFF2-40B4-BE49-F238E27FC236}">
+                <a16:creationId xmlns:a16="http://schemas.microsoft.com/office/drawing/2014/main" id="{BE5F6EDB-90E8-4890-AD0B-F138F9ED9DA0}"/>
+              </a:ext>
+            </a:extLst>
+          </p:cNvPr>
+          <p:cNvCxnSpPr>
+            <a:stCxn id="28" idx="4"/>
+            <a:endCxn id="30" idx="0"/>
+          </p:cNvCxnSpPr>
+          <p:nvPr/>
+        </p:nvCxnSpPr>
+        <p:spPr>
+          <a:xfrm flipH="1">
+            <a:off x="2517393" y="2184711"/>
+            <a:ext cx="2" cy="357769"/>
+          </a:xfrm>
+          <a:prstGeom prst="straightConnector1">
+            <a:avLst/>
+          </a:prstGeom>
+          <a:ln>
+            <a:tailEnd type="triangle"/>
+          </a:ln>
+        </p:spPr>
+        <p:style>
+          <a:lnRef idx="1">
+            <a:schemeClr val="accent1"/>
+          </a:lnRef>
+          <a:fillRef idx="0">
+            <a:schemeClr val="accent1"/>
+          </a:fillRef>
+          <a:effectRef idx="0">
+            <a:schemeClr val="accent1"/>
+          </a:effectRef>
+          <a:fontRef idx="minor">
+            <a:schemeClr val="tx1"/>
+          </a:fontRef>
+        </p:style>
+      </p:cxnSp>
+      <p:cxnSp>
+        <p:nvCxnSpPr>
+          <p:cNvPr id="37" name="직선 화살표 연결선 36">
+            <a:extLst>
+              <a:ext uri="{FF2B5EF4-FFF2-40B4-BE49-F238E27FC236}">
+                <a16:creationId xmlns:a16="http://schemas.microsoft.com/office/drawing/2014/main" id="{CB9A7D23-B650-435D-9C71-26F68CDB2F7B}"/>
+              </a:ext>
+            </a:extLst>
+          </p:cNvPr>
+          <p:cNvCxnSpPr/>
+          <p:nvPr/>
+        </p:nvCxnSpPr>
+        <p:spPr>
+          <a:xfrm flipH="1">
+            <a:off x="2517389" y="3087453"/>
+            <a:ext cx="2" cy="357769"/>
+          </a:xfrm>
+          <a:prstGeom prst="straightConnector1">
+            <a:avLst/>
+          </a:prstGeom>
+          <a:ln>
+            <a:tailEnd type="triangle"/>
+          </a:ln>
+        </p:spPr>
+        <p:style>
+          <a:lnRef idx="1">
+            <a:schemeClr val="accent1"/>
+          </a:lnRef>
+          <a:fillRef idx="0">
+            <a:schemeClr val="accent1"/>
+          </a:fillRef>
+          <a:effectRef idx="0">
+            <a:schemeClr val="accent1"/>
+          </a:effectRef>
+          <a:fontRef idx="minor">
+            <a:schemeClr val="tx1"/>
+          </a:fontRef>
+        </p:style>
+      </p:cxnSp>
+      <p:cxnSp>
+        <p:nvCxnSpPr>
+          <p:cNvPr id="38" name="직선 화살표 연결선 37">
+            <a:extLst>
+              <a:ext uri="{FF2B5EF4-FFF2-40B4-BE49-F238E27FC236}">
+                <a16:creationId xmlns:a16="http://schemas.microsoft.com/office/drawing/2014/main" id="{A6C843E2-3E9D-43B7-8A35-4AEB8FFBA9AB}"/>
+              </a:ext>
+            </a:extLst>
+          </p:cNvPr>
+          <p:cNvCxnSpPr/>
+          <p:nvPr/>
+        </p:nvCxnSpPr>
+        <p:spPr>
+          <a:xfrm flipH="1">
+            <a:off x="2517389" y="3970873"/>
+            <a:ext cx="2" cy="357769"/>
+          </a:xfrm>
+          <a:prstGeom prst="straightConnector1">
+            <a:avLst/>
+          </a:prstGeom>
+          <a:ln>
+            <a:tailEnd type="triangle"/>
+          </a:ln>
+        </p:spPr>
+        <p:style>
+          <a:lnRef idx="1">
+            <a:schemeClr val="accent1"/>
+          </a:lnRef>
+          <a:fillRef idx="0">
+            <a:schemeClr val="accent1"/>
+          </a:fillRef>
+          <a:effectRef idx="0">
+            <a:schemeClr val="accent1"/>
+          </a:effectRef>
+          <a:fontRef idx="minor">
+            <a:schemeClr val="tx1"/>
+          </a:fontRef>
+        </p:style>
+      </p:cxnSp>
+    </p:spTree>
+    <p:extLst>
+      <p:ext uri="{BB962C8B-B14F-4D97-AF65-F5344CB8AC3E}">
+        <p14:creationId xmlns:p14="http://schemas.microsoft.com/office/powerpoint/2010/main" val="3811741727"/>
       </p:ext>
     </p:extLst>
   </p:cSld>

--- a/PPT 발표자료/UCPC_2018_예선/창현.pptx
+++ b/PPT 발표자료/UCPC_2018_예선/창현.pptx
@@ -11,10 +11,17 @@
     <p:sldId id="259" r:id="rId5"/>
     <p:sldId id="261" r:id="rId6"/>
     <p:sldId id="262" r:id="rId7"/>
-    <p:sldId id="263" r:id="rId8"/>
-    <p:sldId id="264" r:id="rId9"/>
-    <p:sldId id="265" r:id="rId10"/>
-    <p:sldId id="266" r:id="rId11"/>
+    <p:sldId id="273" r:id="rId8"/>
+    <p:sldId id="275" r:id="rId9"/>
+    <p:sldId id="263" r:id="rId10"/>
+    <p:sldId id="264" r:id="rId11"/>
+    <p:sldId id="265" r:id="rId12"/>
+    <p:sldId id="266" r:id="rId13"/>
+    <p:sldId id="269" r:id="rId14"/>
+    <p:sldId id="271" r:id="rId15"/>
+    <p:sldId id="270" r:id="rId16"/>
+    <p:sldId id="267" r:id="rId17"/>
+    <p:sldId id="268" r:id="rId18"/>
   </p:sldIdLst>
   <p:sldSz cx="12192000" cy="6858000"/>
   <p:notesSz cx="6858000" cy="9144000"/>
@@ -359,7 +366,7 @@
           <a:p>
             <a:fld id="{ED291B17-9318-49DB-B28B-6E5994AE9581}" type="datetime1">
               <a:rPr lang="en-US" smtClean="0"/>
-              <a:t>7/8/2019</a:t>
+              <a:t>7/11/2019</a:t>
             </a:fld>
             <a:endParaRPr lang="en-US" dirty="0"/>
           </a:p>
@@ -562,7 +569,7 @@
           <a:p>
             <a:fld id="{2CED4963-E985-44C4-B8C4-FDD613B7C2F8}" type="datetime1">
               <a:rPr lang="en-US" smtClean="0"/>
-              <a:t>7/8/2019</a:t>
+              <a:t>7/11/2019</a:t>
             </a:fld>
             <a:endParaRPr lang="en-US" dirty="0"/>
           </a:p>
@@ -924,7 +931,7 @@
           <a:p>
             <a:fld id="{ED291B17-9318-49DB-B28B-6E5994AE9581}" type="datetime1">
               <a:rPr lang="en-US" smtClean="0"/>
-              <a:t>7/8/2019</a:t>
+              <a:t>7/11/2019</a:t>
             </a:fld>
             <a:endParaRPr lang="en-US" dirty="0"/>
           </a:p>
@@ -1122,7 +1129,7 @@
           <a:p>
             <a:fld id="{78DD82B9-B8EE-4375-B6FF-88FA6ABB15D9}" type="datetime1">
               <a:rPr lang="en-US" smtClean="0"/>
-              <a:t>7/8/2019</a:t>
+              <a:t>7/11/2019</a:t>
             </a:fld>
             <a:endParaRPr lang="en-US" dirty="0"/>
           </a:p>
@@ -1434,7 +1441,7 @@
           <a:p>
             <a:fld id="{B2497495-0637-405E-AE64-5CC7506D51F5}" type="datetime1">
               <a:rPr lang="en-US" smtClean="0"/>
-              <a:t>7/8/2019</a:t>
+              <a:t>7/11/2019</a:t>
             </a:fld>
             <a:endParaRPr lang="en-US" dirty="0"/>
           </a:p>
@@ -1687,7 +1694,7 @@
           <a:p>
             <a:fld id="{7BFFD690-9426-415D-8B65-26881E07B2D4}" type="datetime1">
               <a:rPr lang="en-US" smtClean="0"/>
-              <a:t>7/8/2019</a:t>
+              <a:t>7/11/2019</a:t>
             </a:fld>
             <a:endParaRPr lang="en-US" dirty="0"/>
           </a:p>
@@ -2109,7 +2116,7 @@
           <a:p>
             <a:fld id="{04C4989A-474C-40DE-95B9-011C28B71673}" type="datetime1">
               <a:rPr lang="en-US" smtClean="0"/>
-              <a:t>7/8/2019</a:t>
+              <a:t>7/11/2019</a:t>
             </a:fld>
             <a:endParaRPr lang="en-US" dirty="0"/>
           </a:p>
@@ -2232,7 +2239,7 @@
           <a:p>
             <a:fld id="{5DB4ED54-5B5E-4A04-93D3-5772E3CE3818}" type="datetime1">
               <a:rPr lang="en-US" smtClean="0"/>
-              <a:t>7/8/2019</a:t>
+              <a:t>7/11/2019</a:t>
             </a:fld>
             <a:endParaRPr lang="en-US" dirty="0"/>
           </a:p>
@@ -2327,7 +2334,7 @@
           <a:p>
             <a:fld id="{4EDE50D6-574B-40AF-946F-D52A04ADE379}" type="datetime1">
               <a:rPr lang="en-US" smtClean="0"/>
-              <a:t>7/8/2019</a:t>
+              <a:t>7/11/2019</a:t>
             </a:fld>
             <a:endParaRPr lang="en-US" dirty="0"/>
           </a:p>
@@ -2704,7 +2711,7 @@
           <a:p>
             <a:fld id="{D82884F1-FFEA-405F-9602-3DCA865EDA4E}" type="datetime1">
               <a:rPr lang="en-US" smtClean="0"/>
-              <a:t>7/8/2019</a:t>
+              <a:t>7/11/2019</a:t>
             </a:fld>
             <a:endParaRPr lang="en-US" dirty="0"/>
           </a:p>
@@ -2997,7 +3004,7 @@
           <a:p>
             <a:fld id="{7E18DB4A-8810-4A10-AD5C-D5E2C667F5B3}" type="datetime1">
               <a:rPr lang="en-US" smtClean="0"/>
-              <a:t>7/8/2019</a:t>
+              <a:t>7/11/2019</a:t>
             </a:fld>
             <a:endParaRPr lang="en-US" dirty="0"/>
           </a:p>
@@ -3212,7 +3219,7 @@
           <a:p>
             <a:fld id="{ED291B17-9318-49DB-B28B-6E5994AE9581}" type="datetime1">
               <a:rPr lang="en-US" smtClean="0"/>
-              <a:t>7/8/2019</a:t>
+              <a:t>7/11/2019</a:t>
             </a:fld>
             <a:endParaRPr lang="en-US" dirty="0"/>
           </a:p>
@@ -4214,6 +4221,2857 @@
         <p:spPr>
           <a:xfrm>
             <a:off x="439645" y="887074"/>
+            <a:ext cx="11275207" cy="1200329"/>
+          </a:xfrm>
+          <a:prstGeom prst="rect">
+            <a:avLst/>
+          </a:prstGeom>
+          <a:noFill/>
+        </p:spPr>
+        <p:txBody>
+          <a:bodyPr wrap="square" rtlCol="0">
+            <a:spAutoFit/>
+          </a:bodyPr>
+          <a:lstStyle/>
+          <a:p>
+            <a:r>
+              <a:rPr lang="ko-KR" altLang="en-US" dirty="0"/>
+              <a:t>풀이 아이디어 </a:t>
+            </a:r>
+            <a:r>
+              <a:rPr lang="en-US" altLang="ko-KR" dirty="0"/>
+              <a:t>: </a:t>
+            </a:r>
+          </a:p>
+          <a:p>
+            <a:endParaRPr lang="en-US" altLang="ko-KR" dirty="0"/>
+          </a:p>
+          <a:p>
+            <a:r>
+              <a:rPr lang="ko-KR" altLang="en-US" dirty="0">
+                <a:latin typeface="맑은 고딕" panose="020B0503020000020004" pitchFamily="50" charset="-127"/>
+                <a:ea typeface="맑은 고딕" panose="020B0503020000020004" pitchFamily="50" charset="-127"/>
+              </a:rPr>
+              <a:t>처음 떠오른 아이디어는 다이나믹 프로그래밍으로 푸는 것이었다</a:t>
+            </a:r>
+            <a:r>
+              <a:rPr lang="en-US" altLang="ko-KR" dirty="0">
+                <a:latin typeface="맑은 고딕" panose="020B0503020000020004" pitchFamily="50" charset="-127"/>
+                <a:ea typeface="맑은 고딕" panose="020B0503020000020004" pitchFamily="50" charset="-127"/>
+              </a:rPr>
+              <a:t>. </a:t>
+            </a:r>
+            <a:r>
+              <a:rPr lang="ko-KR" altLang="en-US" dirty="0">
+                <a:latin typeface="맑은 고딕" panose="020B0503020000020004" pitchFamily="50" charset="-127"/>
+                <a:ea typeface="맑은 고딕" panose="020B0503020000020004" pitchFamily="50" charset="-127"/>
+              </a:rPr>
+              <a:t>노드 구조체를 정의하고</a:t>
+            </a:r>
+            <a:r>
+              <a:rPr lang="en-US" altLang="ko-KR" dirty="0">
+                <a:latin typeface="맑은 고딕" panose="020B0503020000020004" pitchFamily="50" charset="-127"/>
+                <a:ea typeface="맑은 고딕" panose="020B0503020000020004" pitchFamily="50" charset="-127"/>
+              </a:rPr>
+              <a:t>, </a:t>
+            </a:r>
+            <a:r>
+              <a:rPr lang="ko-KR" altLang="en-US" dirty="0">
+                <a:latin typeface="맑은 고딕" panose="020B0503020000020004" pitchFamily="50" charset="-127"/>
+                <a:ea typeface="맑은 고딕" panose="020B0503020000020004" pitchFamily="50" charset="-127"/>
+              </a:rPr>
+              <a:t>트리 구조를 </a:t>
+            </a:r>
+            <a:r>
+              <a:rPr lang="ko-KR" altLang="en-US" dirty="0" err="1">
+                <a:latin typeface="맑은 고딕" panose="020B0503020000020004" pitchFamily="50" charset="-127"/>
+                <a:ea typeface="맑은 고딕" panose="020B0503020000020004" pitchFamily="50" charset="-127"/>
+              </a:rPr>
+              <a:t>링크드</a:t>
+            </a:r>
+            <a:r>
+              <a:rPr lang="ko-KR" altLang="en-US" dirty="0">
+                <a:latin typeface="맑은 고딕" panose="020B0503020000020004" pitchFamily="50" charset="-127"/>
+                <a:ea typeface="맑은 고딕" panose="020B0503020000020004" pitchFamily="50" charset="-127"/>
+              </a:rPr>
+              <a:t> 리스트로 만든 다음에 </a:t>
+            </a:r>
+            <a:r>
+              <a:rPr lang="en-US" altLang="ko-KR" dirty="0" err="1">
+                <a:latin typeface="맑은 고딕" panose="020B0503020000020004" pitchFamily="50" charset="-127"/>
+                <a:ea typeface="맑은 고딕" panose="020B0503020000020004" pitchFamily="50" charset="-127"/>
+              </a:rPr>
+              <a:t>dfs</a:t>
+            </a:r>
+            <a:r>
+              <a:rPr lang="ko-KR" altLang="en-US" dirty="0">
+                <a:latin typeface="맑은 고딕" panose="020B0503020000020004" pitchFamily="50" charset="-127"/>
+                <a:ea typeface="맑은 고딕" panose="020B0503020000020004" pitchFamily="50" charset="-127"/>
+              </a:rPr>
+              <a:t>로 탐색하며 풀기</a:t>
+            </a:r>
+            <a:r>
+              <a:rPr lang="en-US" altLang="ko-KR" dirty="0">
+                <a:latin typeface="맑은 고딕" panose="020B0503020000020004" pitchFamily="50" charset="-127"/>
+                <a:ea typeface="맑은 고딕" panose="020B0503020000020004" pitchFamily="50" charset="-127"/>
+              </a:rPr>
+              <a:t>!</a:t>
+            </a:r>
+          </a:p>
+        </p:txBody>
+      </p:sp>
+    </p:spTree>
+    <p:extLst>
+      <p:ext uri="{BB962C8B-B14F-4D97-AF65-F5344CB8AC3E}">
+        <p14:creationId xmlns:p14="http://schemas.microsoft.com/office/powerpoint/2010/main" val="2712414369"/>
+      </p:ext>
+    </p:extLst>
+  </p:cSld>
+  <p:clrMapOvr>
+    <a:masterClrMapping/>
+  </p:clrMapOvr>
+</p:sld>
+</file>
+
+<file path=ppt/slides/slide11.xml><?xml version="1.0" encoding="utf-8"?>
+<p:sld xmlns:a="http://schemas.openxmlformats.org/drawingml/2006/main" xmlns:r="http://schemas.openxmlformats.org/officeDocument/2006/relationships" xmlns:p="http://schemas.openxmlformats.org/presentationml/2006/main">
+  <p:cSld>
+    <p:spTree>
+      <p:nvGrpSpPr>
+        <p:cNvPr id="1" name=""/>
+        <p:cNvGrpSpPr/>
+        <p:nvPr/>
+      </p:nvGrpSpPr>
+      <p:grpSpPr>
+        <a:xfrm>
+          <a:off x="0" y="0"/>
+          <a:ext cx="0" cy="0"/>
+          <a:chOff x="0" y="0"/>
+          <a:chExt cx="0" cy="0"/>
+        </a:xfrm>
+      </p:grpSpPr>
+      <p:sp>
+        <p:nvSpPr>
+          <p:cNvPr id="4" name="TextBox 3">
+            <a:extLst>
+              <a:ext uri="{FF2B5EF4-FFF2-40B4-BE49-F238E27FC236}">
+                <a16:creationId xmlns:a16="http://schemas.microsoft.com/office/drawing/2014/main" id="{867A7A21-87C6-415F-8954-4CE0C99FC6CC}"/>
+              </a:ext>
+            </a:extLst>
+          </p:cNvPr>
+          <p:cNvSpPr txBox="1"/>
+          <p:nvPr/>
+        </p:nvSpPr>
+        <p:spPr>
+          <a:xfrm>
+            <a:off x="439646" y="0"/>
+            <a:ext cx="11312708" cy="461665"/>
+          </a:xfrm>
+          <a:prstGeom prst="rect">
+            <a:avLst/>
+          </a:prstGeom>
+          <a:noFill/>
+        </p:spPr>
+        <p:txBody>
+          <a:bodyPr wrap="square" rtlCol="0">
+            <a:spAutoFit/>
+          </a:bodyPr>
+          <a:lstStyle/>
+          <a:p>
+            <a:r>
+              <a:rPr lang="en-US" altLang="ko-KR" sz="2400" dirty="0"/>
+              <a:t>15899 </a:t>
+            </a:r>
+            <a:r>
+              <a:rPr lang="ko-KR" altLang="en-US" sz="2400" dirty="0"/>
+              <a:t>트리와 색깔</a:t>
+            </a:r>
+          </a:p>
+        </p:txBody>
+      </p:sp>
+      <p:sp>
+        <p:nvSpPr>
+          <p:cNvPr id="6" name="TextBox 5">
+            <a:extLst>
+              <a:ext uri="{FF2B5EF4-FFF2-40B4-BE49-F238E27FC236}">
+                <a16:creationId xmlns:a16="http://schemas.microsoft.com/office/drawing/2014/main" id="{74E49943-A862-4C93-828B-C6EA6C787219}"/>
+              </a:ext>
+            </a:extLst>
+          </p:cNvPr>
+          <p:cNvSpPr txBox="1"/>
+          <p:nvPr/>
+        </p:nvSpPr>
+        <p:spPr>
+          <a:xfrm>
+            <a:off x="439645" y="887074"/>
+            <a:ext cx="11275207" cy="369332"/>
+          </a:xfrm>
+          <a:prstGeom prst="rect">
+            <a:avLst/>
+          </a:prstGeom>
+          <a:noFill/>
+        </p:spPr>
+        <p:txBody>
+          <a:bodyPr wrap="square" rtlCol="0">
+            <a:spAutoFit/>
+          </a:bodyPr>
+          <a:lstStyle/>
+          <a:p>
+            <a:r>
+              <a:rPr lang="ko-KR" altLang="en-US" dirty="0" err="1"/>
+              <a:t>링크드</a:t>
+            </a:r>
+            <a:r>
+              <a:rPr lang="ko-KR" altLang="en-US" dirty="0"/>
+              <a:t> 리스트</a:t>
+            </a:r>
+            <a:r>
+              <a:rPr lang="en-US" altLang="ko-KR" dirty="0"/>
+              <a:t>: </a:t>
+            </a:r>
+          </a:p>
+        </p:txBody>
+      </p:sp>
+      <p:sp>
+        <p:nvSpPr>
+          <p:cNvPr id="2" name="직사각형 1">
+            <a:extLst>
+              <a:ext uri="{FF2B5EF4-FFF2-40B4-BE49-F238E27FC236}">
+                <a16:creationId xmlns:a16="http://schemas.microsoft.com/office/drawing/2014/main" id="{4FB187EB-0DC8-4F77-8766-20F5BD19EF84}"/>
+              </a:ext>
+            </a:extLst>
+          </p:cNvPr>
+          <p:cNvSpPr/>
+          <p:nvPr/>
+        </p:nvSpPr>
+        <p:spPr>
+          <a:xfrm>
+            <a:off x="4758709" y="2544579"/>
+            <a:ext cx="852163" cy="277671"/>
+          </a:xfrm>
+          <a:prstGeom prst="rect">
+            <a:avLst/>
+          </a:prstGeom>
+        </p:spPr>
+        <p:style>
+          <a:lnRef idx="2">
+            <a:schemeClr val="accent1">
+              <a:shade val="50000"/>
+            </a:schemeClr>
+          </a:lnRef>
+          <a:fillRef idx="1">
+            <a:schemeClr val="accent1"/>
+          </a:fillRef>
+          <a:effectRef idx="0">
+            <a:schemeClr val="accent1"/>
+          </a:effectRef>
+          <a:fontRef idx="minor">
+            <a:schemeClr val="lt1"/>
+          </a:fontRef>
+        </p:style>
+        <p:txBody>
+          <a:bodyPr rtlCol="0" anchor="ctr"/>
+          <a:lstStyle/>
+          <a:p>
+            <a:pPr algn="ctr"/>
+            <a:r>
+              <a:rPr lang="en-US" altLang="ko-KR" dirty="0"/>
+              <a:t>1</a:t>
+            </a:r>
+            <a:endParaRPr lang="ko-KR" altLang="en-US" dirty="0"/>
+          </a:p>
+        </p:txBody>
+      </p:sp>
+      <p:sp>
+        <p:nvSpPr>
+          <p:cNvPr id="5" name="직사각형 4">
+            <a:extLst>
+              <a:ext uri="{FF2B5EF4-FFF2-40B4-BE49-F238E27FC236}">
+                <a16:creationId xmlns:a16="http://schemas.microsoft.com/office/drawing/2014/main" id="{19BDA0BA-A9B3-4A90-92C5-F9382E0F2F83}"/>
+              </a:ext>
+            </a:extLst>
+          </p:cNvPr>
+          <p:cNvSpPr/>
+          <p:nvPr/>
+        </p:nvSpPr>
+        <p:spPr>
+          <a:xfrm>
+            <a:off x="4758708" y="2891963"/>
+            <a:ext cx="852163" cy="277671"/>
+          </a:xfrm>
+          <a:prstGeom prst="rect">
+            <a:avLst/>
+          </a:prstGeom>
+        </p:spPr>
+        <p:style>
+          <a:lnRef idx="2">
+            <a:schemeClr val="accent1">
+              <a:shade val="50000"/>
+            </a:schemeClr>
+          </a:lnRef>
+          <a:fillRef idx="1">
+            <a:schemeClr val="accent1"/>
+          </a:fillRef>
+          <a:effectRef idx="0">
+            <a:schemeClr val="accent1"/>
+          </a:effectRef>
+          <a:fontRef idx="minor">
+            <a:schemeClr val="lt1"/>
+          </a:fontRef>
+        </p:style>
+        <p:txBody>
+          <a:bodyPr rtlCol="0" anchor="ctr"/>
+          <a:lstStyle/>
+          <a:p>
+            <a:pPr algn="ctr"/>
+            <a:r>
+              <a:rPr lang="en-US" altLang="ko-KR" dirty="0"/>
+              <a:t>2</a:t>
+            </a:r>
+            <a:endParaRPr lang="ko-KR" altLang="en-US" dirty="0"/>
+          </a:p>
+        </p:txBody>
+      </p:sp>
+      <p:sp>
+        <p:nvSpPr>
+          <p:cNvPr id="7" name="직사각형 6">
+            <a:extLst>
+              <a:ext uri="{FF2B5EF4-FFF2-40B4-BE49-F238E27FC236}">
+                <a16:creationId xmlns:a16="http://schemas.microsoft.com/office/drawing/2014/main" id="{8FF32810-D973-4922-AFC3-ABFCE971404E}"/>
+              </a:ext>
+            </a:extLst>
+          </p:cNvPr>
+          <p:cNvSpPr/>
+          <p:nvPr/>
+        </p:nvSpPr>
+        <p:spPr>
+          <a:xfrm>
+            <a:off x="4758707" y="3239347"/>
+            <a:ext cx="852163" cy="277671"/>
+          </a:xfrm>
+          <a:prstGeom prst="rect">
+            <a:avLst/>
+          </a:prstGeom>
+        </p:spPr>
+        <p:style>
+          <a:lnRef idx="2">
+            <a:schemeClr val="accent1">
+              <a:shade val="50000"/>
+            </a:schemeClr>
+          </a:lnRef>
+          <a:fillRef idx="1">
+            <a:schemeClr val="accent1"/>
+          </a:fillRef>
+          <a:effectRef idx="0">
+            <a:schemeClr val="accent1"/>
+          </a:effectRef>
+          <a:fontRef idx="minor">
+            <a:schemeClr val="lt1"/>
+          </a:fontRef>
+        </p:style>
+        <p:txBody>
+          <a:bodyPr rtlCol="0" anchor="ctr"/>
+          <a:lstStyle/>
+          <a:p>
+            <a:pPr algn="ctr"/>
+            <a:r>
+              <a:rPr lang="en-US" altLang="ko-KR" dirty="0"/>
+              <a:t>3</a:t>
+            </a:r>
+            <a:endParaRPr lang="ko-KR" altLang="en-US" dirty="0"/>
+          </a:p>
+        </p:txBody>
+      </p:sp>
+      <p:sp>
+        <p:nvSpPr>
+          <p:cNvPr id="8" name="직사각형 7">
+            <a:extLst>
+              <a:ext uri="{FF2B5EF4-FFF2-40B4-BE49-F238E27FC236}">
+                <a16:creationId xmlns:a16="http://schemas.microsoft.com/office/drawing/2014/main" id="{FBD6FB14-16B6-4E0F-ACFE-86CBEBA85189}"/>
+              </a:ext>
+            </a:extLst>
+          </p:cNvPr>
+          <p:cNvSpPr/>
+          <p:nvPr/>
+        </p:nvSpPr>
+        <p:spPr>
+          <a:xfrm>
+            <a:off x="4758706" y="3586731"/>
+            <a:ext cx="852163" cy="277671"/>
+          </a:xfrm>
+          <a:prstGeom prst="rect">
+            <a:avLst/>
+          </a:prstGeom>
+        </p:spPr>
+        <p:style>
+          <a:lnRef idx="2">
+            <a:schemeClr val="accent1">
+              <a:shade val="50000"/>
+            </a:schemeClr>
+          </a:lnRef>
+          <a:fillRef idx="1">
+            <a:schemeClr val="accent1"/>
+          </a:fillRef>
+          <a:effectRef idx="0">
+            <a:schemeClr val="accent1"/>
+          </a:effectRef>
+          <a:fontRef idx="minor">
+            <a:schemeClr val="lt1"/>
+          </a:fontRef>
+        </p:style>
+        <p:txBody>
+          <a:bodyPr rtlCol="0" anchor="ctr"/>
+          <a:lstStyle/>
+          <a:p>
+            <a:pPr algn="ctr"/>
+            <a:r>
+              <a:rPr lang="en-US" altLang="ko-KR" dirty="0"/>
+              <a:t>4</a:t>
+            </a:r>
+            <a:endParaRPr lang="ko-KR" altLang="en-US" dirty="0"/>
+          </a:p>
+        </p:txBody>
+      </p:sp>
+      <p:sp>
+        <p:nvSpPr>
+          <p:cNvPr id="9" name="직사각형 8">
+            <a:extLst>
+              <a:ext uri="{FF2B5EF4-FFF2-40B4-BE49-F238E27FC236}">
+                <a16:creationId xmlns:a16="http://schemas.microsoft.com/office/drawing/2014/main" id="{5DA391DD-3766-4956-8D8C-BC6BB38D2659}"/>
+              </a:ext>
+            </a:extLst>
+          </p:cNvPr>
+          <p:cNvSpPr/>
+          <p:nvPr/>
+        </p:nvSpPr>
+        <p:spPr>
+          <a:xfrm>
+            <a:off x="4758705" y="3934115"/>
+            <a:ext cx="852163" cy="277671"/>
+          </a:xfrm>
+          <a:prstGeom prst="rect">
+            <a:avLst/>
+          </a:prstGeom>
+        </p:spPr>
+        <p:style>
+          <a:lnRef idx="2">
+            <a:schemeClr val="accent1">
+              <a:shade val="50000"/>
+            </a:schemeClr>
+          </a:lnRef>
+          <a:fillRef idx="1">
+            <a:schemeClr val="accent1"/>
+          </a:fillRef>
+          <a:effectRef idx="0">
+            <a:schemeClr val="accent1"/>
+          </a:effectRef>
+          <a:fontRef idx="minor">
+            <a:schemeClr val="lt1"/>
+          </a:fontRef>
+        </p:style>
+        <p:txBody>
+          <a:bodyPr rtlCol="0" anchor="ctr"/>
+          <a:lstStyle/>
+          <a:p>
+            <a:pPr algn="ctr"/>
+            <a:r>
+              <a:rPr lang="en-US" altLang="ko-KR" dirty="0"/>
+              <a:t>5</a:t>
+            </a:r>
+            <a:endParaRPr lang="ko-KR" altLang="en-US" dirty="0"/>
+          </a:p>
+        </p:txBody>
+      </p:sp>
+      <p:sp>
+        <p:nvSpPr>
+          <p:cNvPr id="10" name="직사각형 9">
+            <a:extLst>
+              <a:ext uri="{FF2B5EF4-FFF2-40B4-BE49-F238E27FC236}">
+                <a16:creationId xmlns:a16="http://schemas.microsoft.com/office/drawing/2014/main" id="{97DC9276-D89F-48D8-A5C0-9E48E1025167}"/>
+              </a:ext>
+            </a:extLst>
+          </p:cNvPr>
+          <p:cNvSpPr/>
+          <p:nvPr/>
+        </p:nvSpPr>
+        <p:spPr>
+          <a:xfrm>
+            <a:off x="5978706" y="2542480"/>
+            <a:ext cx="852163" cy="277671"/>
+          </a:xfrm>
+          <a:prstGeom prst="rect">
+            <a:avLst/>
+          </a:prstGeom>
+        </p:spPr>
+        <p:style>
+          <a:lnRef idx="2">
+            <a:schemeClr val="accent1">
+              <a:shade val="50000"/>
+            </a:schemeClr>
+          </a:lnRef>
+          <a:fillRef idx="1">
+            <a:schemeClr val="accent1"/>
+          </a:fillRef>
+          <a:effectRef idx="0">
+            <a:schemeClr val="accent1"/>
+          </a:effectRef>
+          <a:fontRef idx="minor">
+            <a:schemeClr val="lt1"/>
+          </a:fontRef>
+        </p:style>
+        <p:txBody>
+          <a:bodyPr rtlCol="0" anchor="ctr"/>
+          <a:lstStyle/>
+          <a:p>
+            <a:pPr algn="ctr"/>
+            <a:r>
+              <a:rPr lang="en-US" altLang="ko-KR" dirty="0"/>
+              <a:t>2</a:t>
+            </a:r>
+            <a:endParaRPr lang="ko-KR" altLang="en-US" dirty="0"/>
+          </a:p>
+        </p:txBody>
+      </p:sp>
+      <p:sp>
+        <p:nvSpPr>
+          <p:cNvPr id="11" name="직사각형 10">
+            <a:extLst>
+              <a:ext uri="{FF2B5EF4-FFF2-40B4-BE49-F238E27FC236}">
+                <a16:creationId xmlns:a16="http://schemas.microsoft.com/office/drawing/2014/main" id="{8B2D32F7-66A0-4585-9012-EB8C66ACC11C}"/>
+              </a:ext>
+            </a:extLst>
+          </p:cNvPr>
+          <p:cNvSpPr/>
+          <p:nvPr/>
+        </p:nvSpPr>
+        <p:spPr>
+          <a:xfrm>
+            <a:off x="7198703" y="2542480"/>
+            <a:ext cx="852163" cy="277671"/>
+          </a:xfrm>
+          <a:prstGeom prst="rect">
+            <a:avLst/>
+          </a:prstGeom>
+        </p:spPr>
+        <p:style>
+          <a:lnRef idx="2">
+            <a:schemeClr val="accent1">
+              <a:shade val="50000"/>
+            </a:schemeClr>
+          </a:lnRef>
+          <a:fillRef idx="1">
+            <a:schemeClr val="accent1"/>
+          </a:fillRef>
+          <a:effectRef idx="0">
+            <a:schemeClr val="accent1"/>
+          </a:effectRef>
+          <a:fontRef idx="minor">
+            <a:schemeClr val="lt1"/>
+          </a:fontRef>
+        </p:style>
+        <p:txBody>
+          <a:bodyPr rtlCol="0" anchor="ctr"/>
+          <a:lstStyle/>
+          <a:p>
+            <a:pPr algn="ctr"/>
+            <a:r>
+              <a:rPr lang="en-US" altLang="ko-KR" dirty="0"/>
+              <a:t>3</a:t>
+            </a:r>
+            <a:endParaRPr lang="ko-KR" altLang="en-US" dirty="0"/>
+          </a:p>
+        </p:txBody>
+      </p:sp>
+      <p:sp>
+        <p:nvSpPr>
+          <p:cNvPr id="12" name="직사각형 11">
+            <a:extLst>
+              <a:ext uri="{FF2B5EF4-FFF2-40B4-BE49-F238E27FC236}">
+                <a16:creationId xmlns:a16="http://schemas.microsoft.com/office/drawing/2014/main" id="{74E5A436-BE02-4CB7-869D-61ADA9D941DA}"/>
+              </a:ext>
+            </a:extLst>
+          </p:cNvPr>
+          <p:cNvSpPr/>
+          <p:nvPr/>
+        </p:nvSpPr>
+        <p:spPr>
+          <a:xfrm>
+            <a:off x="5978705" y="3242063"/>
+            <a:ext cx="852163" cy="277671"/>
+          </a:xfrm>
+          <a:prstGeom prst="rect">
+            <a:avLst/>
+          </a:prstGeom>
+        </p:spPr>
+        <p:style>
+          <a:lnRef idx="2">
+            <a:schemeClr val="accent1">
+              <a:shade val="50000"/>
+            </a:schemeClr>
+          </a:lnRef>
+          <a:fillRef idx="1">
+            <a:schemeClr val="accent1"/>
+          </a:fillRef>
+          <a:effectRef idx="0">
+            <a:schemeClr val="accent1"/>
+          </a:effectRef>
+          <a:fontRef idx="minor">
+            <a:schemeClr val="lt1"/>
+          </a:fontRef>
+        </p:style>
+        <p:txBody>
+          <a:bodyPr rtlCol="0" anchor="ctr"/>
+          <a:lstStyle/>
+          <a:p>
+            <a:pPr algn="ctr"/>
+            <a:r>
+              <a:rPr lang="en-US" altLang="ko-KR" dirty="0"/>
+              <a:t>4</a:t>
+            </a:r>
+            <a:endParaRPr lang="ko-KR" altLang="en-US" dirty="0"/>
+          </a:p>
+        </p:txBody>
+      </p:sp>
+      <p:sp>
+        <p:nvSpPr>
+          <p:cNvPr id="13" name="직사각형 12">
+            <a:extLst>
+              <a:ext uri="{FF2B5EF4-FFF2-40B4-BE49-F238E27FC236}">
+                <a16:creationId xmlns:a16="http://schemas.microsoft.com/office/drawing/2014/main" id="{7675C1FB-2D87-4F5F-BB18-A113A93132A9}"/>
+              </a:ext>
+            </a:extLst>
+          </p:cNvPr>
+          <p:cNvSpPr/>
+          <p:nvPr/>
+        </p:nvSpPr>
+        <p:spPr>
+          <a:xfrm>
+            <a:off x="5978705" y="3586730"/>
+            <a:ext cx="852163" cy="277671"/>
+          </a:xfrm>
+          <a:prstGeom prst="rect">
+            <a:avLst/>
+          </a:prstGeom>
+        </p:spPr>
+        <p:style>
+          <a:lnRef idx="2">
+            <a:schemeClr val="accent1">
+              <a:shade val="50000"/>
+            </a:schemeClr>
+          </a:lnRef>
+          <a:fillRef idx="1">
+            <a:schemeClr val="accent1"/>
+          </a:fillRef>
+          <a:effectRef idx="0">
+            <a:schemeClr val="accent1"/>
+          </a:effectRef>
+          <a:fontRef idx="minor">
+            <a:schemeClr val="lt1"/>
+          </a:fontRef>
+        </p:style>
+        <p:txBody>
+          <a:bodyPr rtlCol="0" anchor="ctr"/>
+          <a:lstStyle/>
+          <a:p>
+            <a:pPr algn="ctr"/>
+            <a:r>
+              <a:rPr lang="en-US" altLang="ko-KR" dirty="0"/>
+              <a:t>5</a:t>
+            </a:r>
+            <a:endParaRPr lang="ko-KR" altLang="en-US" dirty="0"/>
+          </a:p>
+        </p:txBody>
+      </p:sp>
+      <p:sp>
+        <p:nvSpPr>
+          <p:cNvPr id="14" name="직사각형 13">
+            <a:extLst>
+              <a:ext uri="{FF2B5EF4-FFF2-40B4-BE49-F238E27FC236}">
+                <a16:creationId xmlns:a16="http://schemas.microsoft.com/office/drawing/2014/main" id="{290AF27B-4DCB-4810-B6FC-41B03DD0FD9E}"/>
+              </a:ext>
+            </a:extLst>
+          </p:cNvPr>
+          <p:cNvSpPr/>
+          <p:nvPr/>
+        </p:nvSpPr>
+        <p:spPr>
+          <a:xfrm>
+            <a:off x="5978704" y="3941646"/>
+            <a:ext cx="852163" cy="277671"/>
+          </a:xfrm>
+          <a:prstGeom prst="rect">
+            <a:avLst/>
+          </a:prstGeom>
+          <a:noFill/>
+        </p:spPr>
+        <p:style>
+          <a:lnRef idx="2">
+            <a:schemeClr val="accent1">
+              <a:shade val="50000"/>
+            </a:schemeClr>
+          </a:lnRef>
+          <a:fillRef idx="1">
+            <a:schemeClr val="accent1"/>
+          </a:fillRef>
+          <a:effectRef idx="0">
+            <a:schemeClr val="accent1"/>
+          </a:effectRef>
+          <a:fontRef idx="minor">
+            <a:schemeClr val="lt1"/>
+          </a:fontRef>
+        </p:style>
+        <p:txBody>
+          <a:bodyPr rtlCol="0" anchor="ctr"/>
+          <a:lstStyle/>
+          <a:p>
+            <a:pPr algn="ctr"/>
+            <a:r>
+              <a:rPr lang="en-US" altLang="ko-KR" dirty="0">
+                <a:solidFill>
+                  <a:schemeClr val="tx1"/>
+                </a:solidFill>
+              </a:rPr>
+              <a:t>NULL</a:t>
+            </a:r>
+            <a:endParaRPr lang="ko-KR" altLang="en-US" dirty="0">
+              <a:solidFill>
+                <a:schemeClr val="tx1"/>
+              </a:solidFill>
+            </a:endParaRPr>
+          </a:p>
+        </p:txBody>
+      </p:sp>
+      <p:sp>
+        <p:nvSpPr>
+          <p:cNvPr id="15" name="직사각형 14">
+            <a:extLst>
+              <a:ext uri="{FF2B5EF4-FFF2-40B4-BE49-F238E27FC236}">
+                <a16:creationId xmlns:a16="http://schemas.microsoft.com/office/drawing/2014/main" id="{4EB0D1E7-15D4-44E9-B716-5D4A9440416F}"/>
+              </a:ext>
+            </a:extLst>
+          </p:cNvPr>
+          <p:cNvSpPr/>
+          <p:nvPr/>
+        </p:nvSpPr>
+        <p:spPr>
+          <a:xfrm>
+            <a:off x="7198702" y="3581078"/>
+            <a:ext cx="852163" cy="277671"/>
+          </a:xfrm>
+          <a:prstGeom prst="rect">
+            <a:avLst/>
+          </a:prstGeom>
+          <a:noFill/>
+        </p:spPr>
+        <p:style>
+          <a:lnRef idx="2">
+            <a:schemeClr val="accent1">
+              <a:shade val="50000"/>
+            </a:schemeClr>
+          </a:lnRef>
+          <a:fillRef idx="1">
+            <a:schemeClr val="accent1"/>
+          </a:fillRef>
+          <a:effectRef idx="0">
+            <a:schemeClr val="accent1"/>
+          </a:effectRef>
+          <a:fontRef idx="minor">
+            <a:schemeClr val="lt1"/>
+          </a:fontRef>
+        </p:style>
+        <p:txBody>
+          <a:bodyPr rtlCol="0" anchor="ctr"/>
+          <a:lstStyle/>
+          <a:p>
+            <a:pPr algn="ctr"/>
+            <a:r>
+              <a:rPr lang="en-US" altLang="ko-KR" dirty="0">
+                <a:solidFill>
+                  <a:schemeClr val="tx1"/>
+                </a:solidFill>
+              </a:rPr>
+              <a:t>NULL</a:t>
+            </a:r>
+            <a:endParaRPr lang="ko-KR" altLang="en-US" dirty="0">
+              <a:solidFill>
+                <a:schemeClr val="tx1"/>
+              </a:solidFill>
+            </a:endParaRPr>
+          </a:p>
+        </p:txBody>
+      </p:sp>
+      <p:sp>
+        <p:nvSpPr>
+          <p:cNvPr id="16" name="직사각형 15">
+            <a:extLst>
+              <a:ext uri="{FF2B5EF4-FFF2-40B4-BE49-F238E27FC236}">
+                <a16:creationId xmlns:a16="http://schemas.microsoft.com/office/drawing/2014/main" id="{C30D2298-8392-478B-94B1-7A812604D5AD}"/>
+              </a:ext>
+            </a:extLst>
+          </p:cNvPr>
+          <p:cNvSpPr/>
+          <p:nvPr/>
+        </p:nvSpPr>
+        <p:spPr>
+          <a:xfrm>
+            <a:off x="7198702" y="3239347"/>
+            <a:ext cx="852163" cy="277671"/>
+          </a:xfrm>
+          <a:prstGeom prst="rect">
+            <a:avLst/>
+          </a:prstGeom>
+          <a:noFill/>
+        </p:spPr>
+        <p:style>
+          <a:lnRef idx="2">
+            <a:schemeClr val="accent1">
+              <a:shade val="50000"/>
+            </a:schemeClr>
+          </a:lnRef>
+          <a:fillRef idx="1">
+            <a:schemeClr val="accent1"/>
+          </a:fillRef>
+          <a:effectRef idx="0">
+            <a:schemeClr val="accent1"/>
+          </a:effectRef>
+          <a:fontRef idx="minor">
+            <a:schemeClr val="lt1"/>
+          </a:fontRef>
+        </p:style>
+        <p:txBody>
+          <a:bodyPr rtlCol="0" anchor="ctr"/>
+          <a:lstStyle/>
+          <a:p>
+            <a:pPr algn="ctr"/>
+            <a:r>
+              <a:rPr lang="en-US" altLang="ko-KR" dirty="0">
+                <a:solidFill>
+                  <a:schemeClr val="tx1"/>
+                </a:solidFill>
+              </a:rPr>
+              <a:t>NULL</a:t>
+            </a:r>
+            <a:endParaRPr lang="ko-KR" altLang="en-US" dirty="0">
+              <a:solidFill>
+                <a:schemeClr val="tx1"/>
+              </a:solidFill>
+            </a:endParaRPr>
+          </a:p>
+        </p:txBody>
+      </p:sp>
+      <p:sp>
+        <p:nvSpPr>
+          <p:cNvPr id="17" name="직사각형 16">
+            <a:extLst>
+              <a:ext uri="{FF2B5EF4-FFF2-40B4-BE49-F238E27FC236}">
+                <a16:creationId xmlns:a16="http://schemas.microsoft.com/office/drawing/2014/main" id="{B9B2CACA-A334-4DBE-9838-8D493195B5A7}"/>
+              </a:ext>
+            </a:extLst>
+          </p:cNvPr>
+          <p:cNvSpPr/>
+          <p:nvPr/>
+        </p:nvSpPr>
+        <p:spPr>
+          <a:xfrm>
+            <a:off x="5978704" y="2887765"/>
+            <a:ext cx="852163" cy="277671"/>
+          </a:xfrm>
+          <a:prstGeom prst="rect">
+            <a:avLst/>
+          </a:prstGeom>
+          <a:noFill/>
+        </p:spPr>
+        <p:style>
+          <a:lnRef idx="2">
+            <a:schemeClr val="accent1">
+              <a:shade val="50000"/>
+            </a:schemeClr>
+          </a:lnRef>
+          <a:fillRef idx="1">
+            <a:schemeClr val="accent1"/>
+          </a:fillRef>
+          <a:effectRef idx="0">
+            <a:schemeClr val="accent1"/>
+          </a:effectRef>
+          <a:fontRef idx="minor">
+            <a:schemeClr val="lt1"/>
+          </a:fontRef>
+        </p:style>
+        <p:txBody>
+          <a:bodyPr rtlCol="0" anchor="ctr"/>
+          <a:lstStyle/>
+          <a:p>
+            <a:pPr algn="ctr"/>
+            <a:r>
+              <a:rPr lang="en-US" altLang="ko-KR" dirty="0">
+                <a:solidFill>
+                  <a:schemeClr val="tx1"/>
+                </a:solidFill>
+              </a:rPr>
+              <a:t>NULL</a:t>
+            </a:r>
+            <a:endParaRPr lang="ko-KR" altLang="en-US" dirty="0">
+              <a:solidFill>
+                <a:schemeClr val="tx1"/>
+              </a:solidFill>
+            </a:endParaRPr>
+          </a:p>
+        </p:txBody>
+      </p:sp>
+      <p:sp>
+        <p:nvSpPr>
+          <p:cNvPr id="18" name="직사각형 17">
+            <a:extLst>
+              <a:ext uri="{FF2B5EF4-FFF2-40B4-BE49-F238E27FC236}">
+                <a16:creationId xmlns:a16="http://schemas.microsoft.com/office/drawing/2014/main" id="{31F90C24-027F-46F1-8DB1-5B1D852CD344}"/>
+              </a:ext>
+            </a:extLst>
+          </p:cNvPr>
+          <p:cNvSpPr/>
+          <p:nvPr/>
+        </p:nvSpPr>
+        <p:spPr>
+          <a:xfrm>
+            <a:off x="8389174" y="2536395"/>
+            <a:ext cx="852163" cy="277671"/>
+          </a:xfrm>
+          <a:prstGeom prst="rect">
+            <a:avLst/>
+          </a:prstGeom>
+          <a:noFill/>
+        </p:spPr>
+        <p:style>
+          <a:lnRef idx="2">
+            <a:schemeClr val="accent1">
+              <a:shade val="50000"/>
+            </a:schemeClr>
+          </a:lnRef>
+          <a:fillRef idx="1">
+            <a:schemeClr val="accent1"/>
+          </a:fillRef>
+          <a:effectRef idx="0">
+            <a:schemeClr val="accent1"/>
+          </a:effectRef>
+          <a:fontRef idx="minor">
+            <a:schemeClr val="lt1"/>
+          </a:fontRef>
+        </p:style>
+        <p:txBody>
+          <a:bodyPr rtlCol="0" anchor="ctr"/>
+          <a:lstStyle/>
+          <a:p>
+            <a:pPr algn="ctr"/>
+            <a:r>
+              <a:rPr lang="en-US" altLang="ko-KR" dirty="0">
+                <a:solidFill>
+                  <a:schemeClr val="tx1"/>
+                </a:solidFill>
+              </a:rPr>
+              <a:t>NULL</a:t>
+            </a:r>
+            <a:endParaRPr lang="ko-KR" altLang="en-US" dirty="0">
+              <a:solidFill>
+                <a:schemeClr val="tx1"/>
+              </a:solidFill>
+            </a:endParaRPr>
+          </a:p>
+        </p:txBody>
+      </p:sp>
+      <p:cxnSp>
+        <p:nvCxnSpPr>
+          <p:cNvPr id="19" name="직선 화살표 연결선 18">
+            <a:extLst>
+              <a:ext uri="{FF2B5EF4-FFF2-40B4-BE49-F238E27FC236}">
+                <a16:creationId xmlns:a16="http://schemas.microsoft.com/office/drawing/2014/main" id="{6B25C42C-2DB2-447B-8438-05D3EF4F0EEC}"/>
+              </a:ext>
+            </a:extLst>
+          </p:cNvPr>
+          <p:cNvCxnSpPr>
+            <a:stCxn id="2" idx="3"/>
+            <a:endCxn id="10" idx="1"/>
+          </p:cNvCxnSpPr>
+          <p:nvPr/>
+        </p:nvCxnSpPr>
+        <p:spPr>
+          <a:xfrm flipV="1">
+            <a:off x="5610872" y="2681316"/>
+            <a:ext cx="367834" cy="2099"/>
+          </a:xfrm>
+          <a:prstGeom prst="straightConnector1">
+            <a:avLst/>
+          </a:prstGeom>
+          <a:ln>
+            <a:tailEnd type="triangle"/>
+          </a:ln>
+        </p:spPr>
+        <p:style>
+          <a:lnRef idx="1">
+            <a:schemeClr val="accent1"/>
+          </a:lnRef>
+          <a:fillRef idx="0">
+            <a:schemeClr val="accent1"/>
+          </a:fillRef>
+          <a:effectRef idx="0">
+            <a:schemeClr val="accent1"/>
+          </a:effectRef>
+          <a:fontRef idx="minor">
+            <a:schemeClr val="tx1"/>
+          </a:fontRef>
+        </p:style>
+      </p:cxnSp>
+      <p:cxnSp>
+        <p:nvCxnSpPr>
+          <p:cNvPr id="20" name="직선 화살표 연결선 19">
+            <a:extLst>
+              <a:ext uri="{FF2B5EF4-FFF2-40B4-BE49-F238E27FC236}">
+                <a16:creationId xmlns:a16="http://schemas.microsoft.com/office/drawing/2014/main" id="{CCD06022-CD3F-4B34-8F8C-D5086E38BFB9}"/>
+              </a:ext>
+            </a:extLst>
+          </p:cNvPr>
+          <p:cNvCxnSpPr/>
+          <p:nvPr/>
+        </p:nvCxnSpPr>
+        <p:spPr>
+          <a:xfrm flipV="1">
+            <a:off x="6839242" y="2682365"/>
+            <a:ext cx="367834" cy="2099"/>
+          </a:xfrm>
+          <a:prstGeom prst="straightConnector1">
+            <a:avLst/>
+          </a:prstGeom>
+          <a:ln>
+            <a:tailEnd type="triangle"/>
+          </a:ln>
+        </p:spPr>
+        <p:style>
+          <a:lnRef idx="1">
+            <a:schemeClr val="accent1"/>
+          </a:lnRef>
+          <a:fillRef idx="0">
+            <a:schemeClr val="accent1"/>
+          </a:fillRef>
+          <a:effectRef idx="0">
+            <a:schemeClr val="accent1"/>
+          </a:effectRef>
+          <a:fontRef idx="minor">
+            <a:schemeClr val="tx1"/>
+          </a:fontRef>
+        </p:style>
+      </p:cxnSp>
+      <p:cxnSp>
+        <p:nvCxnSpPr>
+          <p:cNvPr id="21" name="직선 화살표 연결선 20">
+            <a:extLst>
+              <a:ext uri="{FF2B5EF4-FFF2-40B4-BE49-F238E27FC236}">
+                <a16:creationId xmlns:a16="http://schemas.microsoft.com/office/drawing/2014/main" id="{AD4AFDEA-C6D4-4CFB-8E0D-7AC2AD022BD0}"/>
+              </a:ext>
+            </a:extLst>
+          </p:cNvPr>
+          <p:cNvCxnSpPr/>
+          <p:nvPr/>
+        </p:nvCxnSpPr>
+        <p:spPr>
+          <a:xfrm flipV="1">
+            <a:off x="8050866" y="2684271"/>
+            <a:ext cx="367834" cy="2099"/>
+          </a:xfrm>
+          <a:prstGeom prst="straightConnector1">
+            <a:avLst/>
+          </a:prstGeom>
+          <a:ln>
+            <a:tailEnd type="triangle"/>
+          </a:ln>
+        </p:spPr>
+        <p:style>
+          <a:lnRef idx="1">
+            <a:schemeClr val="accent1"/>
+          </a:lnRef>
+          <a:fillRef idx="0">
+            <a:schemeClr val="accent1"/>
+          </a:fillRef>
+          <a:effectRef idx="0">
+            <a:schemeClr val="accent1"/>
+          </a:effectRef>
+          <a:fontRef idx="minor">
+            <a:schemeClr val="tx1"/>
+          </a:fontRef>
+        </p:style>
+      </p:cxnSp>
+      <p:cxnSp>
+        <p:nvCxnSpPr>
+          <p:cNvPr id="22" name="직선 화살표 연결선 21">
+            <a:extLst>
+              <a:ext uri="{FF2B5EF4-FFF2-40B4-BE49-F238E27FC236}">
+                <a16:creationId xmlns:a16="http://schemas.microsoft.com/office/drawing/2014/main" id="{8F755DD1-5475-457F-AEAF-217488665AFE}"/>
+              </a:ext>
+            </a:extLst>
+          </p:cNvPr>
+          <p:cNvCxnSpPr/>
+          <p:nvPr/>
+        </p:nvCxnSpPr>
+        <p:spPr>
+          <a:xfrm flipV="1">
+            <a:off x="5610868" y="3024432"/>
+            <a:ext cx="367834" cy="2099"/>
+          </a:xfrm>
+          <a:prstGeom prst="straightConnector1">
+            <a:avLst/>
+          </a:prstGeom>
+          <a:ln>
+            <a:tailEnd type="triangle"/>
+          </a:ln>
+        </p:spPr>
+        <p:style>
+          <a:lnRef idx="1">
+            <a:schemeClr val="accent1"/>
+          </a:lnRef>
+          <a:fillRef idx="0">
+            <a:schemeClr val="accent1"/>
+          </a:fillRef>
+          <a:effectRef idx="0">
+            <a:schemeClr val="accent1"/>
+          </a:effectRef>
+          <a:fontRef idx="minor">
+            <a:schemeClr val="tx1"/>
+          </a:fontRef>
+        </p:style>
+      </p:cxnSp>
+      <p:cxnSp>
+        <p:nvCxnSpPr>
+          <p:cNvPr id="23" name="직선 화살표 연결선 22">
+            <a:extLst>
+              <a:ext uri="{FF2B5EF4-FFF2-40B4-BE49-F238E27FC236}">
+                <a16:creationId xmlns:a16="http://schemas.microsoft.com/office/drawing/2014/main" id="{3C506A85-08F5-46A9-B1CB-BC6747DFEF98}"/>
+              </a:ext>
+            </a:extLst>
+          </p:cNvPr>
+          <p:cNvCxnSpPr/>
+          <p:nvPr/>
+        </p:nvCxnSpPr>
+        <p:spPr>
+          <a:xfrm flipV="1">
+            <a:off x="5610872" y="3376631"/>
+            <a:ext cx="367834" cy="2099"/>
+          </a:xfrm>
+          <a:prstGeom prst="straightConnector1">
+            <a:avLst/>
+          </a:prstGeom>
+          <a:ln>
+            <a:tailEnd type="triangle"/>
+          </a:ln>
+        </p:spPr>
+        <p:style>
+          <a:lnRef idx="1">
+            <a:schemeClr val="accent1"/>
+          </a:lnRef>
+          <a:fillRef idx="0">
+            <a:schemeClr val="accent1"/>
+          </a:fillRef>
+          <a:effectRef idx="0">
+            <a:schemeClr val="accent1"/>
+          </a:effectRef>
+          <a:fontRef idx="minor">
+            <a:schemeClr val="tx1"/>
+          </a:fontRef>
+        </p:style>
+      </p:cxnSp>
+      <p:cxnSp>
+        <p:nvCxnSpPr>
+          <p:cNvPr id="24" name="직선 화살표 연결선 23">
+            <a:extLst>
+              <a:ext uri="{FF2B5EF4-FFF2-40B4-BE49-F238E27FC236}">
+                <a16:creationId xmlns:a16="http://schemas.microsoft.com/office/drawing/2014/main" id="{B22CF67D-C970-4A15-BF38-F01F11863E7D}"/>
+              </a:ext>
+            </a:extLst>
+          </p:cNvPr>
+          <p:cNvCxnSpPr/>
+          <p:nvPr/>
+        </p:nvCxnSpPr>
+        <p:spPr>
+          <a:xfrm flipV="1">
+            <a:off x="5610868" y="3726731"/>
+            <a:ext cx="367834" cy="2099"/>
+          </a:xfrm>
+          <a:prstGeom prst="straightConnector1">
+            <a:avLst/>
+          </a:prstGeom>
+          <a:ln>
+            <a:tailEnd type="triangle"/>
+          </a:ln>
+        </p:spPr>
+        <p:style>
+          <a:lnRef idx="1">
+            <a:schemeClr val="accent1"/>
+          </a:lnRef>
+          <a:fillRef idx="0">
+            <a:schemeClr val="accent1"/>
+          </a:fillRef>
+          <a:effectRef idx="0">
+            <a:schemeClr val="accent1"/>
+          </a:effectRef>
+          <a:fontRef idx="minor">
+            <a:schemeClr val="tx1"/>
+          </a:fontRef>
+        </p:style>
+      </p:cxnSp>
+      <p:cxnSp>
+        <p:nvCxnSpPr>
+          <p:cNvPr id="25" name="직선 화살표 연결선 24">
+            <a:extLst>
+              <a:ext uri="{FF2B5EF4-FFF2-40B4-BE49-F238E27FC236}">
+                <a16:creationId xmlns:a16="http://schemas.microsoft.com/office/drawing/2014/main" id="{A1CE83FB-61AF-45B5-AE5E-B2893E32A8C7}"/>
+              </a:ext>
+            </a:extLst>
+          </p:cNvPr>
+          <p:cNvCxnSpPr/>
+          <p:nvPr/>
+        </p:nvCxnSpPr>
+        <p:spPr>
+          <a:xfrm flipV="1">
+            <a:off x="6830867" y="3383067"/>
+            <a:ext cx="367834" cy="2099"/>
+          </a:xfrm>
+          <a:prstGeom prst="straightConnector1">
+            <a:avLst/>
+          </a:prstGeom>
+          <a:ln>
+            <a:tailEnd type="triangle"/>
+          </a:ln>
+        </p:spPr>
+        <p:style>
+          <a:lnRef idx="1">
+            <a:schemeClr val="accent1"/>
+          </a:lnRef>
+          <a:fillRef idx="0">
+            <a:schemeClr val="accent1"/>
+          </a:fillRef>
+          <a:effectRef idx="0">
+            <a:schemeClr val="accent1"/>
+          </a:effectRef>
+          <a:fontRef idx="minor">
+            <a:schemeClr val="tx1"/>
+          </a:fontRef>
+        </p:style>
+      </p:cxnSp>
+      <p:cxnSp>
+        <p:nvCxnSpPr>
+          <p:cNvPr id="26" name="직선 화살표 연결선 25">
+            <a:extLst>
+              <a:ext uri="{FF2B5EF4-FFF2-40B4-BE49-F238E27FC236}">
+                <a16:creationId xmlns:a16="http://schemas.microsoft.com/office/drawing/2014/main" id="{B8F82B12-7DC9-4D71-B6FC-F57670ACD5BB}"/>
+              </a:ext>
+            </a:extLst>
+          </p:cNvPr>
+          <p:cNvCxnSpPr/>
+          <p:nvPr/>
+        </p:nvCxnSpPr>
+        <p:spPr>
+          <a:xfrm flipV="1">
+            <a:off x="5610868" y="4085554"/>
+            <a:ext cx="367834" cy="2099"/>
+          </a:xfrm>
+          <a:prstGeom prst="straightConnector1">
+            <a:avLst/>
+          </a:prstGeom>
+          <a:ln>
+            <a:tailEnd type="triangle"/>
+          </a:ln>
+        </p:spPr>
+        <p:style>
+          <a:lnRef idx="1">
+            <a:schemeClr val="accent1"/>
+          </a:lnRef>
+          <a:fillRef idx="0">
+            <a:schemeClr val="accent1"/>
+          </a:fillRef>
+          <a:effectRef idx="0">
+            <a:schemeClr val="accent1"/>
+          </a:effectRef>
+          <a:fontRef idx="minor">
+            <a:schemeClr val="tx1"/>
+          </a:fontRef>
+        </p:style>
+      </p:cxnSp>
+      <p:cxnSp>
+        <p:nvCxnSpPr>
+          <p:cNvPr id="27" name="직선 화살표 연결선 26">
+            <a:extLst>
+              <a:ext uri="{FF2B5EF4-FFF2-40B4-BE49-F238E27FC236}">
+                <a16:creationId xmlns:a16="http://schemas.microsoft.com/office/drawing/2014/main" id="{FA9B247D-8FC7-47E4-A137-0B30416C00B3}"/>
+              </a:ext>
+            </a:extLst>
+          </p:cNvPr>
+          <p:cNvCxnSpPr/>
+          <p:nvPr/>
+        </p:nvCxnSpPr>
+        <p:spPr>
+          <a:xfrm flipV="1">
+            <a:off x="6830867" y="3733599"/>
+            <a:ext cx="367834" cy="2099"/>
+          </a:xfrm>
+          <a:prstGeom prst="straightConnector1">
+            <a:avLst/>
+          </a:prstGeom>
+          <a:ln>
+            <a:tailEnd type="triangle"/>
+          </a:ln>
+        </p:spPr>
+        <p:style>
+          <a:lnRef idx="1">
+            <a:schemeClr val="accent1"/>
+          </a:lnRef>
+          <a:fillRef idx="0">
+            <a:schemeClr val="accent1"/>
+          </a:fillRef>
+          <a:effectRef idx="0">
+            <a:schemeClr val="accent1"/>
+          </a:effectRef>
+          <a:fontRef idx="minor">
+            <a:schemeClr val="tx1"/>
+          </a:fontRef>
+        </p:style>
+      </p:cxnSp>
+      <p:sp>
+        <p:nvSpPr>
+          <p:cNvPr id="28" name="타원 27">
+            <a:extLst>
+              <a:ext uri="{FF2B5EF4-FFF2-40B4-BE49-F238E27FC236}">
+                <a16:creationId xmlns:a16="http://schemas.microsoft.com/office/drawing/2014/main" id="{DBC14C03-C541-4CD6-8752-D915CA7390F5}"/>
+              </a:ext>
+            </a:extLst>
+          </p:cNvPr>
+          <p:cNvSpPr/>
+          <p:nvPr/>
+        </p:nvSpPr>
+        <p:spPr>
+          <a:xfrm>
+            <a:off x="2250094" y="1650110"/>
+            <a:ext cx="534601" cy="534601"/>
+          </a:xfrm>
+          <a:prstGeom prst="ellipse">
+            <a:avLst/>
+          </a:prstGeom>
+        </p:spPr>
+        <p:style>
+          <a:lnRef idx="2">
+            <a:schemeClr val="accent1">
+              <a:shade val="50000"/>
+            </a:schemeClr>
+          </a:lnRef>
+          <a:fillRef idx="1">
+            <a:schemeClr val="accent1"/>
+          </a:fillRef>
+          <a:effectRef idx="0">
+            <a:schemeClr val="accent1"/>
+          </a:effectRef>
+          <a:fontRef idx="minor">
+            <a:schemeClr val="lt1"/>
+          </a:fontRef>
+        </p:style>
+        <p:txBody>
+          <a:bodyPr rtlCol="0" anchor="ctr"/>
+          <a:lstStyle/>
+          <a:p>
+            <a:pPr algn="ctr"/>
+            <a:r>
+              <a:rPr lang="en-US" altLang="ko-KR" dirty="0"/>
+              <a:t>1</a:t>
+            </a:r>
+            <a:endParaRPr lang="ko-KR" altLang="en-US" dirty="0"/>
+          </a:p>
+        </p:txBody>
+      </p:sp>
+      <p:sp>
+        <p:nvSpPr>
+          <p:cNvPr id="29" name="타원 28">
+            <a:extLst>
+              <a:ext uri="{FF2B5EF4-FFF2-40B4-BE49-F238E27FC236}">
+                <a16:creationId xmlns:a16="http://schemas.microsoft.com/office/drawing/2014/main" id="{FD7C3F7B-7F6A-4705-9354-728AE1B87628}"/>
+              </a:ext>
+            </a:extLst>
+          </p:cNvPr>
+          <p:cNvSpPr/>
+          <p:nvPr/>
+        </p:nvSpPr>
+        <p:spPr>
+          <a:xfrm>
+            <a:off x="1392346" y="2542481"/>
+            <a:ext cx="534601" cy="534601"/>
+          </a:xfrm>
+          <a:prstGeom prst="ellipse">
+            <a:avLst/>
+          </a:prstGeom>
+        </p:spPr>
+        <p:style>
+          <a:lnRef idx="2">
+            <a:schemeClr val="accent1">
+              <a:shade val="50000"/>
+            </a:schemeClr>
+          </a:lnRef>
+          <a:fillRef idx="1">
+            <a:schemeClr val="accent1"/>
+          </a:fillRef>
+          <a:effectRef idx="0">
+            <a:schemeClr val="accent1"/>
+          </a:effectRef>
+          <a:fontRef idx="minor">
+            <a:schemeClr val="lt1"/>
+          </a:fontRef>
+        </p:style>
+        <p:txBody>
+          <a:bodyPr rtlCol="0" anchor="ctr"/>
+          <a:lstStyle/>
+          <a:p>
+            <a:pPr algn="ctr"/>
+            <a:r>
+              <a:rPr lang="en-US" altLang="ko-KR" dirty="0"/>
+              <a:t>2</a:t>
+            </a:r>
+            <a:endParaRPr lang="ko-KR" altLang="en-US" dirty="0"/>
+          </a:p>
+        </p:txBody>
+      </p:sp>
+      <p:sp>
+        <p:nvSpPr>
+          <p:cNvPr id="30" name="타원 29">
+            <a:extLst>
+              <a:ext uri="{FF2B5EF4-FFF2-40B4-BE49-F238E27FC236}">
+                <a16:creationId xmlns:a16="http://schemas.microsoft.com/office/drawing/2014/main" id="{0F059617-5CF8-4FBC-AD67-B6A8C3A995C4}"/>
+              </a:ext>
+            </a:extLst>
+          </p:cNvPr>
+          <p:cNvSpPr/>
+          <p:nvPr/>
+        </p:nvSpPr>
+        <p:spPr>
+          <a:xfrm>
+            <a:off x="2250092" y="2542480"/>
+            <a:ext cx="534601" cy="534601"/>
+          </a:xfrm>
+          <a:prstGeom prst="ellipse">
+            <a:avLst/>
+          </a:prstGeom>
+        </p:spPr>
+        <p:style>
+          <a:lnRef idx="2">
+            <a:schemeClr val="accent1">
+              <a:shade val="50000"/>
+            </a:schemeClr>
+          </a:lnRef>
+          <a:fillRef idx="1">
+            <a:schemeClr val="accent1"/>
+          </a:fillRef>
+          <a:effectRef idx="0">
+            <a:schemeClr val="accent1"/>
+          </a:effectRef>
+          <a:fontRef idx="minor">
+            <a:schemeClr val="lt1"/>
+          </a:fontRef>
+        </p:style>
+        <p:txBody>
+          <a:bodyPr rtlCol="0" anchor="ctr"/>
+          <a:lstStyle/>
+          <a:p>
+            <a:pPr algn="ctr"/>
+            <a:r>
+              <a:rPr lang="en-US" altLang="ko-KR" dirty="0"/>
+              <a:t>3</a:t>
+            </a:r>
+            <a:endParaRPr lang="ko-KR" altLang="en-US" dirty="0"/>
+          </a:p>
+        </p:txBody>
+      </p:sp>
+      <p:sp>
+        <p:nvSpPr>
+          <p:cNvPr id="31" name="타원 30">
+            <a:extLst>
+              <a:ext uri="{FF2B5EF4-FFF2-40B4-BE49-F238E27FC236}">
+                <a16:creationId xmlns:a16="http://schemas.microsoft.com/office/drawing/2014/main" id="{AB9B3159-B1CD-4DC5-B20C-03D8055DCADA}"/>
+              </a:ext>
+            </a:extLst>
+          </p:cNvPr>
+          <p:cNvSpPr/>
+          <p:nvPr/>
+        </p:nvSpPr>
+        <p:spPr>
+          <a:xfrm>
+            <a:off x="2250091" y="3440747"/>
+            <a:ext cx="534601" cy="534601"/>
+          </a:xfrm>
+          <a:prstGeom prst="ellipse">
+            <a:avLst/>
+          </a:prstGeom>
+        </p:spPr>
+        <p:style>
+          <a:lnRef idx="2">
+            <a:schemeClr val="accent1">
+              <a:shade val="50000"/>
+            </a:schemeClr>
+          </a:lnRef>
+          <a:fillRef idx="1">
+            <a:schemeClr val="accent1"/>
+          </a:fillRef>
+          <a:effectRef idx="0">
+            <a:schemeClr val="accent1"/>
+          </a:effectRef>
+          <a:fontRef idx="minor">
+            <a:schemeClr val="lt1"/>
+          </a:fontRef>
+        </p:style>
+        <p:txBody>
+          <a:bodyPr rtlCol="0" anchor="ctr"/>
+          <a:lstStyle/>
+          <a:p>
+            <a:pPr algn="ctr"/>
+            <a:r>
+              <a:rPr lang="en-US" altLang="ko-KR" dirty="0"/>
+              <a:t>4</a:t>
+            </a:r>
+            <a:endParaRPr lang="ko-KR" altLang="en-US" dirty="0"/>
+          </a:p>
+        </p:txBody>
+      </p:sp>
+      <p:sp>
+        <p:nvSpPr>
+          <p:cNvPr id="32" name="타원 31">
+            <a:extLst>
+              <a:ext uri="{FF2B5EF4-FFF2-40B4-BE49-F238E27FC236}">
+                <a16:creationId xmlns:a16="http://schemas.microsoft.com/office/drawing/2014/main" id="{FB54C1D7-6C8C-465E-875C-DAC0D8BA037F}"/>
+              </a:ext>
+            </a:extLst>
+          </p:cNvPr>
+          <p:cNvSpPr/>
+          <p:nvPr/>
+        </p:nvSpPr>
+        <p:spPr>
+          <a:xfrm>
+            <a:off x="2250091" y="4333117"/>
+            <a:ext cx="534601" cy="534601"/>
+          </a:xfrm>
+          <a:prstGeom prst="ellipse">
+            <a:avLst/>
+          </a:prstGeom>
+        </p:spPr>
+        <p:style>
+          <a:lnRef idx="2">
+            <a:schemeClr val="accent1">
+              <a:shade val="50000"/>
+            </a:schemeClr>
+          </a:lnRef>
+          <a:fillRef idx="1">
+            <a:schemeClr val="accent1"/>
+          </a:fillRef>
+          <a:effectRef idx="0">
+            <a:schemeClr val="accent1"/>
+          </a:effectRef>
+          <a:fontRef idx="minor">
+            <a:schemeClr val="lt1"/>
+          </a:fontRef>
+        </p:style>
+        <p:txBody>
+          <a:bodyPr rtlCol="0" anchor="ctr"/>
+          <a:lstStyle/>
+          <a:p>
+            <a:pPr algn="ctr"/>
+            <a:r>
+              <a:rPr lang="en-US" altLang="ko-KR" dirty="0"/>
+              <a:t>5</a:t>
+            </a:r>
+            <a:endParaRPr lang="ko-KR" altLang="en-US" dirty="0"/>
+          </a:p>
+        </p:txBody>
+      </p:sp>
+      <p:cxnSp>
+        <p:nvCxnSpPr>
+          <p:cNvPr id="34" name="직선 화살표 연결선 33">
+            <a:extLst>
+              <a:ext uri="{FF2B5EF4-FFF2-40B4-BE49-F238E27FC236}">
+                <a16:creationId xmlns:a16="http://schemas.microsoft.com/office/drawing/2014/main" id="{340F0F0A-FC4A-49A4-B8E9-8C6F7FF24DEB}"/>
+              </a:ext>
+            </a:extLst>
+          </p:cNvPr>
+          <p:cNvCxnSpPr>
+            <a:stCxn id="28" idx="3"/>
+            <a:endCxn id="29" idx="7"/>
+          </p:cNvCxnSpPr>
+          <p:nvPr/>
+        </p:nvCxnSpPr>
+        <p:spPr>
+          <a:xfrm flipH="1">
+            <a:off x="1848656" y="2106420"/>
+            <a:ext cx="479729" cy="514352"/>
+          </a:xfrm>
+          <a:prstGeom prst="straightConnector1">
+            <a:avLst/>
+          </a:prstGeom>
+          <a:ln>
+            <a:tailEnd type="triangle"/>
+          </a:ln>
+        </p:spPr>
+        <p:style>
+          <a:lnRef idx="1">
+            <a:schemeClr val="accent1"/>
+          </a:lnRef>
+          <a:fillRef idx="0">
+            <a:schemeClr val="accent1"/>
+          </a:fillRef>
+          <a:effectRef idx="0">
+            <a:schemeClr val="accent1"/>
+          </a:effectRef>
+          <a:fontRef idx="minor">
+            <a:schemeClr val="tx1"/>
+          </a:fontRef>
+        </p:style>
+      </p:cxnSp>
+      <p:cxnSp>
+        <p:nvCxnSpPr>
+          <p:cNvPr id="36" name="직선 화살표 연결선 35">
+            <a:extLst>
+              <a:ext uri="{FF2B5EF4-FFF2-40B4-BE49-F238E27FC236}">
+                <a16:creationId xmlns:a16="http://schemas.microsoft.com/office/drawing/2014/main" id="{BE5F6EDB-90E8-4890-AD0B-F138F9ED9DA0}"/>
+              </a:ext>
+            </a:extLst>
+          </p:cNvPr>
+          <p:cNvCxnSpPr>
+            <a:stCxn id="28" idx="4"/>
+            <a:endCxn id="30" idx="0"/>
+          </p:cNvCxnSpPr>
+          <p:nvPr/>
+        </p:nvCxnSpPr>
+        <p:spPr>
+          <a:xfrm flipH="1">
+            <a:off x="2517393" y="2184711"/>
+            <a:ext cx="2" cy="357769"/>
+          </a:xfrm>
+          <a:prstGeom prst="straightConnector1">
+            <a:avLst/>
+          </a:prstGeom>
+          <a:ln>
+            <a:tailEnd type="triangle"/>
+          </a:ln>
+        </p:spPr>
+        <p:style>
+          <a:lnRef idx="1">
+            <a:schemeClr val="accent1"/>
+          </a:lnRef>
+          <a:fillRef idx="0">
+            <a:schemeClr val="accent1"/>
+          </a:fillRef>
+          <a:effectRef idx="0">
+            <a:schemeClr val="accent1"/>
+          </a:effectRef>
+          <a:fontRef idx="minor">
+            <a:schemeClr val="tx1"/>
+          </a:fontRef>
+        </p:style>
+      </p:cxnSp>
+      <p:cxnSp>
+        <p:nvCxnSpPr>
+          <p:cNvPr id="37" name="직선 화살표 연결선 36">
+            <a:extLst>
+              <a:ext uri="{FF2B5EF4-FFF2-40B4-BE49-F238E27FC236}">
+                <a16:creationId xmlns:a16="http://schemas.microsoft.com/office/drawing/2014/main" id="{CB9A7D23-B650-435D-9C71-26F68CDB2F7B}"/>
+              </a:ext>
+            </a:extLst>
+          </p:cNvPr>
+          <p:cNvCxnSpPr/>
+          <p:nvPr/>
+        </p:nvCxnSpPr>
+        <p:spPr>
+          <a:xfrm flipH="1">
+            <a:off x="2517389" y="3087453"/>
+            <a:ext cx="2" cy="357769"/>
+          </a:xfrm>
+          <a:prstGeom prst="straightConnector1">
+            <a:avLst/>
+          </a:prstGeom>
+          <a:ln>
+            <a:tailEnd type="triangle"/>
+          </a:ln>
+        </p:spPr>
+        <p:style>
+          <a:lnRef idx="1">
+            <a:schemeClr val="accent1"/>
+          </a:lnRef>
+          <a:fillRef idx="0">
+            <a:schemeClr val="accent1"/>
+          </a:fillRef>
+          <a:effectRef idx="0">
+            <a:schemeClr val="accent1"/>
+          </a:effectRef>
+          <a:fontRef idx="minor">
+            <a:schemeClr val="tx1"/>
+          </a:fontRef>
+        </p:style>
+      </p:cxnSp>
+      <p:cxnSp>
+        <p:nvCxnSpPr>
+          <p:cNvPr id="38" name="직선 화살표 연결선 37">
+            <a:extLst>
+              <a:ext uri="{FF2B5EF4-FFF2-40B4-BE49-F238E27FC236}">
+                <a16:creationId xmlns:a16="http://schemas.microsoft.com/office/drawing/2014/main" id="{A6C843E2-3E9D-43B7-8A35-4AEB8FFBA9AB}"/>
+              </a:ext>
+            </a:extLst>
+          </p:cNvPr>
+          <p:cNvCxnSpPr/>
+          <p:nvPr/>
+        </p:nvCxnSpPr>
+        <p:spPr>
+          <a:xfrm flipH="1">
+            <a:off x="2517389" y="3970873"/>
+            <a:ext cx="2" cy="357769"/>
+          </a:xfrm>
+          <a:prstGeom prst="straightConnector1">
+            <a:avLst/>
+          </a:prstGeom>
+          <a:ln>
+            <a:tailEnd type="triangle"/>
+          </a:ln>
+        </p:spPr>
+        <p:style>
+          <a:lnRef idx="1">
+            <a:schemeClr val="accent1"/>
+          </a:lnRef>
+          <a:fillRef idx="0">
+            <a:schemeClr val="accent1"/>
+          </a:fillRef>
+          <a:effectRef idx="0">
+            <a:schemeClr val="accent1"/>
+          </a:effectRef>
+          <a:fontRef idx="minor">
+            <a:schemeClr val="tx1"/>
+          </a:fontRef>
+        </p:style>
+      </p:cxnSp>
+    </p:spTree>
+    <p:extLst>
+      <p:ext uri="{BB962C8B-B14F-4D97-AF65-F5344CB8AC3E}">
+        <p14:creationId xmlns:p14="http://schemas.microsoft.com/office/powerpoint/2010/main" val="3811741727"/>
+      </p:ext>
+    </p:extLst>
+  </p:cSld>
+  <p:clrMapOvr>
+    <a:masterClrMapping/>
+  </p:clrMapOvr>
+</p:sld>
+</file>
+
+<file path=ppt/slides/slide12.xml><?xml version="1.0" encoding="utf-8"?>
+<p:sld xmlns:a="http://schemas.openxmlformats.org/drawingml/2006/main" xmlns:r="http://schemas.openxmlformats.org/officeDocument/2006/relationships" xmlns:p="http://schemas.openxmlformats.org/presentationml/2006/main">
+  <p:cSld>
+    <p:spTree>
+      <p:nvGrpSpPr>
+        <p:cNvPr id="1" name=""/>
+        <p:cNvGrpSpPr/>
+        <p:nvPr/>
+      </p:nvGrpSpPr>
+      <p:grpSpPr>
+        <a:xfrm>
+          <a:off x="0" y="0"/>
+          <a:ext cx="0" cy="0"/>
+          <a:chOff x="0" y="0"/>
+          <a:chExt cx="0" cy="0"/>
+        </a:xfrm>
+      </p:grpSpPr>
+      <p:sp>
+        <p:nvSpPr>
+          <p:cNvPr id="4" name="TextBox 3">
+            <a:extLst>
+              <a:ext uri="{FF2B5EF4-FFF2-40B4-BE49-F238E27FC236}">
+                <a16:creationId xmlns:a16="http://schemas.microsoft.com/office/drawing/2014/main" id="{867A7A21-87C6-415F-8954-4CE0C99FC6CC}"/>
+              </a:ext>
+            </a:extLst>
+          </p:cNvPr>
+          <p:cNvSpPr txBox="1"/>
+          <p:nvPr/>
+        </p:nvSpPr>
+        <p:spPr>
+          <a:xfrm>
+            <a:off x="439646" y="0"/>
+            <a:ext cx="11312708" cy="461665"/>
+          </a:xfrm>
+          <a:prstGeom prst="rect">
+            <a:avLst/>
+          </a:prstGeom>
+          <a:noFill/>
+        </p:spPr>
+        <p:txBody>
+          <a:bodyPr wrap="square" rtlCol="0">
+            <a:spAutoFit/>
+          </a:bodyPr>
+          <a:lstStyle/>
+          <a:p>
+            <a:r>
+              <a:rPr lang="en-US" altLang="ko-KR" sz="2400" dirty="0"/>
+              <a:t>15899 </a:t>
+            </a:r>
+            <a:r>
+              <a:rPr lang="ko-KR" altLang="en-US" sz="2400" dirty="0"/>
+              <a:t>트리와 색깔</a:t>
+            </a:r>
+          </a:p>
+        </p:txBody>
+      </p:sp>
+      <p:sp>
+        <p:nvSpPr>
+          <p:cNvPr id="6" name="TextBox 5">
+            <a:extLst>
+              <a:ext uri="{FF2B5EF4-FFF2-40B4-BE49-F238E27FC236}">
+                <a16:creationId xmlns:a16="http://schemas.microsoft.com/office/drawing/2014/main" id="{74E49943-A862-4C93-828B-C6EA6C787219}"/>
+              </a:ext>
+            </a:extLst>
+          </p:cNvPr>
+          <p:cNvSpPr txBox="1"/>
+          <p:nvPr/>
+        </p:nvSpPr>
+        <p:spPr>
+          <a:xfrm>
+            <a:off x="439645" y="887074"/>
+            <a:ext cx="11275207" cy="1754326"/>
+          </a:xfrm>
+          <a:prstGeom prst="rect">
+            <a:avLst/>
+          </a:prstGeom>
+          <a:noFill/>
+        </p:spPr>
+        <p:txBody>
+          <a:bodyPr wrap="square" rtlCol="0">
+            <a:spAutoFit/>
+          </a:bodyPr>
+          <a:lstStyle/>
+          <a:p>
+            <a:r>
+              <a:rPr lang="ko-KR" altLang="en-US" dirty="0">
+                <a:latin typeface="맑은 고딕" panose="020B0503020000020004" pitchFamily="50" charset="-127"/>
+                <a:ea typeface="맑은 고딕" panose="020B0503020000020004" pitchFamily="50" charset="-127"/>
+              </a:rPr>
+              <a:t>이 방식의 한계 </a:t>
+            </a:r>
+            <a:r>
+              <a:rPr lang="en-US" altLang="ko-KR" dirty="0">
+                <a:latin typeface="맑은 고딕" panose="020B0503020000020004" pitchFamily="50" charset="-127"/>
+                <a:ea typeface="맑은 고딕" panose="020B0503020000020004" pitchFamily="50" charset="-127"/>
+              </a:rPr>
+              <a:t>:</a:t>
+            </a:r>
+          </a:p>
+          <a:p>
+            <a:r>
+              <a:rPr lang="ko-KR" altLang="en-US" dirty="0">
+                <a:latin typeface="맑은 고딕" panose="020B0503020000020004" pitchFamily="50" charset="-127"/>
+                <a:ea typeface="맑은 고딕" panose="020B0503020000020004" pitchFamily="50" charset="-127"/>
+              </a:rPr>
+              <a:t>노드의 개수 </a:t>
+            </a:r>
+            <a:r>
+              <a:rPr lang="en-US" altLang="ko-KR" dirty="0">
+                <a:latin typeface="맑은 고딕" panose="020B0503020000020004" pitchFamily="50" charset="-127"/>
+                <a:ea typeface="맑은 고딕" panose="020B0503020000020004" pitchFamily="50" charset="-127"/>
+              </a:rPr>
+              <a:t>N</a:t>
+            </a:r>
+            <a:r>
+              <a:rPr lang="ko-KR" altLang="en-US" dirty="0">
+                <a:latin typeface="맑은 고딕" panose="020B0503020000020004" pitchFamily="50" charset="-127"/>
+                <a:ea typeface="맑은 고딕" panose="020B0503020000020004" pitchFamily="50" charset="-127"/>
+              </a:rPr>
+              <a:t>이 </a:t>
+            </a:r>
+            <a:r>
+              <a:rPr lang="en-US" altLang="ko-KR" dirty="0">
+                <a:latin typeface="맑은 고딕" panose="020B0503020000020004" pitchFamily="50" charset="-127"/>
+                <a:ea typeface="맑은 고딕" panose="020B0503020000020004" pitchFamily="50" charset="-127"/>
+              </a:rPr>
+              <a:t>2*10^5 </a:t>
+            </a:r>
+            <a:r>
+              <a:rPr lang="ko-KR" altLang="en-US" dirty="0">
+                <a:latin typeface="맑은 고딕" panose="020B0503020000020004" pitchFamily="50" charset="-127"/>
+                <a:ea typeface="맑은 고딕" panose="020B0503020000020004" pitchFamily="50" charset="-127"/>
+              </a:rPr>
+              <a:t>이고</a:t>
+            </a:r>
+            <a:r>
+              <a:rPr lang="en-US" altLang="ko-KR" dirty="0">
+                <a:latin typeface="맑은 고딕" panose="020B0503020000020004" pitchFamily="50" charset="-127"/>
+                <a:ea typeface="맑은 고딕" panose="020B0503020000020004" pitchFamily="50" charset="-127"/>
+              </a:rPr>
+              <a:t>, 1&lt;=C&lt;=N. </a:t>
+            </a:r>
+            <a:r>
+              <a:rPr lang="ko-KR" altLang="en-US" dirty="0">
+                <a:latin typeface="맑은 고딕" panose="020B0503020000020004" pitchFamily="50" charset="-127"/>
+                <a:ea typeface="맑은 고딕" panose="020B0503020000020004" pitchFamily="50" charset="-127"/>
+              </a:rPr>
+              <a:t>모든 경우</a:t>
+            </a:r>
+            <a:r>
+              <a:rPr lang="en-US" altLang="ko-KR" dirty="0">
+                <a:latin typeface="맑은 고딕" panose="020B0503020000020004" pitchFamily="50" charset="-127"/>
+                <a:ea typeface="맑은 고딕" panose="020B0503020000020004" pitchFamily="50" charset="-127"/>
+              </a:rPr>
+              <a:t>(N*C)</a:t>
+            </a:r>
+            <a:r>
+              <a:rPr lang="ko-KR" altLang="en-US" dirty="0">
+                <a:latin typeface="맑은 고딕" panose="020B0503020000020004" pitchFamily="50" charset="-127"/>
+                <a:ea typeface="맑은 고딕" panose="020B0503020000020004" pitchFamily="50" charset="-127"/>
+              </a:rPr>
+              <a:t>를 저장할 캐쉬를 만들면 </a:t>
+            </a:r>
+            <a:r>
+              <a:rPr lang="en-US" altLang="ko-KR" dirty="0">
+                <a:latin typeface="맑은 고딕" panose="020B0503020000020004" pitchFamily="50" charset="-127"/>
+                <a:ea typeface="맑은 고딕" panose="020B0503020000020004" pitchFamily="50" charset="-127"/>
+              </a:rPr>
+              <a:t>(int</a:t>
+            </a:r>
+            <a:r>
+              <a:rPr lang="ko-KR" altLang="en-US" dirty="0">
+                <a:latin typeface="맑은 고딕" panose="020B0503020000020004" pitchFamily="50" charset="-127"/>
+                <a:ea typeface="맑은 고딕" panose="020B0503020000020004" pitchFamily="50" charset="-127"/>
+              </a:rPr>
+              <a:t>를 저장한다고 치면</a:t>
+            </a:r>
+            <a:r>
+              <a:rPr lang="en-US" altLang="ko-KR" dirty="0">
+                <a:latin typeface="맑은 고딕" panose="020B0503020000020004" pitchFamily="50" charset="-127"/>
+                <a:ea typeface="맑은 고딕" panose="020B0503020000020004" pitchFamily="50" charset="-127"/>
+              </a:rPr>
+              <a:t>)</a:t>
+            </a:r>
+            <a:br>
+              <a:rPr lang="en-US" altLang="ko-KR" dirty="0">
+                <a:latin typeface="맑은 고딕" panose="020B0503020000020004" pitchFamily="50" charset="-127"/>
+                <a:ea typeface="맑은 고딕" panose="020B0503020000020004" pitchFamily="50" charset="-127"/>
+              </a:rPr>
+            </a:br>
+            <a:r>
+              <a:rPr lang="ko-KR" altLang="en-US" dirty="0">
+                <a:latin typeface="맑은 고딕" panose="020B0503020000020004" pitchFamily="50" charset="-127"/>
+                <a:ea typeface="맑은 고딕" panose="020B0503020000020004" pitchFamily="50" charset="-127"/>
+              </a:rPr>
+              <a:t>최대 </a:t>
+            </a:r>
+            <a:r>
+              <a:rPr lang="en-US" altLang="ko-KR" dirty="0">
+                <a:latin typeface="맑은 고딕" panose="020B0503020000020004" pitchFamily="50" charset="-127"/>
+                <a:ea typeface="맑은 고딕" panose="020B0503020000020004" pitchFamily="50" charset="-127"/>
+              </a:rPr>
+              <a:t>8 * (2*10^5)^2 byte</a:t>
+            </a:r>
+            <a:r>
+              <a:rPr lang="ko-KR" altLang="en-US" dirty="0">
+                <a:latin typeface="맑은 고딕" panose="020B0503020000020004" pitchFamily="50" charset="-127"/>
+                <a:ea typeface="맑은 고딕" panose="020B0503020000020004" pitchFamily="50" charset="-127"/>
+              </a:rPr>
+              <a:t> </a:t>
+            </a:r>
+            <a:r>
+              <a:rPr lang="en-US" altLang="ko-KR" dirty="0">
+                <a:latin typeface="맑은 고딕" panose="020B0503020000020004" pitchFamily="50" charset="-127"/>
+                <a:ea typeface="맑은 고딕" panose="020B0503020000020004" pitchFamily="50" charset="-127"/>
+              </a:rPr>
+              <a:t>= 8 * 4*10^10 =</a:t>
+            </a:r>
+            <a:r>
+              <a:rPr lang="ko-KR" altLang="en-US" dirty="0">
+                <a:latin typeface="맑은 고딕" panose="020B0503020000020004" pitchFamily="50" charset="-127"/>
+                <a:ea typeface="맑은 고딕" panose="020B0503020000020004" pitchFamily="50" charset="-127"/>
+              </a:rPr>
+              <a:t> </a:t>
+            </a:r>
+            <a:r>
+              <a:rPr lang="en-US" altLang="ko-KR" dirty="0">
+                <a:latin typeface="맑은 고딕" panose="020B0503020000020004" pitchFamily="50" charset="-127"/>
+                <a:ea typeface="맑은 고딕" panose="020B0503020000020004" pitchFamily="50" charset="-127"/>
+              </a:rPr>
+              <a:t>32GB </a:t>
+            </a:r>
+            <a:r>
+              <a:rPr lang="ko-KR" altLang="en-US" dirty="0">
+                <a:latin typeface="맑은 고딕" panose="020B0503020000020004" pitchFamily="50" charset="-127"/>
+                <a:ea typeface="맑은 고딕" panose="020B0503020000020004" pitchFamily="50" charset="-127"/>
+              </a:rPr>
+              <a:t>이므로 메모리 초과</a:t>
+            </a:r>
+            <a:r>
+              <a:rPr lang="en-US" altLang="ko-KR" dirty="0">
+                <a:latin typeface="맑은 고딕" panose="020B0503020000020004" pitchFamily="50" charset="-127"/>
+                <a:ea typeface="맑은 고딕" panose="020B0503020000020004" pitchFamily="50" charset="-127"/>
+              </a:rPr>
+              <a:t>….</a:t>
+            </a:r>
+          </a:p>
+          <a:p>
+            <a:endParaRPr lang="en-US" altLang="ko-KR" dirty="0">
+              <a:latin typeface="맑은 고딕" panose="020B0503020000020004" pitchFamily="50" charset="-127"/>
+              <a:ea typeface="맑은 고딕" panose="020B0503020000020004" pitchFamily="50" charset="-127"/>
+            </a:endParaRPr>
+          </a:p>
+          <a:p>
+            <a:r>
+              <a:rPr lang="ko-KR" altLang="en-US" dirty="0">
+                <a:latin typeface="맑은 고딕" panose="020B0503020000020004" pitchFamily="50" charset="-127"/>
+                <a:ea typeface="맑은 고딕" panose="020B0503020000020004" pitchFamily="50" charset="-127"/>
+              </a:rPr>
+              <a:t>캐쉬 사용량을 줄여서 </a:t>
+            </a:r>
+            <a:r>
+              <a:rPr lang="en-US" altLang="ko-KR" dirty="0">
+                <a:latin typeface="맑은 고딕" panose="020B0503020000020004" pitchFamily="50" charset="-127"/>
+                <a:ea typeface="맑은 고딕" panose="020B0503020000020004" pitchFamily="50" charset="-127"/>
+              </a:rPr>
+              <a:t>(N)</a:t>
+            </a:r>
+            <a:r>
+              <a:rPr lang="ko-KR" altLang="en-US" dirty="0">
+                <a:latin typeface="맑은 고딕" panose="020B0503020000020004" pitchFamily="50" charset="-127"/>
+                <a:ea typeface="맑은 고딕" panose="020B0503020000020004" pitchFamily="50" charset="-127"/>
+              </a:rPr>
+              <a:t>의 경우에 대해서만 저장을 한다고 하면 메모리 초과는 안되지만</a:t>
+            </a:r>
+            <a:r>
+              <a:rPr lang="en-US" altLang="ko-KR" dirty="0">
+                <a:latin typeface="맑은 고딕" panose="020B0503020000020004" pitchFamily="50" charset="-127"/>
+                <a:ea typeface="맑은 고딕" panose="020B0503020000020004" pitchFamily="50" charset="-127"/>
+              </a:rPr>
+              <a:t>,</a:t>
+            </a:r>
+          </a:p>
+          <a:p>
+            <a:r>
+              <a:rPr lang="en-US" altLang="ko-KR" dirty="0">
+                <a:latin typeface="맑은 고딕" panose="020B0503020000020004" pitchFamily="50" charset="-127"/>
+                <a:ea typeface="맑은 고딕" panose="020B0503020000020004" pitchFamily="50" charset="-127"/>
+              </a:rPr>
+              <a:t>N,M</a:t>
+            </a:r>
+            <a:r>
+              <a:rPr lang="ko-KR" altLang="en-US" dirty="0">
+                <a:latin typeface="맑은 고딕" panose="020B0503020000020004" pitchFamily="50" charset="-127"/>
+                <a:ea typeface="맑은 고딕" panose="020B0503020000020004" pitchFamily="50" charset="-127"/>
+              </a:rPr>
+              <a:t>의 최대 개수인 </a:t>
+            </a:r>
+            <a:r>
+              <a:rPr lang="en-US" altLang="ko-KR" dirty="0">
+                <a:latin typeface="맑은 고딕" panose="020B0503020000020004" pitchFamily="50" charset="-127"/>
+                <a:ea typeface="맑은 고딕" panose="020B0503020000020004" pitchFamily="50" charset="-127"/>
+              </a:rPr>
+              <a:t>2*10^5 , 2*10^5 </a:t>
+            </a:r>
+            <a:r>
+              <a:rPr lang="ko-KR" altLang="en-US" dirty="0">
+                <a:latin typeface="맑은 고딕" panose="020B0503020000020004" pitchFamily="50" charset="-127"/>
+                <a:ea typeface="맑은 고딕" panose="020B0503020000020004" pitchFamily="50" charset="-127"/>
+              </a:rPr>
+              <a:t>에다 </a:t>
+            </a:r>
+            <a:r>
+              <a:rPr lang="en-US" altLang="ko-KR" dirty="0">
+                <a:latin typeface="맑은 고딕" panose="020B0503020000020004" pitchFamily="50" charset="-127"/>
+                <a:ea typeface="맑은 고딕" panose="020B0503020000020004" pitchFamily="50" charset="-127"/>
+              </a:rPr>
+              <a:t>O(N^2) </a:t>
+            </a:r>
+            <a:r>
+              <a:rPr lang="ko-KR" altLang="en-US" u="sng" dirty="0">
+                <a:latin typeface="맑은 고딕" panose="020B0503020000020004" pitchFamily="50" charset="-127"/>
+                <a:ea typeface="맑은 고딕" panose="020B0503020000020004" pitchFamily="50" charset="-127"/>
+              </a:rPr>
+              <a:t>시간초과</a:t>
+            </a:r>
+            <a:r>
+              <a:rPr lang="ko-KR" altLang="en-US" dirty="0">
+                <a:latin typeface="맑은 고딕" panose="020B0503020000020004" pitchFamily="50" charset="-127"/>
+                <a:ea typeface="맑은 고딕" panose="020B0503020000020004" pitchFamily="50" charset="-127"/>
+              </a:rPr>
+              <a:t>가 걸리게 됨</a:t>
+            </a:r>
+            <a:endParaRPr lang="en-US" altLang="ko-KR" dirty="0">
+              <a:latin typeface="맑은 고딕" panose="020B0503020000020004" pitchFamily="50" charset="-127"/>
+              <a:ea typeface="맑은 고딕" panose="020B0503020000020004" pitchFamily="50" charset="-127"/>
+            </a:endParaRPr>
+          </a:p>
+        </p:txBody>
+      </p:sp>
+      <p:sp>
+        <p:nvSpPr>
+          <p:cNvPr id="5" name="TextBox 4">
+            <a:extLst>
+              <a:ext uri="{FF2B5EF4-FFF2-40B4-BE49-F238E27FC236}">
+                <a16:creationId xmlns:a16="http://schemas.microsoft.com/office/drawing/2014/main" id="{0EF557D9-FA9C-4743-8041-BCC66A9BF0B5}"/>
+              </a:ext>
+            </a:extLst>
+          </p:cNvPr>
+          <p:cNvSpPr txBox="1"/>
+          <p:nvPr/>
+        </p:nvSpPr>
+        <p:spPr>
+          <a:xfrm>
+            <a:off x="439644" y="3066809"/>
+            <a:ext cx="11275207" cy="369332"/>
+          </a:xfrm>
+          <a:prstGeom prst="rect">
+            <a:avLst/>
+          </a:prstGeom>
+          <a:noFill/>
+        </p:spPr>
+        <p:txBody>
+          <a:bodyPr wrap="square" rtlCol="0">
+            <a:spAutoFit/>
+          </a:bodyPr>
+          <a:lstStyle/>
+          <a:p>
+            <a:r>
+              <a:rPr lang="ko-KR" altLang="en-US" dirty="0"/>
+              <a:t>그럼 어떻게</a:t>
+            </a:r>
+            <a:r>
+              <a:rPr lang="en-US" altLang="ko-KR" dirty="0"/>
+              <a:t>?? </a:t>
+            </a:r>
+          </a:p>
+        </p:txBody>
+      </p:sp>
+      <p:sp>
+        <p:nvSpPr>
+          <p:cNvPr id="7" name="TextBox 6">
+            <a:extLst>
+              <a:ext uri="{FF2B5EF4-FFF2-40B4-BE49-F238E27FC236}">
+                <a16:creationId xmlns:a16="http://schemas.microsoft.com/office/drawing/2014/main" id="{3493E8C1-B65F-4645-B4EF-69261284274A}"/>
+              </a:ext>
+            </a:extLst>
+          </p:cNvPr>
+          <p:cNvSpPr txBox="1"/>
+          <p:nvPr/>
+        </p:nvSpPr>
+        <p:spPr>
+          <a:xfrm>
+            <a:off x="439643" y="3662602"/>
+            <a:ext cx="11275207" cy="369332"/>
+          </a:xfrm>
+          <a:prstGeom prst="rect">
+            <a:avLst/>
+          </a:prstGeom>
+          <a:noFill/>
+        </p:spPr>
+        <p:txBody>
+          <a:bodyPr wrap="square" rtlCol="0">
+            <a:spAutoFit/>
+          </a:bodyPr>
+          <a:lstStyle/>
+          <a:p>
+            <a:r>
+              <a:rPr lang="ko-KR" altLang="en-US" dirty="0"/>
+              <a:t>구간 트리 </a:t>
+            </a:r>
+            <a:r>
+              <a:rPr lang="en-US" altLang="ko-KR" dirty="0"/>
+              <a:t>=&gt; Heavy Light Decomposition: </a:t>
+            </a:r>
+          </a:p>
+        </p:txBody>
+      </p:sp>
+    </p:spTree>
+    <p:extLst>
+      <p:ext uri="{BB962C8B-B14F-4D97-AF65-F5344CB8AC3E}">
+        <p14:creationId xmlns:p14="http://schemas.microsoft.com/office/powerpoint/2010/main" val="2958726178"/>
+      </p:ext>
+    </p:extLst>
+  </p:cSld>
+  <p:clrMapOvr>
+    <a:masterClrMapping/>
+  </p:clrMapOvr>
+  <p:timing>
+    <p:tnLst>
+      <p:par>
+        <p:cTn id="1" dur="indefinite" restart="never" nodeType="tmRoot">
+          <p:childTnLst>
+            <p:seq concurrent="1" nextAc="seek">
+              <p:cTn id="2" dur="indefinite" nodeType="mainSeq">
+                <p:childTnLst>
+                  <p:par>
+                    <p:cTn id="3" fill="hold">
+                      <p:stCondLst>
+                        <p:cond delay="indefinite"/>
+                      </p:stCondLst>
+                      <p:childTnLst>
+                        <p:par>
+                          <p:cTn id="4" fill="hold">
+                            <p:stCondLst>
+                              <p:cond delay="0"/>
+                            </p:stCondLst>
+                            <p:childTnLst>
+                              <p:par>
+                                <p:cTn id="5" presetID="10" presetClass="entr" presetSubtype="0" fill="hold" grpId="0" nodeType="clickEffect">
+                                  <p:stCondLst>
+                                    <p:cond delay="0"/>
+                                  </p:stCondLst>
+                                  <p:childTnLst>
+                                    <p:set>
+                                      <p:cBhvr>
+                                        <p:cTn id="6" dur="1" fill="hold">
+                                          <p:stCondLst>
+                                            <p:cond delay="0"/>
+                                          </p:stCondLst>
+                                        </p:cTn>
+                                        <p:tgtEl>
+                                          <p:spTgt spid="5"/>
+                                        </p:tgtEl>
+                                        <p:attrNameLst>
+                                          <p:attrName>style.visibility</p:attrName>
+                                        </p:attrNameLst>
+                                      </p:cBhvr>
+                                      <p:to>
+                                        <p:strVal val="visible"/>
+                                      </p:to>
+                                    </p:set>
+                                    <p:animEffect transition="in" filter="fade">
+                                      <p:cBhvr>
+                                        <p:cTn id="7" dur="500"/>
+                                        <p:tgtEl>
+                                          <p:spTgt spid="5"/>
+                                        </p:tgtEl>
+                                      </p:cBhvr>
+                                    </p:animEffect>
+                                  </p:childTnLst>
+                                </p:cTn>
+                              </p:par>
+                            </p:childTnLst>
+                          </p:cTn>
+                        </p:par>
+                      </p:childTnLst>
+                    </p:cTn>
+                  </p:par>
+                  <p:par>
+                    <p:cTn id="8" fill="hold">
+                      <p:stCondLst>
+                        <p:cond delay="indefinite"/>
+                      </p:stCondLst>
+                      <p:childTnLst>
+                        <p:par>
+                          <p:cTn id="9" fill="hold">
+                            <p:stCondLst>
+                              <p:cond delay="0"/>
+                            </p:stCondLst>
+                            <p:childTnLst>
+                              <p:par>
+                                <p:cTn id="10" presetID="10" presetClass="entr" presetSubtype="0" fill="hold" grpId="0" nodeType="clickEffect">
+                                  <p:stCondLst>
+                                    <p:cond delay="0"/>
+                                  </p:stCondLst>
+                                  <p:childTnLst>
+                                    <p:set>
+                                      <p:cBhvr>
+                                        <p:cTn id="11" dur="1" fill="hold">
+                                          <p:stCondLst>
+                                            <p:cond delay="0"/>
+                                          </p:stCondLst>
+                                        </p:cTn>
+                                        <p:tgtEl>
+                                          <p:spTgt spid="7"/>
+                                        </p:tgtEl>
+                                        <p:attrNameLst>
+                                          <p:attrName>style.visibility</p:attrName>
+                                        </p:attrNameLst>
+                                      </p:cBhvr>
+                                      <p:to>
+                                        <p:strVal val="visible"/>
+                                      </p:to>
+                                    </p:set>
+                                    <p:animEffect transition="in" filter="fade">
+                                      <p:cBhvr>
+                                        <p:cTn id="12" dur="500"/>
+                                        <p:tgtEl>
+                                          <p:spTgt spid="7"/>
+                                        </p:tgtEl>
+                                      </p:cBhvr>
+                                    </p:animEffect>
+                                  </p:childTnLst>
+                                </p:cTn>
+                              </p:par>
+                            </p:childTnLst>
+                          </p:cTn>
+                        </p:par>
+                      </p:childTnLst>
+                    </p:cTn>
+                  </p:par>
+                </p:childTnLst>
+              </p:cTn>
+              <p:prevCondLst>
+                <p:cond evt="onPrev" delay="0">
+                  <p:tgtEl>
+                    <p:sldTgt/>
+                  </p:tgtEl>
+                </p:cond>
+              </p:prevCondLst>
+              <p:nextCondLst>
+                <p:cond evt="onNext" delay="0">
+                  <p:tgtEl>
+                    <p:sldTgt/>
+                  </p:tgtEl>
+                </p:cond>
+              </p:nextCondLst>
+            </p:seq>
+          </p:childTnLst>
+        </p:cTn>
+      </p:par>
+    </p:tnLst>
+    <p:bldLst>
+      <p:bldP spid="5" grpId="0"/>
+      <p:bldP spid="7" grpId="0"/>
+    </p:bldLst>
+  </p:timing>
+</p:sld>
+</file>
+
+<file path=ppt/slides/slide13.xml><?xml version="1.0" encoding="utf-8"?>
+<p:sld xmlns:a="http://schemas.openxmlformats.org/drawingml/2006/main" xmlns:r="http://schemas.openxmlformats.org/officeDocument/2006/relationships" xmlns:p="http://schemas.openxmlformats.org/presentationml/2006/main">
+  <p:cSld>
+    <p:spTree>
+      <p:nvGrpSpPr>
+        <p:cNvPr id="1" name=""/>
+        <p:cNvGrpSpPr/>
+        <p:nvPr/>
+      </p:nvGrpSpPr>
+      <p:grpSpPr>
+        <a:xfrm>
+          <a:off x="0" y="0"/>
+          <a:ext cx="0" cy="0"/>
+          <a:chOff x="0" y="0"/>
+          <a:chExt cx="0" cy="0"/>
+        </a:xfrm>
+      </p:grpSpPr>
+      <p:sp>
+        <p:nvSpPr>
+          <p:cNvPr id="2" name="TextBox 1">
+            <a:extLst>
+              <a:ext uri="{FF2B5EF4-FFF2-40B4-BE49-F238E27FC236}">
+                <a16:creationId xmlns:a16="http://schemas.microsoft.com/office/drawing/2014/main" id="{A68BE288-2942-4926-922D-7D16D8366738}"/>
+              </a:ext>
+            </a:extLst>
+          </p:cNvPr>
+          <p:cNvSpPr txBox="1"/>
+          <p:nvPr/>
+        </p:nvSpPr>
+        <p:spPr>
+          <a:xfrm>
+            <a:off x="439645" y="887074"/>
+            <a:ext cx="11275207" cy="5632311"/>
+          </a:xfrm>
+          <a:prstGeom prst="rect">
+            <a:avLst/>
+          </a:prstGeom>
+          <a:noFill/>
+        </p:spPr>
+        <p:txBody>
+          <a:bodyPr wrap="square" rtlCol="0">
+            <a:spAutoFit/>
+          </a:bodyPr>
+          <a:lstStyle/>
+          <a:p>
+            <a:r>
+              <a:rPr lang="ko-KR" altLang="en-US" dirty="0"/>
+              <a:t>구간 트리</a:t>
+            </a:r>
+            <a:r>
+              <a:rPr lang="en-US" altLang="ko-KR" dirty="0"/>
+              <a:t>(segment</a:t>
+            </a:r>
+            <a:r>
+              <a:rPr lang="ko-KR" altLang="en-US" dirty="0"/>
+              <a:t> </a:t>
+            </a:r>
+            <a:r>
+              <a:rPr lang="en-US" altLang="ko-KR" dirty="0"/>
+              <a:t>tree)</a:t>
+            </a:r>
+            <a:r>
+              <a:rPr lang="ko-KR" altLang="en-US" dirty="0"/>
+              <a:t>란</a:t>
+            </a:r>
+            <a:r>
+              <a:rPr lang="en-US" altLang="ko-KR" dirty="0"/>
+              <a:t>?</a:t>
+            </a:r>
+          </a:p>
+          <a:p>
+            <a:endParaRPr lang="en-US" altLang="ko-KR" dirty="0"/>
+          </a:p>
+          <a:p>
+            <a:r>
+              <a:rPr lang="ko-KR" altLang="en-US" dirty="0">
+                <a:latin typeface="맑은 고딕" panose="020B0503020000020004" pitchFamily="50" charset="-127"/>
+                <a:ea typeface="맑은 고딕" panose="020B0503020000020004" pitchFamily="50" charset="-127"/>
+              </a:rPr>
+              <a:t>트리의 일정 구간에서 최솟값이나 최댓값 등을 반복적으로 구해야 </a:t>
+            </a:r>
+            <a:r>
+              <a:rPr lang="ko-KR" altLang="en-US" dirty="0" err="1">
+                <a:latin typeface="맑은 고딕" panose="020B0503020000020004" pitchFamily="50" charset="-127"/>
+                <a:ea typeface="맑은 고딕" panose="020B0503020000020004" pitchFamily="50" charset="-127"/>
+              </a:rPr>
+              <a:t>할때</a:t>
+            </a:r>
+            <a:r>
+              <a:rPr lang="ko-KR" altLang="en-US" dirty="0">
+                <a:latin typeface="맑은 고딕" panose="020B0503020000020004" pitchFamily="50" charset="-127"/>
+                <a:ea typeface="맑은 고딕" panose="020B0503020000020004" pitchFamily="50" charset="-127"/>
+              </a:rPr>
+              <a:t> </a:t>
+            </a:r>
+            <a:r>
+              <a:rPr lang="en-US" altLang="ko-KR" dirty="0">
+                <a:latin typeface="맑은 고딕" panose="020B0503020000020004" pitchFamily="50" charset="-127"/>
+                <a:ea typeface="맑은 고딕" panose="020B0503020000020004" pitchFamily="50" charset="-127"/>
+              </a:rPr>
+              <a:t>O(N) </a:t>
+            </a:r>
+            <a:r>
+              <a:rPr lang="ko-KR" altLang="en-US" dirty="0">
+                <a:latin typeface="맑은 고딕" panose="020B0503020000020004" pitchFamily="50" charset="-127"/>
+                <a:ea typeface="맑은 고딕" panose="020B0503020000020004" pitchFamily="50" charset="-127"/>
+              </a:rPr>
+              <a:t>에서 </a:t>
+            </a:r>
+            <a:r>
+              <a:rPr lang="en-US" altLang="ko-KR" dirty="0">
+                <a:latin typeface="맑은 고딕" panose="020B0503020000020004" pitchFamily="50" charset="-127"/>
+                <a:ea typeface="맑은 고딕" panose="020B0503020000020004" pitchFamily="50" charset="-127"/>
+              </a:rPr>
+              <a:t>O(</a:t>
+            </a:r>
+            <a:r>
+              <a:rPr lang="en-US" altLang="ko-KR" dirty="0" err="1">
+                <a:latin typeface="맑은 고딕" panose="020B0503020000020004" pitchFamily="50" charset="-127"/>
+                <a:ea typeface="맑은 고딕" panose="020B0503020000020004" pitchFamily="50" charset="-127"/>
+              </a:rPr>
+              <a:t>logN</a:t>
+            </a:r>
+            <a:r>
+              <a:rPr lang="en-US" altLang="ko-KR" dirty="0">
+                <a:latin typeface="맑은 고딕" panose="020B0503020000020004" pitchFamily="50" charset="-127"/>
+                <a:ea typeface="맑은 고딕" panose="020B0503020000020004" pitchFamily="50" charset="-127"/>
+              </a:rPr>
+              <a:t>) </a:t>
+            </a:r>
+            <a:r>
+              <a:rPr lang="ko-KR" altLang="en-US" dirty="0">
+                <a:latin typeface="맑은 고딕" panose="020B0503020000020004" pitchFamily="50" charset="-127"/>
+                <a:ea typeface="맑은 고딕" panose="020B0503020000020004" pitchFamily="50" charset="-127"/>
+              </a:rPr>
+              <a:t>으로 줄일 수 있는 자료구조이다</a:t>
+            </a:r>
+            <a:r>
+              <a:rPr lang="en-US" altLang="ko-KR" dirty="0">
+                <a:latin typeface="맑은 고딕" panose="020B0503020000020004" pitchFamily="50" charset="-127"/>
+                <a:ea typeface="맑은 고딕" panose="020B0503020000020004" pitchFamily="50" charset="-127"/>
+              </a:rPr>
+              <a:t>.</a:t>
+            </a:r>
+          </a:p>
+          <a:p>
+            <a:r>
+              <a:rPr lang="ko-KR" altLang="en-US" dirty="0">
+                <a:latin typeface="맑은 고딕" panose="020B0503020000020004" pitchFamily="50" charset="-127"/>
+                <a:ea typeface="맑은 고딕" panose="020B0503020000020004" pitchFamily="50" charset="-127"/>
+              </a:rPr>
+              <a:t>원하는 </a:t>
+            </a:r>
+            <a:r>
+              <a:rPr lang="en-US" altLang="ko-KR" dirty="0">
+                <a:latin typeface="맑은 고딕" panose="020B0503020000020004" pitchFamily="50" charset="-127"/>
+                <a:ea typeface="맑은 고딕" panose="020B0503020000020004" pitchFamily="50" charset="-127"/>
+              </a:rPr>
+              <a:t>data</a:t>
+            </a:r>
+            <a:r>
+              <a:rPr lang="ko-KR" altLang="en-US" dirty="0">
+                <a:latin typeface="맑은 고딕" panose="020B0503020000020004" pitchFamily="50" charset="-127"/>
+                <a:ea typeface="맑은 고딕" panose="020B0503020000020004" pitchFamily="50" charset="-127"/>
+              </a:rPr>
+              <a:t>를 완전 이진 트리의 </a:t>
+            </a:r>
+            <a:r>
+              <a:rPr lang="en-US" altLang="ko-KR" dirty="0">
+                <a:latin typeface="맑은 고딕" panose="020B0503020000020004" pitchFamily="50" charset="-127"/>
+                <a:ea typeface="맑은 고딕" panose="020B0503020000020004" pitchFamily="50" charset="-127"/>
+              </a:rPr>
+              <a:t>leaf node</a:t>
+            </a:r>
+            <a:r>
+              <a:rPr lang="ko-KR" altLang="en-US" dirty="0">
+                <a:latin typeface="맑은 고딕" panose="020B0503020000020004" pitchFamily="50" charset="-127"/>
+                <a:ea typeface="맑은 고딕" panose="020B0503020000020004" pitchFamily="50" charset="-127"/>
+              </a:rPr>
+              <a:t>에 둔다</a:t>
+            </a:r>
+            <a:r>
+              <a:rPr lang="en-US" altLang="ko-KR" dirty="0">
+                <a:latin typeface="맑은 고딕" panose="020B0503020000020004" pitchFamily="50" charset="-127"/>
+                <a:ea typeface="맑은 고딕" panose="020B0503020000020004" pitchFamily="50" charset="-127"/>
+              </a:rPr>
+              <a:t>. (</a:t>
+            </a:r>
+            <a:r>
+              <a:rPr lang="ko-KR" altLang="en-US" dirty="0">
+                <a:latin typeface="맑은 고딕" panose="020B0503020000020004" pitchFamily="50" charset="-127"/>
+                <a:ea typeface="맑은 고딕" panose="020B0503020000020004" pitchFamily="50" charset="-127"/>
+              </a:rPr>
+              <a:t>다음은 </a:t>
+            </a:r>
+            <a:r>
+              <a:rPr lang="en-US" altLang="ko-KR" dirty="0">
+                <a:latin typeface="맑은 고딕" panose="020B0503020000020004" pitchFamily="50" charset="-127"/>
+                <a:ea typeface="맑은 고딕" panose="020B0503020000020004" pitchFamily="50" charset="-127"/>
+              </a:rPr>
+              <a:t>8</a:t>
+            </a:r>
+            <a:r>
+              <a:rPr lang="ko-KR" altLang="en-US" dirty="0">
+                <a:latin typeface="맑은 고딕" panose="020B0503020000020004" pitchFamily="50" charset="-127"/>
+                <a:ea typeface="맑은 고딕" panose="020B0503020000020004" pitchFamily="50" charset="-127"/>
+              </a:rPr>
+              <a:t>개의 </a:t>
+            </a:r>
+            <a:r>
+              <a:rPr lang="en-US" altLang="ko-KR" dirty="0">
+                <a:latin typeface="맑은 고딕" panose="020B0503020000020004" pitchFamily="50" charset="-127"/>
+                <a:ea typeface="맑은 고딕" panose="020B0503020000020004" pitchFamily="50" charset="-127"/>
+              </a:rPr>
+              <a:t>data</a:t>
+            </a:r>
+            <a:r>
+              <a:rPr lang="ko-KR" altLang="en-US" dirty="0">
+                <a:latin typeface="맑은 고딕" panose="020B0503020000020004" pitchFamily="50" charset="-127"/>
+                <a:ea typeface="맑은 고딕" panose="020B0503020000020004" pitchFamily="50" charset="-127"/>
+              </a:rPr>
+              <a:t>를 가진 구간 트리의 모습이다</a:t>
+            </a:r>
+            <a:r>
+              <a:rPr lang="en-US" altLang="ko-KR" dirty="0">
+                <a:latin typeface="맑은 고딕" panose="020B0503020000020004" pitchFamily="50" charset="-127"/>
+                <a:ea typeface="맑은 고딕" panose="020B0503020000020004" pitchFamily="50" charset="-127"/>
+              </a:rPr>
+              <a:t>.)</a:t>
+            </a:r>
+          </a:p>
+          <a:p>
+            <a:endParaRPr lang="en-US" altLang="ko-KR" dirty="0">
+              <a:latin typeface="맑은 고딕" panose="020B0503020000020004" pitchFamily="50" charset="-127"/>
+              <a:ea typeface="맑은 고딕" panose="020B0503020000020004" pitchFamily="50" charset="-127"/>
+            </a:endParaRPr>
+          </a:p>
+          <a:p>
+            <a:endParaRPr lang="en-US" altLang="ko-KR" dirty="0">
+              <a:latin typeface="맑은 고딕" panose="020B0503020000020004" pitchFamily="50" charset="-127"/>
+              <a:ea typeface="맑은 고딕" panose="020B0503020000020004" pitchFamily="50" charset="-127"/>
+            </a:endParaRPr>
+          </a:p>
+          <a:p>
+            <a:endParaRPr lang="en-US" altLang="ko-KR" dirty="0">
+              <a:latin typeface="맑은 고딕" panose="020B0503020000020004" pitchFamily="50" charset="-127"/>
+              <a:ea typeface="맑은 고딕" panose="020B0503020000020004" pitchFamily="50" charset="-127"/>
+            </a:endParaRPr>
+          </a:p>
+          <a:p>
+            <a:endParaRPr lang="en-US" altLang="ko-KR" dirty="0">
+              <a:latin typeface="맑은 고딕" panose="020B0503020000020004" pitchFamily="50" charset="-127"/>
+              <a:ea typeface="맑은 고딕" panose="020B0503020000020004" pitchFamily="50" charset="-127"/>
+            </a:endParaRPr>
+          </a:p>
+          <a:p>
+            <a:endParaRPr lang="en-US" altLang="ko-KR" dirty="0">
+              <a:latin typeface="맑은 고딕" panose="020B0503020000020004" pitchFamily="50" charset="-127"/>
+              <a:ea typeface="맑은 고딕" panose="020B0503020000020004" pitchFamily="50" charset="-127"/>
+            </a:endParaRPr>
+          </a:p>
+          <a:p>
+            <a:endParaRPr lang="en-US" altLang="ko-KR" dirty="0">
+              <a:latin typeface="맑은 고딕" panose="020B0503020000020004" pitchFamily="50" charset="-127"/>
+              <a:ea typeface="맑은 고딕" panose="020B0503020000020004" pitchFamily="50" charset="-127"/>
+            </a:endParaRPr>
+          </a:p>
+          <a:p>
+            <a:endParaRPr lang="en-US" altLang="ko-KR" dirty="0">
+              <a:latin typeface="맑은 고딕" panose="020B0503020000020004" pitchFamily="50" charset="-127"/>
+              <a:ea typeface="맑은 고딕" panose="020B0503020000020004" pitchFamily="50" charset="-127"/>
+            </a:endParaRPr>
+          </a:p>
+          <a:p>
+            <a:endParaRPr lang="en-US" altLang="ko-KR" dirty="0">
+              <a:latin typeface="맑은 고딕" panose="020B0503020000020004" pitchFamily="50" charset="-127"/>
+              <a:ea typeface="맑은 고딕" panose="020B0503020000020004" pitchFamily="50" charset="-127"/>
+            </a:endParaRPr>
+          </a:p>
+          <a:p>
+            <a:endParaRPr lang="en-US" altLang="ko-KR" dirty="0">
+              <a:latin typeface="맑은 고딕" panose="020B0503020000020004" pitchFamily="50" charset="-127"/>
+              <a:ea typeface="맑은 고딕" panose="020B0503020000020004" pitchFamily="50" charset="-127"/>
+            </a:endParaRPr>
+          </a:p>
+          <a:p>
+            <a:endParaRPr lang="en-US" altLang="ko-KR" dirty="0">
+              <a:latin typeface="맑은 고딕" panose="020B0503020000020004" pitchFamily="50" charset="-127"/>
+              <a:ea typeface="맑은 고딕" panose="020B0503020000020004" pitchFamily="50" charset="-127"/>
+            </a:endParaRPr>
+          </a:p>
+          <a:p>
+            <a:endParaRPr lang="en-US" altLang="ko-KR" dirty="0">
+              <a:latin typeface="맑은 고딕" panose="020B0503020000020004" pitchFamily="50" charset="-127"/>
+              <a:ea typeface="맑은 고딕" panose="020B0503020000020004" pitchFamily="50" charset="-127"/>
+            </a:endParaRPr>
+          </a:p>
+          <a:p>
+            <a:r>
+              <a:rPr lang="en-US" altLang="ko-KR" dirty="0">
+                <a:latin typeface="맑은 고딕" panose="020B0503020000020004" pitchFamily="50" charset="-127"/>
+                <a:ea typeface="맑은 고딕" panose="020B0503020000020004" pitchFamily="50" charset="-127"/>
+              </a:rPr>
+              <a:t>Leaf</a:t>
+            </a:r>
+            <a:r>
+              <a:rPr lang="ko-KR" altLang="en-US" dirty="0">
+                <a:latin typeface="맑은 고딕" panose="020B0503020000020004" pitchFamily="50" charset="-127"/>
+                <a:ea typeface="맑은 고딕" panose="020B0503020000020004" pitchFamily="50" charset="-127"/>
+              </a:rPr>
+              <a:t> </a:t>
+            </a:r>
+            <a:r>
+              <a:rPr lang="en-US" altLang="ko-KR" dirty="0">
+                <a:latin typeface="맑은 고딕" panose="020B0503020000020004" pitchFamily="50" charset="-127"/>
+                <a:ea typeface="맑은 고딕" panose="020B0503020000020004" pitchFamily="50" charset="-127"/>
+              </a:rPr>
+              <a:t>node</a:t>
+            </a:r>
+            <a:r>
+              <a:rPr lang="ko-KR" altLang="en-US" dirty="0">
+                <a:latin typeface="맑은 고딕" panose="020B0503020000020004" pitchFamily="50" charset="-127"/>
+                <a:ea typeface="맑은 고딕" panose="020B0503020000020004" pitchFamily="50" charset="-127"/>
+              </a:rPr>
+              <a:t>가 아닌 노드에는 하위 구간들의 범위에 대한 정보가 담겨있는 형태이다</a:t>
+            </a:r>
+            <a:r>
+              <a:rPr lang="en-US" altLang="ko-KR" dirty="0">
+                <a:latin typeface="맑은 고딕" panose="020B0503020000020004" pitchFamily="50" charset="-127"/>
+                <a:ea typeface="맑은 고딕" panose="020B0503020000020004" pitchFamily="50" charset="-127"/>
+              </a:rPr>
+              <a:t>.</a:t>
+            </a:r>
+            <a:br>
+              <a:rPr lang="en-US" altLang="ko-KR" dirty="0">
+                <a:latin typeface="맑은 고딕" panose="020B0503020000020004" pitchFamily="50" charset="-127"/>
+                <a:ea typeface="맑은 고딕" panose="020B0503020000020004" pitchFamily="50" charset="-127"/>
+              </a:rPr>
+            </a:br>
+            <a:r>
+              <a:rPr lang="en-US" altLang="ko-KR" dirty="0">
+                <a:latin typeface="맑은 고딕" panose="020B0503020000020004" pitchFamily="50" charset="-127"/>
+                <a:ea typeface="맑은 고딕" panose="020B0503020000020004" pitchFamily="50" charset="-127"/>
+              </a:rPr>
+              <a:t>(</a:t>
+            </a:r>
+            <a:r>
+              <a:rPr lang="ko-KR" altLang="en-US" dirty="0">
+                <a:latin typeface="맑은 고딕" panose="020B0503020000020004" pitchFamily="50" charset="-127"/>
+                <a:ea typeface="맑은 고딕" panose="020B0503020000020004" pitchFamily="50" charset="-127"/>
+              </a:rPr>
+              <a:t>예를 틀어 최솟값을 반복적으로 구하기 위해 이 자료구조를 만들었으면</a:t>
+            </a:r>
+            <a:r>
+              <a:rPr lang="en-US" altLang="ko-KR" dirty="0">
+                <a:latin typeface="맑은 고딕" panose="020B0503020000020004" pitchFamily="50" charset="-127"/>
+                <a:ea typeface="맑은 고딕" panose="020B0503020000020004" pitchFamily="50" charset="-127"/>
+              </a:rPr>
+              <a:t>, </a:t>
+            </a:r>
+            <a:r>
+              <a:rPr lang="ko-KR" altLang="en-US" dirty="0">
+                <a:latin typeface="맑은 고딕" panose="020B0503020000020004" pitchFamily="50" charset="-127"/>
+                <a:ea typeface="맑은 고딕" panose="020B0503020000020004" pitchFamily="50" charset="-127"/>
+              </a:rPr>
+              <a:t>예를 들어 </a:t>
+            </a:r>
+            <a:r>
+              <a:rPr lang="en-US" altLang="ko-KR" dirty="0">
+                <a:latin typeface="맑은 고딕" panose="020B0503020000020004" pitchFamily="50" charset="-127"/>
+                <a:ea typeface="맑은 고딕" panose="020B0503020000020004" pitchFamily="50" charset="-127"/>
+              </a:rPr>
+              <a:t>index</a:t>
+            </a:r>
+            <a:r>
+              <a:rPr lang="ko-KR" altLang="en-US" dirty="0">
+                <a:latin typeface="맑은 고딕" panose="020B0503020000020004" pitchFamily="50" charset="-127"/>
+                <a:ea typeface="맑은 고딕" panose="020B0503020000020004" pitchFamily="50" charset="-127"/>
+              </a:rPr>
+              <a:t> </a:t>
+            </a:r>
+            <a:r>
+              <a:rPr lang="en-US" altLang="ko-KR" dirty="0">
+                <a:latin typeface="맑은 고딕" panose="020B0503020000020004" pitchFamily="50" charset="-127"/>
+                <a:ea typeface="맑은 고딕" panose="020B0503020000020004" pitchFamily="50" charset="-127"/>
+              </a:rPr>
+              <a:t>2</a:t>
+            </a:r>
+            <a:r>
+              <a:rPr lang="ko-KR" altLang="en-US" dirty="0">
+                <a:latin typeface="맑은 고딕" panose="020B0503020000020004" pitchFamily="50" charset="-127"/>
+                <a:ea typeface="맑은 고딕" panose="020B0503020000020004" pitchFamily="50" charset="-127"/>
+              </a:rPr>
+              <a:t>번 노드의 경우에는 </a:t>
+            </a:r>
+            <a:r>
+              <a:rPr lang="en-US" altLang="ko-KR" dirty="0">
+                <a:latin typeface="맑은 고딕" panose="020B0503020000020004" pitchFamily="50" charset="-127"/>
+                <a:ea typeface="맑은 고딕" panose="020B0503020000020004" pitchFamily="50" charset="-127"/>
+              </a:rPr>
+              <a:t>8</a:t>
+            </a:r>
+            <a:r>
+              <a:rPr lang="ko-KR" altLang="en-US" dirty="0">
+                <a:latin typeface="맑은 고딕" panose="020B0503020000020004" pitchFamily="50" charset="-127"/>
+                <a:ea typeface="맑은 고딕" panose="020B0503020000020004" pitchFamily="50" charset="-127"/>
+              </a:rPr>
+              <a:t>번 </a:t>
+            </a:r>
+            <a:r>
+              <a:rPr lang="en-US" altLang="ko-KR" dirty="0">
+                <a:latin typeface="맑은 고딕" panose="020B0503020000020004" pitchFamily="50" charset="-127"/>
+                <a:ea typeface="맑은 고딕" panose="020B0503020000020004" pitchFamily="50" charset="-127"/>
+              </a:rPr>
+              <a:t>~ 11</a:t>
+            </a:r>
+            <a:r>
+              <a:rPr lang="ko-KR" altLang="en-US" dirty="0">
+                <a:latin typeface="맑은 고딕" panose="020B0503020000020004" pitchFamily="50" charset="-127"/>
+                <a:ea typeface="맑은 고딕" panose="020B0503020000020004" pitchFamily="50" charset="-127"/>
+              </a:rPr>
+              <a:t>번 노드의 최솟값이 저장되어 있는 형태이다</a:t>
+            </a:r>
+            <a:r>
+              <a:rPr lang="en-US" altLang="ko-KR" dirty="0">
+                <a:latin typeface="맑은 고딕" panose="020B0503020000020004" pitchFamily="50" charset="-127"/>
+                <a:ea typeface="맑은 고딕" panose="020B0503020000020004" pitchFamily="50" charset="-127"/>
+              </a:rPr>
+              <a:t>.)</a:t>
+            </a:r>
+          </a:p>
+          <a:p>
+            <a:r>
+              <a:rPr lang="en-US" altLang="ko-KR" dirty="0">
+                <a:latin typeface="맑은 고딕" panose="020B0503020000020004" pitchFamily="50" charset="-127"/>
+                <a:ea typeface="맑은 고딕" panose="020B0503020000020004" pitchFamily="50" charset="-127"/>
+              </a:rPr>
+              <a:t>Index </a:t>
+            </a:r>
+            <a:r>
+              <a:rPr lang="ko-KR" altLang="en-US" dirty="0">
+                <a:latin typeface="맑은 고딕" panose="020B0503020000020004" pitchFamily="50" charset="-127"/>
+                <a:ea typeface="맑은 고딕" panose="020B0503020000020004" pitchFamily="50" charset="-127"/>
+              </a:rPr>
+              <a:t>가 </a:t>
+            </a:r>
+            <a:r>
+              <a:rPr lang="en-US" altLang="ko-KR" dirty="0">
+                <a:latin typeface="맑은 고딕" panose="020B0503020000020004" pitchFamily="50" charset="-127"/>
+                <a:ea typeface="맑은 고딕" panose="020B0503020000020004" pitchFamily="50" charset="-127"/>
+              </a:rPr>
+              <a:t>1 </a:t>
+            </a:r>
+            <a:r>
+              <a:rPr lang="ko-KR" altLang="en-US" dirty="0">
+                <a:latin typeface="맑은 고딕" panose="020B0503020000020004" pitchFamily="50" charset="-127"/>
+                <a:ea typeface="맑은 고딕" panose="020B0503020000020004" pitchFamily="50" charset="-127"/>
+              </a:rPr>
+              <a:t>부터 시작하는 이유는 부모 노드가 자식 노드로 가기 위해서이다</a:t>
+            </a:r>
+            <a:r>
+              <a:rPr lang="en-US" altLang="ko-KR" dirty="0">
+                <a:latin typeface="맑은 고딕" panose="020B0503020000020004" pitchFamily="50" charset="-127"/>
+                <a:ea typeface="맑은 고딕" panose="020B0503020000020004" pitchFamily="50" charset="-127"/>
+              </a:rPr>
+              <a:t>. (2*p or 2*p+1)</a:t>
+            </a:r>
+          </a:p>
+        </p:txBody>
+      </p:sp>
+      <p:pic>
+        <p:nvPicPr>
+          <p:cNvPr id="3" name="그림 2">
+            <a:extLst>
+              <a:ext uri="{FF2B5EF4-FFF2-40B4-BE49-F238E27FC236}">
+                <a16:creationId xmlns:a16="http://schemas.microsoft.com/office/drawing/2014/main" id="{EB2392E0-88A6-4DBC-A6BA-FC2E0DF030EB}"/>
+              </a:ext>
+            </a:extLst>
+          </p:cNvPr>
+          <p:cNvPicPr>
+            <a:picLocks noChangeAspect="1"/>
+          </p:cNvPicPr>
+          <p:nvPr/>
+        </p:nvPicPr>
+        <p:blipFill>
+          <a:blip r:embed="rId2"/>
+          <a:stretch>
+            <a:fillRect/>
+          </a:stretch>
+        </p:blipFill>
+        <p:spPr>
+          <a:xfrm>
+            <a:off x="2865344" y="2278142"/>
+            <a:ext cx="6461311" cy="2896973"/>
+          </a:xfrm>
+          <a:prstGeom prst="rect">
+            <a:avLst/>
+          </a:prstGeom>
+        </p:spPr>
+      </p:pic>
+    </p:spTree>
+    <p:extLst>
+      <p:ext uri="{BB962C8B-B14F-4D97-AF65-F5344CB8AC3E}">
+        <p14:creationId xmlns:p14="http://schemas.microsoft.com/office/powerpoint/2010/main" val="1813044851"/>
+      </p:ext>
+    </p:extLst>
+  </p:cSld>
+  <p:clrMapOvr>
+    <a:masterClrMapping/>
+  </p:clrMapOvr>
+</p:sld>
+</file>
+
+<file path=ppt/slides/slide14.xml><?xml version="1.0" encoding="utf-8"?>
+<p:sld xmlns:a="http://schemas.openxmlformats.org/drawingml/2006/main" xmlns:r="http://schemas.openxmlformats.org/officeDocument/2006/relationships" xmlns:p="http://schemas.openxmlformats.org/presentationml/2006/main">
+  <p:cSld>
+    <p:spTree>
+      <p:nvGrpSpPr>
+        <p:cNvPr id="1" name=""/>
+        <p:cNvGrpSpPr/>
+        <p:nvPr/>
+      </p:nvGrpSpPr>
+      <p:grpSpPr>
+        <a:xfrm>
+          <a:off x="0" y="0"/>
+          <a:ext cx="0" cy="0"/>
+          <a:chOff x="0" y="0"/>
+          <a:chExt cx="0" cy="0"/>
+        </a:xfrm>
+      </p:grpSpPr>
+      <p:sp>
+        <p:nvSpPr>
+          <p:cNvPr id="3" name="TextBox 2">
+            <a:extLst>
+              <a:ext uri="{FF2B5EF4-FFF2-40B4-BE49-F238E27FC236}">
+                <a16:creationId xmlns:a16="http://schemas.microsoft.com/office/drawing/2014/main" id="{A1A9BE40-E793-47E1-BA38-3D7C5B875E44}"/>
+              </a:ext>
+            </a:extLst>
+          </p:cNvPr>
+          <p:cNvSpPr txBox="1"/>
+          <p:nvPr/>
+        </p:nvSpPr>
+        <p:spPr>
+          <a:xfrm>
+            <a:off x="439645" y="887074"/>
             <a:ext cx="11275207" cy="1477328"/>
           </a:xfrm>
           <a:prstGeom prst="rect">
@@ -4228,16 +7086,28 @@
           <a:lstStyle/>
           <a:p>
             <a:r>
-              <a:rPr lang="ko-KR" altLang="en-US" dirty="0" err="1"/>
-              <a:t>링크드</a:t>
-            </a:r>
-            <a:r>
               <a:rPr lang="ko-KR" altLang="en-US" dirty="0"/>
-              <a:t> 리스트</a:t>
+              <a:t>구간 트리</a:t>
             </a:r>
             <a:r>
               <a:rPr lang="en-US" altLang="ko-KR" dirty="0"/>
-              <a:t>: </a:t>
+              <a:t>(segment</a:t>
+            </a:r>
+            <a:r>
+              <a:rPr lang="ko-KR" altLang="en-US" dirty="0"/>
+              <a:t> </a:t>
+            </a:r>
+            <a:r>
+              <a:rPr lang="en-US" altLang="ko-KR" dirty="0"/>
+              <a:t>tree)</a:t>
+            </a:r>
+            <a:r>
+              <a:rPr lang="ko-KR" altLang="en-US" dirty="0"/>
+              <a:t>란</a:t>
+            </a:r>
+            <a:r>
+              <a:rPr lang="en-US" altLang="ko-KR" dirty="0"/>
+              <a:t>?</a:t>
             </a:r>
           </a:p>
           <a:p>
@@ -4249,156 +7119,557 @@
                 <a:latin typeface="맑은 고딕" panose="020B0503020000020004" pitchFamily="50" charset="-127"/>
                 <a:ea typeface="맑은 고딕" panose="020B0503020000020004" pitchFamily="50" charset="-127"/>
               </a:rPr>
-              <a:t>이 방식의 한계 </a:t>
+              <a:t>구간 트리에는 크게 </a:t>
             </a:r>
             <a:r>
               <a:rPr lang="en-US" altLang="ko-KR" dirty="0">
                 <a:latin typeface="맑은 고딕" panose="020B0503020000020004" pitchFamily="50" charset="-127"/>
                 <a:ea typeface="맑은 고딕" panose="020B0503020000020004" pitchFamily="50" charset="-127"/>
               </a:rPr>
-              <a:t>:</a:t>
-            </a:r>
-          </a:p>
-          <a:p>
+              <a:t>query, update</a:t>
+            </a:r>
             <a:r>
               <a:rPr lang="ko-KR" altLang="en-US" dirty="0">
                 <a:latin typeface="맑은 고딕" panose="020B0503020000020004" pitchFamily="50" charset="-127"/>
                 <a:ea typeface="맑은 고딕" panose="020B0503020000020004" pitchFamily="50" charset="-127"/>
               </a:rPr>
-              <a:t>노드의 개수 </a:t>
+              <a:t> </a:t>
             </a:r>
             <a:r>
               <a:rPr lang="en-US" altLang="ko-KR" dirty="0">
                 <a:latin typeface="맑은 고딕" panose="020B0503020000020004" pitchFamily="50" charset="-127"/>
                 <a:ea typeface="맑은 고딕" panose="020B0503020000020004" pitchFamily="50" charset="-127"/>
               </a:rPr>
-              <a:t>N</a:t>
+              <a:t>2</a:t>
             </a:r>
             <a:r>
               <a:rPr lang="ko-KR" altLang="en-US" dirty="0">
                 <a:latin typeface="맑은 고딕" panose="020B0503020000020004" pitchFamily="50" charset="-127"/>
                 <a:ea typeface="맑은 고딕" panose="020B0503020000020004" pitchFamily="50" charset="-127"/>
               </a:rPr>
-              <a:t>이 </a:t>
+              <a:t>가지의 함수가 있다</a:t>
             </a:r>
             <a:r>
               <a:rPr lang="en-US" altLang="ko-KR" dirty="0">
                 <a:latin typeface="맑은 고딕" panose="020B0503020000020004" pitchFamily="50" charset="-127"/>
                 <a:ea typeface="맑은 고딕" panose="020B0503020000020004" pitchFamily="50" charset="-127"/>
               </a:rPr>
-              <a:t>2*10^5 </a:t>
+              <a:t>.</a:t>
+            </a:r>
+          </a:p>
+          <a:p>
+            <a:r>
+              <a:rPr lang="en-US" altLang="ko-KR" dirty="0">
+                <a:latin typeface="맑은 고딕" panose="020B0503020000020004" pitchFamily="50" charset="-127"/>
+                <a:ea typeface="맑은 고딕" panose="020B0503020000020004" pitchFamily="50" charset="-127"/>
+              </a:rPr>
+              <a:t>Query</a:t>
             </a:r>
             <a:r>
               <a:rPr lang="ko-KR" altLang="en-US" dirty="0">
                 <a:latin typeface="맑은 고딕" panose="020B0503020000020004" pitchFamily="50" charset="-127"/>
                 <a:ea typeface="맑은 고딕" panose="020B0503020000020004" pitchFamily="50" charset="-127"/>
               </a:rPr>
-              <a:t>이고</a:t>
-            </a:r>
+              <a:t>는 원하는 정보를 얻는 것</a:t>
+            </a:r>
+            <a:endParaRPr lang="en-US" altLang="ko-KR" dirty="0">
+              <a:latin typeface="맑은 고딕" panose="020B0503020000020004" pitchFamily="50" charset="-127"/>
+              <a:ea typeface="맑은 고딕" panose="020B0503020000020004" pitchFamily="50" charset="-127"/>
+            </a:endParaRPr>
+          </a:p>
+          <a:p>
             <a:r>
               <a:rPr lang="en-US" altLang="ko-KR" dirty="0">
                 <a:latin typeface="맑은 고딕" panose="020B0503020000020004" pitchFamily="50" charset="-127"/>
                 <a:ea typeface="맑은 고딕" panose="020B0503020000020004" pitchFamily="50" charset="-127"/>
               </a:rPr>
-              <a:t>, 1&lt;=C&lt;=N. </a:t>
+              <a:t>Update</a:t>
             </a:r>
             <a:r>
               <a:rPr lang="ko-KR" altLang="en-US" dirty="0">
                 <a:latin typeface="맑은 고딕" panose="020B0503020000020004" pitchFamily="50" charset="-127"/>
                 <a:ea typeface="맑은 고딕" panose="020B0503020000020004" pitchFamily="50" charset="-127"/>
               </a:rPr>
-              <a:t>이를 저장할 캐쉬를 만들면 </a:t>
+              <a:t>는 노드에 값을 </a:t>
             </a:r>
             <a:r>
               <a:rPr lang="en-US" altLang="ko-KR" dirty="0">
                 <a:latin typeface="맑은 고딕" panose="020B0503020000020004" pitchFamily="50" charset="-127"/>
                 <a:ea typeface="맑은 고딕" panose="020B0503020000020004" pitchFamily="50" charset="-127"/>
               </a:rPr>
-              <a:t>(int</a:t>
+              <a:t>set </a:t>
             </a:r>
             <a:r>
               <a:rPr lang="ko-KR" altLang="en-US" dirty="0">
                 <a:latin typeface="맑은 고딕" panose="020B0503020000020004" pitchFamily="50" charset="-127"/>
                 <a:ea typeface="맑은 고딕" panose="020B0503020000020004" pitchFamily="50" charset="-127"/>
               </a:rPr>
-              <a:t>를 저장한다고 치면</a:t>
-            </a:r>
-            <a:r>
-              <a:rPr lang="en-US" altLang="ko-KR" dirty="0">
-                <a:latin typeface="맑은 고딕" panose="020B0503020000020004" pitchFamily="50" charset="-127"/>
-                <a:ea typeface="맑은 고딕" panose="020B0503020000020004" pitchFamily="50" charset="-127"/>
-              </a:rPr>
-              <a:t>)</a:t>
-            </a:r>
-            <a:br>
-              <a:rPr lang="en-US" altLang="ko-KR" dirty="0">
-                <a:latin typeface="맑은 고딕" panose="020B0503020000020004" pitchFamily="50" charset="-127"/>
-                <a:ea typeface="맑은 고딕" panose="020B0503020000020004" pitchFamily="50" charset="-127"/>
-              </a:rPr>
-            </a:br>
-            <a:r>
-              <a:rPr lang="ko-KR" altLang="en-US" dirty="0">
-                <a:latin typeface="맑은 고딕" panose="020B0503020000020004" pitchFamily="50" charset="-127"/>
-                <a:ea typeface="맑은 고딕" panose="020B0503020000020004" pitchFamily="50" charset="-127"/>
-              </a:rPr>
-              <a:t>최대 </a:t>
-            </a:r>
-            <a:r>
-              <a:rPr lang="en-US" altLang="ko-KR" dirty="0">
-                <a:latin typeface="맑은 고딕" panose="020B0503020000020004" pitchFamily="50" charset="-127"/>
-                <a:ea typeface="맑은 고딕" panose="020B0503020000020004" pitchFamily="50" charset="-127"/>
-              </a:rPr>
-              <a:t>8 * (2*10^5)^2 byte</a:t>
-            </a:r>
-            <a:r>
-              <a:rPr lang="ko-KR" altLang="en-US" dirty="0">
-                <a:latin typeface="맑은 고딕" panose="020B0503020000020004" pitchFamily="50" charset="-127"/>
-                <a:ea typeface="맑은 고딕" panose="020B0503020000020004" pitchFamily="50" charset="-127"/>
-              </a:rPr>
-              <a:t> </a:t>
-            </a:r>
-            <a:r>
-              <a:rPr lang="en-US" altLang="ko-KR" dirty="0">
-                <a:latin typeface="맑은 고딕" panose="020B0503020000020004" pitchFamily="50" charset="-127"/>
-                <a:ea typeface="맑은 고딕" panose="020B0503020000020004" pitchFamily="50" charset="-127"/>
-              </a:rPr>
-              <a:t>= 8 * 4*10^10 =</a:t>
-            </a:r>
-            <a:r>
-              <a:rPr lang="ko-KR" altLang="en-US" dirty="0">
-                <a:latin typeface="맑은 고딕" panose="020B0503020000020004" pitchFamily="50" charset="-127"/>
-                <a:ea typeface="맑은 고딕" panose="020B0503020000020004" pitchFamily="50" charset="-127"/>
-              </a:rPr>
-              <a:t> </a:t>
-            </a:r>
-            <a:r>
-              <a:rPr lang="en-US" altLang="ko-KR" dirty="0">
-                <a:latin typeface="맑은 고딕" panose="020B0503020000020004" pitchFamily="50" charset="-127"/>
-                <a:ea typeface="맑은 고딕" panose="020B0503020000020004" pitchFamily="50" charset="-127"/>
-              </a:rPr>
-              <a:t>32GB </a:t>
-            </a:r>
-            <a:r>
-              <a:rPr lang="ko-KR" altLang="en-US" dirty="0">
-                <a:latin typeface="맑은 고딕" panose="020B0503020000020004" pitchFamily="50" charset="-127"/>
-                <a:ea typeface="맑은 고딕" panose="020B0503020000020004" pitchFamily="50" charset="-127"/>
-              </a:rPr>
-              <a:t>이므로 메모리 초과</a:t>
-            </a:r>
-            <a:r>
-              <a:rPr lang="en-US" altLang="ko-KR" dirty="0">
-                <a:latin typeface="맑은 고딕" panose="020B0503020000020004" pitchFamily="50" charset="-127"/>
-                <a:ea typeface="맑은 고딕" panose="020B0503020000020004" pitchFamily="50" charset="-127"/>
-              </a:rPr>
-              <a:t>….</a:t>
-            </a:r>
+              <a:t>해주는 것</a:t>
+            </a:r>
+            <a:endParaRPr lang="en-US" altLang="ko-KR" dirty="0">
+              <a:latin typeface="맑은 고딕" panose="020B0503020000020004" pitchFamily="50" charset="-127"/>
+              <a:ea typeface="맑은 고딕" panose="020B0503020000020004" pitchFamily="50" charset="-127"/>
+            </a:endParaRPr>
           </a:p>
         </p:txBody>
       </p:sp>
     </p:spTree>
     <p:extLst>
       <p:ext uri="{BB962C8B-B14F-4D97-AF65-F5344CB8AC3E}">
-        <p14:creationId xmlns:p14="http://schemas.microsoft.com/office/powerpoint/2010/main" val="2958726178"/>
+        <p14:creationId xmlns:p14="http://schemas.microsoft.com/office/powerpoint/2010/main" val="679828195"/>
+      </p:ext>
+    </p:extLst>
+  </p:cSld>
+  <p:clrMapOvr>
+    <a:masterClrMapping/>
+  </p:clrMapOvr>
+</p:sld>
+</file>
+
+<file path=ppt/slides/slide15.xml><?xml version="1.0" encoding="utf-8"?>
+<p:sld xmlns:a="http://schemas.openxmlformats.org/drawingml/2006/main" xmlns:r="http://schemas.openxmlformats.org/officeDocument/2006/relationships" xmlns:p="http://schemas.openxmlformats.org/presentationml/2006/main">
+  <p:cSld>
+    <p:spTree>
+      <p:nvGrpSpPr>
+        <p:cNvPr id="1" name=""/>
+        <p:cNvGrpSpPr/>
+        <p:nvPr/>
+      </p:nvGrpSpPr>
+      <p:grpSpPr>
+        <a:xfrm>
+          <a:off x="0" y="0"/>
+          <a:ext cx="0" cy="0"/>
+          <a:chOff x="0" y="0"/>
+          <a:chExt cx="0" cy="0"/>
+        </a:xfrm>
+      </p:grpSpPr>
+      <p:sp>
+        <p:nvSpPr>
+          <p:cNvPr id="2" name="TextBox 1">
+            <a:extLst>
+              <a:ext uri="{FF2B5EF4-FFF2-40B4-BE49-F238E27FC236}">
+                <a16:creationId xmlns:a16="http://schemas.microsoft.com/office/drawing/2014/main" id="{C4B6CB22-E145-4F37-B059-F85A92646BF5}"/>
+              </a:ext>
+            </a:extLst>
+          </p:cNvPr>
+          <p:cNvSpPr txBox="1"/>
+          <p:nvPr/>
+        </p:nvSpPr>
+        <p:spPr>
+          <a:xfrm>
+            <a:off x="439645" y="887074"/>
+            <a:ext cx="11275207" cy="1477328"/>
+          </a:xfrm>
+          <a:prstGeom prst="rect">
+            <a:avLst/>
+          </a:prstGeom>
+          <a:noFill/>
+        </p:spPr>
+        <p:txBody>
+          <a:bodyPr wrap="square" rtlCol="0">
+            <a:spAutoFit/>
+          </a:bodyPr>
+          <a:lstStyle/>
+          <a:p>
+            <a:r>
+              <a:rPr lang="en-US" altLang="ko-KR" dirty="0"/>
+              <a:t>Heavy Light Decomposition </a:t>
+            </a:r>
+            <a:r>
+              <a:rPr lang="ko-KR" altLang="en-US" dirty="0"/>
+              <a:t>이란</a:t>
+            </a:r>
+            <a:r>
+              <a:rPr lang="en-US" altLang="ko-KR" dirty="0"/>
+              <a:t>?</a:t>
+            </a:r>
+          </a:p>
+          <a:p>
+            <a:endParaRPr lang="en-US" altLang="ko-KR" dirty="0"/>
+          </a:p>
+          <a:p>
+            <a:r>
+              <a:rPr lang="ko-KR" altLang="en-US" dirty="0">
+                <a:latin typeface="맑은 고딕" panose="020B0503020000020004" pitchFamily="50" charset="-127"/>
+                <a:ea typeface="맑은 고딕" panose="020B0503020000020004" pitchFamily="50" charset="-127"/>
+              </a:rPr>
+              <a:t>트리는 모양이 다양하다</a:t>
+            </a:r>
+            <a:r>
+              <a:rPr lang="en-US" altLang="ko-KR" dirty="0">
+                <a:latin typeface="맑은 고딕" panose="020B0503020000020004" pitchFamily="50" charset="-127"/>
+                <a:ea typeface="맑은 고딕" panose="020B0503020000020004" pitchFamily="50" charset="-127"/>
+              </a:rPr>
+              <a:t>. </a:t>
+            </a:r>
+            <a:r>
+              <a:rPr lang="ko-KR" altLang="en-US" dirty="0">
+                <a:latin typeface="맑은 고딕" panose="020B0503020000020004" pitchFamily="50" charset="-127"/>
+                <a:ea typeface="맑은 고딕" panose="020B0503020000020004" pitchFamily="50" charset="-127"/>
+              </a:rPr>
+              <a:t>이 다양한 모양의 트리를 몇 개의 일렬로 된 구간의 집합으로 나타내 주는 방법이 바로 </a:t>
+            </a:r>
+            <a:r>
+              <a:rPr lang="en-US" altLang="ko-KR" dirty="0">
+                <a:latin typeface="맑은 고딕" panose="020B0503020000020004" pitchFamily="50" charset="-127"/>
+                <a:ea typeface="맑은 고딕" panose="020B0503020000020004" pitchFamily="50" charset="-127"/>
+              </a:rPr>
+              <a:t>Heavy Light Decomposition</a:t>
+            </a:r>
+            <a:r>
+              <a:rPr lang="ko-KR" altLang="en-US" dirty="0">
+                <a:latin typeface="맑은 고딕" panose="020B0503020000020004" pitchFamily="50" charset="-127"/>
+                <a:ea typeface="맑은 고딕" panose="020B0503020000020004" pitchFamily="50" charset="-127"/>
+              </a:rPr>
+              <a:t>이다</a:t>
+            </a:r>
+            <a:r>
+              <a:rPr lang="en-US" altLang="ko-KR" dirty="0">
+                <a:latin typeface="맑은 고딕" panose="020B0503020000020004" pitchFamily="50" charset="-127"/>
+                <a:ea typeface="맑은 고딕" panose="020B0503020000020004" pitchFamily="50" charset="-127"/>
+              </a:rPr>
+              <a:t>. (</a:t>
+            </a:r>
+            <a:r>
+              <a:rPr lang="ko-KR" altLang="en-US" dirty="0">
+                <a:latin typeface="맑은 고딕" panose="020B0503020000020004" pitchFamily="50" charset="-127"/>
+                <a:ea typeface="맑은 고딕" panose="020B0503020000020004" pitchFamily="50" charset="-127"/>
+              </a:rPr>
+              <a:t>이렇게 하면 부분 트리에서 사용한 기법을 </a:t>
+            </a:r>
+            <a:r>
+              <a:rPr lang="en-US" altLang="ko-KR" dirty="0">
+                <a:latin typeface="맑은 고딕" panose="020B0503020000020004" pitchFamily="50" charset="-127"/>
+                <a:ea typeface="맑은 고딕" panose="020B0503020000020004" pitchFamily="50" charset="-127"/>
+              </a:rPr>
+              <a:t>2</a:t>
+            </a:r>
+            <a:r>
+              <a:rPr lang="ko-KR" altLang="en-US" dirty="0">
+                <a:latin typeface="맑은 고딕" panose="020B0503020000020004" pitchFamily="50" charset="-127"/>
+                <a:ea typeface="맑은 고딕" panose="020B0503020000020004" pitchFamily="50" charset="-127"/>
+              </a:rPr>
+              <a:t>진 트리가 아닌 트리에서 도 사용할 수 있음</a:t>
+            </a:r>
+            <a:r>
+              <a:rPr lang="en-US" altLang="ko-KR" dirty="0">
+                <a:latin typeface="맑은 고딕" panose="020B0503020000020004" pitchFamily="50" charset="-127"/>
+                <a:ea typeface="맑은 고딕" panose="020B0503020000020004" pitchFamily="50" charset="-127"/>
+              </a:rPr>
+              <a:t>, (linear</a:t>
+            </a:r>
+            <a:r>
+              <a:rPr lang="ko-KR" altLang="en-US" dirty="0">
+                <a:latin typeface="맑은 고딕" panose="020B0503020000020004" pitchFamily="50" charset="-127"/>
+                <a:ea typeface="맑은 고딕" panose="020B0503020000020004" pitchFamily="50" charset="-127"/>
+              </a:rPr>
+              <a:t> 한 접근이 가능해지므로</a:t>
+            </a:r>
+            <a:r>
+              <a:rPr lang="en-US" altLang="ko-KR" dirty="0">
+                <a:latin typeface="맑은 고딕" panose="020B0503020000020004" pitchFamily="50" charset="-127"/>
+                <a:ea typeface="맑은 고딕" panose="020B0503020000020004" pitchFamily="50" charset="-127"/>
+              </a:rPr>
+              <a:t>))</a:t>
+            </a:r>
+          </a:p>
+        </p:txBody>
+      </p:sp>
+      <p:pic>
+        <p:nvPicPr>
+          <p:cNvPr id="1026" name="Picture 2" descr="HL Decomposed Graph">
+            <a:extLst>
+              <a:ext uri="{FF2B5EF4-FFF2-40B4-BE49-F238E27FC236}">
+                <a16:creationId xmlns:a16="http://schemas.microsoft.com/office/drawing/2014/main" id="{B53BAC93-585A-42F3-BEB7-690A7BE24E44}"/>
+              </a:ext>
+            </a:extLst>
+          </p:cNvPr>
+          <p:cNvPicPr>
+            <a:picLocks noChangeAspect="1" noChangeArrowheads="1"/>
+          </p:cNvPicPr>
+          <p:nvPr/>
+        </p:nvPicPr>
+        <p:blipFill>
+          <a:blip r:embed="rId2">
+            <a:extLst>
+              <a:ext uri="{28A0092B-C50C-407E-A947-70E740481C1C}">
+                <a14:useLocalDpi xmlns:a14="http://schemas.microsoft.com/office/drawing/2010/main" val="0"/>
+              </a:ext>
+            </a:extLst>
+          </a:blip>
+          <a:srcRect/>
+          <a:stretch>
+            <a:fillRect/>
+          </a:stretch>
+        </p:blipFill>
+        <p:spPr bwMode="auto">
+          <a:xfrm>
+            <a:off x="439645" y="2194398"/>
+            <a:ext cx="5630565" cy="4449594"/>
+          </a:xfrm>
+          <a:prstGeom prst="rect">
+            <a:avLst/>
+          </a:prstGeom>
+          <a:noFill/>
+          <a:extLst>
+            <a:ext uri="{909E8E84-426E-40DD-AFC4-6F175D3DCCD1}">
+              <a14:hiddenFill xmlns:a14="http://schemas.microsoft.com/office/drawing/2010/main">
+                <a:solidFill>
+                  <a:srgbClr val="FFFFFF"/>
+                </a:solidFill>
+              </a14:hiddenFill>
+            </a:ext>
+          </a:extLst>
+        </p:spPr>
+      </p:pic>
+    </p:spTree>
+    <p:extLst>
+      <p:ext uri="{BB962C8B-B14F-4D97-AF65-F5344CB8AC3E}">
+        <p14:creationId xmlns:p14="http://schemas.microsoft.com/office/powerpoint/2010/main" val="5472760"/>
+      </p:ext>
+    </p:extLst>
+  </p:cSld>
+  <p:clrMapOvr>
+    <a:masterClrMapping/>
+  </p:clrMapOvr>
+</p:sld>
+</file>
+
+<file path=ppt/slides/slide16.xml><?xml version="1.0" encoding="utf-8"?>
+<p:sld xmlns:a="http://schemas.openxmlformats.org/drawingml/2006/main" xmlns:r="http://schemas.openxmlformats.org/officeDocument/2006/relationships" xmlns:p="http://schemas.openxmlformats.org/presentationml/2006/main">
+  <p:cSld>
+    <p:spTree>
+      <p:nvGrpSpPr>
+        <p:cNvPr id="1" name=""/>
+        <p:cNvGrpSpPr/>
+        <p:nvPr/>
+      </p:nvGrpSpPr>
+      <p:grpSpPr>
+        <a:xfrm>
+          <a:off x="0" y="0"/>
+          <a:ext cx="0" cy="0"/>
+          <a:chOff x="0" y="0"/>
+          <a:chExt cx="0" cy="0"/>
+        </a:xfrm>
+      </p:grpSpPr>
+      <p:sp>
+        <p:nvSpPr>
+          <p:cNvPr id="3" name="제목 2">
+            <a:extLst>
+              <a:ext uri="{FF2B5EF4-FFF2-40B4-BE49-F238E27FC236}">
+                <a16:creationId xmlns:a16="http://schemas.microsoft.com/office/drawing/2014/main" id="{1CE6CF81-7CE3-4946-9278-3F2322D3A00F}"/>
+              </a:ext>
+            </a:extLst>
+          </p:cNvPr>
+          <p:cNvSpPr>
+            <a:spLocks noGrp="1"/>
+          </p:cNvSpPr>
+          <p:nvPr>
+            <p:ph type="ctrTitle"/>
+          </p:nvPr>
+        </p:nvSpPr>
+        <p:spPr/>
+        <p:txBody>
+          <a:bodyPr/>
+          <a:lstStyle/>
+          <a:p>
+            <a:r>
+              <a:rPr lang="en-US" altLang="ko-KR" dirty="0"/>
+              <a:t>Appendix</a:t>
+            </a:r>
+            <a:endParaRPr lang="ko-KR" altLang="en-US" dirty="0"/>
+          </a:p>
+        </p:txBody>
+      </p:sp>
+      <p:sp>
+        <p:nvSpPr>
+          <p:cNvPr id="4" name="부제목 3">
+            <a:extLst>
+              <a:ext uri="{FF2B5EF4-FFF2-40B4-BE49-F238E27FC236}">
+                <a16:creationId xmlns:a16="http://schemas.microsoft.com/office/drawing/2014/main" id="{9588E39C-283B-4D56-84F3-80568A9AEF0A}"/>
+              </a:ext>
+            </a:extLst>
+          </p:cNvPr>
+          <p:cNvSpPr>
+            <a:spLocks noGrp="1"/>
+          </p:cNvSpPr>
+          <p:nvPr>
+            <p:ph type="subTitle" idx="1"/>
+          </p:nvPr>
+        </p:nvSpPr>
+        <p:spPr/>
+        <p:txBody>
+          <a:bodyPr/>
+          <a:lstStyle/>
+          <a:p>
+            <a:endParaRPr lang="ko-KR" altLang="en-US" dirty="0"/>
+          </a:p>
+        </p:txBody>
+      </p:sp>
+    </p:spTree>
+    <p:extLst>
+      <p:ext uri="{BB962C8B-B14F-4D97-AF65-F5344CB8AC3E}">
+        <p14:creationId xmlns:p14="http://schemas.microsoft.com/office/powerpoint/2010/main" val="1782888"/>
+      </p:ext>
+    </p:extLst>
+  </p:cSld>
+  <p:clrMapOvr>
+    <a:masterClrMapping/>
+  </p:clrMapOvr>
+</p:sld>
+</file>
+
+<file path=ppt/slides/slide17.xml><?xml version="1.0" encoding="utf-8"?>
+<p:sld xmlns:a="http://schemas.openxmlformats.org/drawingml/2006/main" xmlns:r="http://schemas.openxmlformats.org/officeDocument/2006/relationships" xmlns:p="http://schemas.openxmlformats.org/presentationml/2006/main">
+  <p:cSld>
+    <p:spTree>
+      <p:nvGrpSpPr>
+        <p:cNvPr id="1" name=""/>
+        <p:cNvGrpSpPr/>
+        <p:nvPr/>
+      </p:nvGrpSpPr>
+      <p:grpSpPr>
+        <a:xfrm>
+          <a:off x="0" y="0"/>
+          <a:ext cx="0" cy="0"/>
+          <a:chOff x="0" y="0"/>
+          <a:chExt cx="0" cy="0"/>
+        </a:xfrm>
+      </p:grpSpPr>
+      <p:sp>
+        <p:nvSpPr>
+          <p:cNvPr id="4" name="내용 개체 틀 3">
+            <a:extLst>
+              <a:ext uri="{FF2B5EF4-FFF2-40B4-BE49-F238E27FC236}">
+                <a16:creationId xmlns:a16="http://schemas.microsoft.com/office/drawing/2014/main" id="{A06DE2F0-806D-4951-AD8B-9A28FE7B946F}"/>
+              </a:ext>
+            </a:extLst>
+          </p:cNvPr>
+          <p:cNvSpPr>
+            <a:spLocks noGrp="1"/>
+          </p:cNvSpPr>
+          <p:nvPr>
+            <p:ph idx="1"/>
+          </p:nvPr>
+        </p:nvSpPr>
+        <p:spPr>
+          <a:xfrm>
+            <a:off x="466127" y="1606355"/>
+            <a:ext cx="6089616" cy="2825389"/>
+          </a:xfrm>
+          <a:prstGeom prst="rect">
+            <a:avLst/>
+          </a:prstGeom>
+        </p:spPr>
+        <p:txBody>
+          <a:bodyPr wrap="none">
+            <a:spAutoFit/>
+          </a:bodyPr>
+          <a:lstStyle/>
+          <a:p>
+            <a:pPr marL="0" indent="0">
+              <a:buNone/>
+            </a:pPr>
+            <a:r>
+              <a:rPr lang="en-US" altLang="ko-KR" dirty="0"/>
+              <a:t>UCPC </a:t>
+            </a:r>
+            <a:r>
+              <a:rPr lang="ko-KR" altLang="en-US" dirty="0"/>
+              <a:t>문제 출제자의 블로그</a:t>
+            </a:r>
+            <a:endParaRPr lang="en-US" altLang="ko-KR" dirty="0">
+              <a:hlinkClick r:id="rId2"/>
+            </a:endParaRPr>
+          </a:p>
+          <a:p>
+            <a:r>
+              <a:rPr lang="en-US" altLang="ko-KR" dirty="0">
+                <a:hlinkClick r:id="rId2"/>
+              </a:rPr>
+              <a:t>https://zigui.tistory.com/23</a:t>
+            </a:r>
+            <a:endParaRPr lang="en-US" altLang="ko-KR" dirty="0"/>
+          </a:p>
+          <a:p>
+            <a:pPr marL="0" indent="0">
+              <a:buNone/>
+            </a:pPr>
+            <a:r>
+              <a:rPr lang="ko-KR" altLang="en-US" dirty="0"/>
+              <a:t>문제 출제에 대한 아이디어</a:t>
+            </a:r>
+            <a:r>
+              <a:rPr lang="en-US" altLang="ko-KR" dirty="0"/>
+              <a:t>, </a:t>
+            </a:r>
+            <a:r>
+              <a:rPr lang="ko-KR" altLang="en-US" dirty="0"/>
+              <a:t>문제 맞춘 팀의 수 등을 알 수 있다</a:t>
+            </a:r>
+            <a:r>
+              <a:rPr lang="en-US" altLang="ko-KR" dirty="0"/>
+              <a:t>.</a:t>
+            </a:r>
+          </a:p>
+          <a:p>
+            <a:endParaRPr lang="en-US" altLang="ko-KR" dirty="0"/>
+          </a:p>
+          <a:p>
+            <a:pPr marL="0" indent="0">
+              <a:buNone/>
+            </a:pPr>
+            <a:r>
+              <a:rPr lang="en-US" altLang="ko-KR" dirty="0"/>
+              <a:t>Heavy-light decomposition </a:t>
+            </a:r>
+            <a:r>
+              <a:rPr lang="ko-KR" altLang="en-US" dirty="0"/>
+              <a:t>에 대한 상세한 설명</a:t>
+            </a:r>
+            <a:endParaRPr lang="en-US" altLang="ko-KR" dirty="0"/>
+          </a:p>
+          <a:p>
+            <a:r>
+              <a:rPr lang="en-US" altLang="ko-KR" dirty="0">
+                <a:hlinkClick r:id="rId3"/>
+              </a:rPr>
+              <a:t>http://theyearlyprophet.com/heavy-light-decomposition.html</a:t>
+            </a:r>
+            <a:endParaRPr lang="en-US" altLang="ko-KR" dirty="0"/>
+          </a:p>
+          <a:p>
+            <a:pPr marL="0" indent="0">
+              <a:buNone/>
+            </a:pPr>
+            <a:r>
+              <a:rPr lang="ko-KR" altLang="en-US" dirty="0" err="1"/>
+              <a:t>구종만씨</a:t>
+            </a:r>
+            <a:r>
+              <a:rPr lang="ko-KR" altLang="en-US" dirty="0"/>
+              <a:t> 블로그</a:t>
+            </a:r>
+            <a:r>
+              <a:rPr lang="en-US" altLang="ko-KR" dirty="0"/>
+              <a:t>(</a:t>
+            </a:r>
+            <a:r>
+              <a:rPr lang="ko-KR" altLang="en-US" dirty="0"/>
+              <a:t>대회로 푸는 알고리즘 저자</a:t>
+            </a:r>
+            <a:r>
+              <a:rPr lang="en-US" altLang="ko-KR"/>
+              <a:t>)</a:t>
+            </a:r>
+            <a:endParaRPr lang="en-US" altLang="ko-KR" dirty="0"/>
+          </a:p>
+        </p:txBody>
+      </p:sp>
+    </p:spTree>
+    <p:extLst>
+      <p:ext uri="{BB962C8B-B14F-4D97-AF65-F5344CB8AC3E}">
+        <p14:creationId xmlns:p14="http://schemas.microsoft.com/office/powerpoint/2010/main" val="3475904298"/>
       </p:ext>
     </p:extLst>
   </p:cSld>
@@ -6303,6 +9574,58 @@
           <a:xfrm>
             <a:off x="6405587" y="3217157"/>
             <a:ext cx="3806011" cy="1541554"/>
+          </a:xfrm>
+          <a:prstGeom prst="rect">
+            <a:avLst/>
+          </a:prstGeom>
+          <a:noFill/>
+          <a:ln>
+            <a:solidFill>
+              <a:srgbClr val="FF0000"/>
+            </a:solidFill>
+          </a:ln>
+        </p:spPr>
+        <p:style>
+          <a:lnRef idx="2">
+            <a:schemeClr val="accent1">
+              <a:shade val="50000"/>
+            </a:schemeClr>
+          </a:lnRef>
+          <a:fillRef idx="1">
+            <a:schemeClr val="accent1"/>
+          </a:fillRef>
+          <a:effectRef idx="0">
+            <a:schemeClr val="accent1"/>
+          </a:effectRef>
+          <a:fontRef idx="minor">
+            <a:schemeClr val="lt1"/>
+          </a:fontRef>
+        </p:style>
+        <p:txBody>
+          <a:bodyPr rtlCol="0" anchor="ctr"/>
+          <a:lstStyle/>
+          <a:p>
+            <a:pPr algn="ctr"/>
+            <a:endParaRPr lang="ko-KR" altLang="en-US"/>
+          </a:p>
+        </p:txBody>
+      </p:sp>
+      <p:sp>
+        <p:nvSpPr>
+          <p:cNvPr id="3" name="직사각형 2">
+            <a:extLst>
+              <a:ext uri="{FF2B5EF4-FFF2-40B4-BE49-F238E27FC236}">
+                <a16:creationId xmlns:a16="http://schemas.microsoft.com/office/drawing/2014/main" id="{42F79C22-FD30-46DA-B945-D2C8A08FB315}"/>
+              </a:ext>
+            </a:extLst>
+          </p:cNvPr>
+          <p:cNvSpPr/>
+          <p:nvPr/>
+        </p:nvSpPr>
+        <p:spPr>
+          <a:xfrm>
+            <a:off x="6662057" y="1502229"/>
+            <a:ext cx="1983922" cy="253092"/>
           </a:xfrm>
           <a:prstGeom prst="rect">
             <a:avLst/>
@@ -6773,7 +10096,7 @@
         <p:spPr>
           <a:xfrm>
             <a:off x="439645" y="887074"/>
-            <a:ext cx="11275207" cy="5078313"/>
+            <a:ext cx="11275207" cy="5632311"/>
           </a:xfrm>
           <a:prstGeom prst="rect">
             <a:avLst/>
@@ -7251,6 +10574,47 @@
                 <a:cs typeface="Malgun Gothic Semilight" panose="020B0502040204020203" pitchFamily="50" charset="-127"/>
               </a:rPr>
               <a:t>?</a:t>
+            </a:r>
+          </a:p>
+          <a:p>
+            <a:endParaRPr lang="en-US" altLang="ko-KR" dirty="0">
+              <a:latin typeface="Malgun Gothic Semilight" panose="020B0502040204020203" pitchFamily="50" charset="-127"/>
+              <a:ea typeface="Malgun Gothic Semilight" panose="020B0502040204020203" pitchFamily="50" charset="-127"/>
+              <a:cs typeface="Malgun Gothic Semilight" panose="020B0502040204020203" pitchFamily="50" charset="-127"/>
+            </a:endParaRPr>
+          </a:p>
+          <a:p>
+            <a:r>
+              <a:rPr lang="ko-KR" altLang="en-US" dirty="0">
+                <a:latin typeface="Malgun Gothic Semilight" panose="020B0502040204020203" pitchFamily="50" charset="-127"/>
+                <a:ea typeface="Malgun Gothic Semilight" panose="020B0502040204020203" pitchFamily="50" charset="-127"/>
+                <a:cs typeface="Malgun Gothic Semilight" panose="020B0502040204020203" pitchFamily="50" charset="-127"/>
+              </a:rPr>
+              <a:t>자료 구조를 </a:t>
+            </a:r>
+            <a:r>
+              <a:rPr lang="en-US" altLang="ko-KR" dirty="0">
+                <a:latin typeface="Malgun Gothic Semilight" panose="020B0502040204020203" pitchFamily="50" charset="-127"/>
+                <a:ea typeface="Malgun Gothic Semilight" panose="020B0502040204020203" pitchFamily="50" charset="-127"/>
+                <a:cs typeface="Malgun Gothic Semilight" panose="020B0502040204020203" pitchFamily="50" charset="-127"/>
+              </a:rPr>
+              <a:t>vector</a:t>
+            </a:r>
+            <a:r>
+              <a:rPr lang="ko-KR" altLang="en-US" dirty="0">
+                <a:latin typeface="Malgun Gothic Semilight" panose="020B0502040204020203" pitchFamily="50" charset="-127"/>
+                <a:ea typeface="Malgun Gothic Semilight" panose="020B0502040204020203" pitchFamily="50" charset="-127"/>
+                <a:cs typeface="Malgun Gothic Semilight" panose="020B0502040204020203" pitchFamily="50" charset="-127"/>
+              </a:rPr>
+              <a:t>로 하면 시간초과가 나오게 </a:t>
+            </a:r>
+            <a:r>
+              <a:rPr lang="ko-KR" altLang="en-US" dirty="0" err="1">
+                <a:latin typeface="Malgun Gothic Semilight" panose="020B0502040204020203" pitchFamily="50" charset="-127"/>
+                <a:ea typeface="Malgun Gothic Semilight" panose="020B0502040204020203" pitchFamily="50" charset="-127"/>
+                <a:cs typeface="Malgun Gothic Semilight" panose="020B0502040204020203" pitchFamily="50" charset="-127"/>
+              </a:rPr>
+              <a:t>된다ㅠ</a:t>
             </a:r>
             <a:endParaRPr lang="ko-KR" altLang="en-US" dirty="0">
               <a:latin typeface="Malgun Gothic Semilight" panose="020B0502040204020203" pitchFamily="50" charset="-127"/>
@@ -7274,6 +10638,516 @@
 </file>
 
 <file path=ppt/slides/slide7.xml><?xml version="1.0" encoding="utf-8"?>
+<p:sld xmlns:a="http://schemas.openxmlformats.org/drawingml/2006/main" xmlns:r="http://schemas.openxmlformats.org/officeDocument/2006/relationships" xmlns:p="http://schemas.openxmlformats.org/presentationml/2006/main">
+  <p:cSld>
+    <p:spTree>
+      <p:nvGrpSpPr>
+        <p:cNvPr id="1" name=""/>
+        <p:cNvGrpSpPr/>
+        <p:nvPr/>
+      </p:nvGrpSpPr>
+      <p:grpSpPr>
+        <a:xfrm>
+          <a:off x="0" y="0"/>
+          <a:ext cx="0" cy="0"/>
+          <a:chOff x="0" y="0"/>
+          <a:chExt cx="0" cy="0"/>
+        </a:xfrm>
+      </p:grpSpPr>
+      <p:sp>
+        <p:nvSpPr>
+          <p:cNvPr id="4" name="TextBox 3">
+            <a:extLst>
+              <a:ext uri="{FF2B5EF4-FFF2-40B4-BE49-F238E27FC236}">
+                <a16:creationId xmlns:a16="http://schemas.microsoft.com/office/drawing/2014/main" id="{657D1457-C129-40BF-B92C-3795D01EB23A}"/>
+              </a:ext>
+            </a:extLst>
+          </p:cNvPr>
+          <p:cNvSpPr txBox="1"/>
+          <p:nvPr/>
+        </p:nvSpPr>
+        <p:spPr>
+          <a:xfrm>
+            <a:off x="440444" y="742052"/>
+            <a:ext cx="11312708" cy="738664"/>
+          </a:xfrm>
+          <a:prstGeom prst="rect">
+            <a:avLst/>
+          </a:prstGeom>
+          <a:noFill/>
+        </p:spPr>
+        <p:txBody>
+          <a:bodyPr wrap="square" rtlCol="0">
+            <a:spAutoFit/>
+          </a:bodyPr>
+          <a:lstStyle/>
+          <a:p>
+            <a:r>
+              <a:rPr lang="en-US" altLang="ko-KR" sz="2400" dirty="0"/>
+              <a:t>15892 </a:t>
+            </a:r>
+            <a:r>
+              <a:rPr lang="ko-KR" altLang="en-US" sz="2400" dirty="0"/>
+              <a:t>사탕 줍는 로봇</a:t>
+            </a:r>
+            <a:r>
+              <a:rPr lang="en-US" altLang="ko-KR" sz="2400" dirty="0"/>
+              <a:t>                                                           </a:t>
+            </a:r>
+            <a:r>
+              <a:rPr lang="en-US" altLang="ko-KR" dirty="0">
+                <a:hlinkClick r:id="rId2"/>
+              </a:rPr>
+              <a:t>https://www.acmicpc.net/problem/</a:t>
+            </a:r>
+            <a:r>
+              <a:rPr lang="en-US" altLang="ko-KR" dirty="0"/>
+              <a:t>15892</a:t>
+            </a:r>
+            <a:endParaRPr lang="ko-KR" altLang="en-US" dirty="0"/>
+          </a:p>
+          <a:p>
+            <a:endParaRPr lang="ko-KR" altLang="en-US" dirty="0"/>
+          </a:p>
+        </p:txBody>
+      </p:sp>
+      <p:sp>
+        <p:nvSpPr>
+          <p:cNvPr id="5" name="TextBox 4">
+            <a:extLst>
+              <a:ext uri="{FF2B5EF4-FFF2-40B4-BE49-F238E27FC236}">
+                <a16:creationId xmlns:a16="http://schemas.microsoft.com/office/drawing/2014/main" id="{4C0004F9-9007-45E9-958D-0685EBD1B7D8}"/>
+              </a:ext>
+            </a:extLst>
+          </p:cNvPr>
+          <p:cNvSpPr txBox="1"/>
+          <p:nvPr/>
+        </p:nvSpPr>
+        <p:spPr>
+          <a:xfrm>
+            <a:off x="493106" y="1867099"/>
+            <a:ext cx="11260046" cy="1200329"/>
+          </a:xfrm>
+          <a:prstGeom prst="rect">
+            <a:avLst/>
+          </a:prstGeom>
+          <a:noFill/>
+        </p:spPr>
+        <p:txBody>
+          <a:bodyPr wrap="square" rtlCol="0">
+            <a:spAutoFit/>
+          </a:bodyPr>
+          <a:lstStyle/>
+          <a:p>
+            <a:r>
+              <a:rPr lang="ko-KR" altLang="en-US" b="1" dirty="0">
+                <a:latin typeface="Malgun Gothic Semilight" panose="020B0503020000020004" pitchFamily="34" charset="-127"/>
+                <a:ea typeface="Malgun Gothic Semilight" panose="020B0503020000020004" pitchFamily="34" charset="-127"/>
+                <a:cs typeface="Malgun Gothic Semilight" panose="020B0503020000020004" pitchFamily="34" charset="-127"/>
+              </a:rPr>
+              <a:t>문제의 요약 </a:t>
+            </a:r>
+            <a:r>
+              <a:rPr lang="en-US" altLang="ko-KR" b="1" dirty="0">
+                <a:latin typeface="Malgun Gothic Semilight" panose="020B0503020000020004" pitchFamily="34" charset="-127"/>
+                <a:ea typeface="Malgun Gothic Semilight" panose="020B0503020000020004" pitchFamily="34" charset="-127"/>
+                <a:cs typeface="Malgun Gothic Semilight" panose="020B0503020000020004" pitchFamily="34" charset="-127"/>
+              </a:rPr>
+              <a:t>:</a:t>
+            </a:r>
+          </a:p>
+          <a:p>
+            <a:endParaRPr lang="en-US" altLang="ko-KR" b="1" dirty="0">
+              <a:latin typeface="Malgun Gothic Semilight" panose="020B0503020000020004" pitchFamily="34" charset="-127"/>
+              <a:ea typeface="Malgun Gothic Semilight" panose="020B0503020000020004" pitchFamily="34" charset="-127"/>
+              <a:cs typeface="Malgun Gothic Semilight" panose="020B0503020000020004" pitchFamily="34" charset="-127"/>
+            </a:endParaRPr>
+          </a:p>
+          <a:p>
+            <a:r>
+              <a:rPr lang="en-US" altLang="ko-KR" b="1" dirty="0">
+                <a:latin typeface="Malgun Gothic Semilight" panose="020B0503020000020004" pitchFamily="34" charset="-127"/>
+                <a:ea typeface="Malgun Gothic Semilight" panose="020B0503020000020004" pitchFamily="34" charset="-127"/>
+                <a:cs typeface="Malgun Gothic Semilight" panose="020B0503020000020004" pitchFamily="34" charset="-127"/>
+              </a:rPr>
+              <a:t> 1</a:t>
+            </a:r>
+            <a:r>
+              <a:rPr lang="ko-KR" altLang="en-US" b="1" dirty="0">
+                <a:latin typeface="Malgun Gothic Semilight" panose="020B0503020000020004" pitchFamily="34" charset="-127"/>
+                <a:ea typeface="Malgun Gothic Semilight" panose="020B0503020000020004" pitchFamily="34" charset="-127"/>
+                <a:cs typeface="Malgun Gothic Semilight" panose="020B0503020000020004" pitchFamily="34" charset="-127"/>
+              </a:rPr>
+              <a:t>에서 </a:t>
+            </a:r>
+            <a:r>
+              <a:rPr lang="en-US" altLang="ko-KR" b="1" dirty="0">
+                <a:latin typeface="Malgun Gothic Semilight" panose="020B0503020000020004" pitchFamily="34" charset="-127"/>
+                <a:ea typeface="Malgun Gothic Semilight" panose="020B0503020000020004" pitchFamily="34" charset="-127"/>
+                <a:cs typeface="Malgun Gothic Semilight" panose="020B0503020000020004" pitchFamily="34" charset="-127"/>
+              </a:rPr>
+              <a:t>n</a:t>
+            </a:r>
+            <a:r>
+              <a:rPr lang="ko-KR" altLang="en-US" b="1" dirty="0">
+                <a:latin typeface="Malgun Gothic Semilight" panose="020B0503020000020004" pitchFamily="34" charset="-127"/>
+                <a:ea typeface="Malgun Gothic Semilight" panose="020B0503020000020004" pitchFamily="34" charset="-127"/>
+                <a:cs typeface="Malgun Gothic Semilight" panose="020B0503020000020004" pitchFamily="34" charset="-127"/>
+              </a:rPr>
+              <a:t>까지의 경로가 주어져 있다</a:t>
+            </a:r>
+            <a:r>
+              <a:rPr lang="en-US" altLang="ko-KR" b="1" dirty="0">
+                <a:latin typeface="Malgun Gothic Semilight" panose="020B0503020000020004" pitchFamily="34" charset="-127"/>
+                <a:ea typeface="Malgun Gothic Semilight" panose="020B0503020000020004" pitchFamily="34" charset="-127"/>
+                <a:cs typeface="Malgun Gothic Semilight" panose="020B0503020000020004" pitchFamily="34" charset="-127"/>
+              </a:rPr>
+              <a:t>. </a:t>
+            </a:r>
+            <a:r>
+              <a:rPr lang="ko-KR" altLang="en-US" b="1" dirty="0">
+                <a:latin typeface="Malgun Gothic Semilight" panose="020B0503020000020004" pitchFamily="34" charset="-127"/>
+                <a:ea typeface="Malgun Gothic Semilight" panose="020B0503020000020004" pitchFamily="34" charset="-127"/>
+                <a:cs typeface="Malgun Gothic Semilight" panose="020B0503020000020004" pitchFamily="34" charset="-127"/>
+              </a:rPr>
+              <a:t>하나의 길은 가중치</a:t>
+            </a:r>
+            <a:r>
+              <a:rPr lang="en-US" altLang="ko-KR" b="1" dirty="0">
+                <a:latin typeface="Malgun Gothic Semilight" panose="020B0503020000020004" pitchFamily="34" charset="-127"/>
+                <a:ea typeface="Malgun Gothic Semilight" panose="020B0503020000020004" pitchFamily="34" charset="-127"/>
+                <a:cs typeface="Malgun Gothic Semilight" panose="020B0503020000020004" pitchFamily="34" charset="-127"/>
+              </a:rPr>
+              <a:t>(</a:t>
+            </a:r>
+            <a:r>
+              <a:rPr lang="ko-KR" altLang="en-US" b="1" dirty="0">
+                <a:latin typeface="Malgun Gothic Semilight" panose="020B0503020000020004" pitchFamily="34" charset="-127"/>
+                <a:ea typeface="Malgun Gothic Semilight" panose="020B0503020000020004" pitchFamily="34" charset="-127"/>
+                <a:cs typeface="Malgun Gothic Semilight" panose="020B0503020000020004" pitchFamily="34" charset="-127"/>
+              </a:rPr>
+              <a:t>사탕의 개수</a:t>
+            </a:r>
+            <a:r>
+              <a:rPr lang="en-US" altLang="ko-KR" b="1" dirty="0">
+                <a:latin typeface="Malgun Gothic Semilight" panose="020B0503020000020004" pitchFamily="34" charset="-127"/>
+                <a:ea typeface="Malgun Gothic Semilight" panose="020B0503020000020004" pitchFamily="34" charset="-127"/>
+                <a:cs typeface="Malgun Gothic Semilight" panose="020B0503020000020004" pitchFamily="34" charset="-127"/>
+              </a:rPr>
+              <a:t>)</a:t>
+            </a:r>
+            <a:r>
+              <a:rPr lang="ko-KR" altLang="en-US" b="1" dirty="0">
+                <a:latin typeface="Malgun Gothic Semilight" panose="020B0503020000020004" pitchFamily="34" charset="-127"/>
+                <a:ea typeface="Malgun Gothic Semilight" panose="020B0503020000020004" pitchFamily="34" charset="-127"/>
+                <a:cs typeface="Malgun Gothic Semilight" panose="020B0503020000020004" pitchFamily="34" charset="-127"/>
+              </a:rPr>
+              <a:t> 까지 지날 수 있다</a:t>
+            </a:r>
+            <a:r>
+              <a:rPr lang="en-US" altLang="ko-KR" b="1" dirty="0">
+                <a:latin typeface="Malgun Gothic Semilight" panose="020B0503020000020004" pitchFamily="34" charset="-127"/>
+                <a:ea typeface="Malgun Gothic Semilight" panose="020B0503020000020004" pitchFamily="34" charset="-127"/>
+                <a:cs typeface="Malgun Gothic Semilight" panose="020B0503020000020004" pitchFamily="34" charset="-127"/>
+              </a:rPr>
+              <a:t>. 1</a:t>
+            </a:r>
+            <a:r>
+              <a:rPr lang="ko-KR" altLang="en-US" b="1" dirty="0">
+                <a:latin typeface="Malgun Gothic Semilight" panose="020B0503020000020004" pitchFamily="34" charset="-127"/>
+                <a:ea typeface="Malgun Gothic Semilight" panose="020B0503020000020004" pitchFamily="34" charset="-127"/>
+                <a:cs typeface="Malgun Gothic Semilight" panose="020B0503020000020004" pitchFamily="34" charset="-127"/>
+              </a:rPr>
+              <a:t>에서 </a:t>
+            </a:r>
+            <a:r>
+              <a:rPr lang="en-US" altLang="ko-KR" b="1" dirty="0">
+                <a:latin typeface="Malgun Gothic Semilight" panose="020B0503020000020004" pitchFamily="34" charset="-127"/>
+                <a:ea typeface="Malgun Gothic Semilight" panose="020B0503020000020004" pitchFamily="34" charset="-127"/>
+                <a:cs typeface="Malgun Gothic Semilight" panose="020B0503020000020004" pitchFamily="34" charset="-127"/>
+              </a:rPr>
+              <a:t>n </a:t>
+            </a:r>
+            <a:r>
+              <a:rPr lang="ko-KR" altLang="en-US" b="1" dirty="0">
+                <a:latin typeface="Malgun Gothic Semilight" panose="020B0503020000020004" pitchFamily="34" charset="-127"/>
+                <a:ea typeface="Malgun Gothic Semilight" panose="020B0503020000020004" pitchFamily="34" charset="-127"/>
+                <a:cs typeface="Malgun Gothic Semilight" panose="020B0503020000020004" pitchFamily="34" charset="-127"/>
+              </a:rPr>
+              <a:t>까지 갈 수 있는 최대치를 출력하라</a:t>
+            </a:r>
+            <a:r>
+              <a:rPr lang="en-US" altLang="ko-KR" b="1" dirty="0">
+                <a:latin typeface="Malgun Gothic Semilight" panose="020B0503020000020004" pitchFamily="34" charset="-127"/>
+                <a:ea typeface="Malgun Gothic Semilight" panose="020B0503020000020004" pitchFamily="34" charset="-127"/>
+                <a:cs typeface="Malgun Gothic Semilight" panose="020B0503020000020004" pitchFamily="34" charset="-127"/>
+              </a:rPr>
+              <a:t>.</a:t>
+            </a:r>
+          </a:p>
+        </p:txBody>
+      </p:sp>
+    </p:spTree>
+    <p:extLst>
+      <p:ext uri="{BB962C8B-B14F-4D97-AF65-F5344CB8AC3E}">
+        <p14:creationId xmlns:p14="http://schemas.microsoft.com/office/powerpoint/2010/main" val="663014036"/>
+      </p:ext>
+    </p:extLst>
+  </p:cSld>
+  <p:clrMapOvr>
+    <a:masterClrMapping/>
+  </p:clrMapOvr>
+</p:sld>
+</file>
+
+<file path=ppt/slides/slide8.xml><?xml version="1.0" encoding="utf-8"?>
+<p:sld xmlns:a="http://schemas.openxmlformats.org/drawingml/2006/main" xmlns:r="http://schemas.openxmlformats.org/officeDocument/2006/relationships" xmlns:p="http://schemas.openxmlformats.org/presentationml/2006/main">
+  <p:cSld>
+    <p:spTree>
+      <p:nvGrpSpPr>
+        <p:cNvPr id="1" name=""/>
+        <p:cNvGrpSpPr/>
+        <p:nvPr/>
+      </p:nvGrpSpPr>
+      <p:grpSpPr>
+        <a:xfrm>
+          <a:off x="0" y="0"/>
+          <a:ext cx="0" cy="0"/>
+          <a:chOff x="0" y="0"/>
+          <a:chExt cx="0" cy="0"/>
+        </a:xfrm>
+      </p:grpSpPr>
+      <p:sp>
+        <p:nvSpPr>
+          <p:cNvPr id="4" name="TextBox 3">
+            <a:extLst>
+              <a:ext uri="{FF2B5EF4-FFF2-40B4-BE49-F238E27FC236}">
+                <a16:creationId xmlns:a16="http://schemas.microsoft.com/office/drawing/2014/main" id="{867A7A21-87C6-415F-8954-4CE0C99FC6CC}"/>
+              </a:ext>
+            </a:extLst>
+          </p:cNvPr>
+          <p:cNvSpPr txBox="1"/>
+          <p:nvPr/>
+        </p:nvSpPr>
+        <p:spPr>
+          <a:xfrm>
+            <a:off x="439646" y="0"/>
+            <a:ext cx="11312708" cy="830997"/>
+          </a:xfrm>
+          <a:prstGeom prst="rect">
+            <a:avLst/>
+          </a:prstGeom>
+          <a:noFill/>
+        </p:spPr>
+        <p:txBody>
+          <a:bodyPr wrap="square" rtlCol="0">
+            <a:spAutoFit/>
+          </a:bodyPr>
+          <a:lstStyle/>
+          <a:p>
+            <a:r>
+              <a:rPr lang="en-US" altLang="ko-KR" sz="2400" dirty="0"/>
+              <a:t>15892 </a:t>
+            </a:r>
+            <a:r>
+              <a:rPr lang="ko-KR" altLang="en-US" sz="2400" dirty="0"/>
+              <a:t>사탕 줍는 로봇</a:t>
+            </a:r>
+            <a:r>
+              <a:rPr lang="en-US" altLang="ko-KR" sz="2400" dirty="0"/>
+              <a:t>                                            </a:t>
+            </a:r>
+            <a:r>
+              <a:rPr lang="en-US" altLang="ko-KR" sz="2400" dirty="0">
+                <a:hlinkClick r:id="rId2"/>
+              </a:rPr>
+              <a:t>https://www.acmicpc.net/problem/</a:t>
+            </a:r>
+            <a:r>
+              <a:rPr lang="en-US" altLang="ko-KR" sz="2400" dirty="0"/>
+              <a:t>15892</a:t>
+            </a:r>
+            <a:endParaRPr lang="ko-KR" altLang="en-US" sz="2400" dirty="0"/>
+          </a:p>
+          <a:p>
+            <a:endParaRPr lang="ko-KR" altLang="en-US" sz="2400" dirty="0"/>
+          </a:p>
+        </p:txBody>
+      </p:sp>
+      <p:sp>
+        <p:nvSpPr>
+          <p:cNvPr id="6" name="TextBox 5">
+            <a:extLst>
+              <a:ext uri="{FF2B5EF4-FFF2-40B4-BE49-F238E27FC236}">
+                <a16:creationId xmlns:a16="http://schemas.microsoft.com/office/drawing/2014/main" id="{74E49943-A862-4C93-828B-C6EA6C787219}"/>
+              </a:ext>
+            </a:extLst>
+          </p:cNvPr>
+          <p:cNvSpPr txBox="1"/>
+          <p:nvPr/>
+        </p:nvSpPr>
+        <p:spPr>
+          <a:xfrm>
+            <a:off x="439645" y="887074"/>
+            <a:ext cx="11275207" cy="1200329"/>
+          </a:xfrm>
+          <a:prstGeom prst="rect">
+            <a:avLst/>
+          </a:prstGeom>
+          <a:noFill/>
+        </p:spPr>
+        <p:txBody>
+          <a:bodyPr wrap="square" rtlCol="0">
+            <a:spAutoFit/>
+          </a:bodyPr>
+          <a:lstStyle/>
+          <a:p>
+            <a:r>
+              <a:rPr lang="ko-KR" altLang="en-US" dirty="0"/>
+              <a:t>풀이 아이디어 </a:t>
+            </a:r>
+            <a:r>
+              <a:rPr lang="en-US" altLang="ko-KR" dirty="0"/>
+              <a:t>: </a:t>
+            </a:r>
+          </a:p>
+          <a:p>
+            <a:endParaRPr lang="en-US" altLang="ko-KR" dirty="0"/>
+          </a:p>
+          <a:p>
+            <a:r>
+              <a:rPr lang="en-US" altLang="ko-KR" dirty="0">
+                <a:latin typeface="맑은 고딕" panose="020B0503020000020004" pitchFamily="50" charset="-127"/>
+                <a:ea typeface="맑은 고딕" panose="020B0503020000020004" pitchFamily="50" charset="-127"/>
+              </a:rPr>
+              <a:t>1</a:t>
+            </a:r>
+            <a:r>
+              <a:rPr lang="ko-KR" altLang="en-US" dirty="0">
+                <a:latin typeface="맑은 고딕" panose="020B0503020000020004" pitchFamily="50" charset="-127"/>
+                <a:ea typeface="맑은 고딕" panose="020B0503020000020004" pitchFamily="50" charset="-127"/>
+              </a:rPr>
+              <a:t>에서 </a:t>
+            </a:r>
+            <a:r>
+              <a:rPr lang="en-US" altLang="ko-KR" dirty="0">
+                <a:latin typeface="맑은 고딕" panose="020B0503020000020004" pitchFamily="50" charset="-127"/>
+                <a:ea typeface="맑은 고딕" panose="020B0503020000020004" pitchFamily="50" charset="-127"/>
+              </a:rPr>
+              <a:t>n</a:t>
+            </a:r>
+            <a:r>
+              <a:rPr lang="ko-KR" altLang="en-US" dirty="0">
+                <a:latin typeface="맑은 고딕" panose="020B0503020000020004" pitchFamily="50" charset="-127"/>
+                <a:ea typeface="맑은 고딕" panose="020B0503020000020004" pitchFamily="50" charset="-127"/>
+              </a:rPr>
+              <a:t>으로 가는 모든 경로를 탐색하면서</a:t>
+            </a:r>
+            <a:r>
+              <a:rPr lang="en-US" altLang="ko-KR" dirty="0">
+                <a:latin typeface="맑은 고딕" panose="020B0503020000020004" pitchFamily="50" charset="-127"/>
+                <a:ea typeface="맑은 고딕" panose="020B0503020000020004" pitchFamily="50" charset="-127"/>
+              </a:rPr>
+              <a:t>(by</a:t>
+            </a:r>
+            <a:r>
+              <a:rPr lang="ko-KR" altLang="en-US" dirty="0">
+                <a:latin typeface="맑은 고딕" panose="020B0503020000020004" pitchFamily="50" charset="-127"/>
+                <a:ea typeface="맑은 고딕" panose="020B0503020000020004" pitchFamily="50" charset="-127"/>
+              </a:rPr>
+              <a:t> </a:t>
+            </a:r>
+            <a:r>
+              <a:rPr lang="en-US" altLang="ko-KR" dirty="0" err="1">
+                <a:latin typeface="맑은 고딕" panose="020B0503020000020004" pitchFamily="50" charset="-127"/>
+                <a:ea typeface="맑은 고딕" panose="020B0503020000020004" pitchFamily="50" charset="-127"/>
+              </a:rPr>
+              <a:t>dfs</a:t>
+            </a:r>
+            <a:r>
+              <a:rPr lang="en-US" altLang="ko-KR" dirty="0">
+                <a:latin typeface="맑은 고딕" panose="020B0503020000020004" pitchFamily="50" charset="-127"/>
+                <a:ea typeface="맑은 고딕" panose="020B0503020000020004" pitchFamily="50" charset="-127"/>
+              </a:rPr>
+              <a:t>)</a:t>
+            </a:r>
+            <a:r>
+              <a:rPr lang="ko-KR" altLang="en-US" dirty="0">
+                <a:latin typeface="맑은 고딕" panose="020B0503020000020004" pitchFamily="50" charset="-127"/>
+                <a:ea typeface="맑은 고딕" panose="020B0503020000020004" pitchFamily="50" charset="-127"/>
+              </a:rPr>
+              <a:t> </a:t>
+            </a:r>
+            <a:r>
+              <a:rPr lang="en-US" altLang="ko-KR" dirty="0">
+                <a:latin typeface="맑은 고딕" panose="020B0503020000020004" pitchFamily="50" charset="-127"/>
+                <a:ea typeface="맑은 고딕" panose="020B0503020000020004" pitchFamily="50" charset="-127"/>
+              </a:rPr>
+              <a:t>n</a:t>
+            </a:r>
+            <a:r>
+              <a:rPr lang="ko-KR" altLang="en-US" dirty="0">
+                <a:latin typeface="맑은 고딕" panose="020B0503020000020004" pitchFamily="50" charset="-127"/>
+                <a:ea typeface="맑은 고딕" panose="020B0503020000020004" pitchFamily="50" charset="-127"/>
+              </a:rPr>
+              <a:t>에 도착하면 경로의 최소 가중치를 </a:t>
+            </a:r>
+            <a:r>
+              <a:rPr lang="ko-KR" altLang="en-US" dirty="0" err="1">
+                <a:latin typeface="맑은 고딕" panose="020B0503020000020004" pitchFamily="50" charset="-127"/>
+                <a:ea typeface="맑은 고딕" panose="020B0503020000020004" pitchFamily="50" charset="-127"/>
+              </a:rPr>
+              <a:t>빼준다</a:t>
+            </a:r>
+            <a:r>
+              <a:rPr lang="en-US" altLang="ko-KR" dirty="0">
+                <a:latin typeface="맑은 고딕" panose="020B0503020000020004" pitchFamily="50" charset="-127"/>
+                <a:ea typeface="맑은 고딕" panose="020B0503020000020004" pitchFamily="50" charset="-127"/>
+              </a:rPr>
+              <a:t>. (</a:t>
+            </a:r>
+            <a:r>
+              <a:rPr lang="ko-KR" altLang="en-US" dirty="0">
+                <a:latin typeface="맑은 고딕" panose="020B0503020000020004" pitchFamily="50" charset="-127"/>
+                <a:ea typeface="맑은 고딕" panose="020B0503020000020004" pitchFamily="50" charset="-127"/>
+              </a:rPr>
+              <a:t>그리고 그 최소 가중치를 계속 더해가면서 마지막에 출력한다</a:t>
+            </a:r>
+            <a:r>
+              <a:rPr lang="en-US" altLang="ko-KR" dirty="0">
+                <a:latin typeface="맑은 고딕" panose="020B0503020000020004" pitchFamily="50" charset="-127"/>
+                <a:ea typeface="맑은 고딕" panose="020B0503020000020004" pitchFamily="50" charset="-127"/>
+              </a:rPr>
+              <a:t>.</a:t>
+            </a:r>
+            <a:r>
+              <a:rPr lang="ko-KR" altLang="en-US" dirty="0">
+                <a:latin typeface="맑은 고딕" panose="020B0503020000020004" pitchFamily="50" charset="-127"/>
+                <a:ea typeface="맑은 고딕" panose="020B0503020000020004" pitchFamily="50" charset="-127"/>
+              </a:rPr>
+              <a:t> </a:t>
+            </a:r>
+            <a:endParaRPr lang="en-US" altLang="ko-KR" dirty="0">
+              <a:latin typeface="맑은 고딕" panose="020B0503020000020004" pitchFamily="50" charset="-127"/>
+              <a:ea typeface="맑은 고딕" panose="020B0503020000020004" pitchFamily="50" charset="-127"/>
+            </a:endParaRPr>
+          </a:p>
+        </p:txBody>
+      </p:sp>
+    </p:spTree>
+    <p:extLst>
+      <p:ext uri="{BB962C8B-B14F-4D97-AF65-F5344CB8AC3E}">
+        <p14:creationId xmlns:p14="http://schemas.microsoft.com/office/powerpoint/2010/main" val="2428340279"/>
+      </p:ext>
+    </p:extLst>
+  </p:cSld>
+  <p:clrMapOvr>
+    <a:masterClrMapping/>
+  </p:clrMapOvr>
+</p:sld>
+</file>
+
+<file path=ppt/slides/slide9.xml><?xml version="1.0" encoding="utf-8"?>
 <p:sld xmlns:a="http://schemas.openxmlformats.org/drawingml/2006/main" xmlns:r="http://schemas.openxmlformats.org/officeDocument/2006/relationships" xmlns:p="http://schemas.openxmlformats.org/presentationml/2006/main">
   <p:cSld>
     <p:spTree>
@@ -7846,1812 +11720,6 @@
     <p:extLst>
       <p:ext uri="{BB962C8B-B14F-4D97-AF65-F5344CB8AC3E}">
         <p14:creationId xmlns:p14="http://schemas.microsoft.com/office/powerpoint/2010/main" val="1160822054"/>
-      </p:ext>
-    </p:extLst>
-  </p:cSld>
-  <p:clrMapOvr>
-    <a:masterClrMapping/>
-  </p:clrMapOvr>
-</p:sld>
-</file>
-
-<file path=ppt/slides/slide8.xml><?xml version="1.0" encoding="utf-8"?>
-<p:sld xmlns:a="http://schemas.openxmlformats.org/drawingml/2006/main" xmlns:r="http://schemas.openxmlformats.org/officeDocument/2006/relationships" xmlns:p="http://schemas.openxmlformats.org/presentationml/2006/main">
-  <p:cSld>
-    <p:spTree>
-      <p:nvGrpSpPr>
-        <p:cNvPr id="1" name=""/>
-        <p:cNvGrpSpPr/>
-        <p:nvPr/>
-      </p:nvGrpSpPr>
-      <p:grpSpPr>
-        <a:xfrm>
-          <a:off x="0" y="0"/>
-          <a:ext cx="0" cy="0"/>
-          <a:chOff x="0" y="0"/>
-          <a:chExt cx="0" cy="0"/>
-        </a:xfrm>
-      </p:grpSpPr>
-      <p:sp>
-        <p:nvSpPr>
-          <p:cNvPr id="4" name="TextBox 3">
-            <a:extLst>
-              <a:ext uri="{FF2B5EF4-FFF2-40B4-BE49-F238E27FC236}">
-                <a16:creationId xmlns:a16="http://schemas.microsoft.com/office/drawing/2014/main" id="{867A7A21-87C6-415F-8954-4CE0C99FC6CC}"/>
-              </a:ext>
-            </a:extLst>
-          </p:cNvPr>
-          <p:cNvSpPr txBox="1"/>
-          <p:nvPr/>
-        </p:nvSpPr>
-        <p:spPr>
-          <a:xfrm>
-            <a:off x="439646" y="0"/>
-            <a:ext cx="11312708" cy="461665"/>
-          </a:xfrm>
-          <a:prstGeom prst="rect">
-            <a:avLst/>
-          </a:prstGeom>
-          <a:noFill/>
-        </p:spPr>
-        <p:txBody>
-          <a:bodyPr wrap="square" rtlCol="0">
-            <a:spAutoFit/>
-          </a:bodyPr>
-          <a:lstStyle/>
-          <a:p>
-            <a:r>
-              <a:rPr lang="en-US" altLang="ko-KR" sz="2400" dirty="0"/>
-              <a:t>15899 </a:t>
-            </a:r>
-            <a:r>
-              <a:rPr lang="ko-KR" altLang="en-US" sz="2400" dirty="0"/>
-              <a:t>트리와 색깔</a:t>
-            </a:r>
-          </a:p>
-        </p:txBody>
-      </p:sp>
-      <p:sp>
-        <p:nvSpPr>
-          <p:cNvPr id="6" name="TextBox 5">
-            <a:extLst>
-              <a:ext uri="{FF2B5EF4-FFF2-40B4-BE49-F238E27FC236}">
-                <a16:creationId xmlns:a16="http://schemas.microsoft.com/office/drawing/2014/main" id="{74E49943-A862-4C93-828B-C6EA6C787219}"/>
-              </a:ext>
-            </a:extLst>
-          </p:cNvPr>
-          <p:cNvSpPr txBox="1"/>
-          <p:nvPr/>
-        </p:nvSpPr>
-        <p:spPr>
-          <a:xfrm>
-            <a:off x="439645" y="887074"/>
-            <a:ext cx="11275207" cy="1200329"/>
-          </a:xfrm>
-          <a:prstGeom prst="rect">
-            <a:avLst/>
-          </a:prstGeom>
-          <a:noFill/>
-        </p:spPr>
-        <p:txBody>
-          <a:bodyPr wrap="square" rtlCol="0">
-            <a:spAutoFit/>
-          </a:bodyPr>
-          <a:lstStyle/>
-          <a:p>
-            <a:r>
-              <a:rPr lang="ko-KR" altLang="en-US" dirty="0"/>
-              <a:t>풀이 아이디어 </a:t>
-            </a:r>
-            <a:r>
-              <a:rPr lang="en-US" altLang="ko-KR" dirty="0"/>
-              <a:t>: </a:t>
-            </a:r>
-          </a:p>
-          <a:p>
-            <a:endParaRPr lang="en-US" altLang="ko-KR" dirty="0"/>
-          </a:p>
-          <a:p>
-            <a:r>
-              <a:rPr lang="ko-KR" altLang="en-US" dirty="0">
-                <a:latin typeface="맑은 고딕" panose="020B0503020000020004" pitchFamily="50" charset="-127"/>
-                <a:ea typeface="맑은 고딕" panose="020B0503020000020004" pitchFamily="50" charset="-127"/>
-              </a:rPr>
-              <a:t>처음 떠오른 아이디어는 다이나믹 프로그래밍으로 푸는 것이었다</a:t>
-            </a:r>
-            <a:r>
-              <a:rPr lang="en-US" altLang="ko-KR" dirty="0">
-                <a:latin typeface="맑은 고딕" panose="020B0503020000020004" pitchFamily="50" charset="-127"/>
-                <a:ea typeface="맑은 고딕" panose="020B0503020000020004" pitchFamily="50" charset="-127"/>
-              </a:rPr>
-              <a:t>. </a:t>
-            </a:r>
-            <a:r>
-              <a:rPr lang="ko-KR" altLang="en-US" dirty="0">
-                <a:latin typeface="맑은 고딕" panose="020B0503020000020004" pitchFamily="50" charset="-127"/>
-                <a:ea typeface="맑은 고딕" panose="020B0503020000020004" pitchFamily="50" charset="-127"/>
-              </a:rPr>
-              <a:t>노드 구조체를 정의하고</a:t>
-            </a:r>
-            <a:r>
-              <a:rPr lang="en-US" altLang="ko-KR" dirty="0">
-                <a:latin typeface="맑은 고딕" panose="020B0503020000020004" pitchFamily="50" charset="-127"/>
-                <a:ea typeface="맑은 고딕" panose="020B0503020000020004" pitchFamily="50" charset="-127"/>
-              </a:rPr>
-              <a:t>, </a:t>
-            </a:r>
-            <a:r>
-              <a:rPr lang="ko-KR" altLang="en-US" dirty="0">
-                <a:latin typeface="맑은 고딕" panose="020B0503020000020004" pitchFamily="50" charset="-127"/>
-                <a:ea typeface="맑은 고딕" panose="020B0503020000020004" pitchFamily="50" charset="-127"/>
-              </a:rPr>
-              <a:t>트리 구조를 </a:t>
-            </a:r>
-            <a:r>
-              <a:rPr lang="ko-KR" altLang="en-US" dirty="0" err="1">
-                <a:latin typeface="맑은 고딕" panose="020B0503020000020004" pitchFamily="50" charset="-127"/>
-                <a:ea typeface="맑은 고딕" panose="020B0503020000020004" pitchFamily="50" charset="-127"/>
-              </a:rPr>
-              <a:t>링크드</a:t>
-            </a:r>
-            <a:r>
-              <a:rPr lang="ko-KR" altLang="en-US" dirty="0">
-                <a:latin typeface="맑은 고딕" panose="020B0503020000020004" pitchFamily="50" charset="-127"/>
-                <a:ea typeface="맑은 고딕" panose="020B0503020000020004" pitchFamily="50" charset="-127"/>
-              </a:rPr>
-              <a:t> 리스트로 만든 다음에 </a:t>
-            </a:r>
-            <a:r>
-              <a:rPr lang="en-US" altLang="ko-KR" dirty="0" err="1">
-                <a:latin typeface="맑은 고딕" panose="020B0503020000020004" pitchFamily="50" charset="-127"/>
-                <a:ea typeface="맑은 고딕" panose="020B0503020000020004" pitchFamily="50" charset="-127"/>
-              </a:rPr>
-              <a:t>dfs</a:t>
-            </a:r>
-            <a:r>
-              <a:rPr lang="ko-KR" altLang="en-US" dirty="0">
-                <a:latin typeface="맑은 고딕" panose="020B0503020000020004" pitchFamily="50" charset="-127"/>
-                <a:ea typeface="맑은 고딕" panose="020B0503020000020004" pitchFamily="50" charset="-127"/>
-              </a:rPr>
-              <a:t>로 탐색하며 풀기</a:t>
-            </a:r>
-            <a:r>
-              <a:rPr lang="en-US" altLang="ko-KR" dirty="0">
-                <a:latin typeface="맑은 고딕" panose="020B0503020000020004" pitchFamily="50" charset="-127"/>
-                <a:ea typeface="맑은 고딕" panose="020B0503020000020004" pitchFamily="50" charset="-127"/>
-              </a:rPr>
-              <a:t>!</a:t>
-            </a:r>
-          </a:p>
-        </p:txBody>
-      </p:sp>
-    </p:spTree>
-    <p:extLst>
-      <p:ext uri="{BB962C8B-B14F-4D97-AF65-F5344CB8AC3E}">
-        <p14:creationId xmlns:p14="http://schemas.microsoft.com/office/powerpoint/2010/main" val="2712414369"/>
-      </p:ext>
-    </p:extLst>
-  </p:cSld>
-  <p:clrMapOvr>
-    <a:masterClrMapping/>
-  </p:clrMapOvr>
-</p:sld>
-</file>
-
-<file path=ppt/slides/slide9.xml><?xml version="1.0" encoding="utf-8"?>
-<p:sld xmlns:a="http://schemas.openxmlformats.org/drawingml/2006/main" xmlns:r="http://schemas.openxmlformats.org/officeDocument/2006/relationships" xmlns:p="http://schemas.openxmlformats.org/presentationml/2006/main">
-  <p:cSld>
-    <p:spTree>
-      <p:nvGrpSpPr>
-        <p:cNvPr id="1" name=""/>
-        <p:cNvGrpSpPr/>
-        <p:nvPr/>
-      </p:nvGrpSpPr>
-      <p:grpSpPr>
-        <a:xfrm>
-          <a:off x="0" y="0"/>
-          <a:ext cx="0" cy="0"/>
-          <a:chOff x="0" y="0"/>
-          <a:chExt cx="0" cy="0"/>
-        </a:xfrm>
-      </p:grpSpPr>
-      <p:sp>
-        <p:nvSpPr>
-          <p:cNvPr id="4" name="TextBox 3">
-            <a:extLst>
-              <a:ext uri="{FF2B5EF4-FFF2-40B4-BE49-F238E27FC236}">
-                <a16:creationId xmlns:a16="http://schemas.microsoft.com/office/drawing/2014/main" id="{867A7A21-87C6-415F-8954-4CE0C99FC6CC}"/>
-              </a:ext>
-            </a:extLst>
-          </p:cNvPr>
-          <p:cNvSpPr txBox="1"/>
-          <p:nvPr/>
-        </p:nvSpPr>
-        <p:spPr>
-          <a:xfrm>
-            <a:off x="439646" y="0"/>
-            <a:ext cx="11312708" cy="461665"/>
-          </a:xfrm>
-          <a:prstGeom prst="rect">
-            <a:avLst/>
-          </a:prstGeom>
-          <a:noFill/>
-        </p:spPr>
-        <p:txBody>
-          <a:bodyPr wrap="square" rtlCol="0">
-            <a:spAutoFit/>
-          </a:bodyPr>
-          <a:lstStyle/>
-          <a:p>
-            <a:r>
-              <a:rPr lang="en-US" altLang="ko-KR" sz="2400" dirty="0"/>
-              <a:t>15899 </a:t>
-            </a:r>
-            <a:r>
-              <a:rPr lang="ko-KR" altLang="en-US" sz="2400" dirty="0"/>
-              <a:t>트리와 색깔</a:t>
-            </a:r>
-          </a:p>
-        </p:txBody>
-      </p:sp>
-      <p:sp>
-        <p:nvSpPr>
-          <p:cNvPr id="6" name="TextBox 5">
-            <a:extLst>
-              <a:ext uri="{FF2B5EF4-FFF2-40B4-BE49-F238E27FC236}">
-                <a16:creationId xmlns:a16="http://schemas.microsoft.com/office/drawing/2014/main" id="{74E49943-A862-4C93-828B-C6EA6C787219}"/>
-              </a:ext>
-            </a:extLst>
-          </p:cNvPr>
-          <p:cNvSpPr txBox="1"/>
-          <p:nvPr/>
-        </p:nvSpPr>
-        <p:spPr>
-          <a:xfrm>
-            <a:off x="439645" y="887074"/>
-            <a:ext cx="11275207" cy="369332"/>
-          </a:xfrm>
-          <a:prstGeom prst="rect">
-            <a:avLst/>
-          </a:prstGeom>
-          <a:noFill/>
-        </p:spPr>
-        <p:txBody>
-          <a:bodyPr wrap="square" rtlCol="0">
-            <a:spAutoFit/>
-          </a:bodyPr>
-          <a:lstStyle/>
-          <a:p>
-            <a:r>
-              <a:rPr lang="ko-KR" altLang="en-US" dirty="0" err="1"/>
-              <a:t>링크드</a:t>
-            </a:r>
-            <a:r>
-              <a:rPr lang="ko-KR" altLang="en-US" dirty="0"/>
-              <a:t> 리스트</a:t>
-            </a:r>
-            <a:r>
-              <a:rPr lang="en-US" altLang="ko-KR" dirty="0"/>
-              <a:t>: </a:t>
-            </a:r>
-          </a:p>
-        </p:txBody>
-      </p:sp>
-      <p:sp>
-        <p:nvSpPr>
-          <p:cNvPr id="2" name="직사각형 1">
-            <a:extLst>
-              <a:ext uri="{FF2B5EF4-FFF2-40B4-BE49-F238E27FC236}">
-                <a16:creationId xmlns:a16="http://schemas.microsoft.com/office/drawing/2014/main" id="{4FB187EB-0DC8-4F77-8766-20F5BD19EF84}"/>
-              </a:ext>
-            </a:extLst>
-          </p:cNvPr>
-          <p:cNvSpPr/>
-          <p:nvPr/>
-        </p:nvSpPr>
-        <p:spPr>
-          <a:xfrm>
-            <a:off x="4758709" y="2544579"/>
-            <a:ext cx="852163" cy="277671"/>
-          </a:xfrm>
-          <a:prstGeom prst="rect">
-            <a:avLst/>
-          </a:prstGeom>
-        </p:spPr>
-        <p:style>
-          <a:lnRef idx="2">
-            <a:schemeClr val="accent1">
-              <a:shade val="50000"/>
-            </a:schemeClr>
-          </a:lnRef>
-          <a:fillRef idx="1">
-            <a:schemeClr val="accent1"/>
-          </a:fillRef>
-          <a:effectRef idx="0">
-            <a:schemeClr val="accent1"/>
-          </a:effectRef>
-          <a:fontRef idx="minor">
-            <a:schemeClr val="lt1"/>
-          </a:fontRef>
-        </p:style>
-        <p:txBody>
-          <a:bodyPr rtlCol="0" anchor="ctr"/>
-          <a:lstStyle/>
-          <a:p>
-            <a:pPr algn="ctr"/>
-            <a:r>
-              <a:rPr lang="en-US" altLang="ko-KR" dirty="0"/>
-              <a:t>1</a:t>
-            </a:r>
-            <a:endParaRPr lang="ko-KR" altLang="en-US" dirty="0"/>
-          </a:p>
-        </p:txBody>
-      </p:sp>
-      <p:sp>
-        <p:nvSpPr>
-          <p:cNvPr id="5" name="직사각형 4">
-            <a:extLst>
-              <a:ext uri="{FF2B5EF4-FFF2-40B4-BE49-F238E27FC236}">
-                <a16:creationId xmlns:a16="http://schemas.microsoft.com/office/drawing/2014/main" id="{19BDA0BA-A9B3-4A90-92C5-F9382E0F2F83}"/>
-              </a:ext>
-            </a:extLst>
-          </p:cNvPr>
-          <p:cNvSpPr/>
-          <p:nvPr/>
-        </p:nvSpPr>
-        <p:spPr>
-          <a:xfrm>
-            <a:off x="4758708" y="2891963"/>
-            <a:ext cx="852163" cy="277671"/>
-          </a:xfrm>
-          <a:prstGeom prst="rect">
-            <a:avLst/>
-          </a:prstGeom>
-        </p:spPr>
-        <p:style>
-          <a:lnRef idx="2">
-            <a:schemeClr val="accent1">
-              <a:shade val="50000"/>
-            </a:schemeClr>
-          </a:lnRef>
-          <a:fillRef idx="1">
-            <a:schemeClr val="accent1"/>
-          </a:fillRef>
-          <a:effectRef idx="0">
-            <a:schemeClr val="accent1"/>
-          </a:effectRef>
-          <a:fontRef idx="minor">
-            <a:schemeClr val="lt1"/>
-          </a:fontRef>
-        </p:style>
-        <p:txBody>
-          <a:bodyPr rtlCol="0" anchor="ctr"/>
-          <a:lstStyle/>
-          <a:p>
-            <a:pPr algn="ctr"/>
-            <a:r>
-              <a:rPr lang="en-US" altLang="ko-KR" dirty="0"/>
-              <a:t>2</a:t>
-            </a:r>
-            <a:endParaRPr lang="ko-KR" altLang="en-US" dirty="0"/>
-          </a:p>
-        </p:txBody>
-      </p:sp>
-      <p:sp>
-        <p:nvSpPr>
-          <p:cNvPr id="7" name="직사각형 6">
-            <a:extLst>
-              <a:ext uri="{FF2B5EF4-FFF2-40B4-BE49-F238E27FC236}">
-                <a16:creationId xmlns:a16="http://schemas.microsoft.com/office/drawing/2014/main" id="{8FF32810-D973-4922-AFC3-ABFCE971404E}"/>
-              </a:ext>
-            </a:extLst>
-          </p:cNvPr>
-          <p:cNvSpPr/>
-          <p:nvPr/>
-        </p:nvSpPr>
-        <p:spPr>
-          <a:xfrm>
-            <a:off x="4758707" y="3239347"/>
-            <a:ext cx="852163" cy="277671"/>
-          </a:xfrm>
-          <a:prstGeom prst="rect">
-            <a:avLst/>
-          </a:prstGeom>
-        </p:spPr>
-        <p:style>
-          <a:lnRef idx="2">
-            <a:schemeClr val="accent1">
-              <a:shade val="50000"/>
-            </a:schemeClr>
-          </a:lnRef>
-          <a:fillRef idx="1">
-            <a:schemeClr val="accent1"/>
-          </a:fillRef>
-          <a:effectRef idx="0">
-            <a:schemeClr val="accent1"/>
-          </a:effectRef>
-          <a:fontRef idx="minor">
-            <a:schemeClr val="lt1"/>
-          </a:fontRef>
-        </p:style>
-        <p:txBody>
-          <a:bodyPr rtlCol="0" anchor="ctr"/>
-          <a:lstStyle/>
-          <a:p>
-            <a:pPr algn="ctr"/>
-            <a:r>
-              <a:rPr lang="en-US" altLang="ko-KR" dirty="0"/>
-              <a:t>3</a:t>
-            </a:r>
-            <a:endParaRPr lang="ko-KR" altLang="en-US" dirty="0"/>
-          </a:p>
-        </p:txBody>
-      </p:sp>
-      <p:sp>
-        <p:nvSpPr>
-          <p:cNvPr id="8" name="직사각형 7">
-            <a:extLst>
-              <a:ext uri="{FF2B5EF4-FFF2-40B4-BE49-F238E27FC236}">
-                <a16:creationId xmlns:a16="http://schemas.microsoft.com/office/drawing/2014/main" id="{FBD6FB14-16B6-4E0F-ACFE-86CBEBA85189}"/>
-              </a:ext>
-            </a:extLst>
-          </p:cNvPr>
-          <p:cNvSpPr/>
-          <p:nvPr/>
-        </p:nvSpPr>
-        <p:spPr>
-          <a:xfrm>
-            <a:off x="4758706" y="3586731"/>
-            <a:ext cx="852163" cy="277671"/>
-          </a:xfrm>
-          <a:prstGeom prst="rect">
-            <a:avLst/>
-          </a:prstGeom>
-        </p:spPr>
-        <p:style>
-          <a:lnRef idx="2">
-            <a:schemeClr val="accent1">
-              <a:shade val="50000"/>
-            </a:schemeClr>
-          </a:lnRef>
-          <a:fillRef idx="1">
-            <a:schemeClr val="accent1"/>
-          </a:fillRef>
-          <a:effectRef idx="0">
-            <a:schemeClr val="accent1"/>
-          </a:effectRef>
-          <a:fontRef idx="minor">
-            <a:schemeClr val="lt1"/>
-          </a:fontRef>
-        </p:style>
-        <p:txBody>
-          <a:bodyPr rtlCol="0" anchor="ctr"/>
-          <a:lstStyle/>
-          <a:p>
-            <a:pPr algn="ctr"/>
-            <a:r>
-              <a:rPr lang="en-US" altLang="ko-KR" dirty="0"/>
-              <a:t>4</a:t>
-            </a:r>
-            <a:endParaRPr lang="ko-KR" altLang="en-US" dirty="0"/>
-          </a:p>
-        </p:txBody>
-      </p:sp>
-      <p:sp>
-        <p:nvSpPr>
-          <p:cNvPr id="9" name="직사각형 8">
-            <a:extLst>
-              <a:ext uri="{FF2B5EF4-FFF2-40B4-BE49-F238E27FC236}">
-                <a16:creationId xmlns:a16="http://schemas.microsoft.com/office/drawing/2014/main" id="{5DA391DD-3766-4956-8D8C-BC6BB38D2659}"/>
-              </a:ext>
-            </a:extLst>
-          </p:cNvPr>
-          <p:cNvSpPr/>
-          <p:nvPr/>
-        </p:nvSpPr>
-        <p:spPr>
-          <a:xfrm>
-            <a:off x="4758705" y="3934115"/>
-            <a:ext cx="852163" cy="277671"/>
-          </a:xfrm>
-          <a:prstGeom prst="rect">
-            <a:avLst/>
-          </a:prstGeom>
-        </p:spPr>
-        <p:style>
-          <a:lnRef idx="2">
-            <a:schemeClr val="accent1">
-              <a:shade val="50000"/>
-            </a:schemeClr>
-          </a:lnRef>
-          <a:fillRef idx="1">
-            <a:schemeClr val="accent1"/>
-          </a:fillRef>
-          <a:effectRef idx="0">
-            <a:schemeClr val="accent1"/>
-          </a:effectRef>
-          <a:fontRef idx="minor">
-            <a:schemeClr val="lt1"/>
-          </a:fontRef>
-        </p:style>
-        <p:txBody>
-          <a:bodyPr rtlCol="0" anchor="ctr"/>
-          <a:lstStyle/>
-          <a:p>
-            <a:pPr algn="ctr"/>
-            <a:r>
-              <a:rPr lang="en-US" altLang="ko-KR" dirty="0"/>
-              <a:t>5</a:t>
-            </a:r>
-            <a:endParaRPr lang="ko-KR" altLang="en-US" dirty="0"/>
-          </a:p>
-        </p:txBody>
-      </p:sp>
-      <p:sp>
-        <p:nvSpPr>
-          <p:cNvPr id="10" name="직사각형 9">
-            <a:extLst>
-              <a:ext uri="{FF2B5EF4-FFF2-40B4-BE49-F238E27FC236}">
-                <a16:creationId xmlns:a16="http://schemas.microsoft.com/office/drawing/2014/main" id="{97DC9276-D89F-48D8-A5C0-9E48E1025167}"/>
-              </a:ext>
-            </a:extLst>
-          </p:cNvPr>
-          <p:cNvSpPr/>
-          <p:nvPr/>
-        </p:nvSpPr>
-        <p:spPr>
-          <a:xfrm>
-            <a:off x="5978706" y="2542480"/>
-            <a:ext cx="852163" cy="277671"/>
-          </a:xfrm>
-          <a:prstGeom prst="rect">
-            <a:avLst/>
-          </a:prstGeom>
-        </p:spPr>
-        <p:style>
-          <a:lnRef idx="2">
-            <a:schemeClr val="accent1">
-              <a:shade val="50000"/>
-            </a:schemeClr>
-          </a:lnRef>
-          <a:fillRef idx="1">
-            <a:schemeClr val="accent1"/>
-          </a:fillRef>
-          <a:effectRef idx="0">
-            <a:schemeClr val="accent1"/>
-          </a:effectRef>
-          <a:fontRef idx="minor">
-            <a:schemeClr val="lt1"/>
-          </a:fontRef>
-        </p:style>
-        <p:txBody>
-          <a:bodyPr rtlCol="0" anchor="ctr"/>
-          <a:lstStyle/>
-          <a:p>
-            <a:pPr algn="ctr"/>
-            <a:r>
-              <a:rPr lang="en-US" altLang="ko-KR" dirty="0"/>
-              <a:t>2</a:t>
-            </a:r>
-            <a:endParaRPr lang="ko-KR" altLang="en-US" dirty="0"/>
-          </a:p>
-        </p:txBody>
-      </p:sp>
-      <p:sp>
-        <p:nvSpPr>
-          <p:cNvPr id="11" name="직사각형 10">
-            <a:extLst>
-              <a:ext uri="{FF2B5EF4-FFF2-40B4-BE49-F238E27FC236}">
-                <a16:creationId xmlns:a16="http://schemas.microsoft.com/office/drawing/2014/main" id="{8B2D32F7-66A0-4585-9012-EB8C66ACC11C}"/>
-              </a:ext>
-            </a:extLst>
-          </p:cNvPr>
-          <p:cNvSpPr/>
-          <p:nvPr/>
-        </p:nvSpPr>
-        <p:spPr>
-          <a:xfrm>
-            <a:off x="7198703" y="2542480"/>
-            <a:ext cx="852163" cy="277671"/>
-          </a:xfrm>
-          <a:prstGeom prst="rect">
-            <a:avLst/>
-          </a:prstGeom>
-        </p:spPr>
-        <p:style>
-          <a:lnRef idx="2">
-            <a:schemeClr val="accent1">
-              <a:shade val="50000"/>
-            </a:schemeClr>
-          </a:lnRef>
-          <a:fillRef idx="1">
-            <a:schemeClr val="accent1"/>
-          </a:fillRef>
-          <a:effectRef idx="0">
-            <a:schemeClr val="accent1"/>
-          </a:effectRef>
-          <a:fontRef idx="minor">
-            <a:schemeClr val="lt1"/>
-          </a:fontRef>
-        </p:style>
-        <p:txBody>
-          <a:bodyPr rtlCol="0" anchor="ctr"/>
-          <a:lstStyle/>
-          <a:p>
-            <a:pPr algn="ctr"/>
-            <a:r>
-              <a:rPr lang="en-US" altLang="ko-KR" dirty="0"/>
-              <a:t>3</a:t>
-            </a:r>
-            <a:endParaRPr lang="ko-KR" altLang="en-US" dirty="0"/>
-          </a:p>
-        </p:txBody>
-      </p:sp>
-      <p:sp>
-        <p:nvSpPr>
-          <p:cNvPr id="12" name="직사각형 11">
-            <a:extLst>
-              <a:ext uri="{FF2B5EF4-FFF2-40B4-BE49-F238E27FC236}">
-                <a16:creationId xmlns:a16="http://schemas.microsoft.com/office/drawing/2014/main" id="{74E5A436-BE02-4CB7-869D-61ADA9D941DA}"/>
-              </a:ext>
-            </a:extLst>
-          </p:cNvPr>
-          <p:cNvSpPr/>
-          <p:nvPr/>
-        </p:nvSpPr>
-        <p:spPr>
-          <a:xfrm>
-            <a:off x="5978705" y="3242063"/>
-            <a:ext cx="852163" cy="277671"/>
-          </a:xfrm>
-          <a:prstGeom prst="rect">
-            <a:avLst/>
-          </a:prstGeom>
-        </p:spPr>
-        <p:style>
-          <a:lnRef idx="2">
-            <a:schemeClr val="accent1">
-              <a:shade val="50000"/>
-            </a:schemeClr>
-          </a:lnRef>
-          <a:fillRef idx="1">
-            <a:schemeClr val="accent1"/>
-          </a:fillRef>
-          <a:effectRef idx="0">
-            <a:schemeClr val="accent1"/>
-          </a:effectRef>
-          <a:fontRef idx="minor">
-            <a:schemeClr val="lt1"/>
-          </a:fontRef>
-        </p:style>
-        <p:txBody>
-          <a:bodyPr rtlCol="0" anchor="ctr"/>
-          <a:lstStyle/>
-          <a:p>
-            <a:pPr algn="ctr"/>
-            <a:r>
-              <a:rPr lang="en-US" altLang="ko-KR" dirty="0"/>
-              <a:t>4</a:t>
-            </a:r>
-            <a:endParaRPr lang="ko-KR" altLang="en-US" dirty="0"/>
-          </a:p>
-        </p:txBody>
-      </p:sp>
-      <p:sp>
-        <p:nvSpPr>
-          <p:cNvPr id="13" name="직사각형 12">
-            <a:extLst>
-              <a:ext uri="{FF2B5EF4-FFF2-40B4-BE49-F238E27FC236}">
-                <a16:creationId xmlns:a16="http://schemas.microsoft.com/office/drawing/2014/main" id="{7675C1FB-2D87-4F5F-BB18-A113A93132A9}"/>
-              </a:ext>
-            </a:extLst>
-          </p:cNvPr>
-          <p:cNvSpPr/>
-          <p:nvPr/>
-        </p:nvSpPr>
-        <p:spPr>
-          <a:xfrm>
-            <a:off x="5978705" y="3586730"/>
-            <a:ext cx="852163" cy="277671"/>
-          </a:xfrm>
-          <a:prstGeom prst="rect">
-            <a:avLst/>
-          </a:prstGeom>
-        </p:spPr>
-        <p:style>
-          <a:lnRef idx="2">
-            <a:schemeClr val="accent1">
-              <a:shade val="50000"/>
-            </a:schemeClr>
-          </a:lnRef>
-          <a:fillRef idx="1">
-            <a:schemeClr val="accent1"/>
-          </a:fillRef>
-          <a:effectRef idx="0">
-            <a:schemeClr val="accent1"/>
-          </a:effectRef>
-          <a:fontRef idx="minor">
-            <a:schemeClr val="lt1"/>
-          </a:fontRef>
-        </p:style>
-        <p:txBody>
-          <a:bodyPr rtlCol="0" anchor="ctr"/>
-          <a:lstStyle/>
-          <a:p>
-            <a:pPr algn="ctr"/>
-            <a:r>
-              <a:rPr lang="en-US" altLang="ko-KR" dirty="0"/>
-              <a:t>5</a:t>
-            </a:r>
-            <a:endParaRPr lang="ko-KR" altLang="en-US" dirty="0"/>
-          </a:p>
-        </p:txBody>
-      </p:sp>
-      <p:sp>
-        <p:nvSpPr>
-          <p:cNvPr id="14" name="직사각형 13">
-            <a:extLst>
-              <a:ext uri="{FF2B5EF4-FFF2-40B4-BE49-F238E27FC236}">
-                <a16:creationId xmlns:a16="http://schemas.microsoft.com/office/drawing/2014/main" id="{290AF27B-4DCB-4810-B6FC-41B03DD0FD9E}"/>
-              </a:ext>
-            </a:extLst>
-          </p:cNvPr>
-          <p:cNvSpPr/>
-          <p:nvPr/>
-        </p:nvSpPr>
-        <p:spPr>
-          <a:xfrm>
-            <a:off x="5978704" y="3941646"/>
-            <a:ext cx="852163" cy="277671"/>
-          </a:xfrm>
-          <a:prstGeom prst="rect">
-            <a:avLst/>
-          </a:prstGeom>
-          <a:noFill/>
-        </p:spPr>
-        <p:style>
-          <a:lnRef idx="2">
-            <a:schemeClr val="accent1">
-              <a:shade val="50000"/>
-            </a:schemeClr>
-          </a:lnRef>
-          <a:fillRef idx="1">
-            <a:schemeClr val="accent1"/>
-          </a:fillRef>
-          <a:effectRef idx="0">
-            <a:schemeClr val="accent1"/>
-          </a:effectRef>
-          <a:fontRef idx="minor">
-            <a:schemeClr val="lt1"/>
-          </a:fontRef>
-        </p:style>
-        <p:txBody>
-          <a:bodyPr rtlCol="0" anchor="ctr"/>
-          <a:lstStyle/>
-          <a:p>
-            <a:pPr algn="ctr"/>
-            <a:r>
-              <a:rPr lang="en-US" altLang="ko-KR" dirty="0">
-                <a:solidFill>
-                  <a:schemeClr val="tx1"/>
-                </a:solidFill>
-              </a:rPr>
-              <a:t>NULL</a:t>
-            </a:r>
-            <a:endParaRPr lang="ko-KR" altLang="en-US" dirty="0">
-              <a:solidFill>
-                <a:schemeClr val="tx1"/>
-              </a:solidFill>
-            </a:endParaRPr>
-          </a:p>
-        </p:txBody>
-      </p:sp>
-      <p:sp>
-        <p:nvSpPr>
-          <p:cNvPr id="15" name="직사각형 14">
-            <a:extLst>
-              <a:ext uri="{FF2B5EF4-FFF2-40B4-BE49-F238E27FC236}">
-                <a16:creationId xmlns:a16="http://schemas.microsoft.com/office/drawing/2014/main" id="{4EB0D1E7-15D4-44E9-B716-5D4A9440416F}"/>
-              </a:ext>
-            </a:extLst>
-          </p:cNvPr>
-          <p:cNvSpPr/>
-          <p:nvPr/>
-        </p:nvSpPr>
-        <p:spPr>
-          <a:xfrm>
-            <a:off x="7198702" y="3581078"/>
-            <a:ext cx="852163" cy="277671"/>
-          </a:xfrm>
-          <a:prstGeom prst="rect">
-            <a:avLst/>
-          </a:prstGeom>
-          <a:noFill/>
-        </p:spPr>
-        <p:style>
-          <a:lnRef idx="2">
-            <a:schemeClr val="accent1">
-              <a:shade val="50000"/>
-            </a:schemeClr>
-          </a:lnRef>
-          <a:fillRef idx="1">
-            <a:schemeClr val="accent1"/>
-          </a:fillRef>
-          <a:effectRef idx="0">
-            <a:schemeClr val="accent1"/>
-          </a:effectRef>
-          <a:fontRef idx="minor">
-            <a:schemeClr val="lt1"/>
-          </a:fontRef>
-        </p:style>
-        <p:txBody>
-          <a:bodyPr rtlCol="0" anchor="ctr"/>
-          <a:lstStyle/>
-          <a:p>
-            <a:pPr algn="ctr"/>
-            <a:r>
-              <a:rPr lang="en-US" altLang="ko-KR" dirty="0">
-                <a:solidFill>
-                  <a:schemeClr val="tx1"/>
-                </a:solidFill>
-              </a:rPr>
-              <a:t>NULL</a:t>
-            </a:r>
-            <a:endParaRPr lang="ko-KR" altLang="en-US" dirty="0">
-              <a:solidFill>
-                <a:schemeClr val="tx1"/>
-              </a:solidFill>
-            </a:endParaRPr>
-          </a:p>
-        </p:txBody>
-      </p:sp>
-      <p:sp>
-        <p:nvSpPr>
-          <p:cNvPr id="16" name="직사각형 15">
-            <a:extLst>
-              <a:ext uri="{FF2B5EF4-FFF2-40B4-BE49-F238E27FC236}">
-                <a16:creationId xmlns:a16="http://schemas.microsoft.com/office/drawing/2014/main" id="{C30D2298-8392-478B-94B1-7A812604D5AD}"/>
-              </a:ext>
-            </a:extLst>
-          </p:cNvPr>
-          <p:cNvSpPr/>
-          <p:nvPr/>
-        </p:nvSpPr>
-        <p:spPr>
-          <a:xfrm>
-            <a:off x="7198702" y="3239347"/>
-            <a:ext cx="852163" cy="277671"/>
-          </a:xfrm>
-          <a:prstGeom prst="rect">
-            <a:avLst/>
-          </a:prstGeom>
-          <a:noFill/>
-        </p:spPr>
-        <p:style>
-          <a:lnRef idx="2">
-            <a:schemeClr val="accent1">
-              <a:shade val="50000"/>
-            </a:schemeClr>
-          </a:lnRef>
-          <a:fillRef idx="1">
-            <a:schemeClr val="accent1"/>
-          </a:fillRef>
-          <a:effectRef idx="0">
-            <a:schemeClr val="accent1"/>
-          </a:effectRef>
-          <a:fontRef idx="minor">
-            <a:schemeClr val="lt1"/>
-          </a:fontRef>
-        </p:style>
-        <p:txBody>
-          <a:bodyPr rtlCol="0" anchor="ctr"/>
-          <a:lstStyle/>
-          <a:p>
-            <a:pPr algn="ctr"/>
-            <a:r>
-              <a:rPr lang="en-US" altLang="ko-KR" dirty="0">
-                <a:solidFill>
-                  <a:schemeClr val="tx1"/>
-                </a:solidFill>
-              </a:rPr>
-              <a:t>NULL</a:t>
-            </a:r>
-            <a:endParaRPr lang="ko-KR" altLang="en-US" dirty="0">
-              <a:solidFill>
-                <a:schemeClr val="tx1"/>
-              </a:solidFill>
-            </a:endParaRPr>
-          </a:p>
-        </p:txBody>
-      </p:sp>
-      <p:sp>
-        <p:nvSpPr>
-          <p:cNvPr id="17" name="직사각형 16">
-            <a:extLst>
-              <a:ext uri="{FF2B5EF4-FFF2-40B4-BE49-F238E27FC236}">
-                <a16:creationId xmlns:a16="http://schemas.microsoft.com/office/drawing/2014/main" id="{B9B2CACA-A334-4DBE-9838-8D493195B5A7}"/>
-              </a:ext>
-            </a:extLst>
-          </p:cNvPr>
-          <p:cNvSpPr/>
-          <p:nvPr/>
-        </p:nvSpPr>
-        <p:spPr>
-          <a:xfrm>
-            <a:off x="5978704" y="2887765"/>
-            <a:ext cx="852163" cy="277671"/>
-          </a:xfrm>
-          <a:prstGeom prst="rect">
-            <a:avLst/>
-          </a:prstGeom>
-          <a:noFill/>
-        </p:spPr>
-        <p:style>
-          <a:lnRef idx="2">
-            <a:schemeClr val="accent1">
-              <a:shade val="50000"/>
-            </a:schemeClr>
-          </a:lnRef>
-          <a:fillRef idx="1">
-            <a:schemeClr val="accent1"/>
-          </a:fillRef>
-          <a:effectRef idx="0">
-            <a:schemeClr val="accent1"/>
-          </a:effectRef>
-          <a:fontRef idx="minor">
-            <a:schemeClr val="lt1"/>
-          </a:fontRef>
-        </p:style>
-        <p:txBody>
-          <a:bodyPr rtlCol="0" anchor="ctr"/>
-          <a:lstStyle/>
-          <a:p>
-            <a:pPr algn="ctr"/>
-            <a:r>
-              <a:rPr lang="en-US" altLang="ko-KR" dirty="0">
-                <a:solidFill>
-                  <a:schemeClr val="tx1"/>
-                </a:solidFill>
-              </a:rPr>
-              <a:t>NULL</a:t>
-            </a:r>
-            <a:endParaRPr lang="ko-KR" altLang="en-US" dirty="0">
-              <a:solidFill>
-                <a:schemeClr val="tx1"/>
-              </a:solidFill>
-            </a:endParaRPr>
-          </a:p>
-        </p:txBody>
-      </p:sp>
-      <p:sp>
-        <p:nvSpPr>
-          <p:cNvPr id="18" name="직사각형 17">
-            <a:extLst>
-              <a:ext uri="{FF2B5EF4-FFF2-40B4-BE49-F238E27FC236}">
-                <a16:creationId xmlns:a16="http://schemas.microsoft.com/office/drawing/2014/main" id="{31F90C24-027F-46F1-8DB1-5B1D852CD344}"/>
-              </a:ext>
-            </a:extLst>
-          </p:cNvPr>
-          <p:cNvSpPr/>
-          <p:nvPr/>
-        </p:nvSpPr>
-        <p:spPr>
-          <a:xfrm>
-            <a:off x="8389174" y="2536395"/>
-            <a:ext cx="852163" cy="277671"/>
-          </a:xfrm>
-          <a:prstGeom prst="rect">
-            <a:avLst/>
-          </a:prstGeom>
-          <a:noFill/>
-        </p:spPr>
-        <p:style>
-          <a:lnRef idx="2">
-            <a:schemeClr val="accent1">
-              <a:shade val="50000"/>
-            </a:schemeClr>
-          </a:lnRef>
-          <a:fillRef idx="1">
-            <a:schemeClr val="accent1"/>
-          </a:fillRef>
-          <a:effectRef idx="0">
-            <a:schemeClr val="accent1"/>
-          </a:effectRef>
-          <a:fontRef idx="minor">
-            <a:schemeClr val="lt1"/>
-          </a:fontRef>
-        </p:style>
-        <p:txBody>
-          <a:bodyPr rtlCol="0" anchor="ctr"/>
-          <a:lstStyle/>
-          <a:p>
-            <a:pPr algn="ctr"/>
-            <a:r>
-              <a:rPr lang="en-US" altLang="ko-KR" dirty="0">
-                <a:solidFill>
-                  <a:schemeClr val="tx1"/>
-                </a:solidFill>
-              </a:rPr>
-              <a:t>NULL</a:t>
-            </a:r>
-            <a:endParaRPr lang="ko-KR" altLang="en-US" dirty="0">
-              <a:solidFill>
-                <a:schemeClr val="tx1"/>
-              </a:solidFill>
-            </a:endParaRPr>
-          </a:p>
-        </p:txBody>
-      </p:sp>
-      <p:cxnSp>
-        <p:nvCxnSpPr>
-          <p:cNvPr id="19" name="직선 화살표 연결선 18">
-            <a:extLst>
-              <a:ext uri="{FF2B5EF4-FFF2-40B4-BE49-F238E27FC236}">
-                <a16:creationId xmlns:a16="http://schemas.microsoft.com/office/drawing/2014/main" id="{6B25C42C-2DB2-447B-8438-05D3EF4F0EEC}"/>
-              </a:ext>
-            </a:extLst>
-          </p:cNvPr>
-          <p:cNvCxnSpPr>
-            <a:stCxn id="2" idx="3"/>
-            <a:endCxn id="10" idx="1"/>
-          </p:cNvCxnSpPr>
-          <p:nvPr/>
-        </p:nvCxnSpPr>
-        <p:spPr>
-          <a:xfrm flipV="1">
-            <a:off x="5610872" y="2681316"/>
-            <a:ext cx="367834" cy="2099"/>
-          </a:xfrm>
-          <a:prstGeom prst="straightConnector1">
-            <a:avLst/>
-          </a:prstGeom>
-          <a:ln>
-            <a:tailEnd type="triangle"/>
-          </a:ln>
-        </p:spPr>
-        <p:style>
-          <a:lnRef idx="1">
-            <a:schemeClr val="accent1"/>
-          </a:lnRef>
-          <a:fillRef idx="0">
-            <a:schemeClr val="accent1"/>
-          </a:fillRef>
-          <a:effectRef idx="0">
-            <a:schemeClr val="accent1"/>
-          </a:effectRef>
-          <a:fontRef idx="minor">
-            <a:schemeClr val="tx1"/>
-          </a:fontRef>
-        </p:style>
-      </p:cxnSp>
-      <p:cxnSp>
-        <p:nvCxnSpPr>
-          <p:cNvPr id="20" name="직선 화살표 연결선 19">
-            <a:extLst>
-              <a:ext uri="{FF2B5EF4-FFF2-40B4-BE49-F238E27FC236}">
-                <a16:creationId xmlns:a16="http://schemas.microsoft.com/office/drawing/2014/main" id="{CCD06022-CD3F-4B34-8F8C-D5086E38BFB9}"/>
-              </a:ext>
-            </a:extLst>
-          </p:cNvPr>
-          <p:cNvCxnSpPr/>
-          <p:nvPr/>
-        </p:nvCxnSpPr>
-        <p:spPr>
-          <a:xfrm flipV="1">
-            <a:off x="6839242" y="2682365"/>
-            <a:ext cx="367834" cy="2099"/>
-          </a:xfrm>
-          <a:prstGeom prst="straightConnector1">
-            <a:avLst/>
-          </a:prstGeom>
-          <a:ln>
-            <a:tailEnd type="triangle"/>
-          </a:ln>
-        </p:spPr>
-        <p:style>
-          <a:lnRef idx="1">
-            <a:schemeClr val="accent1"/>
-          </a:lnRef>
-          <a:fillRef idx="0">
-            <a:schemeClr val="accent1"/>
-          </a:fillRef>
-          <a:effectRef idx="0">
-            <a:schemeClr val="accent1"/>
-          </a:effectRef>
-          <a:fontRef idx="minor">
-            <a:schemeClr val="tx1"/>
-          </a:fontRef>
-        </p:style>
-      </p:cxnSp>
-      <p:cxnSp>
-        <p:nvCxnSpPr>
-          <p:cNvPr id="21" name="직선 화살표 연결선 20">
-            <a:extLst>
-              <a:ext uri="{FF2B5EF4-FFF2-40B4-BE49-F238E27FC236}">
-                <a16:creationId xmlns:a16="http://schemas.microsoft.com/office/drawing/2014/main" id="{AD4AFDEA-C6D4-4CFB-8E0D-7AC2AD022BD0}"/>
-              </a:ext>
-            </a:extLst>
-          </p:cNvPr>
-          <p:cNvCxnSpPr/>
-          <p:nvPr/>
-        </p:nvCxnSpPr>
-        <p:spPr>
-          <a:xfrm flipV="1">
-            <a:off x="8050866" y="2684271"/>
-            <a:ext cx="367834" cy="2099"/>
-          </a:xfrm>
-          <a:prstGeom prst="straightConnector1">
-            <a:avLst/>
-          </a:prstGeom>
-          <a:ln>
-            <a:tailEnd type="triangle"/>
-          </a:ln>
-        </p:spPr>
-        <p:style>
-          <a:lnRef idx="1">
-            <a:schemeClr val="accent1"/>
-          </a:lnRef>
-          <a:fillRef idx="0">
-            <a:schemeClr val="accent1"/>
-          </a:fillRef>
-          <a:effectRef idx="0">
-            <a:schemeClr val="accent1"/>
-          </a:effectRef>
-          <a:fontRef idx="minor">
-            <a:schemeClr val="tx1"/>
-          </a:fontRef>
-        </p:style>
-      </p:cxnSp>
-      <p:cxnSp>
-        <p:nvCxnSpPr>
-          <p:cNvPr id="22" name="직선 화살표 연결선 21">
-            <a:extLst>
-              <a:ext uri="{FF2B5EF4-FFF2-40B4-BE49-F238E27FC236}">
-                <a16:creationId xmlns:a16="http://schemas.microsoft.com/office/drawing/2014/main" id="{8F755DD1-5475-457F-AEAF-217488665AFE}"/>
-              </a:ext>
-            </a:extLst>
-          </p:cNvPr>
-          <p:cNvCxnSpPr/>
-          <p:nvPr/>
-        </p:nvCxnSpPr>
-        <p:spPr>
-          <a:xfrm flipV="1">
-            <a:off x="5610868" y="3024432"/>
-            <a:ext cx="367834" cy="2099"/>
-          </a:xfrm>
-          <a:prstGeom prst="straightConnector1">
-            <a:avLst/>
-          </a:prstGeom>
-          <a:ln>
-            <a:tailEnd type="triangle"/>
-          </a:ln>
-        </p:spPr>
-        <p:style>
-          <a:lnRef idx="1">
-            <a:schemeClr val="accent1"/>
-          </a:lnRef>
-          <a:fillRef idx="0">
-            <a:schemeClr val="accent1"/>
-          </a:fillRef>
-          <a:effectRef idx="0">
-            <a:schemeClr val="accent1"/>
-          </a:effectRef>
-          <a:fontRef idx="minor">
-            <a:schemeClr val="tx1"/>
-          </a:fontRef>
-        </p:style>
-      </p:cxnSp>
-      <p:cxnSp>
-        <p:nvCxnSpPr>
-          <p:cNvPr id="23" name="직선 화살표 연결선 22">
-            <a:extLst>
-              <a:ext uri="{FF2B5EF4-FFF2-40B4-BE49-F238E27FC236}">
-                <a16:creationId xmlns:a16="http://schemas.microsoft.com/office/drawing/2014/main" id="{3C506A85-08F5-46A9-B1CB-BC6747DFEF98}"/>
-              </a:ext>
-            </a:extLst>
-          </p:cNvPr>
-          <p:cNvCxnSpPr/>
-          <p:nvPr/>
-        </p:nvCxnSpPr>
-        <p:spPr>
-          <a:xfrm flipV="1">
-            <a:off x="5610872" y="3376631"/>
-            <a:ext cx="367834" cy="2099"/>
-          </a:xfrm>
-          <a:prstGeom prst="straightConnector1">
-            <a:avLst/>
-          </a:prstGeom>
-          <a:ln>
-            <a:tailEnd type="triangle"/>
-          </a:ln>
-        </p:spPr>
-        <p:style>
-          <a:lnRef idx="1">
-            <a:schemeClr val="accent1"/>
-          </a:lnRef>
-          <a:fillRef idx="0">
-            <a:schemeClr val="accent1"/>
-          </a:fillRef>
-          <a:effectRef idx="0">
-            <a:schemeClr val="accent1"/>
-          </a:effectRef>
-          <a:fontRef idx="minor">
-            <a:schemeClr val="tx1"/>
-          </a:fontRef>
-        </p:style>
-      </p:cxnSp>
-      <p:cxnSp>
-        <p:nvCxnSpPr>
-          <p:cNvPr id="24" name="직선 화살표 연결선 23">
-            <a:extLst>
-              <a:ext uri="{FF2B5EF4-FFF2-40B4-BE49-F238E27FC236}">
-                <a16:creationId xmlns:a16="http://schemas.microsoft.com/office/drawing/2014/main" id="{B22CF67D-C970-4A15-BF38-F01F11863E7D}"/>
-              </a:ext>
-            </a:extLst>
-          </p:cNvPr>
-          <p:cNvCxnSpPr/>
-          <p:nvPr/>
-        </p:nvCxnSpPr>
-        <p:spPr>
-          <a:xfrm flipV="1">
-            <a:off x="5610868" y="3726731"/>
-            <a:ext cx="367834" cy="2099"/>
-          </a:xfrm>
-          <a:prstGeom prst="straightConnector1">
-            <a:avLst/>
-          </a:prstGeom>
-          <a:ln>
-            <a:tailEnd type="triangle"/>
-          </a:ln>
-        </p:spPr>
-        <p:style>
-          <a:lnRef idx="1">
-            <a:schemeClr val="accent1"/>
-          </a:lnRef>
-          <a:fillRef idx="0">
-            <a:schemeClr val="accent1"/>
-          </a:fillRef>
-          <a:effectRef idx="0">
-            <a:schemeClr val="accent1"/>
-          </a:effectRef>
-          <a:fontRef idx="minor">
-            <a:schemeClr val="tx1"/>
-          </a:fontRef>
-        </p:style>
-      </p:cxnSp>
-      <p:cxnSp>
-        <p:nvCxnSpPr>
-          <p:cNvPr id="25" name="직선 화살표 연결선 24">
-            <a:extLst>
-              <a:ext uri="{FF2B5EF4-FFF2-40B4-BE49-F238E27FC236}">
-                <a16:creationId xmlns:a16="http://schemas.microsoft.com/office/drawing/2014/main" id="{A1CE83FB-61AF-45B5-AE5E-B2893E32A8C7}"/>
-              </a:ext>
-            </a:extLst>
-          </p:cNvPr>
-          <p:cNvCxnSpPr/>
-          <p:nvPr/>
-        </p:nvCxnSpPr>
-        <p:spPr>
-          <a:xfrm flipV="1">
-            <a:off x="6830867" y="3383067"/>
-            <a:ext cx="367834" cy="2099"/>
-          </a:xfrm>
-          <a:prstGeom prst="straightConnector1">
-            <a:avLst/>
-          </a:prstGeom>
-          <a:ln>
-            <a:tailEnd type="triangle"/>
-          </a:ln>
-        </p:spPr>
-        <p:style>
-          <a:lnRef idx="1">
-            <a:schemeClr val="accent1"/>
-          </a:lnRef>
-          <a:fillRef idx="0">
-            <a:schemeClr val="accent1"/>
-          </a:fillRef>
-          <a:effectRef idx="0">
-            <a:schemeClr val="accent1"/>
-          </a:effectRef>
-          <a:fontRef idx="minor">
-            <a:schemeClr val="tx1"/>
-          </a:fontRef>
-        </p:style>
-      </p:cxnSp>
-      <p:cxnSp>
-        <p:nvCxnSpPr>
-          <p:cNvPr id="26" name="직선 화살표 연결선 25">
-            <a:extLst>
-              <a:ext uri="{FF2B5EF4-FFF2-40B4-BE49-F238E27FC236}">
-                <a16:creationId xmlns:a16="http://schemas.microsoft.com/office/drawing/2014/main" id="{B8F82B12-7DC9-4D71-B6FC-F57670ACD5BB}"/>
-              </a:ext>
-            </a:extLst>
-          </p:cNvPr>
-          <p:cNvCxnSpPr/>
-          <p:nvPr/>
-        </p:nvCxnSpPr>
-        <p:spPr>
-          <a:xfrm flipV="1">
-            <a:off x="5610868" y="4085554"/>
-            <a:ext cx="367834" cy="2099"/>
-          </a:xfrm>
-          <a:prstGeom prst="straightConnector1">
-            <a:avLst/>
-          </a:prstGeom>
-          <a:ln>
-            <a:tailEnd type="triangle"/>
-          </a:ln>
-        </p:spPr>
-        <p:style>
-          <a:lnRef idx="1">
-            <a:schemeClr val="accent1"/>
-          </a:lnRef>
-          <a:fillRef idx="0">
-            <a:schemeClr val="accent1"/>
-          </a:fillRef>
-          <a:effectRef idx="0">
-            <a:schemeClr val="accent1"/>
-          </a:effectRef>
-          <a:fontRef idx="minor">
-            <a:schemeClr val="tx1"/>
-          </a:fontRef>
-        </p:style>
-      </p:cxnSp>
-      <p:cxnSp>
-        <p:nvCxnSpPr>
-          <p:cNvPr id="27" name="직선 화살표 연결선 26">
-            <a:extLst>
-              <a:ext uri="{FF2B5EF4-FFF2-40B4-BE49-F238E27FC236}">
-                <a16:creationId xmlns:a16="http://schemas.microsoft.com/office/drawing/2014/main" id="{FA9B247D-8FC7-47E4-A137-0B30416C00B3}"/>
-              </a:ext>
-            </a:extLst>
-          </p:cNvPr>
-          <p:cNvCxnSpPr/>
-          <p:nvPr/>
-        </p:nvCxnSpPr>
-        <p:spPr>
-          <a:xfrm flipV="1">
-            <a:off x="6830867" y="3733599"/>
-            <a:ext cx="367834" cy="2099"/>
-          </a:xfrm>
-          <a:prstGeom prst="straightConnector1">
-            <a:avLst/>
-          </a:prstGeom>
-          <a:ln>
-            <a:tailEnd type="triangle"/>
-          </a:ln>
-        </p:spPr>
-        <p:style>
-          <a:lnRef idx="1">
-            <a:schemeClr val="accent1"/>
-          </a:lnRef>
-          <a:fillRef idx="0">
-            <a:schemeClr val="accent1"/>
-          </a:fillRef>
-          <a:effectRef idx="0">
-            <a:schemeClr val="accent1"/>
-          </a:effectRef>
-          <a:fontRef idx="minor">
-            <a:schemeClr val="tx1"/>
-          </a:fontRef>
-        </p:style>
-      </p:cxnSp>
-      <p:sp>
-        <p:nvSpPr>
-          <p:cNvPr id="28" name="타원 27">
-            <a:extLst>
-              <a:ext uri="{FF2B5EF4-FFF2-40B4-BE49-F238E27FC236}">
-                <a16:creationId xmlns:a16="http://schemas.microsoft.com/office/drawing/2014/main" id="{DBC14C03-C541-4CD6-8752-D915CA7390F5}"/>
-              </a:ext>
-            </a:extLst>
-          </p:cNvPr>
-          <p:cNvSpPr/>
-          <p:nvPr/>
-        </p:nvSpPr>
-        <p:spPr>
-          <a:xfrm>
-            <a:off x="2250094" y="1650110"/>
-            <a:ext cx="534601" cy="534601"/>
-          </a:xfrm>
-          <a:prstGeom prst="ellipse">
-            <a:avLst/>
-          </a:prstGeom>
-        </p:spPr>
-        <p:style>
-          <a:lnRef idx="2">
-            <a:schemeClr val="accent1">
-              <a:shade val="50000"/>
-            </a:schemeClr>
-          </a:lnRef>
-          <a:fillRef idx="1">
-            <a:schemeClr val="accent1"/>
-          </a:fillRef>
-          <a:effectRef idx="0">
-            <a:schemeClr val="accent1"/>
-          </a:effectRef>
-          <a:fontRef idx="minor">
-            <a:schemeClr val="lt1"/>
-          </a:fontRef>
-        </p:style>
-        <p:txBody>
-          <a:bodyPr rtlCol="0" anchor="ctr"/>
-          <a:lstStyle/>
-          <a:p>
-            <a:pPr algn="ctr"/>
-            <a:r>
-              <a:rPr lang="en-US" altLang="ko-KR" dirty="0"/>
-              <a:t>1</a:t>
-            </a:r>
-            <a:endParaRPr lang="ko-KR" altLang="en-US" dirty="0"/>
-          </a:p>
-        </p:txBody>
-      </p:sp>
-      <p:sp>
-        <p:nvSpPr>
-          <p:cNvPr id="29" name="타원 28">
-            <a:extLst>
-              <a:ext uri="{FF2B5EF4-FFF2-40B4-BE49-F238E27FC236}">
-                <a16:creationId xmlns:a16="http://schemas.microsoft.com/office/drawing/2014/main" id="{FD7C3F7B-7F6A-4705-9354-728AE1B87628}"/>
-              </a:ext>
-            </a:extLst>
-          </p:cNvPr>
-          <p:cNvSpPr/>
-          <p:nvPr/>
-        </p:nvSpPr>
-        <p:spPr>
-          <a:xfrm>
-            <a:off x="1392346" y="2542481"/>
-            <a:ext cx="534601" cy="534601"/>
-          </a:xfrm>
-          <a:prstGeom prst="ellipse">
-            <a:avLst/>
-          </a:prstGeom>
-        </p:spPr>
-        <p:style>
-          <a:lnRef idx="2">
-            <a:schemeClr val="accent1">
-              <a:shade val="50000"/>
-            </a:schemeClr>
-          </a:lnRef>
-          <a:fillRef idx="1">
-            <a:schemeClr val="accent1"/>
-          </a:fillRef>
-          <a:effectRef idx="0">
-            <a:schemeClr val="accent1"/>
-          </a:effectRef>
-          <a:fontRef idx="minor">
-            <a:schemeClr val="lt1"/>
-          </a:fontRef>
-        </p:style>
-        <p:txBody>
-          <a:bodyPr rtlCol="0" anchor="ctr"/>
-          <a:lstStyle/>
-          <a:p>
-            <a:pPr algn="ctr"/>
-            <a:r>
-              <a:rPr lang="en-US" altLang="ko-KR" dirty="0"/>
-              <a:t>2</a:t>
-            </a:r>
-            <a:endParaRPr lang="ko-KR" altLang="en-US" dirty="0"/>
-          </a:p>
-        </p:txBody>
-      </p:sp>
-      <p:sp>
-        <p:nvSpPr>
-          <p:cNvPr id="30" name="타원 29">
-            <a:extLst>
-              <a:ext uri="{FF2B5EF4-FFF2-40B4-BE49-F238E27FC236}">
-                <a16:creationId xmlns:a16="http://schemas.microsoft.com/office/drawing/2014/main" id="{0F059617-5CF8-4FBC-AD67-B6A8C3A995C4}"/>
-              </a:ext>
-            </a:extLst>
-          </p:cNvPr>
-          <p:cNvSpPr/>
-          <p:nvPr/>
-        </p:nvSpPr>
-        <p:spPr>
-          <a:xfrm>
-            <a:off x="2250092" y="2542480"/>
-            <a:ext cx="534601" cy="534601"/>
-          </a:xfrm>
-          <a:prstGeom prst="ellipse">
-            <a:avLst/>
-          </a:prstGeom>
-        </p:spPr>
-        <p:style>
-          <a:lnRef idx="2">
-            <a:schemeClr val="accent1">
-              <a:shade val="50000"/>
-            </a:schemeClr>
-          </a:lnRef>
-          <a:fillRef idx="1">
-            <a:schemeClr val="accent1"/>
-          </a:fillRef>
-          <a:effectRef idx="0">
-            <a:schemeClr val="accent1"/>
-          </a:effectRef>
-          <a:fontRef idx="minor">
-            <a:schemeClr val="lt1"/>
-          </a:fontRef>
-        </p:style>
-        <p:txBody>
-          <a:bodyPr rtlCol="0" anchor="ctr"/>
-          <a:lstStyle/>
-          <a:p>
-            <a:pPr algn="ctr"/>
-            <a:r>
-              <a:rPr lang="en-US" altLang="ko-KR" dirty="0"/>
-              <a:t>3</a:t>
-            </a:r>
-            <a:endParaRPr lang="ko-KR" altLang="en-US" dirty="0"/>
-          </a:p>
-        </p:txBody>
-      </p:sp>
-      <p:sp>
-        <p:nvSpPr>
-          <p:cNvPr id="31" name="타원 30">
-            <a:extLst>
-              <a:ext uri="{FF2B5EF4-FFF2-40B4-BE49-F238E27FC236}">
-                <a16:creationId xmlns:a16="http://schemas.microsoft.com/office/drawing/2014/main" id="{AB9B3159-B1CD-4DC5-B20C-03D8055DCADA}"/>
-              </a:ext>
-            </a:extLst>
-          </p:cNvPr>
-          <p:cNvSpPr/>
-          <p:nvPr/>
-        </p:nvSpPr>
-        <p:spPr>
-          <a:xfrm>
-            <a:off x="2250091" y="3440747"/>
-            <a:ext cx="534601" cy="534601"/>
-          </a:xfrm>
-          <a:prstGeom prst="ellipse">
-            <a:avLst/>
-          </a:prstGeom>
-        </p:spPr>
-        <p:style>
-          <a:lnRef idx="2">
-            <a:schemeClr val="accent1">
-              <a:shade val="50000"/>
-            </a:schemeClr>
-          </a:lnRef>
-          <a:fillRef idx="1">
-            <a:schemeClr val="accent1"/>
-          </a:fillRef>
-          <a:effectRef idx="0">
-            <a:schemeClr val="accent1"/>
-          </a:effectRef>
-          <a:fontRef idx="minor">
-            <a:schemeClr val="lt1"/>
-          </a:fontRef>
-        </p:style>
-        <p:txBody>
-          <a:bodyPr rtlCol="0" anchor="ctr"/>
-          <a:lstStyle/>
-          <a:p>
-            <a:pPr algn="ctr"/>
-            <a:r>
-              <a:rPr lang="en-US" altLang="ko-KR" dirty="0"/>
-              <a:t>4</a:t>
-            </a:r>
-            <a:endParaRPr lang="ko-KR" altLang="en-US" dirty="0"/>
-          </a:p>
-        </p:txBody>
-      </p:sp>
-      <p:sp>
-        <p:nvSpPr>
-          <p:cNvPr id="32" name="타원 31">
-            <a:extLst>
-              <a:ext uri="{FF2B5EF4-FFF2-40B4-BE49-F238E27FC236}">
-                <a16:creationId xmlns:a16="http://schemas.microsoft.com/office/drawing/2014/main" id="{FB54C1D7-6C8C-465E-875C-DAC0D8BA037F}"/>
-              </a:ext>
-            </a:extLst>
-          </p:cNvPr>
-          <p:cNvSpPr/>
-          <p:nvPr/>
-        </p:nvSpPr>
-        <p:spPr>
-          <a:xfrm>
-            <a:off x="2250091" y="4333117"/>
-            <a:ext cx="534601" cy="534601"/>
-          </a:xfrm>
-          <a:prstGeom prst="ellipse">
-            <a:avLst/>
-          </a:prstGeom>
-        </p:spPr>
-        <p:style>
-          <a:lnRef idx="2">
-            <a:schemeClr val="accent1">
-              <a:shade val="50000"/>
-            </a:schemeClr>
-          </a:lnRef>
-          <a:fillRef idx="1">
-            <a:schemeClr val="accent1"/>
-          </a:fillRef>
-          <a:effectRef idx="0">
-            <a:schemeClr val="accent1"/>
-          </a:effectRef>
-          <a:fontRef idx="minor">
-            <a:schemeClr val="lt1"/>
-          </a:fontRef>
-        </p:style>
-        <p:txBody>
-          <a:bodyPr rtlCol="0" anchor="ctr"/>
-          <a:lstStyle/>
-          <a:p>
-            <a:pPr algn="ctr"/>
-            <a:r>
-              <a:rPr lang="en-US" altLang="ko-KR" dirty="0"/>
-              <a:t>5</a:t>
-            </a:r>
-            <a:endParaRPr lang="ko-KR" altLang="en-US" dirty="0"/>
-          </a:p>
-        </p:txBody>
-      </p:sp>
-      <p:cxnSp>
-        <p:nvCxnSpPr>
-          <p:cNvPr id="34" name="직선 화살표 연결선 33">
-            <a:extLst>
-              <a:ext uri="{FF2B5EF4-FFF2-40B4-BE49-F238E27FC236}">
-                <a16:creationId xmlns:a16="http://schemas.microsoft.com/office/drawing/2014/main" id="{340F0F0A-FC4A-49A4-B8E9-8C6F7FF24DEB}"/>
-              </a:ext>
-            </a:extLst>
-          </p:cNvPr>
-          <p:cNvCxnSpPr>
-            <a:stCxn id="28" idx="3"/>
-            <a:endCxn id="29" idx="7"/>
-          </p:cNvCxnSpPr>
-          <p:nvPr/>
-        </p:nvCxnSpPr>
-        <p:spPr>
-          <a:xfrm flipH="1">
-            <a:off x="1848656" y="2106420"/>
-            <a:ext cx="479729" cy="514352"/>
-          </a:xfrm>
-          <a:prstGeom prst="straightConnector1">
-            <a:avLst/>
-          </a:prstGeom>
-          <a:ln>
-            <a:tailEnd type="triangle"/>
-          </a:ln>
-        </p:spPr>
-        <p:style>
-          <a:lnRef idx="1">
-            <a:schemeClr val="accent1"/>
-          </a:lnRef>
-          <a:fillRef idx="0">
-            <a:schemeClr val="accent1"/>
-          </a:fillRef>
-          <a:effectRef idx="0">
-            <a:schemeClr val="accent1"/>
-          </a:effectRef>
-          <a:fontRef idx="minor">
-            <a:schemeClr val="tx1"/>
-          </a:fontRef>
-        </p:style>
-      </p:cxnSp>
-      <p:cxnSp>
-        <p:nvCxnSpPr>
-          <p:cNvPr id="36" name="직선 화살표 연결선 35">
-            <a:extLst>
-              <a:ext uri="{FF2B5EF4-FFF2-40B4-BE49-F238E27FC236}">
-                <a16:creationId xmlns:a16="http://schemas.microsoft.com/office/drawing/2014/main" id="{BE5F6EDB-90E8-4890-AD0B-F138F9ED9DA0}"/>
-              </a:ext>
-            </a:extLst>
-          </p:cNvPr>
-          <p:cNvCxnSpPr>
-            <a:stCxn id="28" idx="4"/>
-            <a:endCxn id="30" idx="0"/>
-          </p:cNvCxnSpPr>
-          <p:nvPr/>
-        </p:nvCxnSpPr>
-        <p:spPr>
-          <a:xfrm flipH="1">
-            <a:off x="2517393" y="2184711"/>
-            <a:ext cx="2" cy="357769"/>
-          </a:xfrm>
-          <a:prstGeom prst="straightConnector1">
-            <a:avLst/>
-          </a:prstGeom>
-          <a:ln>
-            <a:tailEnd type="triangle"/>
-          </a:ln>
-        </p:spPr>
-        <p:style>
-          <a:lnRef idx="1">
-            <a:schemeClr val="accent1"/>
-          </a:lnRef>
-          <a:fillRef idx="0">
-            <a:schemeClr val="accent1"/>
-          </a:fillRef>
-          <a:effectRef idx="0">
-            <a:schemeClr val="accent1"/>
-          </a:effectRef>
-          <a:fontRef idx="minor">
-            <a:schemeClr val="tx1"/>
-          </a:fontRef>
-        </p:style>
-      </p:cxnSp>
-      <p:cxnSp>
-        <p:nvCxnSpPr>
-          <p:cNvPr id="37" name="직선 화살표 연결선 36">
-            <a:extLst>
-              <a:ext uri="{FF2B5EF4-FFF2-40B4-BE49-F238E27FC236}">
-                <a16:creationId xmlns:a16="http://schemas.microsoft.com/office/drawing/2014/main" id="{CB9A7D23-B650-435D-9C71-26F68CDB2F7B}"/>
-              </a:ext>
-            </a:extLst>
-          </p:cNvPr>
-          <p:cNvCxnSpPr/>
-          <p:nvPr/>
-        </p:nvCxnSpPr>
-        <p:spPr>
-          <a:xfrm flipH="1">
-            <a:off x="2517389" y="3087453"/>
-            <a:ext cx="2" cy="357769"/>
-          </a:xfrm>
-          <a:prstGeom prst="straightConnector1">
-            <a:avLst/>
-          </a:prstGeom>
-          <a:ln>
-            <a:tailEnd type="triangle"/>
-          </a:ln>
-        </p:spPr>
-        <p:style>
-          <a:lnRef idx="1">
-            <a:schemeClr val="accent1"/>
-          </a:lnRef>
-          <a:fillRef idx="0">
-            <a:schemeClr val="accent1"/>
-          </a:fillRef>
-          <a:effectRef idx="0">
-            <a:schemeClr val="accent1"/>
-          </a:effectRef>
-          <a:fontRef idx="minor">
-            <a:schemeClr val="tx1"/>
-          </a:fontRef>
-        </p:style>
-      </p:cxnSp>
-      <p:cxnSp>
-        <p:nvCxnSpPr>
-          <p:cNvPr id="38" name="직선 화살표 연결선 37">
-            <a:extLst>
-              <a:ext uri="{FF2B5EF4-FFF2-40B4-BE49-F238E27FC236}">
-                <a16:creationId xmlns:a16="http://schemas.microsoft.com/office/drawing/2014/main" id="{A6C843E2-3E9D-43B7-8A35-4AEB8FFBA9AB}"/>
-              </a:ext>
-            </a:extLst>
-          </p:cNvPr>
-          <p:cNvCxnSpPr/>
-          <p:nvPr/>
-        </p:nvCxnSpPr>
-        <p:spPr>
-          <a:xfrm flipH="1">
-            <a:off x="2517389" y="3970873"/>
-            <a:ext cx="2" cy="357769"/>
-          </a:xfrm>
-          <a:prstGeom prst="straightConnector1">
-            <a:avLst/>
-          </a:prstGeom>
-          <a:ln>
-            <a:tailEnd type="triangle"/>
-          </a:ln>
-        </p:spPr>
-        <p:style>
-          <a:lnRef idx="1">
-            <a:schemeClr val="accent1"/>
-          </a:lnRef>
-          <a:fillRef idx="0">
-            <a:schemeClr val="accent1"/>
-          </a:fillRef>
-          <a:effectRef idx="0">
-            <a:schemeClr val="accent1"/>
-          </a:effectRef>
-          <a:fontRef idx="minor">
-            <a:schemeClr val="tx1"/>
-          </a:fontRef>
-        </p:style>
-      </p:cxnSp>
-    </p:spTree>
-    <p:extLst>
-      <p:ext uri="{BB962C8B-B14F-4D97-AF65-F5344CB8AC3E}">
-        <p14:creationId xmlns:p14="http://schemas.microsoft.com/office/powerpoint/2010/main" val="3811741727"/>
       </p:ext>
     </p:extLst>
   </p:cSld>
